--- a/Sprint1/Apresentacoes/PI_Contexto.pptx
+++ b/Sprint1/Apresentacoes/PI_Contexto.pptx
@@ -1,17 +1,19 @@
 
 <file path=ppt/presentation.xml><?xml version="1.0" encoding="utf-8"?>
-<p:presentation xmlns:a="http://schemas.openxmlformats.org/drawingml/2006/main" xmlns:r="http://schemas.openxmlformats.org/officeDocument/2006/relationships" xmlns:p="http://schemas.openxmlformats.org/presentationml/2006/main" saveSubsetFonts="1">
+<p:presentation xmlns:a="http://schemas.openxmlformats.org/drawingml/2006/main" xmlns:r="http://schemas.openxmlformats.org/officeDocument/2006/relationships" xmlns:p="http://schemas.openxmlformats.org/presentationml/2006/main">
   <p:sldMasterIdLst>
     <p:sldMasterId id="2147483648" r:id="rId1"/>
+    <p:sldMasterId id="2147483660" r:id="rId3"/>
   </p:sldMasterIdLst>
   <p:sldIdLst>
-    <p:sldId id="256" r:id="rId2"/>
-    <p:sldId id="264" r:id="rId3"/>
-    <p:sldId id="267" r:id="rId4"/>
-    <p:sldId id="268" r:id="rId5"/>
-    <p:sldId id="269" r:id="rId6"/>
-    <p:sldId id="270" r:id="rId7"/>
-    <p:sldId id="271" r:id="rId8"/>
+    <p:sldId id="256" r:id="rId4"/>
+    <p:sldId id="264" r:id="rId5"/>
+    <p:sldId id="267" r:id="rId6"/>
+    <p:sldId id="268" r:id="rId7"/>
+    <p:sldId id="269" r:id="rId8"/>
+    <p:sldId id="270" r:id="rId9"/>
+    <p:sldId id="272" r:id="rId10"/>
+    <p:sldId id="271" r:id="rId11"/>
   </p:sldIdLst>
   <p:sldSz cx="12192000" cy="6858000"/>
   <p:notesSz cx="6858000" cy="9144000"/>
@@ -110,11 +112,6 @@
       </a:defRPr>
     </a:lvl9pPr>
   </p:defaultTextStyle>
-  <p:extLst>
-    <p:ext uri="{EFAFB233-063F-42B5-8137-9DF3F51BA10A}">
-      <p15:sldGuideLst xmlns:p15="http://schemas.microsoft.com/office/powerpoint/2012/main"/>
-    </p:ext>
-  </p:extLst>
 </p:presentation>
 </file>
 
@@ -137,18 +134,12 @@
       </p:grpSpPr>
       <p:sp>
         <p:nvSpPr>
-          <p:cNvPr id="2" name="Título 1">
-            <a:extLst>
-              <a:ext uri="{FF2B5EF4-FFF2-40B4-BE49-F238E27FC236}">
-                <a16:creationId xmlns:a16="http://schemas.microsoft.com/office/drawing/2014/main" id="{330ED914-D066-4569-96B6-9653E4EF6275}"/>
-              </a:ext>
-            </a:extLst>
-          </p:cNvPr>
-          <p:cNvSpPr>
-            <a:spLocks noGrp="1"/>
-          </p:cNvSpPr>
-          <p:nvPr>
-            <p:ph type="ctrTitle"/>
+          <p:cNvPr id="2" name="Título 1"/>
+          <p:cNvSpPr>
+            <a:spLocks noGrp="1"/>
+          </p:cNvSpPr>
+          <p:nvPr>
+            <p:ph type="ctrTitle" hasCustomPrompt="1"/>
           </p:nvPr>
         </p:nvSpPr>
         <p:spPr>
@@ -169,18 +160,13 @@
               <a:rPr lang="pt-BR"/>
               <a:t>Clique para editar o título Mestre</a:t>
             </a:r>
-          </a:p>
-        </p:txBody>
-      </p:sp>
-      <p:sp>
-        <p:nvSpPr>
-          <p:cNvPr id="3" name="Subtítulo 2">
-            <a:extLst>
-              <a:ext uri="{FF2B5EF4-FFF2-40B4-BE49-F238E27FC236}">
-                <a16:creationId xmlns:a16="http://schemas.microsoft.com/office/drawing/2014/main" id="{F36772AD-780B-4EC2-B34F-73EB30E3AE53}"/>
-              </a:ext>
-            </a:extLst>
-          </p:cNvPr>
+            <a:endParaRPr lang="pt-BR"/>
+          </a:p>
+        </p:txBody>
+      </p:sp>
+      <p:sp>
+        <p:nvSpPr>
+          <p:cNvPr id="3" name="Subtítulo 2"/>
           <p:cNvSpPr>
             <a:spLocks noGrp="1"/>
           </p:cNvSpPr>
@@ -239,18 +225,13 @@
               <a:rPr lang="pt-BR"/>
               <a:t>Clique para editar o estilo do subtítulo Mestre</a:t>
             </a:r>
-          </a:p>
-        </p:txBody>
-      </p:sp>
-      <p:sp>
-        <p:nvSpPr>
-          <p:cNvPr id="4" name="Espaço Reservado para Data 3">
-            <a:extLst>
-              <a:ext uri="{FF2B5EF4-FFF2-40B4-BE49-F238E27FC236}">
-                <a16:creationId xmlns:a16="http://schemas.microsoft.com/office/drawing/2014/main" id="{3736E580-7D62-43BC-8AF6-A2A2E281EC80}"/>
-              </a:ext>
-            </a:extLst>
-          </p:cNvPr>
+            <a:endParaRPr lang="pt-BR"/>
+          </a:p>
+        </p:txBody>
+      </p:sp>
+      <p:sp>
+        <p:nvSpPr>
+          <p:cNvPr id="4" name="Espaço Reservado para Data 3"/>
           <p:cNvSpPr>
             <a:spLocks noGrp="1"/>
           </p:cNvSpPr>
@@ -265,7 +246,6 @@
           <a:p>
             <a:fld id="{3C6C0946-3181-4760-B94E-3653598797FA}" type="datetimeFigureOut">
               <a:rPr lang="pt-BR" smtClean="0"/>
-              <a:t>06/02/2020</a:t>
             </a:fld>
             <a:endParaRPr lang="pt-BR"/>
           </a:p>
@@ -273,13 +253,7 @@
       </p:sp>
       <p:sp>
         <p:nvSpPr>
-          <p:cNvPr id="5" name="Espaço Reservado para Rodapé 4">
-            <a:extLst>
-              <a:ext uri="{FF2B5EF4-FFF2-40B4-BE49-F238E27FC236}">
-                <a16:creationId xmlns:a16="http://schemas.microsoft.com/office/drawing/2014/main" id="{446C3F25-62E7-4A1D-9E9E-8ABA9E41B1D5}"/>
-              </a:ext>
-            </a:extLst>
-          </p:cNvPr>
+          <p:cNvPr id="5" name="Espaço Reservado para Rodapé 4"/>
           <p:cNvSpPr>
             <a:spLocks noGrp="1"/>
           </p:cNvSpPr>
@@ -298,13 +272,7 @@
       </p:sp>
       <p:sp>
         <p:nvSpPr>
-          <p:cNvPr id="6" name="Espaço Reservado para Número de Slide 5">
-            <a:extLst>
-              <a:ext uri="{FF2B5EF4-FFF2-40B4-BE49-F238E27FC236}">
-                <a16:creationId xmlns:a16="http://schemas.microsoft.com/office/drawing/2014/main" id="{1008F0C5-B405-4BFD-B1B5-A828E04762F8}"/>
-              </a:ext>
-            </a:extLst>
-          </p:cNvPr>
+          <p:cNvPr id="6" name="Espaço Reservado para Número de Slide 5"/>
           <p:cNvSpPr>
             <a:spLocks noGrp="1"/>
           </p:cNvSpPr>
@@ -319,18 +287,12 @@
           <a:p>
             <a:fld id="{835BEC8A-72CA-4A82-85E1-C7192533EB55}" type="slidenum">
               <a:rPr lang="pt-BR" smtClean="0"/>
-              <a:t>‹nº›</a:t>
             </a:fld>
             <a:endParaRPr lang="pt-BR"/>
           </a:p>
         </p:txBody>
       </p:sp>
     </p:spTree>
-    <p:extLst>
-      <p:ext uri="{BB962C8B-B14F-4D97-AF65-F5344CB8AC3E}">
-        <p14:creationId xmlns:p14="http://schemas.microsoft.com/office/powerpoint/2010/main" val="3672830647"/>
-      </p:ext>
-    </p:extLst>
   </p:cSld>
   <p:clrMapOvr>
     <a:masterClrMapping/>
@@ -357,18 +319,12 @@
       </p:grpSpPr>
       <p:sp>
         <p:nvSpPr>
-          <p:cNvPr id="2" name="Título 1">
-            <a:extLst>
-              <a:ext uri="{FF2B5EF4-FFF2-40B4-BE49-F238E27FC236}">
-                <a16:creationId xmlns:a16="http://schemas.microsoft.com/office/drawing/2014/main" id="{BFAF0484-6150-4E83-B7ED-B8560CDAAD42}"/>
-              </a:ext>
-            </a:extLst>
-          </p:cNvPr>
-          <p:cNvSpPr>
-            <a:spLocks noGrp="1"/>
-          </p:cNvSpPr>
-          <p:nvPr>
-            <p:ph type="title"/>
+          <p:cNvPr id="2" name="Título 1"/>
+          <p:cNvSpPr>
+            <a:spLocks noGrp="1"/>
+          </p:cNvSpPr>
+          <p:nvPr>
+            <p:ph type="title" hasCustomPrompt="1"/>
           </p:nvPr>
         </p:nvSpPr>
         <p:spPr/>
@@ -380,23 +336,18 @@
               <a:rPr lang="pt-BR"/>
               <a:t>Clique para editar o título Mestre</a:t>
             </a:r>
-          </a:p>
-        </p:txBody>
-      </p:sp>
-      <p:sp>
-        <p:nvSpPr>
-          <p:cNvPr id="3" name="Espaço Reservado para Texto Vertical 2">
-            <a:extLst>
-              <a:ext uri="{FF2B5EF4-FFF2-40B4-BE49-F238E27FC236}">
-                <a16:creationId xmlns:a16="http://schemas.microsoft.com/office/drawing/2014/main" id="{54E8062E-B832-49C5-97DE-9AAF5DBA2D6C}"/>
-              </a:ext>
-            </a:extLst>
-          </p:cNvPr>
-          <p:cNvSpPr>
-            <a:spLocks noGrp="1"/>
-          </p:cNvSpPr>
-          <p:nvPr>
-            <p:ph type="body" orient="vert" idx="1"/>
+            <a:endParaRPr lang="pt-BR"/>
+          </a:p>
+        </p:txBody>
+      </p:sp>
+      <p:sp>
+        <p:nvSpPr>
+          <p:cNvPr id="3" name="Espaço Reservado para Texto Vertical 2"/>
+          <p:cNvSpPr>
+            <a:spLocks noGrp="1"/>
+          </p:cNvSpPr>
+          <p:nvPr>
+            <p:ph type="body" orient="vert" idx="1" hasCustomPrompt="1"/>
           </p:nvPr>
         </p:nvSpPr>
         <p:spPr/>
@@ -409,6 +360,7 @@
               <a:rPr lang="pt-BR"/>
               <a:t>Clique para editar os estilos de texto Mestres</a:t>
             </a:r>
+            <a:endParaRPr lang="pt-BR"/>
           </a:p>
           <a:p>
             <a:pPr lvl="1"/>
@@ -416,6 +368,7 @@
               <a:rPr lang="pt-BR"/>
               <a:t>Segundo nível</a:t>
             </a:r>
+            <a:endParaRPr lang="pt-BR"/>
           </a:p>
           <a:p>
             <a:pPr lvl="2"/>
@@ -423,6 +376,7 @@
               <a:rPr lang="pt-BR"/>
               <a:t>Terceiro nível</a:t>
             </a:r>
+            <a:endParaRPr lang="pt-BR"/>
           </a:p>
           <a:p>
             <a:pPr lvl="3"/>
@@ -430,6 +384,7 @@
               <a:rPr lang="pt-BR"/>
               <a:t>Quarto nível</a:t>
             </a:r>
+            <a:endParaRPr lang="pt-BR"/>
           </a:p>
           <a:p>
             <a:pPr lvl="4"/>
@@ -437,18 +392,13 @@
               <a:rPr lang="pt-BR"/>
               <a:t>Quinto nível</a:t>
             </a:r>
-          </a:p>
-        </p:txBody>
-      </p:sp>
-      <p:sp>
-        <p:nvSpPr>
-          <p:cNvPr id="4" name="Espaço Reservado para Data 3">
-            <a:extLst>
-              <a:ext uri="{FF2B5EF4-FFF2-40B4-BE49-F238E27FC236}">
-                <a16:creationId xmlns:a16="http://schemas.microsoft.com/office/drawing/2014/main" id="{BBF52E3E-7120-4064-81FB-49191083C2EE}"/>
-              </a:ext>
-            </a:extLst>
-          </p:cNvPr>
+            <a:endParaRPr lang="pt-BR"/>
+          </a:p>
+        </p:txBody>
+      </p:sp>
+      <p:sp>
+        <p:nvSpPr>
+          <p:cNvPr id="4" name="Espaço Reservado para Data 3"/>
           <p:cNvSpPr>
             <a:spLocks noGrp="1"/>
           </p:cNvSpPr>
@@ -463,7 +413,6 @@
           <a:p>
             <a:fld id="{3C6C0946-3181-4760-B94E-3653598797FA}" type="datetimeFigureOut">
               <a:rPr lang="pt-BR" smtClean="0"/>
-              <a:t>06/02/2020</a:t>
             </a:fld>
             <a:endParaRPr lang="pt-BR"/>
           </a:p>
@@ -471,13 +420,7 @@
       </p:sp>
       <p:sp>
         <p:nvSpPr>
-          <p:cNvPr id="5" name="Espaço Reservado para Rodapé 4">
-            <a:extLst>
-              <a:ext uri="{FF2B5EF4-FFF2-40B4-BE49-F238E27FC236}">
-                <a16:creationId xmlns:a16="http://schemas.microsoft.com/office/drawing/2014/main" id="{981BE116-94FD-4F43-BB70-FF767B12F7B1}"/>
-              </a:ext>
-            </a:extLst>
-          </p:cNvPr>
+          <p:cNvPr id="5" name="Espaço Reservado para Rodapé 4"/>
           <p:cNvSpPr>
             <a:spLocks noGrp="1"/>
           </p:cNvSpPr>
@@ -496,13 +439,7 @@
       </p:sp>
       <p:sp>
         <p:nvSpPr>
-          <p:cNvPr id="6" name="Espaço Reservado para Número de Slide 5">
-            <a:extLst>
-              <a:ext uri="{FF2B5EF4-FFF2-40B4-BE49-F238E27FC236}">
-                <a16:creationId xmlns:a16="http://schemas.microsoft.com/office/drawing/2014/main" id="{01C52959-0716-4537-99EA-74992B8AEBFD}"/>
-              </a:ext>
-            </a:extLst>
-          </p:cNvPr>
+          <p:cNvPr id="6" name="Espaço Reservado para Número de Slide 5"/>
           <p:cNvSpPr>
             <a:spLocks noGrp="1"/>
           </p:cNvSpPr>
@@ -517,18 +454,12 @@
           <a:p>
             <a:fld id="{835BEC8A-72CA-4A82-85E1-C7192533EB55}" type="slidenum">
               <a:rPr lang="pt-BR" smtClean="0"/>
-              <a:t>‹nº›</a:t>
             </a:fld>
             <a:endParaRPr lang="pt-BR"/>
           </a:p>
         </p:txBody>
       </p:sp>
     </p:spTree>
-    <p:extLst>
-      <p:ext uri="{BB962C8B-B14F-4D97-AF65-F5344CB8AC3E}">
-        <p14:creationId xmlns:p14="http://schemas.microsoft.com/office/powerpoint/2010/main" val="2419239863"/>
-      </p:ext>
-    </p:extLst>
   </p:cSld>
   <p:clrMapOvr>
     <a:masterClrMapping/>
@@ -555,18 +486,12 @@
       </p:grpSpPr>
       <p:sp>
         <p:nvSpPr>
-          <p:cNvPr id="2" name="Título Vertical 1">
-            <a:extLst>
-              <a:ext uri="{FF2B5EF4-FFF2-40B4-BE49-F238E27FC236}">
-                <a16:creationId xmlns:a16="http://schemas.microsoft.com/office/drawing/2014/main" id="{A4C572FA-35E1-413E-9BBD-992DB3B9CE03}"/>
-              </a:ext>
-            </a:extLst>
-          </p:cNvPr>
-          <p:cNvSpPr>
-            <a:spLocks noGrp="1"/>
-          </p:cNvSpPr>
-          <p:nvPr>
-            <p:ph type="title" orient="vert"/>
+          <p:cNvPr id="2" name="Título Vertical 1"/>
+          <p:cNvSpPr>
+            <a:spLocks noGrp="1"/>
+          </p:cNvSpPr>
+          <p:nvPr>
+            <p:ph type="title" orient="vert" hasCustomPrompt="1"/>
           </p:nvPr>
         </p:nvSpPr>
         <p:spPr>
@@ -583,23 +508,18 @@
               <a:rPr lang="pt-BR"/>
               <a:t>Clique para editar o título Mestre</a:t>
             </a:r>
-          </a:p>
-        </p:txBody>
-      </p:sp>
-      <p:sp>
-        <p:nvSpPr>
-          <p:cNvPr id="3" name="Espaço Reservado para Texto Vertical 2">
-            <a:extLst>
-              <a:ext uri="{FF2B5EF4-FFF2-40B4-BE49-F238E27FC236}">
-                <a16:creationId xmlns:a16="http://schemas.microsoft.com/office/drawing/2014/main" id="{4F4A97D7-83D5-4C9B-9358-2F035169EA2C}"/>
-              </a:ext>
-            </a:extLst>
-          </p:cNvPr>
-          <p:cNvSpPr>
-            <a:spLocks noGrp="1"/>
-          </p:cNvSpPr>
-          <p:nvPr>
-            <p:ph type="body" orient="vert" idx="1"/>
+            <a:endParaRPr lang="pt-BR"/>
+          </a:p>
+        </p:txBody>
+      </p:sp>
+      <p:sp>
+        <p:nvSpPr>
+          <p:cNvPr id="3" name="Espaço Reservado para Texto Vertical 2"/>
+          <p:cNvSpPr>
+            <a:spLocks noGrp="1"/>
+          </p:cNvSpPr>
+          <p:nvPr>
+            <p:ph type="body" orient="vert" idx="1" hasCustomPrompt="1"/>
           </p:nvPr>
         </p:nvSpPr>
         <p:spPr>
@@ -617,6 +537,7 @@
               <a:rPr lang="pt-BR"/>
               <a:t>Clique para editar os estilos de texto Mestres</a:t>
             </a:r>
+            <a:endParaRPr lang="pt-BR"/>
           </a:p>
           <a:p>
             <a:pPr lvl="1"/>
@@ -624,6 +545,7 @@
               <a:rPr lang="pt-BR"/>
               <a:t>Segundo nível</a:t>
             </a:r>
+            <a:endParaRPr lang="pt-BR"/>
           </a:p>
           <a:p>
             <a:pPr lvl="2"/>
@@ -631,6 +553,7 @@
               <a:rPr lang="pt-BR"/>
               <a:t>Terceiro nível</a:t>
             </a:r>
+            <a:endParaRPr lang="pt-BR"/>
           </a:p>
           <a:p>
             <a:pPr lvl="3"/>
@@ -638,6 +561,7 @@
               <a:rPr lang="pt-BR"/>
               <a:t>Quarto nível</a:t>
             </a:r>
+            <a:endParaRPr lang="pt-BR"/>
           </a:p>
           <a:p>
             <a:pPr lvl="4"/>
@@ -645,18 +569,13 @@
               <a:rPr lang="pt-BR"/>
               <a:t>Quinto nível</a:t>
             </a:r>
-          </a:p>
-        </p:txBody>
-      </p:sp>
-      <p:sp>
-        <p:nvSpPr>
-          <p:cNvPr id="4" name="Espaço Reservado para Data 3">
-            <a:extLst>
-              <a:ext uri="{FF2B5EF4-FFF2-40B4-BE49-F238E27FC236}">
-                <a16:creationId xmlns:a16="http://schemas.microsoft.com/office/drawing/2014/main" id="{E6B97620-DC8D-4B52-A8D7-11A08D5BF597}"/>
-              </a:ext>
-            </a:extLst>
-          </p:cNvPr>
+            <a:endParaRPr lang="pt-BR"/>
+          </a:p>
+        </p:txBody>
+      </p:sp>
+      <p:sp>
+        <p:nvSpPr>
+          <p:cNvPr id="4" name="Espaço Reservado para Data 3"/>
           <p:cNvSpPr>
             <a:spLocks noGrp="1"/>
           </p:cNvSpPr>
@@ -671,7 +590,6 @@
           <a:p>
             <a:fld id="{3C6C0946-3181-4760-B94E-3653598797FA}" type="datetimeFigureOut">
               <a:rPr lang="pt-BR" smtClean="0"/>
-              <a:t>06/02/2020</a:t>
             </a:fld>
             <a:endParaRPr lang="pt-BR"/>
           </a:p>
@@ -679,13 +597,7 @@
       </p:sp>
       <p:sp>
         <p:nvSpPr>
-          <p:cNvPr id="5" name="Espaço Reservado para Rodapé 4">
-            <a:extLst>
-              <a:ext uri="{FF2B5EF4-FFF2-40B4-BE49-F238E27FC236}">
-                <a16:creationId xmlns:a16="http://schemas.microsoft.com/office/drawing/2014/main" id="{96099671-9CDD-4AEA-8B61-DA1CEFB1A923}"/>
-              </a:ext>
-            </a:extLst>
-          </p:cNvPr>
+          <p:cNvPr id="5" name="Espaço Reservado para Rodapé 4"/>
           <p:cNvSpPr>
             <a:spLocks noGrp="1"/>
           </p:cNvSpPr>
@@ -704,13 +616,7 @@
       </p:sp>
       <p:sp>
         <p:nvSpPr>
-          <p:cNvPr id="6" name="Espaço Reservado para Número de Slide 5">
-            <a:extLst>
-              <a:ext uri="{FF2B5EF4-FFF2-40B4-BE49-F238E27FC236}">
-                <a16:creationId xmlns:a16="http://schemas.microsoft.com/office/drawing/2014/main" id="{E5448766-6397-4B0A-BF36-6CDA60F3D533}"/>
-              </a:ext>
-            </a:extLst>
-          </p:cNvPr>
+          <p:cNvPr id="6" name="Espaço Reservado para Número de Slide 5"/>
           <p:cNvSpPr>
             <a:spLocks noGrp="1"/>
           </p:cNvSpPr>
@@ -725,18 +631,12 @@
           <a:p>
             <a:fld id="{835BEC8A-72CA-4A82-85E1-C7192533EB55}" type="slidenum">
               <a:rPr lang="pt-BR" smtClean="0"/>
-              <a:t>‹nº›</a:t>
             </a:fld>
             <a:endParaRPr lang="pt-BR"/>
           </a:p>
         </p:txBody>
       </p:sp>
     </p:spTree>
-    <p:extLst>
-      <p:ext uri="{BB962C8B-B14F-4D97-AF65-F5344CB8AC3E}">
-        <p14:creationId xmlns:p14="http://schemas.microsoft.com/office/powerpoint/2010/main" val="1034400606"/>
-      </p:ext>
-    </p:extLst>
   </p:cSld>
   <p:clrMapOvr>
     <a:masterClrMapping/>
@@ -744,7 +644,192 @@
 </p:sldLayout>
 </file>
 
-<file path=ppt/slideLayouts/slideLayout2.xml><?xml version="1.0" encoding="utf-8"?>
+<file path=ppt/slideLayouts/slideLayout12.xml><?xml version="1.0" encoding="utf-8"?>
+<p:sldLayout xmlns:a="http://schemas.openxmlformats.org/drawingml/2006/main" xmlns:r="http://schemas.openxmlformats.org/officeDocument/2006/relationships" xmlns:p="http://schemas.openxmlformats.org/presentationml/2006/main" type="title" preserve="1">
+  <p:cSld name="Slide de Título">
+    <p:spTree>
+      <p:nvGrpSpPr>
+        <p:cNvPr id="1" name=""/>
+        <p:cNvGrpSpPr/>
+        <p:nvPr/>
+      </p:nvGrpSpPr>
+      <p:grpSpPr>
+        <a:xfrm>
+          <a:off x="0" y="0"/>
+          <a:ext cx="0" cy="0"/>
+          <a:chOff x="0" y="0"/>
+          <a:chExt cx="0" cy="0"/>
+        </a:xfrm>
+      </p:grpSpPr>
+      <p:sp>
+        <p:nvSpPr>
+          <p:cNvPr id="2" name="Título 1"/>
+          <p:cNvSpPr>
+            <a:spLocks noGrp="1"/>
+          </p:cNvSpPr>
+          <p:nvPr>
+            <p:ph type="ctrTitle" hasCustomPrompt="1"/>
+          </p:nvPr>
+        </p:nvSpPr>
+        <p:spPr>
+          <a:xfrm>
+            <a:off x="1524000" y="1122363"/>
+            <a:ext cx="9144000" cy="2387600"/>
+          </a:xfrm>
+        </p:spPr>
+        <p:txBody>
+          <a:bodyPr anchor="b"/>
+          <a:lstStyle>
+            <a:lvl1pPr algn="ctr">
+              <a:defRPr sz="6000"/>
+            </a:lvl1pPr>
+          </a:lstStyle>
+          <a:p>
+            <a:r>
+              <a:rPr lang="pt-BR"/>
+              <a:t>Clique para editar o título Mestre</a:t>
+            </a:r>
+            <a:endParaRPr lang="pt-BR"/>
+          </a:p>
+        </p:txBody>
+      </p:sp>
+      <p:sp>
+        <p:nvSpPr>
+          <p:cNvPr id="3" name="Subtítulo 2"/>
+          <p:cNvSpPr>
+            <a:spLocks noGrp="1"/>
+          </p:cNvSpPr>
+          <p:nvPr>
+            <p:ph type="subTitle" idx="1"/>
+          </p:nvPr>
+        </p:nvSpPr>
+        <p:spPr>
+          <a:xfrm>
+            <a:off x="1524000" y="3602038"/>
+            <a:ext cx="9144000" cy="1655762"/>
+          </a:xfrm>
+        </p:spPr>
+        <p:txBody>
+          <a:bodyPr/>
+          <a:lstStyle>
+            <a:lvl1pPr marL="0" indent="0" algn="ctr">
+              <a:buNone/>
+              <a:defRPr sz="2400"/>
+            </a:lvl1pPr>
+            <a:lvl2pPr marL="457200" indent="0" algn="ctr">
+              <a:buNone/>
+              <a:defRPr sz="2000"/>
+            </a:lvl2pPr>
+            <a:lvl3pPr marL="914400" indent="0" algn="ctr">
+              <a:buNone/>
+              <a:defRPr sz="1800"/>
+            </a:lvl3pPr>
+            <a:lvl4pPr marL="1371600" indent="0" algn="ctr">
+              <a:buNone/>
+              <a:defRPr sz="1600"/>
+            </a:lvl4pPr>
+            <a:lvl5pPr marL="1828800" indent="0" algn="ctr">
+              <a:buNone/>
+              <a:defRPr sz="1600"/>
+            </a:lvl5pPr>
+            <a:lvl6pPr marL="2286000" indent="0" algn="ctr">
+              <a:buNone/>
+              <a:defRPr sz="1600"/>
+            </a:lvl6pPr>
+            <a:lvl7pPr marL="2743200" indent="0" algn="ctr">
+              <a:buNone/>
+              <a:defRPr sz="1600"/>
+            </a:lvl7pPr>
+            <a:lvl8pPr marL="3200400" indent="0" algn="ctr">
+              <a:buNone/>
+              <a:defRPr sz="1600"/>
+            </a:lvl8pPr>
+            <a:lvl9pPr marL="3657600" indent="0" algn="ctr">
+              <a:buNone/>
+              <a:defRPr sz="1600"/>
+            </a:lvl9pPr>
+          </a:lstStyle>
+          <a:p>
+            <a:r>
+              <a:rPr lang="pt-BR"/>
+              <a:t>Clique para editar o estilo do subtítulo Mestre</a:t>
+            </a:r>
+            <a:endParaRPr lang="pt-BR"/>
+          </a:p>
+        </p:txBody>
+      </p:sp>
+      <p:sp>
+        <p:nvSpPr>
+          <p:cNvPr id="4" name="Espaço Reservado para Data 3"/>
+          <p:cNvSpPr>
+            <a:spLocks noGrp="1"/>
+          </p:cNvSpPr>
+          <p:nvPr>
+            <p:ph type="dt" sz="half" idx="10"/>
+          </p:nvPr>
+        </p:nvSpPr>
+        <p:spPr/>
+        <p:txBody>
+          <a:bodyPr/>
+          <a:lstStyle/>
+          <a:p>
+            <a:fld id="{3C6C0946-3181-4760-B94E-3653598797FA}" type="datetimeFigureOut">
+              <a:rPr lang="pt-BR" smtClean="0"/>
+            </a:fld>
+            <a:endParaRPr lang="pt-BR"/>
+          </a:p>
+        </p:txBody>
+      </p:sp>
+      <p:sp>
+        <p:nvSpPr>
+          <p:cNvPr id="5" name="Espaço Reservado para Rodapé 4"/>
+          <p:cNvSpPr>
+            <a:spLocks noGrp="1"/>
+          </p:cNvSpPr>
+          <p:nvPr>
+            <p:ph type="ftr" sz="quarter" idx="11"/>
+          </p:nvPr>
+        </p:nvSpPr>
+        <p:spPr/>
+        <p:txBody>
+          <a:bodyPr/>
+          <a:lstStyle/>
+          <a:p>
+            <a:endParaRPr lang="pt-BR"/>
+          </a:p>
+        </p:txBody>
+      </p:sp>
+      <p:sp>
+        <p:nvSpPr>
+          <p:cNvPr id="6" name="Espaço Reservado para Número de Slide 5"/>
+          <p:cNvSpPr>
+            <a:spLocks noGrp="1"/>
+          </p:cNvSpPr>
+          <p:nvPr>
+            <p:ph type="sldNum" sz="quarter" idx="12"/>
+          </p:nvPr>
+        </p:nvSpPr>
+        <p:spPr/>
+        <p:txBody>
+          <a:bodyPr/>
+          <a:lstStyle/>
+          <a:p>
+            <a:fld id="{835BEC8A-72CA-4A82-85E1-C7192533EB55}" type="slidenum">
+              <a:rPr lang="pt-BR" smtClean="0"/>
+            </a:fld>
+            <a:endParaRPr lang="pt-BR"/>
+          </a:p>
+        </p:txBody>
+      </p:sp>
+    </p:spTree>
+  </p:cSld>
+  <p:clrMapOvr>
+    <a:masterClrMapping/>
+  </p:clrMapOvr>
+</p:sldLayout>
+</file>
+
+<file path=ppt/slideLayouts/slideLayout13.xml><?xml version="1.0" encoding="utf-8"?>
 <p:sldLayout xmlns:a="http://schemas.openxmlformats.org/drawingml/2006/main" xmlns:r="http://schemas.openxmlformats.org/officeDocument/2006/relationships" xmlns:p="http://schemas.openxmlformats.org/presentationml/2006/main" type="obj" preserve="1">
   <p:cSld name="Título e Conteúdo">
     <p:spTree>
@@ -763,18 +848,12 @@
       </p:grpSpPr>
       <p:sp>
         <p:nvSpPr>
-          <p:cNvPr id="2" name="Título 1">
-            <a:extLst>
-              <a:ext uri="{FF2B5EF4-FFF2-40B4-BE49-F238E27FC236}">
-                <a16:creationId xmlns:a16="http://schemas.microsoft.com/office/drawing/2014/main" id="{E87C4BD7-45AF-4B5A-BBBF-650C3E553952}"/>
-              </a:ext>
-            </a:extLst>
-          </p:cNvPr>
-          <p:cNvSpPr>
-            <a:spLocks noGrp="1"/>
-          </p:cNvSpPr>
-          <p:nvPr>
-            <p:ph type="title"/>
+          <p:cNvPr id="2" name="Título 1"/>
+          <p:cNvSpPr>
+            <a:spLocks noGrp="1"/>
+          </p:cNvSpPr>
+          <p:nvPr>
+            <p:ph type="title" hasCustomPrompt="1"/>
           </p:nvPr>
         </p:nvSpPr>
         <p:spPr/>
@@ -786,23 +865,18 @@
               <a:rPr lang="pt-BR"/>
               <a:t>Clique para editar o título Mestre</a:t>
             </a:r>
-          </a:p>
-        </p:txBody>
-      </p:sp>
-      <p:sp>
-        <p:nvSpPr>
-          <p:cNvPr id="3" name="Espaço Reservado para Conteúdo 2">
-            <a:extLst>
-              <a:ext uri="{FF2B5EF4-FFF2-40B4-BE49-F238E27FC236}">
-                <a16:creationId xmlns:a16="http://schemas.microsoft.com/office/drawing/2014/main" id="{45C49199-CD65-4F88-8A5B-F5CAD6CA45C2}"/>
-              </a:ext>
-            </a:extLst>
-          </p:cNvPr>
-          <p:cNvSpPr>
-            <a:spLocks noGrp="1"/>
-          </p:cNvSpPr>
-          <p:nvPr>
-            <p:ph idx="1"/>
+            <a:endParaRPr lang="pt-BR"/>
+          </a:p>
+        </p:txBody>
+      </p:sp>
+      <p:sp>
+        <p:nvSpPr>
+          <p:cNvPr id="3" name="Espaço Reservado para Conteúdo 2"/>
+          <p:cNvSpPr>
+            <a:spLocks noGrp="1"/>
+          </p:cNvSpPr>
+          <p:nvPr>
+            <p:ph idx="1" hasCustomPrompt="1"/>
           </p:nvPr>
         </p:nvSpPr>
         <p:spPr/>
@@ -815,6 +889,7 @@
               <a:rPr lang="pt-BR"/>
               <a:t>Clique para editar os estilos de texto Mestres</a:t>
             </a:r>
+            <a:endParaRPr lang="pt-BR"/>
           </a:p>
           <a:p>
             <a:pPr lvl="1"/>
@@ -822,6 +897,7 @@
               <a:rPr lang="pt-BR"/>
               <a:t>Segundo nível</a:t>
             </a:r>
+            <a:endParaRPr lang="pt-BR"/>
           </a:p>
           <a:p>
             <a:pPr lvl="2"/>
@@ -829,6 +905,7 @@
               <a:rPr lang="pt-BR"/>
               <a:t>Terceiro nível</a:t>
             </a:r>
+            <a:endParaRPr lang="pt-BR"/>
           </a:p>
           <a:p>
             <a:pPr lvl="3"/>
@@ -836,6 +913,7 @@
               <a:rPr lang="pt-BR"/>
               <a:t>Quarto nível</a:t>
             </a:r>
+            <a:endParaRPr lang="pt-BR"/>
           </a:p>
           <a:p>
             <a:pPr lvl="4"/>
@@ -843,18 +921,13 @@
               <a:rPr lang="pt-BR"/>
               <a:t>Quinto nível</a:t>
             </a:r>
-          </a:p>
-        </p:txBody>
-      </p:sp>
-      <p:sp>
-        <p:nvSpPr>
-          <p:cNvPr id="4" name="Espaço Reservado para Data 3">
-            <a:extLst>
-              <a:ext uri="{FF2B5EF4-FFF2-40B4-BE49-F238E27FC236}">
-                <a16:creationId xmlns:a16="http://schemas.microsoft.com/office/drawing/2014/main" id="{5FDA9CCF-7268-4F1D-8308-6AB1C8285E32}"/>
-              </a:ext>
-            </a:extLst>
-          </p:cNvPr>
+            <a:endParaRPr lang="pt-BR"/>
+          </a:p>
+        </p:txBody>
+      </p:sp>
+      <p:sp>
+        <p:nvSpPr>
+          <p:cNvPr id="4" name="Espaço Reservado para Data 3"/>
           <p:cNvSpPr>
             <a:spLocks noGrp="1"/>
           </p:cNvSpPr>
@@ -869,7 +942,6 @@
           <a:p>
             <a:fld id="{3C6C0946-3181-4760-B94E-3653598797FA}" type="datetimeFigureOut">
               <a:rPr lang="pt-BR" smtClean="0"/>
-              <a:t>06/02/2020</a:t>
             </a:fld>
             <a:endParaRPr lang="pt-BR"/>
           </a:p>
@@ -877,13 +949,7 @@
       </p:sp>
       <p:sp>
         <p:nvSpPr>
-          <p:cNvPr id="5" name="Espaço Reservado para Rodapé 4">
-            <a:extLst>
-              <a:ext uri="{FF2B5EF4-FFF2-40B4-BE49-F238E27FC236}">
-                <a16:creationId xmlns:a16="http://schemas.microsoft.com/office/drawing/2014/main" id="{0C06340D-DDD2-4B8B-81E8-0C8DAEAC3931}"/>
-              </a:ext>
-            </a:extLst>
-          </p:cNvPr>
+          <p:cNvPr id="5" name="Espaço Reservado para Rodapé 4"/>
           <p:cNvSpPr>
             <a:spLocks noGrp="1"/>
           </p:cNvSpPr>
@@ -902,13 +968,7 @@
       </p:sp>
       <p:sp>
         <p:nvSpPr>
-          <p:cNvPr id="6" name="Espaço Reservado para Número de Slide 5">
-            <a:extLst>
-              <a:ext uri="{FF2B5EF4-FFF2-40B4-BE49-F238E27FC236}">
-                <a16:creationId xmlns:a16="http://schemas.microsoft.com/office/drawing/2014/main" id="{3D0D14C7-E2F8-421E-8C64-D0B86137B283}"/>
-              </a:ext>
-            </a:extLst>
-          </p:cNvPr>
+          <p:cNvPr id="6" name="Espaço Reservado para Número de Slide 5"/>
           <p:cNvSpPr>
             <a:spLocks noGrp="1"/>
           </p:cNvSpPr>
@@ -923,18 +983,12 @@
           <a:p>
             <a:fld id="{835BEC8A-72CA-4A82-85E1-C7192533EB55}" type="slidenum">
               <a:rPr lang="pt-BR" smtClean="0"/>
-              <a:t>‹nº›</a:t>
             </a:fld>
             <a:endParaRPr lang="pt-BR"/>
           </a:p>
         </p:txBody>
       </p:sp>
     </p:spTree>
-    <p:extLst>
-      <p:ext uri="{BB962C8B-B14F-4D97-AF65-F5344CB8AC3E}">
-        <p14:creationId xmlns:p14="http://schemas.microsoft.com/office/powerpoint/2010/main" val="2804873638"/>
-      </p:ext>
-    </p:extLst>
   </p:cSld>
   <p:clrMapOvr>
     <a:masterClrMapping/>
@@ -942,7 +996,7 @@
 </p:sldLayout>
 </file>
 
-<file path=ppt/slideLayouts/slideLayout3.xml><?xml version="1.0" encoding="utf-8"?>
+<file path=ppt/slideLayouts/slideLayout14.xml><?xml version="1.0" encoding="utf-8"?>
 <p:sldLayout xmlns:a="http://schemas.openxmlformats.org/drawingml/2006/main" xmlns:r="http://schemas.openxmlformats.org/officeDocument/2006/relationships" xmlns:p="http://schemas.openxmlformats.org/presentationml/2006/main" type="secHead" preserve="1">
   <p:cSld name="Cabeçalho da Seção">
     <p:spTree>
@@ -961,18 +1015,12 @@
       </p:grpSpPr>
       <p:sp>
         <p:nvSpPr>
-          <p:cNvPr id="2" name="Título 1">
-            <a:extLst>
-              <a:ext uri="{FF2B5EF4-FFF2-40B4-BE49-F238E27FC236}">
-                <a16:creationId xmlns:a16="http://schemas.microsoft.com/office/drawing/2014/main" id="{E3105646-C6CA-42FC-9F53-43EDF4232BD9}"/>
-              </a:ext>
-            </a:extLst>
-          </p:cNvPr>
-          <p:cNvSpPr>
-            <a:spLocks noGrp="1"/>
-          </p:cNvSpPr>
-          <p:nvPr>
-            <p:ph type="title"/>
+          <p:cNvPr id="2" name="Título 1"/>
+          <p:cNvSpPr>
+            <a:spLocks noGrp="1"/>
+          </p:cNvSpPr>
+          <p:nvPr>
+            <p:ph type="title" hasCustomPrompt="1"/>
           </p:nvPr>
         </p:nvSpPr>
         <p:spPr>
@@ -993,23 +1041,18 @@
               <a:rPr lang="pt-BR"/>
               <a:t>Clique para editar o título Mestre</a:t>
             </a:r>
-          </a:p>
-        </p:txBody>
-      </p:sp>
-      <p:sp>
-        <p:nvSpPr>
-          <p:cNvPr id="3" name="Espaço Reservado para Texto 2">
-            <a:extLst>
-              <a:ext uri="{FF2B5EF4-FFF2-40B4-BE49-F238E27FC236}">
-                <a16:creationId xmlns:a16="http://schemas.microsoft.com/office/drawing/2014/main" id="{C6274483-0463-49BD-BE3D-7A2914DEA146}"/>
-              </a:ext>
-            </a:extLst>
-          </p:cNvPr>
-          <p:cNvSpPr>
-            <a:spLocks noGrp="1"/>
-          </p:cNvSpPr>
-          <p:nvPr>
-            <p:ph type="body" idx="1"/>
+            <a:endParaRPr lang="pt-BR"/>
+          </a:p>
+        </p:txBody>
+      </p:sp>
+      <p:sp>
+        <p:nvSpPr>
+          <p:cNvPr id="3" name="Espaço Reservado para Texto 2"/>
+          <p:cNvSpPr>
+            <a:spLocks noGrp="1"/>
+          </p:cNvSpPr>
+          <p:nvPr>
+            <p:ph type="body" idx="1" hasCustomPrompt="1"/>
           </p:nvPr>
         </p:nvSpPr>
         <p:spPr>
@@ -1118,18 +1161,13 @@
               <a:rPr lang="pt-BR"/>
               <a:t>Clique para editar os estilos de texto Mestres</a:t>
             </a:r>
-          </a:p>
-        </p:txBody>
-      </p:sp>
-      <p:sp>
-        <p:nvSpPr>
-          <p:cNvPr id="4" name="Espaço Reservado para Data 3">
-            <a:extLst>
-              <a:ext uri="{FF2B5EF4-FFF2-40B4-BE49-F238E27FC236}">
-                <a16:creationId xmlns:a16="http://schemas.microsoft.com/office/drawing/2014/main" id="{59D859E0-D623-47FC-B258-BC7501433A21}"/>
-              </a:ext>
-            </a:extLst>
-          </p:cNvPr>
+            <a:endParaRPr lang="pt-BR"/>
+          </a:p>
+        </p:txBody>
+      </p:sp>
+      <p:sp>
+        <p:nvSpPr>
+          <p:cNvPr id="4" name="Espaço Reservado para Data 3"/>
           <p:cNvSpPr>
             <a:spLocks noGrp="1"/>
           </p:cNvSpPr>
@@ -1144,7 +1182,6 @@
           <a:p>
             <a:fld id="{3C6C0946-3181-4760-B94E-3653598797FA}" type="datetimeFigureOut">
               <a:rPr lang="pt-BR" smtClean="0"/>
-              <a:t>06/02/2020</a:t>
             </a:fld>
             <a:endParaRPr lang="pt-BR"/>
           </a:p>
@@ -1152,13 +1189,7 @@
       </p:sp>
       <p:sp>
         <p:nvSpPr>
-          <p:cNvPr id="5" name="Espaço Reservado para Rodapé 4">
-            <a:extLst>
-              <a:ext uri="{FF2B5EF4-FFF2-40B4-BE49-F238E27FC236}">
-                <a16:creationId xmlns:a16="http://schemas.microsoft.com/office/drawing/2014/main" id="{1FD7D04F-4254-443F-B273-A15C4B072D93}"/>
-              </a:ext>
-            </a:extLst>
-          </p:cNvPr>
+          <p:cNvPr id="5" name="Espaço Reservado para Rodapé 4"/>
           <p:cNvSpPr>
             <a:spLocks noGrp="1"/>
           </p:cNvSpPr>
@@ -1177,13 +1208,7 @@
       </p:sp>
       <p:sp>
         <p:nvSpPr>
-          <p:cNvPr id="6" name="Espaço Reservado para Número de Slide 5">
-            <a:extLst>
-              <a:ext uri="{FF2B5EF4-FFF2-40B4-BE49-F238E27FC236}">
-                <a16:creationId xmlns:a16="http://schemas.microsoft.com/office/drawing/2014/main" id="{6BE3D486-37FA-46F0-8F38-A90D8167F81C}"/>
-              </a:ext>
-            </a:extLst>
-          </p:cNvPr>
+          <p:cNvPr id="6" name="Espaço Reservado para Número de Slide 5"/>
           <p:cNvSpPr>
             <a:spLocks noGrp="1"/>
           </p:cNvSpPr>
@@ -1198,18 +1223,12 @@
           <a:p>
             <a:fld id="{835BEC8A-72CA-4A82-85E1-C7192533EB55}" type="slidenum">
               <a:rPr lang="pt-BR" smtClean="0"/>
-              <a:t>‹nº›</a:t>
             </a:fld>
             <a:endParaRPr lang="pt-BR"/>
           </a:p>
         </p:txBody>
       </p:sp>
     </p:spTree>
-    <p:extLst>
-      <p:ext uri="{BB962C8B-B14F-4D97-AF65-F5344CB8AC3E}">
-        <p14:creationId xmlns:p14="http://schemas.microsoft.com/office/powerpoint/2010/main" val="232944611"/>
-      </p:ext>
-    </p:extLst>
   </p:cSld>
   <p:clrMapOvr>
     <a:masterClrMapping/>
@@ -1217,7 +1236,7 @@
 </p:sldLayout>
 </file>
 
-<file path=ppt/slideLayouts/slideLayout4.xml><?xml version="1.0" encoding="utf-8"?>
+<file path=ppt/slideLayouts/slideLayout15.xml><?xml version="1.0" encoding="utf-8"?>
 <p:sldLayout xmlns:a="http://schemas.openxmlformats.org/drawingml/2006/main" xmlns:r="http://schemas.openxmlformats.org/officeDocument/2006/relationships" xmlns:p="http://schemas.openxmlformats.org/presentationml/2006/main" type="twoObj" preserve="1">
   <p:cSld name="Duas Partes de Conteúdo">
     <p:spTree>
@@ -1236,18 +1255,12 @@
       </p:grpSpPr>
       <p:sp>
         <p:nvSpPr>
-          <p:cNvPr id="2" name="Título 1">
-            <a:extLst>
-              <a:ext uri="{FF2B5EF4-FFF2-40B4-BE49-F238E27FC236}">
-                <a16:creationId xmlns:a16="http://schemas.microsoft.com/office/drawing/2014/main" id="{6F3F9157-0B26-406B-A22F-30D5CC7B6DF9}"/>
-              </a:ext>
-            </a:extLst>
-          </p:cNvPr>
-          <p:cNvSpPr>
-            <a:spLocks noGrp="1"/>
-          </p:cNvSpPr>
-          <p:nvPr>
-            <p:ph type="title"/>
+          <p:cNvPr id="2" name="Título 1"/>
+          <p:cNvSpPr>
+            <a:spLocks noGrp="1"/>
+          </p:cNvSpPr>
+          <p:nvPr>
+            <p:ph type="title" hasCustomPrompt="1"/>
           </p:nvPr>
         </p:nvSpPr>
         <p:spPr/>
@@ -1259,23 +1272,18 @@
               <a:rPr lang="pt-BR"/>
               <a:t>Clique para editar o título Mestre</a:t>
             </a:r>
-          </a:p>
-        </p:txBody>
-      </p:sp>
-      <p:sp>
-        <p:nvSpPr>
-          <p:cNvPr id="3" name="Espaço Reservado para Conteúdo 2">
-            <a:extLst>
-              <a:ext uri="{FF2B5EF4-FFF2-40B4-BE49-F238E27FC236}">
-                <a16:creationId xmlns:a16="http://schemas.microsoft.com/office/drawing/2014/main" id="{3F74CBEE-9D0F-41E9-8F17-A8AD3E7D8F91}"/>
-              </a:ext>
-            </a:extLst>
-          </p:cNvPr>
-          <p:cNvSpPr>
-            <a:spLocks noGrp="1"/>
-          </p:cNvSpPr>
-          <p:nvPr>
-            <p:ph sz="half" idx="1"/>
+            <a:endParaRPr lang="pt-BR"/>
+          </a:p>
+        </p:txBody>
+      </p:sp>
+      <p:sp>
+        <p:nvSpPr>
+          <p:cNvPr id="3" name="Espaço Reservado para Conteúdo 2"/>
+          <p:cNvSpPr>
+            <a:spLocks noGrp="1"/>
+          </p:cNvSpPr>
+          <p:nvPr>
+            <p:ph sz="half" idx="1" hasCustomPrompt="1"/>
           </p:nvPr>
         </p:nvSpPr>
         <p:spPr>
@@ -1293,6 +1301,7 @@
               <a:rPr lang="pt-BR"/>
               <a:t>Clique para editar os estilos de texto Mestres</a:t>
             </a:r>
+            <a:endParaRPr lang="pt-BR"/>
           </a:p>
           <a:p>
             <a:pPr lvl="1"/>
@@ -1300,6 +1309,7 @@
               <a:rPr lang="pt-BR"/>
               <a:t>Segundo nível</a:t>
             </a:r>
+            <a:endParaRPr lang="pt-BR"/>
           </a:p>
           <a:p>
             <a:pPr lvl="2"/>
@@ -1307,6 +1317,7 @@
               <a:rPr lang="pt-BR"/>
               <a:t>Terceiro nível</a:t>
             </a:r>
+            <a:endParaRPr lang="pt-BR"/>
           </a:p>
           <a:p>
             <a:pPr lvl="3"/>
@@ -1314,6 +1325,7 @@
               <a:rPr lang="pt-BR"/>
               <a:t>Quarto nível</a:t>
             </a:r>
+            <a:endParaRPr lang="pt-BR"/>
           </a:p>
           <a:p>
             <a:pPr lvl="4"/>
@@ -1321,23 +1333,18 @@
               <a:rPr lang="pt-BR"/>
               <a:t>Quinto nível</a:t>
             </a:r>
-          </a:p>
-        </p:txBody>
-      </p:sp>
-      <p:sp>
-        <p:nvSpPr>
-          <p:cNvPr id="4" name="Espaço Reservado para Conteúdo 3">
-            <a:extLst>
-              <a:ext uri="{FF2B5EF4-FFF2-40B4-BE49-F238E27FC236}">
-                <a16:creationId xmlns:a16="http://schemas.microsoft.com/office/drawing/2014/main" id="{DD3D09A6-1C00-4D24-9E4F-AAC836E81E21}"/>
-              </a:ext>
-            </a:extLst>
-          </p:cNvPr>
-          <p:cNvSpPr>
-            <a:spLocks noGrp="1"/>
-          </p:cNvSpPr>
-          <p:nvPr>
-            <p:ph sz="half" idx="2"/>
+            <a:endParaRPr lang="pt-BR"/>
+          </a:p>
+        </p:txBody>
+      </p:sp>
+      <p:sp>
+        <p:nvSpPr>
+          <p:cNvPr id="4" name="Espaço Reservado para Conteúdo 3"/>
+          <p:cNvSpPr>
+            <a:spLocks noGrp="1"/>
+          </p:cNvSpPr>
+          <p:nvPr>
+            <p:ph sz="half" idx="2" hasCustomPrompt="1"/>
           </p:nvPr>
         </p:nvSpPr>
         <p:spPr>
@@ -1355,6 +1362,7 @@
               <a:rPr lang="pt-BR"/>
               <a:t>Clique para editar os estilos de texto Mestres</a:t>
             </a:r>
+            <a:endParaRPr lang="pt-BR"/>
           </a:p>
           <a:p>
             <a:pPr lvl="1"/>
@@ -1362,6 +1370,7 @@
               <a:rPr lang="pt-BR"/>
               <a:t>Segundo nível</a:t>
             </a:r>
+            <a:endParaRPr lang="pt-BR"/>
           </a:p>
           <a:p>
             <a:pPr lvl="2"/>
@@ -1369,6 +1378,7 @@
               <a:rPr lang="pt-BR"/>
               <a:t>Terceiro nível</a:t>
             </a:r>
+            <a:endParaRPr lang="pt-BR"/>
           </a:p>
           <a:p>
             <a:pPr lvl="3"/>
@@ -1376,6 +1386,7 @@
               <a:rPr lang="pt-BR"/>
               <a:t>Quarto nível</a:t>
             </a:r>
+            <a:endParaRPr lang="pt-BR"/>
           </a:p>
           <a:p>
             <a:pPr lvl="4"/>
@@ -1383,18 +1394,13 @@
               <a:rPr lang="pt-BR"/>
               <a:t>Quinto nível</a:t>
             </a:r>
-          </a:p>
-        </p:txBody>
-      </p:sp>
-      <p:sp>
-        <p:nvSpPr>
-          <p:cNvPr id="5" name="Espaço Reservado para Data 4">
-            <a:extLst>
-              <a:ext uri="{FF2B5EF4-FFF2-40B4-BE49-F238E27FC236}">
-                <a16:creationId xmlns:a16="http://schemas.microsoft.com/office/drawing/2014/main" id="{686539E4-3B73-483C-AB9E-8C85FE1AF824}"/>
-              </a:ext>
-            </a:extLst>
-          </p:cNvPr>
+            <a:endParaRPr lang="pt-BR"/>
+          </a:p>
+        </p:txBody>
+      </p:sp>
+      <p:sp>
+        <p:nvSpPr>
+          <p:cNvPr id="5" name="Espaço Reservado para Data 4"/>
           <p:cNvSpPr>
             <a:spLocks noGrp="1"/>
           </p:cNvSpPr>
@@ -1409,7 +1415,6 @@
           <a:p>
             <a:fld id="{3C6C0946-3181-4760-B94E-3653598797FA}" type="datetimeFigureOut">
               <a:rPr lang="pt-BR" smtClean="0"/>
-              <a:t>06/02/2020</a:t>
             </a:fld>
             <a:endParaRPr lang="pt-BR"/>
           </a:p>
@@ -1417,13 +1422,7 @@
       </p:sp>
       <p:sp>
         <p:nvSpPr>
-          <p:cNvPr id="6" name="Espaço Reservado para Rodapé 5">
-            <a:extLst>
-              <a:ext uri="{FF2B5EF4-FFF2-40B4-BE49-F238E27FC236}">
-                <a16:creationId xmlns:a16="http://schemas.microsoft.com/office/drawing/2014/main" id="{F99AE937-CA46-48B4-9493-57FECA96AD83}"/>
-              </a:ext>
-            </a:extLst>
-          </p:cNvPr>
+          <p:cNvPr id="6" name="Espaço Reservado para Rodapé 5"/>
           <p:cNvSpPr>
             <a:spLocks noGrp="1"/>
           </p:cNvSpPr>
@@ -1442,13 +1441,7 @@
       </p:sp>
       <p:sp>
         <p:nvSpPr>
-          <p:cNvPr id="7" name="Espaço Reservado para Número de Slide 6">
-            <a:extLst>
-              <a:ext uri="{FF2B5EF4-FFF2-40B4-BE49-F238E27FC236}">
-                <a16:creationId xmlns:a16="http://schemas.microsoft.com/office/drawing/2014/main" id="{3768C35C-477F-4223-BD0A-C85BD81D08E9}"/>
-              </a:ext>
-            </a:extLst>
-          </p:cNvPr>
+          <p:cNvPr id="7" name="Espaço Reservado para Número de Slide 6"/>
           <p:cNvSpPr>
             <a:spLocks noGrp="1"/>
           </p:cNvSpPr>
@@ -1463,18 +1456,12 @@
           <a:p>
             <a:fld id="{835BEC8A-72CA-4A82-85E1-C7192533EB55}" type="slidenum">
               <a:rPr lang="pt-BR" smtClean="0"/>
-              <a:t>‹nº›</a:t>
             </a:fld>
             <a:endParaRPr lang="pt-BR"/>
           </a:p>
         </p:txBody>
       </p:sp>
     </p:spTree>
-    <p:extLst>
-      <p:ext uri="{BB962C8B-B14F-4D97-AF65-F5344CB8AC3E}">
-        <p14:creationId xmlns:p14="http://schemas.microsoft.com/office/powerpoint/2010/main" val="636413100"/>
-      </p:ext>
-    </p:extLst>
   </p:cSld>
   <p:clrMapOvr>
     <a:masterClrMapping/>
@@ -1482,7 +1469,7 @@
 </p:sldLayout>
 </file>
 
-<file path=ppt/slideLayouts/slideLayout5.xml><?xml version="1.0" encoding="utf-8"?>
+<file path=ppt/slideLayouts/slideLayout16.xml><?xml version="1.0" encoding="utf-8"?>
 <p:sldLayout xmlns:a="http://schemas.openxmlformats.org/drawingml/2006/main" xmlns:r="http://schemas.openxmlformats.org/officeDocument/2006/relationships" xmlns:p="http://schemas.openxmlformats.org/presentationml/2006/main" type="twoTxTwoObj" preserve="1">
   <p:cSld name="Comparação">
     <p:spTree>
@@ -1501,18 +1488,12 @@
       </p:grpSpPr>
       <p:sp>
         <p:nvSpPr>
-          <p:cNvPr id="2" name="Título 1">
-            <a:extLst>
-              <a:ext uri="{FF2B5EF4-FFF2-40B4-BE49-F238E27FC236}">
-                <a16:creationId xmlns:a16="http://schemas.microsoft.com/office/drawing/2014/main" id="{53B06652-8830-414D-BA04-4CB29A72B06B}"/>
-              </a:ext>
-            </a:extLst>
-          </p:cNvPr>
-          <p:cNvSpPr>
-            <a:spLocks noGrp="1"/>
-          </p:cNvSpPr>
-          <p:nvPr>
-            <p:ph type="title"/>
+          <p:cNvPr id="2" name="Título 1"/>
+          <p:cNvSpPr>
+            <a:spLocks noGrp="1"/>
+          </p:cNvSpPr>
+          <p:nvPr>
+            <p:ph type="title" hasCustomPrompt="1"/>
           </p:nvPr>
         </p:nvSpPr>
         <p:spPr>
@@ -1529,23 +1510,18 @@
               <a:rPr lang="pt-BR"/>
               <a:t>Clique para editar o título Mestre</a:t>
             </a:r>
-          </a:p>
-        </p:txBody>
-      </p:sp>
-      <p:sp>
-        <p:nvSpPr>
-          <p:cNvPr id="3" name="Espaço Reservado para Texto 2">
-            <a:extLst>
-              <a:ext uri="{FF2B5EF4-FFF2-40B4-BE49-F238E27FC236}">
-                <a16:creationId xmlns:a16="http://schemas.microsoft.com/office/drawing/2014/main" id="{BBBC4899-10CF-4C2D-B2B9-D5FC4C69C572}"/>
-              </a:ext>
-            </a:extLst>
-          </p:cNvPr>
-          <p:cNvSpPr>
-            <a:spLocks noGrp="1"/>
-          </p:cNvSpPr>
-          <p:nvPr>
-            <p:ph type="body" idx="1"/>
+            <a:endParaRPr lang="pt-BR"/>
+          </a:p>
+        </p:txBody>
+      </p:sp>
+      <p:sp>
+        <p:nvSpPr>
+          <p:cNvPr id="3" name="Espaço Reservado para Texto 2"/>
+          <p:cNvSpPr>
+            <a:spLocks noGrp="1"/>
+          </p:cNvSpPr>
+          <p:nvPr>
+            <p:ph type="body" idx="1" hasCustomPrompt="1"/>
           </p:nvPr>
         </p:nvSpPr>
         <p:spPr>
@@ -1600,23 +1576,18 @@
               <a:rPr lang="pt-BR"/>
               <a:t>Clique para editar os estilos de texto Mestres</a:t>
             </a:r>
-          </a:p>
-        </p:txBody>
-      </p:sp>
-      <p:sp>
-        <p:nvSpPr>
-          <p:cNvPr id="4" name="Espaço Reservado para Conteúdo 3">
-            <a:extLst>
-              <a:ext uri="{FF2B5EF4-FFF2-40B4-BE49-F238E27FC236}">
-                <a16:creationId xmlns:a16="http://schemas.microsoft.com/office/drawing/2014/main" id="{7333C712-F5F2-4B4A-BEFD-2636F3DA04A6}"/>
-              </a:ext>
-            </a:extLst>
-          </p:cNvPr>
-          <p:cNvSpPr>
-            <a:spLocks noGrp="1"/>
-          </p:cNvSpPr>
-          <p:nvPr>
-            <p:ph sz="half" idx="2"/>
+            <a:endParaRPr lang="pt-BR"/>
+          </a:p>
+        </p:txBody>
+      </p:sp>
+      <p:sp>
+        <p:nvSpPr>
+          <p:cNvPr id="4" name="Espaço Reservado para Conteúdo 3"/>
+          <p:cNvSpPr>
+            <a:spLocks noGrp="1"/>
+          </p:cNvSpPr>
+          <p:nvPr>
+            <p:ph sz="half" idx="2" hasCustomPrompt="1"/>
           </p:nvPr>
         </p:nvSpPr>
         <p:spPr>
@@ -1634,6 +1605,7 @@
               <a:rPr lang="pt-BR"/>
               <a:t>Clique para editar os estilos de texto Mestres</a:t>
             </a:r>
+            <a:endParaRPr lang="pt-BR"/>
           </a:p>
           <a:p>
             <a:pPr lvl="1"/>
@@ -1641,6 +1613,7 @@
               <a:rPr lang="pt-BR"/>
               <a:t>Segundo nível</a:t>
             </a:r>
+            <a:endParaRPr lang="pt-BR"/>
           </a:p>
           <a:p>
             <a:pPr lvl="2"/>
@@ -1648,6 +1621,7 @@
               <a:rPr lang="pt-BR"/>
               <a:t>Terceiro nível</a:t>
             </a:r>
+            <a:endParaRPr lang="pt-BR"/>
           </a:p>
           <a:p>
             <a:pPr lvl="3"/>
@@ -1655,6 +1629,7 @@
               <a:rPr lang="pt-BR"/>
               <a:t>Quarto nível</a:t>
             </a:r>
+            <a:endParaRPr lang="pt-BR"/>
           </a:p>
           <a:p>
             <a:pPr lvl="4"/>
@@ -1662,23 +1637,18 @@
               <a:rPr lang="pt-BR"/>
               <a:t>Quinto nível</a:t>
             </a:r>
-          </a:p>
-        </p:txBody>
-      </p:sp>
-      <p:sp>
-        <p:nvSpPr>
-          <p:cNvPr id="5" name="Espaço Reservado para Texto 4">
-            <a:extLst>
-              <a:ext uri="{FF2B5EF4-FFF2-40B4-BE49-F238E27FC236}">
-                <a16:creationId xmlns:a16="http://schemas.microsoft.com/office/drawing/2014/main" id="{8F660CEC-58AE-4A7B-80E5-64EC3FF95D6B}"/>
-              </a:ext>
-            </a:extLst>
-          </p:cNvPr>
-          <p:cNvSpPr>
-            <a:spLocks noGrp="1"/>
-          </p:cNvSpPr>
-          <p:nvPr>
-            <p:ph type="body" sz="quarter" idx="3"/>
+            <a:endParaRPr lang="pt-BR"/>
+          </a:p>
+        </p:txBody>
+      </p:sp>
+      <p:sp>
+        <p:nvSpPr>
+          <p:cNvPr id="5" name="Espaço Reservado para Texto 4"/>
+          <p:cNvSpPr>
+            <a:spLocks noGrp="1"/>
+          </p:cNvSpPr>
+          <p:nvPr>
+            <p:ph type="body" sz="quarter" idx="3" hasCustomPrompt="1"/>
           </p:nvPr>
         </p:nvSpPr>
         <p:spPr>
@@ -1733,23 +1703,18 @@
               <a:rPr lang="pt-BR"/>
               <a:t>Clique para editar os estilos de texto Mestres</a:t>
             </a:r>
-          </a:p>
-        </p:txBody>
-      </p:sp>
-      <p:sp>
-        <p:nvSpPr>
-          <p:cNvPr id="6" name="Espaço Reservado para Conteúdo 5">
-            <a:extLst>
-              <a:ext uri="{FF2B5EF4-FFF2-40B4-BE49-F238E27FC236}">
-                <a16:creationId xmlns:a16="http://schemas.microsoft.com/office/drawing/2014/main" id="{26F33884-0AEF-4D1B-826F-31CC3C765C6A}"/>
-              </a:ext>
-            </a:extLst>
-          </p:cNvPr>
-          <p:cNvSpPr>
-            <a:spLocks noGrp="1"/>
-          </p:cNvSpPr>
-          <p:nvPr>
-            <p:ph sz="quarter" idx="4"/>
+            <a:endParaRPr lang="pt-BR"/>
+          </a:p>
+        </p:txBody>
+      </p:sp>
+      <p:sp>
+        <p:nvSpPr>
+          <p:cNvPr id="6" name="Espaço Reservado para Conteúdo 5"/>
+          <p:cNvSpPr>
+            <a:spLocks noGrp="1"/>
+          </p:cNvSpPr>
+          <p:nvPr>
+            <p:ph sz="quarter" idx="4" hasCustomPrompt="1"/>
           </p:nvPr>
         </p:nvSpPr>
         <p:spPr>
@@ -1767,6 +1732,7 @@
               <a:rPr lang="pt-BR"/>
               <a:t>Clique para editar os estilos de texto Mestres</a:t>
             </a:r>
+            <a:endParaRPr lang="pt-BR"/>
           </a:p>
           <a:p>
             <a:pPr lvl="1"/>
@@ -1774,6 +1740,7 @@
               <a:rPr lang="pt-BR"/>
               <a:t>Segundo nível</a:t>
             </a:r>
+            <a:endParaRPr lang="pt-BR"/>
           </a:p>
           <a:p>
             <a:pPr lvl="2"/>
@@ -1781,6 +1748,7 @@
               <a:rPr lang="pt-BR"/>
               <a:t>Terceiro nível</a:t>
             </a:r>
+            <a:endParaRPr lang="pt-BR"/>
           </a:p>
           <a:p>
             <a:pPr lvl="3"/>
@@ -1788,6 +1756,7 @@
               <a:rPr lang="pt-BR"/>
               <a:t>Quarto nível</a:t>
             </a:r>
+            <a:endParaRPr lang="pt-BR"/>
           </a:p>
           <a:p>
             <a:pPr lvl="4"/>
@@ -1795,18 +1764,13 @@
               <a:rPr lang="pt-BR"/>
               <a:t>Quinto nível</a:t>
             </a:r>
-          </a:p>
-        </p:txBody>
-      </p:sp>
-      <p:sp>
-        <p:nvSpPr>
-          <p:cNvPr id="7" name="Espaço Reservado para Data 6">
-            <a:extLst>
-              <a:ext uri="{FF2B5EF4-FFF2-40B4-BE49-F238E27FC236}">
-                <a16:creationId xmlns:a16="http://schemas.microsoft.com/office/drawing/2014/main" id="{CBC20FE9-483A-4BA3-A6F3-357506ED915E}"/>
-              </a:ext>
-            </a:extLst>
-          </p:cNvPr>
+            <a:endParaRPr lang="pt-BR"/>
+          </a:p>
+        </p:txBody>
+      </p:sp>
+      <p:sp>
+        <p:nvSpPr>
+          <p:cNvPr id="7" name="Espaço Reservado para Data 6"/>
           <p:cNvSpPr>
             <a:spLocks noGrp="1"/>
           </p:cNvSpPr>
@@ -1821,7 +1785,6 @@
           <a:p>
             <a:fld id="{3C6C0946-3181-4760-B94E-3653598797FA}" type="datetimeFigureOut">
               <a:rPr lang="pt-BR" smtClean="0"/>
-              <a:t>06/02/2020</a:t>
             </a:fld>
             <a:endParaRPr lang="pt-BR"/>
           </a:p>
@@ -1829,13 +1792,7 @@
       </p:sp>
       <p:sp>
         <p:nvSpPr>
-          <p:cNvPr id="8" name="Espaço Reservado para Rodapé 7">
-            <a:extLst>
-              <a:ext uri="{FF2B5EF4-FFF2-40B4-BE49-F238E27FC236}">
-                <a16:creationId xmlns:a16="http://schemas.microsoft.com/office/drawing/2014/main" id="{2818F2B3-557C-4722-A117-F341CC9B2098}"/>
-              </a:ext>
-            </a:extLst>
-          </p:cNvPr>
+          <p:cNvPr id="8" name="Espaço Reservado para Rodapé 7"/>
           <p:cNvSpPr>
             <a:spLocks noGrp="1"/>
           </p:cNvSpPr>
@@ -1854,13 +1811,7 @@
       </p:sp>
       <p:sp>
         <p:nvSpPr>
-          <p:cNvPr id="9" name="Espaço Reservado para Número de Slide 8">
-            <a:extLst>
-              <a:ext uri="{FF2B5EF4-FFF2-40B4-BE49-F238E27FC236}">
-                <a16:creationId xmlns:a16="http://schemas.microsoft.com/office/drawing/2014/main" id="{88690B26-32EE-4DDB-984F-B06A965CC98F}"/>
-              </a:ext>
-            </a:extLst>
-          </p:cNvPr>
+          <p:cNvPr id="9" name="Espaço Reservado para Número de Slide 8"/>
           <p:cNvSpPr>
             <a:spLocks noGrp="1"/>
           </p:cNvSpPr>
@@ -1875,18 +1826,12 @@
           <a:p>
             <a:fld id="{835BEC8A-72CA-4A82-85E1-C7192533EB55}" type="slidenum">
               <a:rPr lang="pt-BR" smtClean="0"/>
-              <a:t>‹nº›</a:t>
             </a:fld>
             <a:endParaRPr lang="pt-BR"/>
           </a:p>
         </p:txBody>
       </p:sp>
     </p:spTree>
-    <p:extLst>
-      <p:ext uri="{BB962C8B-B14F-4D97-AF65-F5344CB8AC3E}">
-        <p14:creationId xmlns:p14="http://schemas.microsoft.com/office/powerpoint/2010/main" val="2529545052"/>
-      </p:ext>
-    </p:extLst>
   </p:cSld>
   <p:clrMapOvr>
     <a:masterClrMapping/>
@@ -1894,7 +1839,7 @@
 </p:sldLayout>
 </file>
 
-<file path=ppt/slideLayouts/slideLayout6.xml><?xml version="1.0" encoding="utf-8"?>
+<file path=ppt/slideLayouts/slideLayout17.xml><?xml version="1.0" encoding="utf-8"?>
 <p:sldLayout xmlns:a="http://schemas.openxmlformats.org/drawingml/2006/main" xmlns:r="http://schemas.openxmlformats.org/officeDocument/2006/relationships" xmlns:p="http://schemas.openxmlformats.org/presentationml/2006/main" type="titleOnly" preserve="1">
   <p:cSld name="Somente Título">
     <p:spTree>
@@ -1913,18 +1858,12 @@
       </p:grpSpPr>
       <p:sp>
         <p:nvSpPr>
-          <p:cNvPr id="2" name="Título 1">
-            <a:extLst>
-              <a:ext uri="{FF2B5EF4-FFF2-40B4-BE49-F238E27FC236}">
-                <a16:creationId xmlns:a16="http://schemas.microsoft.com/office/drawing/2014/main" id="{0F9A5DB6-72CA-4E4C-A769-8B127A20EC0F}"/>
-              </a:ext>
-            </a:extLst>
-          </p:cNvPr>
-          <p:cNvSpPr>
-            <a:spLocks noGrp="1"/>
-          </p:cNvSpPr>
-          <p:nvPr>
-            <p:ph type="title"/>
+          <p:cNvPr id="2" name="Título 1"/>
+          <p:cNvSpPr>
+            <a:spLocks noGrp="1"/>
+          </p:cNvSpPr>
+          <p:nvPr>
+            <p:ph type="title" hasCustomPrompt="1"/>
           </p:nvPr>
         </p:nvSpPr>
         <p:spPr/>
@@ -1936,18 +1875,13 @@
               <a:rPr lang="pt-BR"/>
               <a:t>Clique para editar o título Mestre</a:t>
             </a:r>
-          </a:p>
-        </p:txBody>
-      </p:sp>
-      <p:sp>
-        <p:nvSpPr>
-          <p:cNvPr id="3" name="Espaço Reservado para Data 2">
-            <a:extLst>
-              <a:ext uri="{FF2B5EF4-FFF2-40B4-BE49-F238E27FC236}">
-                <a16:creationId xmlns:a16="http://schemas.microsoft.com/office/drawing/2014/main" id="{3AC46C07-B925-4B09-9BF2-5B81778D848B}"/>
-              </a:ext>
-            </a:extLst>
-          </p:cNvPr>
+            <a:endParaRPr lang="pt-BR"/>
+          </a:p>
+        </p:txBody>
+      </p:sp>
+      <p:sp>
+        <p:nvSpPr>
+          <p:cNvPr id="3" name="Espaço Reservado para Data 2"/>
           <p:cNvSpPr>
             <a:spLocks noGrp="1"/>
           </p:cNvSpPr>
@@ -1962,7 +1896,6 @@
           <a:p>
             <a:fld id="{3C6C0946-3181-4760-B94E-3653598797FA}" type="datetimeFigureOut">
               <a:rPr lang="pt-BR" smtClean="0"/>
-              <a:t>06/02/2020</a:t>
             </a:fld>
             <a:endParaRPr lang="pt-BR"/>
           </a:p>
@@ -1970,13 +1903,7 @@
       </p:sp>
       <p:sp>
         <p:nvSpPr>
-          <p:cNvPr id="4" name="Espaço Reservado para Rodapé 3">
-            <a:extLst>
-              <a:ext uri="{FF2B5EF4-FFF2-40B4-BE49-F238E27FC236}">
-                <a16:creationId xmlns:a16="http://schemas.microsoft.com/office/drawing/2014/main" id="{78800EB7-4B09-435F-A0E5-2EE10D364AE5}"/>
-              </a:ext>
-            </a:extLst>
-          </p:cNvPr>
+          <p:cNvPr id="4" name="Espaço Reservado para Rodapé 3"/>
           <p:cNvSpPr>
             <a:spLocks noGrp="1"/>
           </p:cNvSpPr>
@@ -1995,13 +1922,7 @@
       </p:sp>
       <p:sp>
         <p:nvSpPr>
-          <p:cNvPr id="5" name="Espaço Reservado para Número de Slide 4">
-            <a:extLst>
-              <a:ext uri="{FF2B5EF4-FFF2-40B4-BE49-F238E27FC236}">
-                <a16:creationId xmlns:a16="http://schemas.microsoft.com/office/drawing/2014/main" id="{F375B4E0-DFFC-4E08-9E5B-5EE1C2D844C0}"/>
-              </a:ext>
-            </a:extLst>
-          </p:cNvPr>
+          <p:cNvPr id="5" name="Espaço Reservado para Número de Slide 4"/>
           <p:cNvSpPr>
             <a:spLocks noGrp="1"/>
           </p:cNvSpPr>
@@ -2016,18 +1937,12 @@
           <a:p>
             <a:fld id="{835BEC8A-72CA-4A82-85E1-C7192533EB55}" type="slidenum">
               <a:rPr lang="pt-BR" smtClean="0"/>
-              <a:t>‹nº›</a:t>
             </a:fld>
             <a:endParaRPr lang="pt-BR"/>
           </a:p>
         </p:txBody>
       </p:sp>
     </p:spTree>
-    <p:extLst>
-      <p:ext uri="{BB962C8B-B14F-4D97-AF65-F5344CB8AC3E}">
-        <p14:creationId xmlns:p14="http://schemas.microsoft.com/office/powerpoint/2010/main" val="1135235493"/>
-      </p:ext>
-    </p:extLst>
   </p:cSld>
   <p:clrMapOvr>
     <a:masterClrMapping/>
@@ -2035,7 +1950,7 @@
 </p:sldLayout>
 </file>
 
-<file path=ppt/slideLayouts/slideLayout7.xml><?xml version="1.0" encoding="utf-8"?>
+<file path=ppt/slideLayouts/slideLayout18.xml><?xml version="1.0" encoding="utf-8"?>
 <p:sldLayout xmlns:a="http://schemas.openxmlformats.org/drawingml/2006/main" xmlns:r="http://schemas.openxmlformats.org/officeDocument/2006/relationships" xmlns:p="http://schemas.openxmlformats.org/presentationml/2006/main" type="blank" preserve="1">
   <p:cSld name="Em Branco">
     <p:spTree>
@@ -2054,13 +1969,7 @@
       </p:grpSpPr>
       <p:sp>
         <p:nvSpPr>
-          <p:cNvPr id="2" name="Espaço Reservado para Data 1">
-            <a:extLst>
-              <a:ext uri="{FF2B5EF4-FFF2-40B4-BE49-F238E27FC236}">
-                <a16:creationId xmlns:a16="http://schemas.microsoft.com/office/drawing/2014/main" id="{9B0F760E-07AF-4F4E-9CE5-AE4598B5D02C}"/>
-              </a:ext>
-            </a:extLst>
-          </p:cNvPr>
+          <p:cNvPr id="2" name="Espaço Reservado para Data 1"/>
           <p:cNvSpPr>
             <a:spLocks noGrp="1"/>
           </p:cNvSpPr>
@@ -2075,7 +1984,6 @@
           <a:p>
             <a:fld id="{3C6C0946-3181-4760-B94E-3653598797FA}" type="datetimeFigureOut">
               <a:rPr lang="pt-BR" smtClean="0"/>
-              <a:t>06/02/2020</a:t>
             </a:fld>
             <a:endParaRPr lang="pt-BR"/>
           </a:p>
@@ -2083,13 +1991,7 @@
       </p:sp>
       <p:sp>
         <p:nvSpPr>
-          <p:cNvPr id="3" name="Espaço Reservado para Rodapé 2">
-            <a:extLst>
-              <a:ext uri="{FF2B5EF4-FFF2-40B4-BE49-F238E27FC236}">
-                <a16:creationId xmlns:a16="http://schemas.microsoft.com/office/drawing/2014/main" id="{170A1AAC-501E-4DCA-AF9C-DE97728A7BC7}"/>
-              </a:ext>
-            </a:extLst>
-          </p:cNvPr>
+          <p:cNvPr id="3" name="Espaço Reservado para Rodapé 2"/>
           <p:cNvSpPr>
             <a:spLocks noGrp="1"/>
           </p:cNvSpPr>
@@ -2108,13 +2010,7 @@
       </p:sp>
       <p:sp>
         <p:nvSpPr>
-          <p:cNvPr id="4" name="Espaço Reservado para Número de Slide 3">
-            <a:extLst>
-              <a:ext uri="{FF2B5EF4-FFF2-40B4-BE49-F238E27FC236}">
-                <a16:creationId xmlns:a16="http://schemas.microsoft.com/office/drawing/2014/main" id="{1D1915F1-6F81-48CC-8A33-E85421F546FE}"/>
-              </a:ext>
-            </a:extLst>
-          </p:cNvPr>
+          <p:cNvPr id="4" name="Espaço Reservado para Número de Slide 3"/>
           <p:cNvSpPr>
             <a:spLocks noGrp="1"/>
           </p:cNvSpPr>
@@ -2129,18 +2025,12 @@
           <a:p>
             <a:fld id="{835BEC8A-72CA-4A82-85E1-C7192533EB55}" type="slidenum">
               <a:rPr lang="pt-BR" smtClean="0"/>
-              <a:t>‹nº›</a:t>
             </a:fld>
             <a:endParaRPr lang="pt-BR"/>
           </a:p>
         </p:txBody>
       </p:sp>
     </p:spTree>
-    <p:extLst>
-      <p:ext uri="{BB962C8B-B14F-4D97-AF65-F5344CB8AC3E}">
-        <p14:creationId xmlns:p14="http://schemas.microsoft.com/office/powerpoint/2010/main" val="2867487951"/>
-      </p:ext>
-    </p:extLst>
   </p:cSld>
   <p:clrMapOvr>
     <a:masterClrMapping/>
@@ -2148,7 +2038,7 @@
 </p:sldLayout>
 </file>
 
-<file path=ppt/slideLayouts/slideLayout8.xml><?xml version="1.0" encoding="utf-8"?>
+<file path=ppt/slideLayouts/slideLayout19.xml><?xml version="1.0" encoding="utf-8"?>
 <p:sldLayout xmlns:a="http://schemas.openxmlformats.org/drawingml/2006/main" xmlns:r="http://schemas.openxmlformats.org/officeDocument/2006/relationships" xmlns:p="http://schemas.openxmlformats.org/presentationml/2006/main" type="objTx" preserve="1">
   <p:cSld name="Conteúdo com Legenda">
     <p:spTree>
@@ -2167,18 +2057,12 @@
       </p:grpSpPr>
       <p:sp>
         <p:nvSpPr>
-          <p:cNvPr id="2" name="Título 1">
-            <a:extLst>
-              <a:ext uri="{FF2B5EF4-FFF2-40B4-BE49-F238E27FC236}">
-                <a16:creationId xmlns:a16="http://schemas.microsoft.com/office/drawing/2014/main" id="{B55EE9FE-ECAE-409E-A6ED-9725DA5C5979}"/>
-              </a:ext>
-            </a:extLst>
-          </p:cNvPr>
-          <p:cNvSpPr>
-            <a:spLocks noGrp="1"/>
-          </p:cNvSpPr>
-          <p:nvPr>
-            <p:ph type="title"/>
+          <p:cNvPr id="2" name="Título 1"/>
+          <p:cNvSpPr>
+            <a:spLocks noGrp="1"/>
+          </p:cNvSpPr>
+          <p:nvPr>
+            <p:ph type="title" hasCustomPrompt="1"/>
           </p:nvPr>
         </p:nvSpPr>
         <p:spPr>
@@ -2199,23 +2083,18 @@
               <a:rPr lang="pt-BR"/>
               <a:t>Clique para editar o título Mestre</a:t>
             </a:r>
-          </a:p>
-        </p:txBody>
-      </p:sp>
-      <p:sp>
-        <p:nvSpPr>
-          <p:cNvPr id="3" name="Espaço Reservado para Conteúdo 2">
-            <a:extLst>
-              <a:ext uri="{FF2B5EF4-FFF2-40B4-BE49-F238E27FC236}">
-                <a16:creationId xmlns:a16="http://schemas.microsoft.com/office/drawing/2014/main" id="{041827AD-1DC6-4A9A-B4FF-27BA61C52338}"/>
-              </a:ext>
-            </a:extLst>
-          </p:cNvPr>
-          <p:cNvSpPr>
-            <a:spLocks noGrp="1"/>
-          </p:cNvSpPr>
-          <p:nvPr>
-            <p:ph idx="1"/>
+            <a:endParaRPr lang="pt-BR"/>
+          </a:p>
+        </p:txBody>
+      </p:sp>
+      <p:sp>
+        <p:nvSpPr>
+          <p:cNvPr id="3" name="Espaço Reservado para Conteúdo 2"/>
+          <p:cNvSpPr>
+            <a:spLocks noGrp="1"/>
+          </p:cNvSpPr>
+          <p:nvPr>
+            <p:ph idx="1" hasCustomPrompt="1"/>
           </p:nvPr>
         </p:nvSpPr>
         <p:spPr>
@@ -2261,6 +2140,7 @@
               <a:rPr lang="pt-BR"/>
               <a:t>Clique para editar os estilos de texto Mestres</a:t>
             </a:r>
+            <a:endParaRPr lang="pt-BR"/>
           </a:p>
           <a:p>
             <a:pPr lvl="1"/>
@@ -2268,6 +2148,7 @@
               <a:rPr lang="pt-BR"/>
               <a:t>Segundo nível</a:t>
             </a:r>
+            <a:endParaRPr lang="pt-BR"/>
           </a:p>
           <a:p>
             <a:pPr lvl="2"/>
@@ -2275,6 +2156,7 @@
               <a:rPr lang="pt-BR"/>
               <a:t>Terceiro nível</a:t>
             </a:r>
+            <a:endParaRPr lang="pt-BR"/>
           </a:p>
           <a:p>
             <a:pPr lvl="3"/>
@@ -2282,6 +2164,7 @@
               <a:rPr lang="pt-BR"/>
               <a:t>Quarto nível</a:t>
             </a:r>
+            <a:endParaRPr lang="pt-BR"/>
           </a:p>
           <a:p>
             <a:pPr lvl="4"/>
@@ -2289,23 +2172,18 @@
               <a:rPr lang="pt-BR"/>
               <a:t>Quinto nível</a:t>
             </a:r>
-          </a:p>
-        </p:txBody>
-      </p:sp>
-      <p:sp>
-        <p:nvSpPr>
-          <p:cNvPr id="4" name="Espaço Reservado para Texto 3">
-            <a:extLst>
-              <a:ext uri="{FF2B5EF4-FFF2-40B4-BE49-F238E27FC236}">
-                <a16:creationId xmlns:a16="http://schemas.microsoft.com/office/drawing/2014/main" id="{89B2C7F2-0BBB-446B-BAE8-E1332D264D71}"/>
-              </a:ext>
-            </a:extLst>
-          </p:cNvPr>
-          <p:cNvSpPr>
-            <a:spLocks noGrp="1"/>
-          </p:cNvSpPr>
-          <p:nvPr>
-            <p:ph type="body" sz="half" idx="2"/>
+            <a:endParaRPr lang="pt-BR"/>
+          </a:p>
+        </p:txBody>
+      </p:sp>
+      <p:sp>
+        <p:nvSpPr>
+          <p:cNvPr id="4" name="Espaço Reservado para Texto 3"/>
+          <p:cNvSpPr>
+            <a:spLocks noGrp="1"/>
+          </p:cNvSpPr>
+          <p:nvPr>
+            <p:ph type="body" sz="half" idx="2" hasCustomPrompt="1"/>
           </p:nvPr>
         </p:nvSpPr>
         <p:spPr>
@@ -2360,18 +2238,13 @@
               <a:rPr lang="pt-BR"/>
               <a:t>Clique para editar os estilos de texto Mestres</a:t>
             </a:r>
-          </a:p>
-        </p:txBody>
-      </p:sp>
-      <p:sp>
-        <p:nvSpPr>
-          <p:cNvPr id="5" name="Espaço Reservado para Data 4">
-            <a:extLst>
-              <a:ext uri="{FF2B5EF4-FFF2-40B4-BE49-F238E27FC236}">
-                <a16:creationId xmlns:a16="http://schemas.microsoft.com/office/drawing/2014/main" id="{383E6EC8-279A-45BD-9643-A556B9283C03}"/>
-              </a:ext>
-            </a:extLst>
-          </p:cNvPr>
+            <a:endParaRPr lang="pt-BR"/>
+          </a:p>
+        </p:txBody>
+      </p:sp>
+      <p:sp>
+        <p:nvSpPr>
+          <p:cNvPr id="5" name="Espaço Reservado para Data 4"/>
           <p:cNvSpPr>
             <a:spLocks noGrp="1"/>
           </p:cNvSpPr>
@@ -2386,7 +2259,6 @@
           <a:p>
             <a:fld id="{3C6C0946-3181-4760-B94E-3653598797FA}" type="datetimeFigureOut">
               <a:rPr lang="pt-BR" smtClean="0"/>
-              <a:t>06/02/2020</a:t>
             </a:fld>
             <a:endParaRPr lang="pt-BR"/>
           </a:p>
@@ -2394,13 +2266,7 @@
       </p:sp>
       <p:sp>
         <p:nvSpPr>
-          <p:cNvPr id="6" name="Espaço Reservado para Rodapé 5">
-            <a:extLst>
-              <a:ext uri="{FF2B5EF4-FFF2-40B4-BE49-F238E27FC236}">
-                <a16:creationId xmlns:a16="http://schemas.microsoft.com/office/drawing/2014/main" id="{ABE4D363-6EE7-452A-9F60-96929E4BDED7}"/>
-              </a:ext>
-            </a:extLst>
-          </p:cNvPr>
+          <p:cNvPr id="6" name="Espaço Reservado para Rodapé 5"/>
           <p:cNvSpPr>
             <a:spLocks noGrp="1"/>
           </p:cNvSpPr>
@@ -2419,13 +2285,7 @@
       </p:sp>
       <p:sp>
         <p:nvSpPr>
-          <p:cNvPr id="7" name="Espaço Reservado para Número de Slide 6">
-            <a:extLst>
-              <a:ext uri="{FF2B5EF4-FFF2-40B4-BE49-F238E27FC236}">
-                <a16:creationId xmlns:a16="http://schemas.microsoft.com/office/drawing/2014/main" id="{564BEFAE-5E40-41E6-AF2D-5BDA62FD7DB1}"/>
-              </a:ext>
-            </a:extLst>
-          </p:cNvPr>
+          <p:cNvPr id="7" name="Espaço Reservado para Número de Slide 6"/>
           <p:cNvSpPr>
             <a:spLocks noGrp="1"/>
           </p:cNvSpPr>
@@ -2440,18 +2300,2087 @@
           <a:p>
             <a:fld id="{835BEC8A-72CA-4A82-85E1-C7192533EB55}" type="slidenum">
               <a:rPr lang="pt-BR" smtClean="0"/>
-              <a:t>‹nº›</a:t>
             </a:fld>
             <a:endParaRPr lang="pt-BR"/>
           </a:p>
         </p:txBody>
       </p:sp>
     </p:spTree>
-    <p:extLst>
-      <p:ext uri="{BB962C8B-B14F-4D97-AF65-F5344CB8AC3E}">
-        <p14:creationId xmlns:p14="http://schemas.microsoft.com/office/powerpoint/2010/main" val="955581575"/>
-      </p:ext>
-    </p:extLst>
+  </p:cSld>
+  <p:clrMapOvr>
+    <a:masterClrMapping/>
+  </p:clrMapOvr>
+</p:sldLayout>
+</file>
+
+<file path=ppt/slideLayouts/slideLayout2.xml><?xml version="1.0" encoding="utf-8"?>
+<p:sldLayout xmlns:a="http://schemas.openxmlformats.org/drawingml/2006/main" xmlns:r="http://schemas.openxmlformats.org/officeDocument/2006/relationships" xmlns:p="http://schemas.openxmlformats.org/presentationml/2006/main" type="obj" preserve="1">
+  <p:cSld name="Título e Conteúdo">
+    <p:spTree>
+      <p:nvGrpSpPr>
+        <p:cNvPr id="1" name=""/>
+        <p:cNvGrpSpPr/>
+        <p:nvPr/>
+      </p:nvGrpSpPr>
+      <p:grpSpPr>
+        <a:xfrm>
+          <a:off x="0" y="0"/>
+          <a:ext cx="0" cy="0"/>
+          <a:chOff x="0" y="0"/>
+          <a:chExt cx="0" cy="0"/>
+        </a:xfrm>
+      </p:grpSpPr>
+      <p:sp>
+        <p:nvSpPr>
+          <p:cNvPr id="2" name="Título 1"/>
+          <p:cNvSpPr>
+            <a:spLocks noGrp="1"/>
+          </p:cNvSpPr>
+          <p:nvPr>
+            <p:ph type="title" hasCustomPrompt="1"/>
+          </p:nvPr>
+        </p:nvSpPr>
+        <p:spPr/>
+        <p:txBody>
+          <a:bodyPr/>
+          <a:lstStyle/>
+          <a:p>
+            <a:r>
+              <a:rPr lang="pt-BR"/>
+              <a:t>Clique para editar o título Mestre</a:t>
+            </a:r>
+            <a:endParaRPr lang="pt-BR"/>
+          </a:p>
+        </p:txBody>
+      </p:sp>
+      <p:sp>
+        <p:nvSpPr>
+          <p:cNvPr id="3" name="Espaço Reservado para Conteúdo 2"/>
+          <p:cNvSpPr>
+            <a:spLocks noGrp="1"/>
+          </p:cNvSpPr>
+          <p:nvPr>
+            <p:ph idx="1" hasCustomPrompt="1"/>
+          </p:nvPr>
+        </p:nvSpPr>
+        <p:spPr/>
+        <p:txBody>
+          <a:bodyPr/>
+          <a:lstStyle/>
+          <a:p>
+            <a:pPr lvl="0"/>
+            <a:r>
+              <a:rPr lang="pt-BR"/>
+              <a:t>Clique para editar os estilos de texto Mestres</a:t>
+            </a:r>
+            <a:endParaRPr lang="pt-BR"/>
+          </a:p>
+          <a:p>
+            <a:pPr lvl="1"/>
+            <a:r>
+              <a:rPr lang="pt-BR"/>
+              <a:t>Segundo nível</a:t>
+            </a:r>
+            <a:endParaRPr lang="pt-BR"/>
+          </a:p>
+          <a:p>
+            <a:pPr lvl="2"/>
+            <a:r>
+              <a:rPr lang="pt-BR"/>
+              <a:t>Terceiro nível</a:t>
+            </a:r>
+            <a:endParaRPr lang="pt-BR"/>
+          </a:p>
+          <a:p>
+            <a:pPr lvl="3"/>
+            <a:r>
+              <a:rPr lang="pt-BR"/>
+              <a:t>Quarto nível</a:t>
+            </a:r>
+            <a:endParaRPr lang="pt-BR"/>
+          </a:p>
+          <a:p>
+            <a:pPr lvl="4"/>
+            <a:r>
+              <a:rPr lang="pt-BR"/>
+              <a:t>Quinto nível</a:t>
+            </a:r>
+            <a:endParaRPr lang="pt-BR"/>
+          </a:p>
+        </p:txBody>
+      </p:sp>
+      <p:sp>
+        <p:nvSpPr>
+          <p:cNvPr id="4" name="Espaço Reservado para Data 3"/>
+          <p:cNvSpPr>
+            <a:spLocks noGrp="1"/>
+          </p:cNvSpPr>
+          <p:nvPr>
+            <p:ph type="dt" sz="half" idx="10"/>
+          </p:nvPr>
+        </p:nvSpPr>
+        <p:spPr/>
+        <p:txBody>
+          <a:bodyPr/>
+          <a:lstStyle/>
+          <a:p>
+            <a:fld id="{3C6C0946-3181-4760-B94E-3653598797FA}" type="datetimeFigureOut">
+              <a:rPr lang="pt-BR" smtClean="0"/>
+            </a:fld>
+            <a:endParaRPr lang="pt-BR"/>
+          </a:p>
+        </p:txBody>
+      </p:sp>
+      <p:sp>
+        <p:nvSpPr>
+          <p:cNvPr id="5" name="Espaço Reservado para Rodapé 4"/>
+          <p:cNvSpPr>
+            <a:spLocks noGrp="1"/>
+          </p:cNvSpPr>
+          <p:nvPr>
+            <p:ph type="ftr" sz="quarter" idx="11"/>
+          </p:nvPr>
+        </p:nvSpPr>
+        <p:spPr/>
+        <p:txBody>
+          <a:bodyPr/>
+          <a:lstStyle/>
+          <a:p>
+            <a:endParaRPr lang="pt-BR"/>
+          </a:p>
+        </p:txBody>
+      </p:sp>
+      <p:sp>
+        <p:nvSpPr>
+          <p:cNvPr id="6" name="Espaço Reservado para Número de Slide 5"/>
+          <p:cNvSpPr>
+            <a:spLocks noGrp="1"/>
+          </p:cNvSpPr>
+          <p:nvPr>
+            <p:ph type="sldNum" sz="quarter" idx="12"/>
+          </p:nvPr>
+        </p:nvSpPr>
+        <p:spPr/>
+        <p:txBody>
+          <a:bodyPr/>
+          <a:lstStyle/>
+          <a:p>
+            <a:fld id="{835BEC8A-72CA-4A82-85E1-C7192533EB55}" type="slidenum">
+              <a:rPr lang="pt-BR" smtClean="0"/>
+            </a:fld>
+            <a:endParaRPr lang="pt-BR"/>
+          </a:p>
+        </p:txBody>
+      </p:sp>
+    </p:spTree>
+  </p:cSld>
+  <p:clrMapOvr>
+    <a:masterClrMapping/>
+  </p:clrMapOvr>
+</p:sldLayout>
+</file>
+
+<file path=ppt/slideLayouts/slideLayout20.xml><?xml version="1.0" encoding="utf-8"?>
+<p:sldLayout xmlns:a="http://schemas.openxmlformats.org/drawingml/2006/main" xmlns:r="http://schemas.openxmlformats.org/officeDocument/2006/relationships" xmlns:p="http://schemas.openxmlformats.org/presentationml/2006/main" type="picTx" preserve="1">
+  <p:cSld name="Imagem com Legenda">
+    <p:spTree>
+      <p:nvGrpSpPr>
+        <p:cNvPr id="1" name=""/>
+        <p:cNvGrpSpPr/>
+        <p:nvPr/>
+      </p:nvGrpSpPr>
+      <p:grpSpPr>
+        <a:xfrm>
+          <a:off x="0" y="0"/>
+          <a:ext cx="0" cy="0"/>
+          <a:chOff x="0" y="0"/>
+          <a:chExt cx="0" cy="0"/>
+        </a:xfrm>
+      </p:grpSpPr>
+      <p:sp>
+        <p:nvSpPr>
+          <p:cNvPr id="2" name="Título 1"/>
+          <p:cNvSpPr>
+            <a:spLocks noGrp="1"/>
+          </p:cNvSpPr>
+          <p:nvPr>
+            <p:ph type="title" hasCustomPrompt="1"/>
+          </p:nvPr>
+        </p:nvSpPr>
+        <p:spPr>
+          <a:xfrm>
+            <a:off x="839788" y="457200"/>
+            <a:ext cx="3932237" cy="1600200"/>
+          </a:xfrm>
+        </p:spPr>
+        <p:txBody>
+          <a:bodyPr anchor="b"/>
+          <a:lstStyle>
+            <a:lvl1pPr>
+              <a:defRPr sz="3200"/>
+            </a:lvl1pPr>
+          </a:lstStyle>
+          <a:p>
+            <a:r>
+              <a:rPr lang="pt-BR"/>
+              <a:t>Clique para editar o título Mestre</a:t>
+            </a:r>
+            <a:endParaRPr lang="pt-BR"/>
+          </a:p>
+        </p:txBody>
+      </p:sp>
+      <p:sp>
+        <p:nvSpPr>
+          <p:cNvPr id="3" name="Espaço Reservado para Imagem 2"/>
+          <p:cNvSpPr>
+            <a:spLocks noGrp="1"/>
+          </p:cNvSpPr>
+          <p:nvPr>
+            <p:ph type="pic" idx="1"/>
+          </p:nvPr>
+        </p:nvSpPr>
+        <p:spPr>
+          <a:xfrm>
+            <a:off x="5183188" y="987425"/>
+            <a:ext cx="6172200" cy="4873625"/>
+          </a:xfrm>
+        </p:spPr>
+        <p:txBody>
+          <a:bodyPr/>
+          <a:lstStyle>
+            <a:lvl1pPr marL="0" indent="0">
+              <a:buNone/>
+              <a:defRPr sz="3200"/>
+            </a:lvl1pPr>
+            <a:lvl2pPr marL="457200" indent="0">
+              <a:buNone/>
+              <a:defRPr sz="2800"/>
+            </a:lvl2pPr>
+            <a:lvl3pPr marL="914400" indent="0">
+              <a:buNone/>
+              <a:defRPr sz="2400"/>
+            </a:lvl3pPr>
+            <a:lvl4pPr marL="1371600" indent="0">
+              <a:buNone/>
+              <a:defRPr sz="2000"/>
+            </a:lvl4pPr>
+            <a:lvl5pPr marL="1828800" indent="0">
+              <a:buNone/>
+              <a:defRPr sz="2000"/>
+            </a:lvl5pPr>
+            <a:lvl6pPr marL="2286000" indent="0">
+              <a:buNone/>
+              <a:defRPr sz="2000"/>
+            </a:lvl6pPr>
+            <a:lvl7pPr marL="2743200" indent="0">
+              <a:buNone/>
+              <a:defRPr sz="2000"/>
+            </a:lvl7pPr>
+            <a:lvl8pPr marL="3200400" indent="0">
+              <a:buNone/>
+              <a:defRPr sz="2000"/>
+            </a:lvl8pPr>
+            <a:lvl9pPr marL="3657600" indent="0">
+              <a:buNone/>
+              <a:defRPr sz="2000"/>
+            </a:lvl9pPr>
+          </a:lstStyle>
+          <a:p>
+            <a:endParaRPr lang="pt-BR"/>
+          </a:p>
+        </p:txBody>
+      </p:sp>
+      <p:sp>
+        <p:nvSpPr>
+          <p:cNvPr id="4" name="Espaço Reservado para Texto 3"/>
+          <p:cNvSpPr>
+            <a:spLocks noGrp="1"/>
+          </p:cNvSpPr>
+          <p:nvPr>
+            <p:ph type="body" sz="half" idx="2" hasCustomPrompt="1"/>
+          </p:nvPr>
+        </p:nvSpPr>
+        <p:spPr>
+          <a:xfrm>
+            <a:off x="839788" y="2057400"/>
+            <a:ext cx="3932237" cy="3811588"/>
+          </a:xfrm>
+        </p:spPr>
+        <p:txBody>
+          <a:bodyPr/>
+          <a:lstStyle>
+            <a:lvl1pPr marL="0" indent="0">
+              <a:buNone/>
+              <a:defRPr sz="1600"/>
+            </a:lvl1pPr>
+            <a:lvl2pPr marL="457200" indent="0">
+              <a:buNone/>
+              <a:defRPr sz="1400"/>
+            </a:lvl2pPr>
+            <a:lvl3pPr marL="914400" indent="0">
+              <a:buNone/>
+              <a:defRPr sz="1200"/>
+            </a:lvl3pPr>
+            <a:lvl4pPr marL="1371600" indent="0">
+              <a:buNone/>
+              <a:defRPr sz="1000"/>
+            </a:lvl4pPr>
+            <a:lvl5pPr marL="1828800" indent="0">
+              <a:buNone/>
+              <a:defRPr sz="1000"/>
+            </a:lvl5pPr>
+            <a:lvl6pPr marL="2286000" indent="0">
+              <a:buNone/>
+              <a:defRPr sz="1000"/>
+            </a:lvl6pPr>
+            <a:lvl7pPr marL="2743200" indent="0">
+              <a:buNone/>
+              <a:defRPr sz="1000"/>
+            </a:lvl7pPr>
+            <a:lvl8pPr marL="3200400" indent="0">
+              <a:buNone/>
+              <a:defRPr sz="1000"/>
+            </a:lvl8pPr>
+            <a:lvl9pPr marL="3657600" indent="0">
+              <a:buNone/>
+              <a:defRPr sz="1000"/>
+            </a:lvl9pPr>
+          </a:lstStyle>
+          <a:p>
+            <a:pPr lvl="0"/>
+            <a:r>
+              <a:rPr lang="pt-BR"/>
+              <a:t>Clique para editar os estilos de texto Mestres</a:t>
+            </a:r>
+            <a:endParaRPr lang="pt-BR"/>
+          </a:p>
+        </p:txBody>
+      </p:sp>
+      <p:sp>
+        <p:nvSpPr>
+          <p:cNvPr id="5" name="Espaço Reservado para Data 4"/>
+          <p:cNvSpPr>
+            <a:spLocks noGrp="1"/>
+          </p:cNvSpPr>
+          <p:nvPr>
+            <p:ph type="dt" sz="half" idx="10"/>
+          </p:nvPr>
+        </p:nvSpPr>
+        <p:spPr/>
+        <p:txBody>
+          <a:bodyPr/>
+          <a:lstStyle/>
+          <a:p>
+            <a:fld id="{3C6C0946-3181-4760-B94E-3653598797FA}" type="datetimeFigureOut">
+              <a:rPr lang="pt-BR" smtClean="0"/>
+            </a:fld>
+            <a:endParaRPr lang="pt-BR"/>
+          </a:p>
+        </p:txBody>
+      </p:sp>
+      <p:sp>
+        <p:nvSpPr>
+          <p:cNvPr id="6" name="Espaço Reservado para Rodapé 5"/>
+          <p:cNvSpPr>
+            <a:spLocks noGrp="1"/>
+          </p:cNvSpPr>
+          <p:nvPr>
+            <p:ph type="ftr" sz="quarter" idx="11"/>
+          </p:nvPr>
+        </p:nvSpPr>
+        <p:spPr/>
+        <p:txBody>
+          <a:bodyPr/>
+          <a:lstStyle/>
+          <a:p>
+            <a:endParaRPr lang="pt-BR"/>
+          </a:p>
+        </p:txBody>
+      </p:sp>
+      <p:sp>
+        <p:nvSpPr>
+          <p:cNvPr id="7" name="Espaço Reservado para Número de Slide 6"/>
+          <p:cNvSpPr>
+            <a:spLocks noGrp="1"/>
+          </p:cNvSpPr>
+          <p:nvPr>
+            <p:ph type="sldNum" sz="quarter" idx="12"/>
+          </p:nvPr>
+        </p:nvSpPr>
+        <p:spPr/>
+        <p:txBody>
+          <a:bodyPr/>
+          <a:lstStyle/>
+          <a:p>
+            <a:fld id="{835BEC8A-72CA-4A82-85E1-C7192533EB55}" type="slidenum">
+              <a:rPr lang="pt-BR" smtClean="0"/>
+            </a:fld>
+            <a:endParaRPr lang="pt-BR"/>
+          </a:p>
+        </p:txBody>
+      </p:sp>
+    </p:spTree>
+  </p:cSld>
+  <p:clrMapOvr>
+    <a:masterClrMapping/>
+  </p:clrMapOvr>
+</p:sldLayout>
+</file>
+
+<file path=ppt/slideLayouts/slideLayout21.xml><?xml version="1.0" encoding="utf-8"?>
+<p:sldLayout xmlns:a="http://schemas.openxmlformats.org/drawingml/2006/main" xmlns:r="http://schemas.openxmlformats.org/officeDocument/2006/relationships" xmlns:p="http://schemas.openxmlformats.org/presentationml/2006/main" type="vertTx" preserve="1">
+  <p:cSld name="Título e Texto Vertical">
+    <p:spTree>
+      <p:nvGrpSpPr>
+        <p:cNvPr id="1" name=""/>
+        <p:cNvGrpSpPr/>
+        <p:nvPr/>
+      </p:nvGrpSpPr>
+      <p:grpSpPr>
+        <a:xfrm>
+          <a:off x="0" y="0"/>
+          <a:ext cx="0" cy="0"/>
+          <a:chOff x="0" y="0"/>
+          <a:chExt cx="0" cy="0"/>
+        </a:xfrm>
+      </p:grpSpPr>
+      <p:sp>
+        <p:nvSpPr>
+          <p:cNvPr id="2" name="Título 1"/>
+          <p:cNvSpPr>
+            <a:spLocks noGrp="1"/>
+          </p:cNvSpPr>
+          <p:nvPr>
+            <p:ph type="title" hasCustomPrompt="1"/>
+          </p:nvPr>
+        </p:nvSpPr>
+        <p:spPr/>
+        <p:txBody>
+          <a:bodyPr/>
+          <a:lstStyle/>
+          <a:p>
+            <a:r>
+              <a:rPr lang="pt-BR"/>
+              <a:t>Clique para editar o título Mestre</a:t>
+            </a:r>
+            <a:endParaRPr lang="pt-BR"/>
+          </a:p>
+        </p:txBody>
+      </p:sp>
+      <p:sp>
+        <p:nvSpPr>
+          <p:cNvPr id="3" name="Espaço Reservado para Texto Vertical 2"/>
+          <p:cNvSpPr>
+            <a:spLocks noGrp="1"/>
+          </p:cNvSpPr>
+          <p:nvPr>
+            <p:ph type="body" orient="vert" idx="1" hasCustomPrompt="1"/>
+          </p:nvPr>
+        </p:nvSpPr>
+        <p:spPr/>
+        <p:txBody>
+          <a:bodyPr vert="eaVert"/>
+          <a:lstStyle/>
+          <a:p>
+            <a:pPr lvl="0"/>
+            <a:r>
+              <a:rPr lang="pt-BR"/>
+              <a:t>Clique para editar os estilos de texto Mestres</a:t>
+            </a:r>
+            <a:endParaRPr lang="pt-BR"/>
+          </a:p>
+          <a:p>
+            <a:pPr lvl="1"/>
+            <a:r>
+              <a:rPr lang="pt-BR"/>
+              <a:t>Segundo nível</a:t>
+            </a:r>
+            <a:endParaRPr lang="pt-BR"/>
+          </a:p>
+          <a:p>
+            <a:pPr lvl="2"/>
+            <a:r>
+              <a:rPr lang="pt-BR"/>
+              <a:t>Terceiro nível</a:t>
+            </a:r>
+            <a:endParaRPr lang="pt-BR"/>
+          </a:p>
+          <a:p>
+            <a:pPr lvl="3"/>
+            <a:r>
+              <a:rPr lang="pt-BR"/>
+              <a:t>Quarto nível</a:t>
+            </a:r>
+            <a:endParaRPr lang="pt-BR"/>
+          </a:p>
+          <a:p>
+            <a:pPr lvl="4"/>
+            <a:r>
+              <a:rPr lang="pt-BR"/>
+              <a:t>Quinto nível</a:t>
+            </a:r>
+            <a:endParaRPr lang="pt-BR"/>
+          </a:p>
+        </p:txBody>
+      </p:sp>
+      <p:sp>
+        <p:nvSpPr>
+          <p:cNvPr id="4" name="Espaço Reservado para Data 3"/>
+          <p:cNvSpPr>
+            <a:spLocks noGrp="1"/>
+          </p:cNvSpPr>
+          <p:nvPr>
+            <p:ph type="dt" sz="half" idx="10"/>
+          </p:nvPr>
+        </p:nvSpPr>
+        <p:spPr/>
+        <p:txBody>
+          <a:bodyPr/>
+          <a:lstStyle/>
+          <a:p>
+            <a:fld id="{3C6C0946-3181-4760-B94E-3653598797FA}" type="datetimeFigureOut">
+              <a:rPr lang="pt-BR" smtClean="0"/>
+            </a:fld>
+            <a:endParaRPr lang="pt-BR"/>
+          </a:p>
+        </p:txBody>
+      </p:sp>
+      <p:sp>
+        <p:nvSpPr>
+          <p:cNvPr id="5" name="Espaço Reservado para Rodapé 4"/>
+          <p:cNvSpPr>
+            <a:spLocks noGrp="1"/>
+          </p:cNvSpPr>
+          <p:nvPr>
+            <p:ph type="ftr" sz="quarter" idx="11"/>
+          </p:nvPr>
+        </p:nvSpPr>
+        <p:spPr/>
+        <p:txBody>
+          <a:bodyPr/>
+          <a:lstStyle/>
+          <a:p>
+            <a:endParaRPr lang="pt-BR"/>
+          </a:p>
+        </p:txBody>
+      </p:sp>
+      <p:sp>
+        <p:nvSpPr>
+          <p:cNvPr id="6" name="Espaço Reservado para Número de Slide 5"/>
+          <p:cNvSpPr>
+            <a:spLocks noGrp="1"/>
+          </p:cNvSpPr>
+          <p:nvPr>
+            <p:ph type="sldNum" sz="quarter" idx="12"/>
+          </p:nvPr>
+        </p:nvSpPr>
+        <p:spPr/>
+        <p:txBody>
+          <a:bodyPr/>
+          <a:lstStyle/>
+          <a:p>
+            <a:fld id="{835BEC8A-72CA-4A82-85E1-C7192533EB55}" type="slidenum">
+              <a:rPr lang="pt-BR" smtClean="0"/>
+            </a:fld>
+            <a:endParaRPr lang="pt-BR"/>
+          </a:p>
+        </p:txBody>
+      </p:sp>
+    </p:spTree>
+  </p:cSld>
+  <p:clrMapOvr>
+    <a:masterClrMapping/>
+  </p:clrMapOvr>
+</p:sldLayout>
+</file>
+
+<file path=ppt/slideLayouts/slideLayout22.xml><?xml version="1.0" encoding="utf-8"?>
+<p:sldLayout xmlns:a="http://schemas.openxmlformats.org/drawingml/2006/main" xmlns:r="http://schemas.openxmlformats.org/officeDocument/2006/relationships" xmlns:p="http://schemas.openxmlformats.org/presentationml/2006/main" type="vertTitleAndTx" preserve="1">
+  <p:cSld name="Texto e Título Vertical">
+    <p:spTree>
+      <p:nvGrpSpPr>
+        <p:cNvPr id="1" name=""/>
+        <p:cNvGrpSpPr/>
+        <p:nvPr/>
+      </p:nvGrpSpPr>
+      <p:grpSpPr>
+        <a:xfrm>
+          <a:off x="0" y="0"/>
+          <a:ext cx="0" cy="0"/>
+          <a:chOff x="0" y="0"/>
+          <a:chExt cx="0" cy="0"/>
+        </a:xfrm>
+      </p:grpSpPr>
+      <p:sp>
+        <p:nvSpPr>
+          <p:cNvPr id="2" name="Título Vertical 1"/>
+          <p:cNvSpPr>
+            <a:spLocks noGrp="1"/>
+          </p:cNvSpPr>
+          <p:nvPr>
+            <p:ph type="title" orient="vert" hasCustomPrompt="1"/>
+          </p:nvPr>
+        </p:nvSpPr>
+        <p:spPr>
+          <a:xfrm>
+            <a:off x="8724900" y="365125"/>
+            <a:ext cx="2628900" cy="5811838"/>
+          </a:xfrm>
+        </p:spPr>
+        <p:txBody>
+          <a:bodyPr vert="eaVert"/>
+          <a:lstStyle/>
+          <a:p>
+            <a:r>
+              <a:rPr lang="pt-BR"/>
+              <a:t>Clique para editar o título Mestre</a:t>
+            </a:r>
+            <a:endParaRPr lang="pt-BR"/>
+          </a:p>
+        </p:txBody>
+      </p:sp>
+      <p:sp>
+        <p:nvSpPr>
+          <p:cNvPr id="3" name="Espaço Reservado para Texto Vertical 2"/>
+          <p:cNvSpPr>
+            <a:spLocks noGrp="1"/>
+          </p:cNvSpPr>
+          <p:nvPr>
+            <p:ph type="body" orient="vert" idx="1" hasCustomPrompt="1"/>
+          </p:nvPr>
+        </p:nvSpPr>
+        <p:spPr>
+          <a:xfrm>
+            <a:off x="838200" y="365125"/>
+            <a:ext cx="7734300" cy="5811838"/>
+          </a:xfrm>
+        </p:spPr>
+        <p:txBody>
+          <a:bodyPr vert="eaVert"/>
+          <a:lstStyle/>
+          <a:p>
+            <a:pPr lvl="0"/>
+            <a:r>
+              <a:rPr lang="pt-BR"/>
+              <a:t>Clique para editar os estilos de texto Mestres</a:t>
+            </a:r>
+            <a:endParaRPr lang="pt-BR"/>
+          </a:p>
+          <a:p>
+            <a:pPr lvl="1"/>
+            <a:r>
+              <a:rPr lang="pt-BR"/>
+              <a:t>Segundo nível</a:t>
+            </a:r>
+            <a:endParaRPr lang="pt-BR"/>
+          </a:p>
+          <a:p>
+            <a:pPr lvl="2"/>
+            <a:r>
+              <a:rPr lang="pt-BR"/>
+              <a:t>Terceiro nível</a:t>
+            </a:r>
+            <a:endParaRPr lang="pt-BR"/>
+          </a:p>
+          <a:p>
+            <a:pPr lvl="3"/>
+            <a:r>
+              <a:rPr lang="pt-BR"/>
+              <a:t>Quarto nível</a:t>
+            </a:r>
+            <a:endParaRPr lang="pt-BR"/>
+          </a:p>
+          <a:p>
+            <a:pPr lvl="4"/>
+            <a:r>
+              <a:rPr lang="pt-BR"/>
+              <a:t>Quinto nível</a:t>
+            </a:r>
+            <a:endParaRPr lang="pt-BR"/>
+          </a:p>
+        </p:txBody>
+      </p:sp>
+      <p:sp>
+        <p:nvSpPr>
+          <p:cNvPr id="4" name="Espaço Reservado para Data 3"/>
+          <p:cNvSpPr>
+            <a:spLocks noGrp="1"/>
+          </p:cNvSpPr>
+          <p:nvPr>
+            <p:ph type="dt" sz="half" idx="10"/>
+          </p:nvPr>
+        </p:nvSpPr>
+        <p:spPr/>
+        <p:txBody>
+          <a:bodyPr/>
+          <a:lstStyle/>
+          <a:p>
+            <a:fld id="{3C6C0946-3181-4760-B94E-3653598797FA}" type="datetimeFigureOut">
+              <a:rPr lang="pt-BR" smtClean="0"/>
+            </a:fld>
+            <a:endParaRPr lang="pt-BR"/>
+          </a:p>
+        </p:txBody>
+      </p:sp>
+      <p:sp>
+        <p:nvSpPr>
+          <p:cNvPr id="5" name="Espaço Reservado para Rodapé 4"/>
+          <p:cNvSpPr>
+            <a:spLocks noGrp="1"/>
+          </p:cNvSpPr>
+          <p:nvPr>
+            <p:ph type="ftr" sz="quarter" idx="11"/>
+          </p:nvPr>
+        </p:nvSpPr>
+        <p:spPr/>
+        <p:txBody>
+          <a:bodyPr/>
+          <a:lstStyle/>
+          <a:p>
+            <a:endParaRPr lang="pt-BR"/>
+          </a:p>
+        </p:txBody>
+      </p:sp>
+      <p:sp>
+        <p:nvSpPr>
+          <p:cNvPr id="6" name="Espaço Reservado para Número de Slide 5"/>
+          <p:cNvSpPr>
+            <a:spLocks noGrp="1"/>
+          </p:cNvSpPr>
+          <p:nvPr>
+            <p:ph type="sldNum" sz="quarter" idx="12"/>
+          </p:nvPr>
+        </p:nvSpPr>
+        <p:spPr/>
+        <p:txBody>
+          <a:bodyPr/>
+          <a:lstStyle/>
+          <a:p>
+            <a:fld id="{835BEC8A-72CA-4A82-85E1-C7192533EB55}" type="slidenum">
+              <a:rPr lang="pt-BR" smtClean="0"/>
+            </a:fld>
+            <a:endParaRPr lang="pt-BR"/>
+          </a:p>
+        </p:txBody>
+      </p:sp>
+    </p:spTree>
+  </p:cSld>
+  <p:clrMapOvr>
+    <a:masterClrMapping/>
+  </p:clrMapOvr>
+</p:sldLayout>
+</file>
+
+<file path=ppt/slideLayouts/slideLayout3.xml><?xml version="1.0" encoding="utf-8"?>
+<p:sldLayout xmlns:a="http://schemas.openxmlformats.org/drawingml/2006/main" xmlns:r="http://schemas.openxmlformats.org/officeDocument/2006/relationships" xmlns:p="http://schemas.openxmlformats.org/presentationml/2006/main" type="secHead" preserve="1">
+  <p:cSld name="Cabeçalho da Seção">
+    <p:spTree>
+      <p:nvGrpSpPr>
+        <p:cNvPr id="1" name=""/>
+        <p:cNvGrpSpPr/>
+        <p:nvPr/>
+      </p:nvGrpSpPr>
+      <p:grpSpPr>
+        <a:xfrm>
+          <a:off x="0" y="0"/>
+          <a:ext cx="0" cy="0"/>
+          <a:chOff x="0" y="0"/>
+          <a:chExt cx="0" cy="0"/>
+        </a:xfrm>
+      </p:grpSpPr>
+      <p:sp>
+        <p:nvSpPr>
+          <p:cNvPr id="2" name="Título 1"/>
+          <p:cNvSpPr>
+            <a:spLocks noGrp="1"/>
+          </p:cNvSpPr>
+          <p:nvPr>
+            <p:ph type="title" hasCustomPrompt="1"/>
+          </p:nvPr>
+        </p:nvSpPr>
+        <p:spPr>
+          <a:xfrm>
+            <a:off x="831850" y="1709738"/>
+            <a:ext cx="10515600" cy="2852737"/>
+          </a:xfrm>
+        </p:spPr>
+        <p:txBody>
+          <a:bodyPr anchor="b"/>
+          <a:lstStyle>
+            <a:lvl1pPr>
+              <a:defRPr sz="6000"/>
+            </a:lvl1pPr>
+          </a:lstStyle>
+          <a:p>
+            <a:r>
+              <a:rPr lang="pt-BR"/>
+              <a:t>Clique para editar o título Mestre</a:t>
+            </a:r>
+            <a:endParaRPr lang="pt-BR"/>
+          </a:p>
+        </p:txBody>
+      </p:sp>
+      <p:sp>
+        <p:nvSpPr>
+          <p:cNvPr id="3" name="Espaço Reservado para Texto 2"/>
+          <p:cNvSpPr>
+            <a:spLocks noGrp="1"/>
+          </p:cNvSpPr>
+          <p:nvPr>
+            <p:ph type="body" idx="1" hasCustomPrompt="1"/>
+          </p:nvPr>
+        </p:nvSpPr>
+        <p:spPr>
+          <a:xfrm>
+            <a:off x="831850" y="4589463"/>
+            <a:ext cx="10515600" cy="1500187"/>
+          </a:xfrm>
+        </p:spPr>
+        <p:txBody>
+          <a:bodyPr/>
+          <a:lstStyle>
+            <a:lvl1pPr marL="0" indent="0">
+              <a:buNone/>
+              <a:defRPr sz="2400">
+                <a:solidFill>
+                  <a:schemeClr val="tx1">
+                    <a:tint val="75000"/>
+                  </a:schemeClr>
+                </a:solidFill>
+              </a:defRPr>
+            </a:lvl1pPr>
+            <a:lvl2pPr marL="457200" indent="0">
+              <a:buNone/>
+              <a:defRPr sz="2000">
+                <a:solidFill>
+                  <a:schemeClr val="tx1">
+                    <a:tint val="75000"/>
+                  </a:schemeClr>
+                </a:solidFill>
+              </a:defRPr>
+            </a:lvl2pPr>
+            <a:lvl3pPr marL="914400" indent="0">
+              <a:buNone/>
+              <a:defRPr sz="1800">
+                <a:solidFill>
+                  <a:schemeClr val="tx1">
+                    <a:tint val="75000"/>
+                  </a:schemeClr>
+                </a:solidFill>
+              </a:defRPr>
+            </a:lvl3pPr>
+            <a:lvl4pPr marL="1371600" indent="0">
+              <a:buNone/>
+              <a:defRPr sz="1600">
+                <a:solidFill>
+                  <a:schemeClr val="tx1">
+                    <a:tint val="75000"/>
+                  </a:schemeClr>
+                </a:solidFill>
+              </a:defRPr>
+            </a:lvl4pPr>
+            <a:lvl5pPr marL="1828800" indent="0">
+              <a:buNone/>
+              <a:defRPr sz="1600">
+                <a:solidFill>
+                  <a:schemeClr val="tx1">
+                    <a:tint val="75000"/>
+                  </a:schemeClr>
+                </a:solidFill>
+              </a:defRPr>
+            </a:lvl5pPr>
+            <a:lvl6pPr marL="2286000" indent="0">
+              <a:buNone/>
+              <a:defRPr sz="1600">
+                <a:solidFill>
+                  <a:schemeClr val="tx1">
+                    <a:tint val="75000"/>
+                  </a:schemeClr>
+                </a:solidFill>
+              </a:defRPr>
+            </a:lvl6pPr>
+            <a:lvl7pPr marL="2743200" indent="0">
+              <a:buNone/>
+              <a:defRPr sz="1600">
+                <a:solidFill>
+                  <a:schemeClr val="tx1">
+                    <a:tint val="75000"/>
+                  </a:schemeClr>
+                </a:solidFill>
+              </a:defRPr>
+            </a:lvl7pPr>
+            <a:lvl8pPr marL="3200400" indent="0">
+              <a:buNone/>
+              <a:defRPr sz="1600">
+                <a:solidFill>
+                  <a:schemeClr val="tx1">
+                    <a:tint val="75000"/>
+                  </a:schemeClr>
+                </a:solidFill>
+              </a:defRPr>
+            </a:lvl8pPr>
+            <a:lvl9pPr marL="3657600" indent="0">
+              <a:buNone/>
+              <a:defRPr sz="1600">
+                <a:solidFill>
+                  <a:schemeClr val="tx1">
+                    <a:tint val="75000"/>
+                  </a:schemeClr>
+                </a:solidFill>
+              </a:defRPr>
+            </a:lvl9pPr>
+          </a:lstStyle>
+          <a:p>
+            <a:pPr lvl="0"/>
+            <a:r>
+              <a:rPr lang="pt-BR"/>
+              <a:t>Clique para editar os estilos de texto Mestres</a:t>
+            </a:r>
+            <a:endParaRPr lang="pt-BR"/>
+          </a:p>
+        </p:txBody>
+      </p:sp>
+      <p:sp>
+        <p:nvSpPr>
+          <p:cNvPr id="4" name="Espaço Reservado para Data 3"/>
+          <p:cNvSpPr>
+            <a:spLocks noGrp="1"/>
+          </p:cNvSpPr>
+          <p:nvPr>
+            <p:ph type="dt" sz="half" idx="10"/>
+          </p:nvPr>
+        </p:nvSpPr>
+        <p:spPr/>
+        <p:txBody>
+          <a:bodyPr/>
+          <a:lstStyle/>
+          <a:p>
+            <a:fld id="{3C6C0946-3181-4760-B94E-3653598797FA}" type="datetimeFigureOut">
+              <a:rPr lang="pt-BR" smtClean="0"/>
+            </a:fld>
+            <a:endParaRPr lang="pt-BR"/>
+          </a:p>
+        </p:txBody>
+      </p:sp>
+      <p:sp>
+        <p:nvSpPr>
+          <p:cNvPr id="5" name="Espaço Reservado para Rodapé 4"/>
+          <p:cNvSpPr>
+            <a:spLocks noGrp="1"/>
+          </p:cNvSpPr>
+          <p:nvPr>
+            <p:ph type="ftr" sz="quarter" idx="11"/>
+          </p:nvPr>
+        </p:nvSpPr>
+        <p:spPr/>
+        <p:txBody>
+          <a:bodyPr/>
+          <a:lstStyle/>
+          <a:p>
+            <a:endParaRPr lang="pt-BR"/>
+          </a:p>
+        </p:txBody>
+      </p:sp>
+      <p:sp>
+        <p:nvSpPr>
+          <p:cNvPr id="6" name="Espaço Reservado para Número de Slide 5"/>
+          <p:cNvSpPr>
+            <a:spLocks noGrp="1"/>
+          </p:cNvSpPr>
+          <p:nvPr>
+            <p:ph type="sldNum" sz="quarter" idx="12"/>
+          </p:nvPr>
+        </p:nvSpPr>
+        <p:spPr/>
+        <p:txBody>
+          <a:bodyPr/>
+          <a:lstStyle/>
+          <a:p>
+            <a:fld id="{835BEC8A-72CA-4A82-85E1-C7192533EB55}" type="slidenum">
+              <a:rPr lang="pt-BR" smtClean="0"/>
+            </a:fld>
+            <a:endParaRPr lang="pt-BR"/>
+          </a:p>
+        </p:txBody>
+      </p:sp>
+    </p:spTree>
+  </p:cSld>
+  <p:clrMapOvr>
+    <a:masterClrMapping/>
+  </p:clrMapOvr>
+</p:sldLayout>
+</file>
+
+<file path=ppt/slideLayouts/slideLayout4.xml><?xml version="1.0" encoding="utf-8"?>
+<p:sldLayout xmlns:a="http://schemas.openxmlformats.org/drawingml/2006/main" xmlns:r="http://schemas.openxmlformats.org/officeDocument/2006/relationships" xmlns:p="http://schemas.openxmlformats.org/presentationml/2006/main" type="twoObj" preserve="1">
+  <p:cSld name="Duas Partes de Conteúdo">
+    <p:spTree>
+      <p:nvGrpSpPr>
+        <p:cNvPr id="1" name=""/>
+        <p:cNvGrpSpPr/>
+        <p:nvPr/>
+      </p:nvGrpSpPr>
+      <p:grpSpPr>
+        <a:xfrm>
+          <a:off x="0" y="0"/>
+          <a:ext cx="0" cy="0"/>
+          <a:chOff x="0" y="0"/>
+          <a:chExt cx="0" cy="0"/>
+        </a:xfrm>
+      </p:grpSpPr>
+      <p:sp>
+        <p:nvSpPr>
+          <p:cNvPr id="2" name="Título 1"/>
+          <p:cNvSpPr>
+            <a:spLocks noGrp="1"/>
+          </p:cNvSpPr>
+          <p:nvPr>
+            <p:ph type="title" hasCustomPrompt="1"/>
+          </p:nvPr>
+        </p:nvSpPr>
+        <p:spPr/>
+        <p:txBody>
+          <a:bodyPr/>
+          <a:lstStyle/>
+          <a:p>
+            <a:r>
+              <a:rPr lang="pt-BR"/>
+              <a:t>Clique para editar o título Mestre</a:t>
+            </a:r>
+            <a:endParaRPr lang="pt-BR"/>
+          </a:p>
+        </p:txBody>
+      </p:sp>
+      <p:sp>
+        <p:nvSpPr>
+          <p:cNvPr id="3" name="Espaço Reservado para Conteúdo 2"/>
+          <p:cNvSpPr>
+            <a:spLocks noGrp="1"/>
+          </p:cNvSpPr>
+          <p:nvPr>
+            <p:ph sz="half" idx="1" hasCustomPrompt="1"/>
+          </p:nvPr>
+        </p:nvSpPr>
+        <p:spPr>
+          <a:xfrm>
+            <a:off x="838200" y="1825625"/>
+            <a:ext cx="5181600" cy="4351338"/>
+          </a:xfrm>
+        </p:spPr>
+        <p:txBody>
+          <a:bodyPr/>
+          <a:lstStyle/>
+          <a:p>
+            <a:pPr lvl="0"/>
+            <a:r>
+              <a:rPr lang="pt-BR"/>
+              <a:t>Clique para editar os estilos de texto Mestres</a:t>
+            </a:r>
+            <a:endParaRPr lang="pt-BR"/>
+          </a:p>
+          <a:p>
+            <a:pPr lvl="1"/>
+            <a:r>
+              <a:rPr lang="pt-BR"/>
+              <a:t>Segundo nível</a:t>
+            </a:r>
+            <a:endParaRPr lang="pt-BR"/>
+          </a:p>
+          <a:p>
+            <a:pPr lvl="2"/>
+            <a:r>
+              <a:rPr lang="pt-BR"/>
+              <a:t>Terceiro nível</a:t>
+            </a:r>
+            <a:endParaRPr lang="pt-BR"/>
+          </a:p>
+          <a:p>
+            <a:pPr lvl="3"/>
+            <a:r>
+              <a:rPr lang="pt-BR"/>
+              <a:t>Quarto nível</a:t>
+            </a:r>
+            <a:endParaRPr lang="pt-BR"/>
+          </a:p>
+          <a:p>
+            <a:pPr lvl="4"/>
+            <a:r>
+              <a:rPr lang="pt-BR"/>
+              <a:t>Quinto nível</a:t>
+            </a:r>
+            <a:endParaRPr lang="pt-BR"/>
+          </a:p>
+        </p:txBody>
+      </p:sp>
+      <p:sp>
+        <p:nvSpPr>
+          <p:cNvPr id="4" name="Espaço Reservado para Conteúdo 3"/>
+          <p:cNvSpPr>
+            <a:spLocks noGrp="1"/>
+          </p:cNvSpPr>
+          <p:nvPr>
+            <p:ph sz="half" idx="2" hasCustomPrompt="1"/>
+          </p:nvPr>
+        </p:nvSpPr>
+        <p:spPr>
+          <a:xfrm>
+            <a:off x="6172200" y="1825625"/>
+            <a:ext cx="5181600" cy="4351338"/>
+          </a:xfrm>
+        </p:spPr>
+        <p:txBody>
+          <a:bodyPr/>
+          <a:lstStyle/>
+          <a:p>
+            <a:pPr lvl="0"/>
+            <a:r>
+              <a:rPr lang="pt-BR"/>
+              <a:t>Clique para editar os estilos de texto Mestres</a:t>
+            </a:r>
+            <a:endParaRPr lang="pt-BR"/>
+          </a:p>
+          <a:p>
+            <a:pPr lvl="1"/>
+            <a:r>
+              <a:rPr lang="pt-BR"/>
+              <a:t>Segundo nível</a:t>
+            </a:r>
+            <a:endParaRPr lang="pt-BR"/>
+          </a:p>
+          <a:p>
+            <a:pPr lvl="2"/>
+            <a:r>
+              <a:rPr lang="pt-BR"/>
+              <a:t>Terceiro nível</a:t>
+            </a:r>
+            <a:endParaRPr lang="pt-BR"/>
+          </a:p>
+          <a:p>
+            <a:pPr lvl="3"/>
+            <a:r>
+              <a:rPr lang="pt-BR"/>
+              <a:t>Quarto nível</a:t>
+            </a:r>
+            <a:endParaRPr lang="pt-BR"/>
+          </a:p>
+          <a:p>
+            <a:pPr lvl="4"/>
+            <a:r>
+              <a:rPr lang="pt-BR"/>
+              <a:t>Quinto nível</a:t>
+            </a:r>
+            <a:endParaRPr lang="pt-BR"/>
+          </a:p>
+        </p:txBody>
+      </p:sp>
+      <p:sp>
+        <p:nvSpPr>
+          <p:cNvPr id="5" name="Espaço Reservado para Data 4"/>
+          <p:cNvSpPr>
+            <a:spLocks noGrp="1"/>
+          </p:cNvSpPr>
+          <p:nvPr>
+            <p:ph type="dt" sz="half" idx="10"/>
+          </p:nvPr>
+        </p:nvSpPr>
+        <p:spPr/>
+        <p:txBody>
+          <a:bodyPr/>
+          <a:lstStyle/>
+          <a:p>
+            <a:fld id="{3C6C0946-3181-4760-B94E-3653598797FA}" type="datetimeFigureOut">
+              <a:rPr lang="pt-BR" smtClean="0"/>
+            </a:fld>
+            <a:endParaRPr lang="pt-BR"/>
+          </a:p>
+        </p:txBody>
+      </p:sp>
+      <p:sp>
+        <p:nvSpPr>
+          <p:cNvPr id="6" name="Espaço Reservado para Rodapé 5"/>
+          <p:cNvSpPr>
+            <a:spLocks noGrp="1"/>
+          </p:cNvSpPr>
+          <p:nvPr>
+            <p:ph type="ftr" sz="quarter" idx="11"/>
+          </p:nvPr>
+        </p:nvSpPr>
+        <p:spPr/>
+        <p:txBody>
+          <a:bodyPr/>
+          <a:lstStyle/>
+          <a:p>
+            <a:endParaRPr lang="pt-BR"/>
+          </a:p>
+        </p:txBody>
+      </p:sp>
+      <p:sp>
+        <p:nvSpPr>
+          <p:cNvPr id="7" name="Espaço Reservado para Número de Slide 6"/>
+          <p:cNvSpPr>
+            <a:spLocks noGrp="1"/>
+          </p:cNvSpPr>
+          <p:nvPr>
+            <p:ph type="sldNum" sz="quarter" idx="12"/>
+          </p:nvPr>
+        </p:nvSpPr>
+        <p:spPr/>
+        <p:txBody>
+          <a:bodyPr/>
+          <a:lstStyle/>
+          <a:p>
+            <a:fld id="{835BEC8A-72CA-4A82-85E1-C7192533EB55}" type="slidenum">
+              <a:rPr lang="pt-BR" smtClean="0"/>
+            </a:fld>
+            <a:endParaRPr lang="pt-BR"/>
+          </a:p>
+        </p:txBody>
+      </p:sp>
+    </p:spTree>
+  </p:cSld>
+  <p:clrMapOvr>
+    <a:masterClrMapping/>
+  </p:clrMapOvr>
+</p:sldLayout>
+</file>
+
+<file path=ppt/slideLayouts/slideLayout5.xml><?xml version="1.0" encoding="utf-8"?>
+<p:sldLayout xmlns:a="http://schemas.openxmlformats.org/drawingml/2006/main" xmlns:r="http://schemas.openxmlformats.org/officeDocument/2006/relationships" xmlns:p="http://schemas.openxmlformats.org/presentationml/2006/main" type="twoTxTwoObj" preserve="1">
+  <p:cSld name="Comparação">
+    <p:spTree>
+      <p:nvGrpSpPr>
+        <p:cNvPr id="1" name=""/>
+        <p:cNvGrpSpPr/>
+        <p:nvPr/>
+      </p:nvGrpSpPr>
+      <p:grpSpPr>
+        <a:xfrm>
+          <a:off x="0" y="0"/>
+          <a:ext cx="0" cy="0"/>
+          <a:chOff x="0" y="0"/>
+          <a:chExt cx="0" cy="0"/>
+        </a:xfrm>
+      </p:grpSpPr>
+      <p:sp>
+        <p:nvSpPr>
+          <p:cNvPr id="2" name="Título 1"/>
+          <p:cNvSpPr>
+            <a:spLocks noGrp="1"/>
+          </p:cNvSpPr>
+          <p:nvPr>
+            <p:ph type="title" hasCustomPrompt="1"/>
+          </p:nvPr>
+        </p:nvSpPr>
+        <p:spPr>
+          <a:xfrm>
+            <a:off x="839788" y="365125"/>
+            <a:ext cx="10515600" cy="1325563"/>
+          </a:xfrm>
+        </p:spPr>
+        <p:txBody>
+          <a:bodyPr/>
+          <a:lstStyle/>
+          <a:p>
+            <a:r>
+              <a:rPr lang="pt-BR"/>
+              <a:t>Clique para editar o título Mestre</a:t>
+            </a:r>
+            <a:endParaRPr lang="pt-BR"/>
+          </a:p>
+        </p:txBody>
+      </p:sp>
+      <p:sp>
+        <p:nvSpPr>
+          <p:cNvPr id="3" name="Espaço Reservado para Texto 2"/>
+          <p:cNvSpPr>
+            <a:spLocks noGrp="1"/>
+          </p:cNvSpPr>
+          <p:nvPr>
+            <p:ph type="body" idx="1" hasCustomPrompt="1"/>
+          </p:nvPr>
+        </p:nvSpPr>
+        <p:spPr>
+          <a:xfrm>
+            <a:off x="839788" y="1681163"/>
+            <a:ext cx="5157787" cy="823912"/>
+          </a:xfrm>
+        </p:spPr>
+        <p:txBody>
+          <a:bodyPr anchor="b"/>
+          <a:lstStyle>
+            <a:lvl1pPr marL="0" indent="0">
+              <a:buNone/>
+              <a:defRPr sz="2400" b="1"/>
+            </a:lvl1pPr>
+            <a:lvl2pPr marL="457200" indent="0">
+              <a:buNone/>
+              <a:defRPr sz="2000" b="1"/>
+            </a:lvl2pPr>
+            <a:lvl3pPr marL="914400" indent="0">
+              <a:buNone/>
+              <a:defRPr sz="1800" b="1"/>
+            </a:lvl3pPr>
+            <a:lvl4pPr marL="1371600" indent="0">
+              <a:buNone/>
+              <a:defRPr sz="1600" b="1"/>
+            </a:lvl4pPr>
+            <a:lvl5pPr marL="1828800" indent="0">
+              <a:buNone/>
+              <a:defRPr sz="1600" b="1"/>
+            </a:lvl5pPr>
+            <a:lvl6pPr marL="2286000" indent="0">
+              <a:buNone/>
+              <a:defRPr sz="1600" b="1"/>
+            </a:lvl6pPr>
+            <a:lvl7pPr marL="2743200" indent="0">
+              <a:buNone/>
+              <a:defRPr sz="1600" b="1"/>
+            </a:lvl7pPr>
+            <a:lvl8pPr marL="3200400" indent="0">
+              <a:buNone/>
+              <a:defRPr sz="1600" b="1"/>
+            </a:lvl8pPr>
+            <a:lvl9pPr marL="3657600" indent="0">
+              <a:buNone/>
+              <a:defRPr sz="1600" b="1"/>
+            </a:lvl9pPr>
+          </a:lstStyle>
+          <a:p>
+            <a:pPr lvl="0"/>
+            <a:r>
+              <a:rPr lang="pt-BR"/>
+              <a:t>Clique para editar os estilos de texto Mestres</a:t>
+            </a:r>
+            <a:endParaRPr lang="pt-BR"/>
+          </a:p>
+        </p:txBody>
+      </p:sp>
+      <p:sp>
+        <p:nvSpPr>
+          <p:cNvPr id="4" name="Espaço Reservado para Conteúdo 3"/>
+          <p:cNvSpPr>
+            <a:spLocks noGrp="1"/>
+          </p:cNvSpPr>
+          <p:nvPr>
+            <p:ph sz="half" idx="2" hasCustomPrompt="1"/>
+          </p:nvPr>
+        </p:nvSpPr>
+        <p:spPr>
+          <a:xfrm>
+            <a:off x="839788" y="2505075"/>
+            <a:ext cx="5157787" cy="3684588"/>
+          </a:xfrm>
+        </p:spPr>
+        <p:txBody>
+          <a:bodyPr/>
+          <a:lstStyle/>
+          <a:p>
+            <a:pPr lvl="0"/>
+            <a:r>
+              <a:rPr lang="pt-BR"/>
+              <a:t>Clique para editar os estilos de texto Mestres</a:t>
+            </a:r>
+            <a:endParaRPr lang="pt-BR"/>
+          </a:p>
+          <a:p>
+            <a:pPr lvl="1"/>
+            <a:r>
+              <a:rPr lang="pt-BR"/>
+              <a:t>Segundo nível</a:t>
+            </a:r>
+            <a:endParaRPr lang="pt-BR"/>
+          </a:p>
+          <a:p>
+            <a:pPr lvl="2"/>
+            <a:r>
+              <a:rPr lang="pt-BR"/>
+              <a:t>Terceiro nível</a:t>
+            </a:r>
+            <a:endParaRPr lang="pt-BR"/>
+          </a:p>
+          <a:p>
+            <a:pPr lvl="3"/>
+            <a:r>
+              <a:rPr lang="pt-BR"/>
+              <a:t>Quarto nível</a:t>
+            </a:r>
+            <a:endParaRPr lang="pt-BR"/>
+          </a:p>
+          <a:p>
+            <a:pPr lvl="4"/>
+            <a:r>
+              <a:rPr lang="pt-BR"/>
+              <a:t>Quinto nível</a:t>
+            </a:r>
+            <a:endParaRPr lang="pt-BR"/>
+          </a:p>
+        </p:txBody>
+      </p:sp>
+      <p:sp>
+        <p:nvSpPr>
+          <p:cNvPr id="5" name="Espaço Reservado para Texto 4"/>
+          <p:cNvSpPr>
+            <a:spLocks noGrp="1"/>
+          </p:cNvSpPr>
+          <p:nvPr>
+            <p:ph type="body" sz="quarter" idx="3" hasCustomPrompt="1"/>
+          </p:nvPr>
+        </p:nvSpPr>
+        <p:spPr>
+          <a:xfrm>
+            <a:off x="6172200" y="1681163"/>
+            <a:ext cx="5183188" cy="823912"/>
+          </a:xfrm>
+        </p:spPr>
+        <p:txBody>
+          <a:bodyPr anchor="b"/>
+          <a:lstStyle>
+            <a:lvl1pPr marL="0" indent="0">
+              <a:buNone/>
+              <a:defRPr sz="2400" b="1"/>
+            </a:lvl1pPr>
+            <a:lvl2pPr marL="457200" indent="0">
+              <a:buNone/>
+              <a:defRPr sz="2000" b="1"/>
+            </a:lvl2pPr>
+            <a:lvl3pPr marL="914400" indent="0">
+              <a:buNone/>
+              <a:defRPr sz="1800" b="1"/>
+            </a:lvl3pPr>
+            <a:lvl4pPr marL="1371600" indent="0">
+              <a:buNone/>
+              <a:defRPr sz="1600" b="1"/>
+            </a:lvl4pPr>
+            <a:lvl5pPr marL="1828800" indent="0">
+              <a:buNone/>
+              <a:defRPr sz="1600" b="1"/>
+            </a:lvl5pPr>
+            <a:lvl6pPr marL="2286000" indent="0">
+              <a:buNone/>
+              <a:defRPr sz="1600" b="1"/>
+            </a:lvl6pPr>
+            <a:lvl7pPr marL="2743200" indent="0">
+              <a:buNone/>
+              <a:defRPr sz="1600" b="1"/>
+            </a:lvl7pPr>
+            <a:lvl8pPr marL="3200400" indent="0">
+              <a:buNone/>
+              <a:defRPr sz="1600" b="1"/>
+            </a:lvl8pPr>
+            <a:lvl9pPr marL="3657600" indent="0">
+              <a:buNone/>
+              <a:defRPr sz="1600" b="1"/>
+            </a:lvl9pPr>
+          </a:lstStyle>
+          <a:p>
+            <a:pPr lvl="0"/>
+            <a:r>
+              <a:rPr lang="pt-BR"/>
+              <a:t>Clique para editar os estilos de texto Mestres</a:t>
+            </a:r>
+            <a:endParaRPr lang="pt-BR"/>
+          </a:p>
+        </p:txBody>
+      </p:sp>
+      <p:sp>
+        <p:nvSpPr>
+          <p:cNvPr id="6" name="Espaço Reservado para Conteúdo 5"/>
+          <p:cNvSpPr>
+            <a:spLocks noGrp="1"/>
+          </p:cNvSpPr>
+          <p:nvPr>
+            <p:ph sz="quarter" idx="4" hasCustomPrompt="1"/>
+          </p:nvPr>
+        </p:nvSpPr>
+        <p:spPr>
+          <a:xfrm>
+            <a:off x="6172200" y="2505075"/>
+            <a:ext cx="5183188" cy="3684588"/>
+          </a:xfrm>
+        </p:spPr>
+        <p:txBody>
+          <a:bodyPr/>
+          <a:lstStyle/>
+          <a:p>
+            <a:pPr lvl="0"/>
+            <a:r>
+              <a:rPr lang="pt-BR"/>
+              <a:t>Clique para editar os estilos de texto Mestres</a:t>
+            </a:r>
+            <a:endParaRPr lang="pt-BR"/>
+          </a:p>
+          <a:p>
+            <a:pPr lvl="1"/>
+            <a:r>
+              <a:rPr lang="pt-BR"/>
+              <a:t>Segundo nível</a:t>
+            </a:r>
+            <a:endParaRPr lang="pt-BR"/>
+          </a:p>
+          <a:p>
+            <a:pPr lvl="2"/>
+            <a:r>
+              <a:rPr lang="pt-BR"/>
+              <a:t>Terceiro nível</a:t>
+            </a:r>
+            <a:endParaRPr lang="pt-BR"/>
+          </a:p>
+          <a:p>
+            <a:pPr lvl="3"/>
+            <a:r>
+              <a:rPr lang="pt-BR"/>
+              <a:t>Quarto nível</a:t>
+            </a:r>
+            <a:endParaRPr lang="pt-BR"/>
+          </a:p>
+          <a:p>
+            <a:pPr lvl="4"/>
+            <a:r>
+              <a:rPr lang="pt-BR"/>
+              <a:t>Quinto nível</a:t>
+            </a:r>
+            <a:endParaRPr lang="pt-BR"/>
+          </a:p>
+        </p:txBody>
+      </p:sp>
+      <p:sp>
+        <p:nvSpPr>
+          <p:cNvPr id="7" name="Espaço Reservado para Data 6"/>
+          <p:cNvSpPr>
+            <a:spLocks noGrp="1"/>
+          </p:cNvSpPr>
+          <p:nvPr>
+            <p:ph type="dt" sz="half" idx="10"/>
+          </p:nvPr>
+        </p:nvSpPr>
+        <p:spPr/>
+        <p:txBody>
+          <a:bodyPr/>
+          <a:lstStyle/>
+          <a:p>
+            <a:fld id="{3C6C0946-3181-4760-B94E-3653598797FA}" type="datetimeFigureOut">
+              <a:rPr lang="pt-BR" smtClean="0"/>
+            </a:fld>
+            <a:endParaRPr lang="pt-BR"/>
+          </a:p>
+        </p:txBody>
+      </p:sp>
+      <p:sp>
+        <p:nvSpPr>
+          <p:cNvPr id="8" name="Espaço Reservado para Rodapé 7"/>
+          <p:cNvSpPr>
+            <a:spLocks noGrp="1"/>
+          </p:cNvSpPr>
+          <p:nvPr>
+            <p:ph type="ftr" sz="quarter" idx="11"/>
+          </p:nvPr>
+        </p:nvSpPr>
+        <p:spPr/>
+        <p:txBody>
+          <a:bodyPr/>
+          <a:lstStyle/>
+          <a:p>
+            <a:endParaRPr lang="pt-BR"/>
+          </a:p>
+        </p:txBody>
+      </p:sp>
+      <p:sp>
+        <p:nvSpPr>
+          <p:cNvPr id="9" name="Espaço Reservado para Número de Slide 8"/>
+          <p:cNvSpPr>
+            <a:spLocks noGrp="1"/>
+          </p:cNvSpPr>
+          <p:nvPr>
+            <p:ph type="sldNum" sz="quarter" idx="12"/>
+          </p:nvPr>
+        </p:nvSpPr>
+        <p:spPr/>
+        <p:txBody>
+          <a:bodyPr/>
+          <a:lstStyle/>
+          <a:p>
+            <a:fld id="{835BEC8A-72CA-4A82-85E1-C7192533EB55}" type="slidenum">
+              <a:rPr lang="pt-BR" smtClean="0"/>
+            </a:fld>
+            <a:endParaRPr lang="pt-BR"/>
+          </a:p>
+        </p:txBody>
+      </p:sp>
+    </p:spTree>
+  </p:cSld>
+  <p:clrMapOvr>
+    <a:masterClrMapping/>
+  </p:clrMapOvr>
+</p:sldLayout>
+</file>
+
+<file path=ppt/slideLayouts/slideLayout6.xml><?xml version="1.0" encoding="utf-8"?>
+<p:sldLayout xmlns:a="http://schemas.openxmlformats.org/drawingml/2006/main" xmlns:r="http://schemas.openxmlformats.org/officeDocument/2006/relationships" xmlns:p="http://schemas.openxmlformats.org/presentationml/2006/main" type="titleOnly" preserve="1">
+  <p:cSld name="Somente Título">
+    <p:spTree>
+      <p:nvGrpSpPr>
+        <p:cNvPr id="1" name=""/>
+        <p:cNvGrpSpPr/>
+        <p:nvPr/>
+      </p:nvGrpSpPr>
+      <p:grpSpPr>
+        <a:xfrm>
+          <a:off x="0" y="0"/>
+          <a:ext cx="0" cy="0"/>
+          <a:chOff x="0" y="0"/>
+          <a:chExt cx="0" cy="0"/>
+        </a:xfrm>
+      </p:grpSpPr>
+      <p:sp>
+        <p:nvSpPr>
+          <p:cNvPr id="2" name="Título 1"/>
+          <p:cNvSpPr>
+            <a:spLocks noGrp="1"/>
+          </p:cNvSpPr>
+          <p:nvPr>
+            <p:ph type="title" hasCustomPrompt="1"/>
+          </p:nvPr>
+        </p:nvSpPr>
+        <p:spPr/>
+        <p:txBody>
+          <a:bodyPr/>
+          <a:lstStyle/>
+          <a:p>
+            <a:r>
+              <a:rPr lang="pt-BR"/>
+              <a:t>Clique para editar o título Mestre</a:t>
+            </a:r>
+            <a:endParaRPr lang="pt-BR"/>
+          </a:p>
+        </p:txBody>
+      </p:sp>
+      <p:sp>
+        <p:nvSpPr>
+          <p:cNvPr id="3" name="Espaço Reservado para Data 2"/>
+          <p:cNvSpPr>
+            <a:spLocks noGrp="1"/>
+          </p:cNvSpPr>
+          <p:nvPr>
+            <p:ph type="dt" sz="half" idx="10"/>
+          </p:nvPr>
+        </p:nvSpPr>
+        <p:spPr/>
+        <p:txBody>
+          <a:bodyPr/>
+          <a:lstStyle/>
+          <a:p>
+            <a:fld id="{3C6C0946-3181-4760-B94E-3653598797FA}" type="datetimeFigureOut">
+              <a:rPr lang="pt-BR" smtClean="0"/>
+            </a:fld>
+            <a:endParaRPr lang="pt-BR"/>
+          </a:p>
+        </p:txBody>
+      </p:sp>
+      <p:sp>
+        <p:nvSpPr>
+          <p:cNvPr id="4" name="Espaço Reservado para Rodapé 3"/>
+          <p:cNvSpPr>
+            <a:spLocks noGrp="1"/>
+          </p:cNvSpPr>
+          <p:nvPr>
+            <p:ph type="ftr" sz="quarter" idx="11"/>
+          </p:nvPr>
+        </p:nvSpPr>
+        <p:spPr/>
+        <p:txBody>
+          <a:bodyPr/>
+          <a:lstStyle/>
+          <a:p>
+            <a:endParaRPr lang="pt-BR"/>
+          </a:p>
+        </p:txBody>
+      </p:sp>
+      <p:sp>
+        <p:nvSpPr>
+          <p:cNvPr id="5" name="Espaço Reservado para Número de Slide 4"/>
+          <p:cNvSpPr>
+            <a:spLocks noGrp="1"/>
+          </p:cNvSpPr>
+          <p:nvPr>
+            <p:ph type="sldNum" sz="quarter" idx="12"/>
+          </p:nvPr>
+        </p:nvSpPr>
+        <p:spPr/>
+        <p:txBody>
+          <a:bodyPr/>
+          <a:lstStyle/>
+          <a:p>
+            <a:fld id="{835BEC8A-72CA-4A82-85E1-C7192533EB55}" type="slidenum">
+              <a:rPr lang="pt-BR" smtClean="0"/>
+            </a:fld>
+            <a:endParaRPr lang="pt-BR"/>
+          </a:p>
+        </p:txBody>
+      </p:sp>
+    </p:spTree>
+  </p:cSld>
+  <p:clrMapOvr>
+    <a:masterClrMapping/>
+  </p:clrMapOvr>
+</p:sldLayout>
+</file>
+
+<file path=ppt/slideLayouts/slideLayout7.xml><?xml version="1.0" encoding="utf-8"?>
+<p:sldLayout xmlns:a="http://schemas.openxmlformats.org/drawingml/2006/main" xmlns:r="http://schemas.openxmlformats.org/officeDocument/2006/relationships" xmlns:p="http://schemas.openxmlformats.org/presentationml/2006/main" type="blank" preserve="1">
+  <p:cSld name="Em Branco">
+    <p:spTree>
+      <p:nvGrpSpPr>
+        <p:cNvPr id="1" name=""/>
+        <p:cNvGrpSpPr/>
+        <p:nvPr/>
+      </p:nvGrpSpPr>
+      <p:grpSpPr>
+        <a:xfrm>
+          <a:off x="0" y="0"/>
+          <a:ext cx="0" cy="0"/>
+          <a:chOff x="0" y="0"/>
+          <a:chExt cx="0" cy="0"/>
+        </a:xfrm>
+      </p:grpSpPr>
+      <p:sp>
+        <p:nvSpPr>
+          <p:cNvPr id="2" name="Espaço Reservado para Data 1"/>
+          <p:cNvSpPr>
+            <a:spLocks noGrp="1"/>
+          </p:cNvSpPr>
+          <p:nvPr>
+            <p:ph type="dt" sz="half" idx="10"/>
+          </p:nvPr>
+        </p:nvSpPr>
+        <p:spPr/>
+        <p:txBody>
+          <a:bodyPr/>
+          <a:lstStyle/>
+          <a:p>
+            <a:fld id="{3C6C0946-3181-4760-B94E-3653598797FA}" type="datetimeFigureOut">
+              <a:rPr lang="pt-BR" smtClean="0"/>
+            </a:fld>
+            <a:endParaRPr lang="pt-BR"/>
+          </a:p>
+        </p:txBody>
+      </p:sp>
+      <p:sp>
+        <p:nvSpPr>
+          <p:cNvPr id="3" name="Espaço Reservado para Rodapé 2"/>
+          <p:cNvSpPr>
+            <a:spLocks noGrp="1"/>
+          </p:cNvSpPr>
+          <p:nvPr>
+            <p:ph type="ftr" sz="quarter" idx="11"/>
+          </p:nvPr>
+        </p:nvSpPr>
+        <p:spPr/>
+        <p:txBody>
+          <a:bodyPr/>
+          <a:lstStyle/>
+          <a:p>
+            <a:endParaRPr lang="pt-BR"/>
+          </a:p>
+        </p:txBody>
+      </p:sp>
+      <p:sp>
+        <p:nvSpPr>
+          <p:cNvPr id="4" name="Espaço Reservado para Número de Slide 3"/>
+          <p:cNvSpPr>
+            <a:spLocks noGrp="1"/>
+          </p:cNvSpPr>
+          <p:nvPr>
+            <p:ph type="sldNum" sz="quarter" idx="12"/>
+          </p:nvPr>
+        </p:nvSpPr>
+        <p:spPr/>
+        <p:txBody>
+          <a:bodyPr/>
+          <a:lstStyle/>
+          <a:p>
+            <a:fld id="{835BEC8A-72CA-4A82-85E1-C7192533EB55}" type="slidenum">
+              <a:rPr lang="pt-BR" smtClean="0"/>
+            </a:fld>
+            <a:endParaRPr lang="pt-BR"/>
+          </a:p>
+        </p:txBody>
+      </p:sp>
+    </p:spTree>
+  </p:cSld>
+  <p:clrMapOvr>
+    <a:masterClrMapping/>
+  </p:clrMapOvr>
+</p:sldLayout>
+</file>
+
+<file path=ppt/slideLayouts/slideLayout8.xml><?xml version="1.0" encoding="utf-8"?>
+<p:sldLayout xmlns:a="http://schemas.openxmlformats.org/drawingml/2006/main" xmlns:r="http://schemas.openxmlformats.org/officeDocument/2006/relationships" xmlns:p="http://schemas.openxmlformats.org/presentationml/2006/main" type="objTx" preserve="1">
+  <p:cSld name="Conteúdo com Legenda">
+    <p:spTree>
+      <p:nvGrpSpPr>
+        <p:cNvPr id="1" name=""/>
+        <p:cNvGrpSpPr/>
+        <p:nvPr/>
+      </p:nvGrpSpPr>
+      <p:grpSpPr>
+        <a:xfrm>
+          <a:off x="0" y="0"/>
+          <a:ext cx="0" cy="0"/>
+          <a:chOff x="0" y="0"/>
+          <a:chExt cx="0" cy="0"/>
+        </a:xfrm>
+      </p:grpSpPr>
+      <p:sp>
+        <p:nvSpPr>
+          <p:cNvPr id="2" name="Título 1"/>
+          <p:cNvSpPr>
+            <a:spLocks noGrp="1"/>
+          </p:cNvSpPr>
+          <p:nvPr>
+            <p:ph type="title" hasCustomPrompt="1"/>
+          </p:nvPr>
+        </p:nvSpPr>
+        <p:spPr>
+          <a:xfrm>
+            <a:off x="839788" y="457200"/>
+            <a:ext cx="3932237" cy="1600200"/>
+          </a:xfrm>
+        </p:spPr>
+        <p:txBody>
+          <a:bodyPr anchor="b"/>
+          <a:lstStyle>
+            <a:lvl1pPr>
+              <a:defRPr sz="3200"/>
+            </a:lvl1pPr>
+          </a:lstStyle>
+          <a:p>
+            <a:r>
+              <a:rPr lang="pt-BR"/>
+              <a:t>Clique para editar o título Mestre</a:t>
+            </a:r>
+            <a:endParaRPr lang="pt-BR"/>
+          </a:p>
+        </p:txBody>
+      </p:sp>
+      <p:sp>
+        <p:nvSpPr>
+          <p:cNvPr id="3" name="Espaço Reservado para Conteúdo 2"/>
+          <p:cNvSpPr>
+            <a:spLocks noGrp="1"/>
+          </p:cNvSpPr>
+          <p:nvPr>
+            <p:ph idx="1" hasCustomPrompt="1"/>
+          </p:nvPr>
+        </p:nvSpPr>
+        <p:spPr>
+          <a:xfrm>
+            <a:off x="5183188" y="987425"/>
+            <a:ext cx="6172200" cy="4873625"/>
+          </a:xfrm>
+        </p:spPr>
+        <p:txBody>
+          <a:bodyPr/>
+          <a:lstStyle>
+            <a:lvl1pPr>
+              <a:defRPr sz="3200"/>
+            </a:lvl1pPr>
+            <a:lvl2pPr>
+              <a:defRPr sz="2800"/>
+            </a:lvl2pPr>
+            <a:lvl3pPr>
+              <a:defRPr sz="2400"/>
+            </a:lvl3pPr>
+            <a:lvl4pPr>
+              <a:defRPr sz="2000"/>
+            </a:lvl4pPr>
+            <a:lvl5pPr>
+              <a:defRPr sz="2000"/>
+            </a:lvl5pPr>
+            <a:lvl6pPr>
+              <a:defRPr sz="2000"/>
+            </a:lvl6pPr>
+            <a:lvl7pPr>
+              <a:defRPr sz="2000"/>
+            </a:lvl7pPr>
+            <a:lvl8pPr>
+              <a:defRPr sz="2000"/>
+            </a:lvl8pPr>
+            <a:lvl9pPr>
+              <a:defRPr sz="2000"/>
+            </a:lvl9pPr>
+          </a:lstStyle>
+          <a:p>
+            <a:pPr lvl="0"/>
+            <a:r>
+              <a:rPr lang="pt-BR"/>
+              <a:t>Clique para editar os estilos de texto Mestres</a:t>
+            </a:r>
+            <a:endParaRPr lang="pt-BR"/>
+          </a:p>
+          <a:p>
+            <a:pPr lvl="1"/>
+            <a:r>
+              <a:rPr lang="pt-BR"/>
+              <a:t>Segundo nível</a:t>
+            </a:r>
+            <a:endParaRPr lang="pt-BR"/>
+          </a:p>
+          <a:p>
+            <a:pPr lvl="2"/>
+            <a:r>
+              <a:rPr lang="pt-BR"/>
+              <a:t>Terceiro nível</a:t>
+            </a:r>
+            <a:endParaRPr lang="pt-BR"/>
+          </a:p>
+          <a:p>
+            <a:pPr lvl="3"/>
+            <a:r>
+              <a:rPr lang="pt-BR"/>
+              <a:t>Quarto nível</a:t>
+            </a:r>
+            <a:endParaRPr lang="pt-BR"/>
+          </a:p>
+          <a:p>
+            <a:pPr lvl="4"/>
+            <a:r>
+              <a:rPr lang="pt-BR"/>
+              <a:t>Quinto nível</a:t>
+            </a:r>
+            <a:endParaRPr lang="pt-BR"/>
+          </a:p>
+        </p:txBody>
+      </p:sp>
+      <p:sp>
+        <p:nvSpPr>
+          <p:cNvPr id="4" name="Espaço Reservado para Texto 3"/>
+          <p:cNvSpPr>
+            <a:spLocks noGrp="1"/>
+          </p:cNvSpPr>
+          <p:nvPr>
+            <p:ph type="body" sz="half" idx="2" hasCustomPrompt="1"/>
+          </p:nvPr>
+        </p:nvSpPr>
+        <p:spPr>
+          <a:xfrm>
+            <a:off x="839788" y="2057400"/>
+            <a:ext cx="3932237" cy="3811588"/>
+          </a:xfrm>
+        </p:spPr>
+        <p:txBody>
+          <a:bodyPr/>
+          <a:lstStyle>
+            <a:lvl1pPr marL="0" indent="0">
+              <a:buNone/>
+              <a:defRPr sz="1600"/>
+            </a:lvl1pPr>
+            <a:lvl2pPr marL="457200" indent="0">
+              <a:buNone/>
+              <a:defRPr sz="1400"/>
+            </a:lvl2pPr>
+            <a:lvl3pPr marL="914400" indent="0">
+              <a:buNone/>
+              <a:defRPr sz="1200"/>
+            </a:lvl3pPr>
+            <a:lvl4pPr marL="1371600" indent="0">
+              <a:buNone/>
+              <a:defRPr sz="1000"/>
+            </a:lvl4pPr>
+            <a:lvl5pPr marL="1828800" indent="0">
+              <a:buNone/>
+              <a:defRPr sz="1000"/>
+            </a:lvl5pPr>
+            <a:lvl6pPr marL="2286000" indent="0">
+              <a:buNone/>
+              <a:defRPr sz="1000"/>
+            </a:lvl6pPr>
+            <a:lvl7pPr marL="2743200" indent="0">
+              <a:buNone/>
+              <a:defRPr sz="1000"/>
+            </a:lvl7pPr>
+            <a:lvl8pPr marL="3200400" indent="0">
+              <a:buNone/>
+              <a:defRPr sz="1000"/>
+            </a:lvl8pPr>
+            <a:lvl9pPr marL="3657600" indent="0">
+              <a:buNone/>
+              <a:defRPr sz="1000"/>
+            </a:lvl9pPr>
+          </a:lstStyle>
+          <a:p>
+            <a:pPr lvl="0"/>
+            <a:r>
+              <a:rPr lang="pt-BR"/>
+              <a:t>Clique para editar os estilos de texto Mestres</a:t>
+            </a:r>
+            <a:endParaRPr lang="pt-BR"/>
+          </a:p>
+        </p:txBody>
+      </p:sp>
+      <p:sp>
+        <p:nvSpPr>
+          <p:cNvPr id="5" name="Espaço Reservado para Data 4"/>
+          <p:cNvSpPr>
+            <a:spLocks noGrp="1"/>
+          </p:cNvSpPr>
+          <p:nvPr>
+            <p:ph type="dt" sz="half" idx="10"/>
+          </p:nvPr>
+        </p:nvSpPr>
+        <p:spPr/>
+        <p:txBody>
+          <a:bodyPr/>
+          <a:lstStyle/>
+          <a:p>
+            <a:fld id="{3C6C0946-3181-4760-B94E-3653598797FA}" type="datetimeFigureOut">
+              <a:rPr lang="pt-BR" smtClean="0"/>
+            </a:fld>
+            <a:endParaRPr lang="pt-BR"/>
+          </a:p>
+        </p:txBody>
+      </p:sp>
+      <p:sp>
+        <p:nvSpPr>
+          <p:cNvPr id="6" name="Espaço Reservado para Rodapé 5"/>
+          <p:cNvSpPr>
+            <a:spLocks noGrp="1"/>
+          </p:cNvSpPr>
+          <p:nvPr>
+            <p:ph type="ftr" sz="quarter" idx="11"/>
+          </p:nvPr>
+        </p:nvSpPr>
+        <p:spPr/>
+        <p:txBody>
+          <a:bodyPr/>
+          <a:lstStyle/>
+          <a:p>
+            <a:endParaRPr lang="pt-BR"/>
+          </a:p>
+        </p:txBody>
+      </p:sp>
+      <p:sp>
+        <p:nvSpPr>
+          <p:cNvPr id="7" name="Espaço Reservado para Número de Slide 6"/>
+          <p:cNvSpPr>
+            <a:spLocks noGrp="1"/>
+          </p:cNvSpPr>
+          <p:nvPr>
+            <p:ph type="sldNum" sz="quarter" idx="12"/>
+          </p:nvPr>
+        </p:nvSpPr>
+        <p:spPr/>
+        <p:txBody>
+          <a:bodyPr/>
+          <a:lstStyle/>
+          <a:p>
+            <a:fld id="{835BEC8A-72CA-4A82-85E1-C7192533EB55}" type="slidenum">
+              <a:rPr lang="pt-BR" smtClean="0"/>
+            </a:fld>
+            <a:endParaRPr lang="pt-BR"/>
+          </a:p>
+        </p:txBody>
+      </p:sp>
+    </p:spTree>
   </p:cSld>
   <p:clrMapOvr>
     <a:masterClrMapping/>
@@ -2478,18 +4407,12 @@
       </p:grpSpPr>
       <p:sp>
         <p:nvSpPr>
-          <p:cNvPr id="2" name="Título 1">
-            <a:extLst>
-              <a:ext uri="{FF2B5EF4-FFF2-40B4-BE49-F238E27FC236}">
-                <a16:creationId xmlns:a16="http://schemas.microsoft.com/office/drawing/2014/main" id="{7504EC97-7BF6-44AE-8F5A-8F3670C271A5}"/>
-              </a:ext>
-            </a:extLst>
-          </p:cNvPr>
-          <p:cNvSpPr>
-            <a:spLocks noGrp="1"/>
-          </p:cNvSpPr>
-          <p:nvPr>
-            <p:ph type="title"/>
+          <p:cNvPr id="2" name="Título 1"/>
+          <p:cNvSpPr>
+            <a:spLocks noGrp="1"/>
+          </p:cNvSpPr>
+          <p:nvPr>
+            <p:ph type="title" hasCustomPrompt="1"/>
           </p:nvPr>
         </p:nvSpPr>
         <p:spPr>
@@ -2510,18 +4433,13 @@
               <a:rPr lang="pt-BR"/>
               <a:t>Clique para editar o título Mestre</a:t>
             </a:r>
-          </a:p>
-        </p:txBody>
-      </p:sp>
-      <p:sp>
-        <p:nvSpPr>
-          <p:cNvPr id="3" name="Espaço Reservado para Imagem 2">
-            <a:extLst>
-              <a:ext uri="{FF2B5EF4-FFF2-40B4-BE49-F238E27FC236}">
-                <a16:creationId xmlns:a16="http://schemas.microsoft.com/office/drawing/2014/main" id="{1D8B0FC1-4BE5-4AC4-8584-EBE8C9295B8B}"/>
-              </a:ext>
-            </a:extLst>
-          </p:cNvPr>
+            <a:endParaRPr lang="pt-BR"/>
+          </a:p>
+        </p:txBody>
+      </p:sp>
+      <p:sp>
+        <p:nvSpPr>
+          <p:cNvPr id="3" name="Espaço Reservado para Imagem 2"/>
           <p:cNvSpPr>
             <a:spLocks noGrp="1"/>
           </p:cNvSpPr>
@@ -2582,18 +4500,12 @@
       </p:sp>
       <p:sp>
         <p:nvSpPr>
-          <p:cNvPr id="4" name="Espaço Reservado para Texto 3">
-            <a:extLst>
-              <a:ext uri="{FF2B5EF4-FFF2-40B4-BE49-F238E27FC236}">
-                <a16:creationId xmlns:a16="http://schemas.microsoft.com/office/drawing/2014/main" id="{FF11BED0-84C6-46AD-A92E-0439729206CA}"/>
-              </a:ext>
-            </a:extLst>
-          </p:cNvPr>
-          <p:cNvSpPr>
-            <a:spLocks noGrp="1"/>
-          </p:cNvSpPr>
-          <p:nvPr>
-            <p:ph type="body" sz="half" idx="2"/>
+          <p:cNvPr id="4" name="Espaço Reservado para Texto 3"/>
+          <p:cNvSpPr>
+            <a:spLocks noGrp="1"/>
+          </p:cNvSpPr>
+          <p:nvPr>
+            <p:ph type="body" sz="half" idx="2" hasCustomPrompt="1"/>
           </p:nvPr>
         </p:nvSpPr>
         <p:spPr>
@@ -2648,18 +4560,13 @@
               <a:rPr lang="pt-BR"/>
               <a:t>Clique para editar os estilos de texto Mestres</a:t>
             </a:r>
-          </a:p>
-        </p:txBody>
-      </p:sp>
-      <p:sp>
-        <p:nvSpPr>
-          <p:cNvPr id="5" name="Espaço Reservado para Data 4">
-            <a:extLst>
-              <a:ext uri="{FF2B5EF4-FFF2-40B4-BE49-F238E27FC236}">
-                <a16:creationId xmlns:a16="http://schemas.microsoft.com/office/drawing/2014/main" id="{15CA22EA-AFD9-438F-96E3-D5B04EA8211B}"/>
-              </a:ext>
-            </a:extLst>
-          </p:cNvPr>
+            <a:endParaRPr lang="pt-BR"/>
+          </a:p>
+        </p:txBody>
+      </p:sp>
+      <p:sp>
+        <p:nvSpPr>
+          <p:cNvPr id="5" name="Espaço Reservado para Data 4"/>
           <p:cNvSpPr>
             <a:spLocks noGrp="1"/>
           </p:cNvSpPr>
@@ -2674,7 +4581,6 @@
           <a:p>
             <a:fld id="{3C6C0946-3181-4760-B94E-3653598797FA}" type="datetimeFigureOut">
               <a:rPr lang="pt-BR" smtClean="0"/>
-              <a:t>06/02/2020</a:t>
             </a:fld>
             <a:endParaRPr lang="pt-BR"/>
           </a:p>
@@ -2682,13 +4588,7 @@
       </p:sp>
       <p:sp>
         <p:nvSpPr>
-          <p:cNvPr id="6" name="Espaço Reservado para Rodapé 5">
-            <a:extLst>
-              <a:ext uri="{FF2B5EF4-FFF2-40B4-BE49-F238E27FC236}">
-                <a16:creationId xmlns:a16="http://schemas.microsoft.com/office/drawing/2014/main" id="{CC94397D-C1B1-4163-86DA-9231E1795F98}"/>
-              </a:ext>
-            </a:extLst>
-          </p:cNvPr>
+          <p:cNvPr id="6" name="Espaço Reservado para Rodapé 5"/>
           <p:cNvSpPr>
             <a:spLocks noGrp="1"/>
           </p:cNvSpPr>
@@ -2707,13 +4607,7 @@
       </p:sp>
       <p:sp>
         <p:nvSpPr>
-          <p:cNvPr id="7" name="Espaço Reservado para Número de Slide 6">
-            <a:extLst>
-              <a:ext uri="{FF2B5EF4-FFF2-40B4-BE49-F238E27FC236}">
-                <a16:creationId xmlns:a16="http://schemas.microsoft.com/office/drawing/2014/main" id="{C76DACF2-FEB6-4C05-8DF1-5F1B2FEB9C76}"/>
-              </a:ext>
-            </a:extLst>
-          </p:cNvPr>
+          <p:cNvPr id="7" name="Espaço Reservado para Número de Slide 6"/>
           <p:cNvSpPr>
             <a:spLocks noGrp="1"/>
           </p:cNvSpPr>
@@ -2728,18 +4622,12 @@
           <a:p>
             <a:fld id="{835BEC8A-72CA-4A82-85E1-C7192533EB55}" type="slidenum">
               <a:rPr lang="pt-BR" smtClean="0"/>
-              <a:t>‹nº›</a:t>
             </a:fld>
             <a:endParaRPr lang="pt-BR"/>
           </a:p>
         </p:txBody>
       </p:sp>
     </p:spTree>
-    <p:extLst>
-      <p:ext uri="{BB962C8B-B14F-4D97-AF65-F5344CB8AC3E}">
-        <p14:creationId xmlns:p14="http://schemas.microsoft.com/office/powerpoint/2010/main" val="3399224147"/>
-      </p:ext>
-    </p:extLst>
   </p:cSld>
   <p:clrMapOvr>
     <a:masterClrMapping/>
@@ -2771,13 +4659,7 @@
       </p:grpSpPr>
       <p:sp>
         <p:nvSpPr>
-          <p:cNvPr id="2" name="Espaço Reservado para Título 1">
-            <a:extLst>
-              <a:ext uri="{FF2B5EF4-FFF2-40B4-BE49-F238E27FC236}">
-                <a16:creationId xmlns:a16="http://schemas.microsoft.com/office/drawing/2014/main" id="{03BD9037-CD8E-4944-8B51-99BD135A2B52}"/>
-              </a:ext>
-            </a:extLst>
-          </p:cNvPr>
+          <p:cNvPr id="2" name="Espaço Reservado para Título 1"/>
           <p:cNvSpPr>
             <a:spLocks noGrp="1"/>
           </p:cNvSpPr>
@@ -2804,18 +4686,13 @@
               <a:rPr lang="pt-BR"/>
               <a:t>Clique para editar o título Mestre</a:t>
             </a:r>
-          </a:p>
-        </p:txBody>
-      </p:sp>
-      <p:sp>
-        <p:nvSpPr>
-          <p:cNvPr id="3" name="Espaço Reservado para Texto 2">
-            <a:extLst>
-              <a:ext uri="{FF2B5EF4-FFF2-40B4-BE49-F238E27FC236}">
-                <a16:creationId xmlns:a16="http://schemas.microsoft.com/office/drawing/2014/main" id="{F1D0010E-9AA3-4644-A069-91040E4E1795}"/>
-              </a:ext>
-            </a:extLst>
-          </p:cNvPr>
+            <a:endParaRPr lang="pt-BR"/>
+          </a:p>
+        </p:txBody>
+      </p:sp>
+      <p:sp>
+        <p:nvSpPr>
+          <p:cNvPr id="3" name="Espaço Reservado para Texto 2"/>
           <p:cNvSpPr>
             <a:spLocks noGrp="1"/>
           </p:cNvSpPr>
@@ -2843,6 +4720,7 @@
               <a:rPr lang="pt-BR"/>
               <a:t>Clique para editar os estilos de texto Mestres</a:t>
             </a:r>
+            <a:endParaRPr lang="pt-BR"/>
           </a:p>
           <a:p>
             <a:pPr lvl="1"/>
@@ -2850,6 +4728,7 @@
               <a:rPr lang="pt-BR"/>
               <a:t>Segundo nível</a:t>
             </a:r>
+            <a:endParaRPr lang="pt-BR"/>
           </a:p>
           <a:p>
             <a:pPr lvl="2"/>
@@ -2857,6 +4736,7 @@
               <a:rPr lang="pt-BR"/>
               <a:t>Terceiro nível</a:t>
             </a:r>
+            <a:endParaRPr lang="pt-BR"/>
           </a:p>
           <a:p>
             <a:pPr lvl="3"/>
@@ -2864,6 +4744,7 @@
               <a:rPr lang="pt-BR"/>
               <a:t>Quarto nível</a:t>
             </a:r>
+            <a:endParaRPr lang="pt-BR"/>
           </a:p>
           <a:p>
             <a:pPr lvl="4"/>
@@ -2871,18 +4752,13 @@
               <a:rPr lang="pt-BR"/>
               <a:t>Quinto nível</a:t>
             </a:r>
-          </a:p>
-        </p:txBody>
-      </p:sp>
-      <p:sp>
-        <p:nvSpPr>
-          <p:cNvPr id="4" name="Espaço Reservado para Data 3">
-            <a:extLst>
-              <a:ext uri="{FF2B5EF4-FFF2-40B4-BE49-F238E27FC236}">
-                <a16:creationId xmlns:a16="http://schemas.microsoft.com/office/drawing/2014/main" id="{2D2BAD6E-933D-40BE-BDAB-FA1B71ADF794}"/>
-              </a:ext>
-            </a:extLst>
-          </p:cNvPr>
+            <a:endParaRPr lang="pt-BR"/>
+          </a:p>
+        </p:txBody>
+      </p:sp>
+      <p:sp>
+        <p:nvSpPr>
+          <p:cNvPr id="4" name="Espaço Reservado para Data 3"/>
           <p:cNvSpPr>
             <a:spLocks noGrp="1"/>
           </p:cNvSpPr>
@@ -2915,7 +4791,6 @@
           <a:p>
             <a:fld id="{3C6C0946-3181-4760-B94E-3653598797FA}" type="datetimeFigureOut">
               <a:rPr lang="pt-BR" smtClean="0"/>
-              <a:t>06/02/2020</a:t>
             </a:fld>
             <a:endParaRPr lang="pt-BR"/>
           </a:p>
@@ -2923,13 +4798,7 @@
       </p:sp>
       <p:sp>
         <p:nvSpPr>
-          <p:cNvPr id="5" name="Espaço Reservado para Rodapé 4">
-            <a:extLst>
-              <a:ext uri="{FF2B5EF4-FFF2-40B4-BE49-F238E27FC236}">
-                <a16:creationId xmlns:a16="http://schemas.microsoft.com/office/drawing/2014/main" id="{6E7F84A7-EF7D-44B8-A72E-924B53DE1821}"/>
-              </a:ext>
-            </a:extLst>
-          </p:cNvPr>
+          <p:cNvPr id="5" name="Espaço Reservado para Rodapé 4"/>
           <p:cNvSpPr>
             <a:spLocks noGrp="1"/>
           </p:cNvSpPr>
@@ -2966,13 +4835,7 @@
       </p:sp>
       <p:sp>
         <p:nvSpPr>
-          <p:cNvPr id="6" name="Espaço Reservado para Número de Slide 5">
-            <a:extLst>
-              <a:ext uri="{FF2B5EF4-FFF2-40B4-BE49-F238E27FC236}">
-                <a16:creationId xmlns:a16="http://schemas.microsoft.com/office/drawing/2014/main" id="{EC8C0D13-4DC9-4158-A276-E9DD32185E2C}"/>
-              </a:ext>
-            </a:extLst>
-          </p:cNvPr>
+          <p:cNvPr id="6" name="Espaço Reservado para Número de Slide 5"/>
           <p:cNvSpPr>
             <a:spLocks noGrp="1"/>
           </p:cNvSpPr>
@@ -3005,18 +4868,12 @@
           <a:p>
             <a:fld id="{835BEC8A-72CA-4A82-85E1-C7192533EB55}" type="slidenum">
               <a:rPr lang="pt-BR" smtClean="0"/>
-              <a:t>‹nº›</a:t>
             </a:fld>
             <a:endParaRPr lang="pt-BR"/>
           </a:p>
         </p:txBody>
       </p:sp>
     </p:spTree>
-    <p:extLst>
-      <p:ext uri="{BB962C8B-B14F-4D97-AF65-F5344CB8AC3E}">
-        <p14:creationId xmlns:p14="http://schemas.microsoft.com/office/powerpoint/2010/main" val="539625921"/>
-      </p:ext>
-    </p:extLst>
   </p:cSld>
   <p:clrMap bg1="lt1" tx1="dk1" bg2="lt2" tx2="dk2" accent1="accent1" accent2="accent2" accent3="accent3" accent4="accent4" accent5="accent5" accent6="accent6" hlink="hlink" folHlink="folHlink"/>
   <p:sldLayoutIdLst>
@@ -3031,6 +4888,543 @@
     <p:sldLayoutId id="2147483657" r:id="rId9"/>
     <p:sldLayoutId id="2147483658" r:id="rId10"/>
     <p:sldLayoutId id="2147483659" r:id="rId11"/>
+  </p:sldLayoutIdLst>
+  <p:txStyles>
+    <p:titleStyle>
+      <a:lvl1pPr algn="l" defTabSz="914400" rtl="0" eaLnBrk="1" latinLnBrk="0" hangingPunct="1">
+        <a:lnSpc>
+          <a:spcPct val="90000"/>
+        </a:lnSpc>
+        <a:spcBef>
+          <a:spcPct val="0"/>
+        </a:spcBef>
+        <a:buNone/>
+        <a:defRPr sz="4400" kern="1200">
+          <a:solidFill>
+            <a:schemeClr val="tx1"/>
+          </a:solidFill>
+          <a:latin typeface="+mj-lt"/>
+          <a:ea typeface="+mj-ea"/>
+          <a:cs typeface="+mj-cs"/>
+        </a:defRPr>
+      </a:lvl1pPr>
+    </p:titleStyle>
+    <p:bodyStyle>
+      <a:lvl1pPr marL="228600" indent="-228600" algn="l" defTabSz="914400" rtl="0" eaLnBrk="1" latinLnBrk="0" hangingPunct="1">
+        <a:lnSpc>
+          <a:spcPct val="90000"/>
+        </a:lnSpc>
+        <a:spcBef>
+          <a:spcPts val="1000"/>
+        </a:spcBef>
+        <a:buFont typeface="Arial" panose="020B0604020202020204" pitchFamily="34" charset="0"/>
+        <a:buChar char="•"/>
+        <a:defRPr sz="2800" kern="1200">
+          <a:solidFill>
+            <a:schemeClr val="tx1"/>
+          </a:solidFill>
+          <a:latin typeface="+mn-lt"/>
+          <a:ea typeface="+mn-ea"/>
+          <a:cs typeface="+mn-cs"/>
+        </a:defRPr>
+      </a:lvl1pPr>
+      <a:lvl2pPr marL="685800" indent="-228600" algn="l" defTabSz="914400" rtl="0" eaLnBrk="1" latinLnBrk="0" hangingPunct="1">
+        <a:lnSpc>
+          <a:spcPct val="90000"/>
+        </a:lnSpc>
+        <a:spcBef>
+          <a:spcPts val="500"/>
+        </a:spcBef>
+        <a:buFont typeface="Arial" panose="020B0604020202020204" pitchFamily="34" charset="0"/>
+        <a:buChar char="•"/>
+        <a:defRPr sz="2400" kern="1200">
+          <a:solidFill>
+            <a:schemeClr val="tx1"/>
+          </a:solidFill>
+          <a:latin typeface="+mn-lt"/>
+          <a:ea typeface="+mn-ea"/>
+          <a:cs typeface="+mn-cs"/>
+        </a:defRPr>
+      </a:lvl2pPr>
+      <a:lvl3pPr marL="1143000" indent="-228600" algn="l" defTabSz="914400" rtl="0" eaLnBrk="1" latinLnBrk="0" hangingPunct="1">
+        <a:lnSpc>
+          <a:spcPct val="90000"/>
+        </a:lnSpc>
+        <a:spcBef>
+          <a:spcPts val="500"/>
+        </a:spcBef>
+        <a:buFont typeface="Arial" panose="020B0604020202020204" pitchFamily="34" charset="0"/>
+        <a:buChar char="•"/>
+        <a:defRPr sz="2000" kern="1200">
+          <a:solidFill>
+            <a:schemeClr val="tx1"/>
+          </a:solidFill>
+          <a:latin typeface="+mn-lt"/>
+          <a:ea typeface="+mn-ea"/>
+          <a:cs typeface="+mn-cs"/>
+        </a:defRPr>
+      </a:lvl3pPr>
+      <a:lvl4pPr marL="1600200" indent="-228600" algn="l" defTabSz="914400" rtl="0" eaLnBrk="1" latinLnBrk="0" hangingPunct="1">
+        <a:lnSpc>
+          <a:spcPct val="90000"/>
+        </a:lnSpc>
+        <a:spcBef>
+          <a:spcPts val="500"/>
+        </a:spcBef>
+        <a:buFont typeface="Arial" panose="020B0604020202020204" pitchFamily="34" charset="0"/>
+        <a:buChar char="•"/>
+        <a:defRPr sz="1800" kern="1200">
+          <a:solidFill>
+            <a:schemeClr val="tx1"/>
+          </a:solidFill>
+          <a:latin typeface="+mn-lt"/>
+          <a:ea typeface="+mn-ea"/>
+          <a:cs typeface="+mn-cs"/>
+        </a:defRPr>
+      </a:lvl4pPr>
+      <a:lvl5pPr marL="2057400" indent="-228600" algn="l" defTabSz="914400" rtl="0" eaLnBrk="1" latinLnBrk="0" hangingPunct="1">
+        <a:lnSpc>
+          <a:spcPct val="90000"/>
+        </a:lnSpc>
+        <a:spcBef>
+          <a:spcPts val="500"/>
+        </a:spcBef>
+        <a:buFont typeface="Arial" panose="020B0604020202020204" pitchFamily="34" charset="0"/>
+        <a:buChar char="•"/>
+        <a:defRPr sz="1800" kern="1200">
+          <a:solidFill>
+            <a:schemeClr val="tx1"/>
+          </a:solidFill>
+          <a:latin typeface="+mn-lt"/>
+          <a:ea typeface="+mn-ea"/>
+          <a:cs typeface="+mn-cs"/>
+        </a:defRPr>
+      </a:lvl5pPr>
+      <a:lvl6pPr marL="2514600" indent="-228600" algn="l" defTabSz="914400" rtl="0" eaLnBrk="1" latinLnBrk="0" hangingPunct="1">
+        <a:lnSpc>
+          <a:spcPct val="90000"/>
+        </a:lnSpc>
+        <a:spcBef>
+          <a:spcPts val="500"/>
+        </a:spcBef>
+        <a:buFont typeface="Arial" panose="020B0604020202020204" pitchFamily="34" charset="0"/>
+        <a:buChar char="•"/>
+        <a:defRPr sz="1800" kern="1200">
+          <a:solidFill>
+            <a:schemeClr val="tx1"/>
+          </a:solidFill>
+          <a:latin typeface="+mn-lt"/>
+          <a:ea typeface="+mn-ea"/>
+          <a:cs typeface="+mn-cs"/>
+        </a:defRPr>
+      </a:lvl6pPr>
+      <a:lvl7pPr marL="2971800" indent="-228600" algn="l" defTabSz="914400" rtl="0" eaLnBrk="1" latinLnBrk="0" hangingPunct="1">
+        <a:lnSpc>
+          <a:spcPct val="90000"/>
+        </a:lnSpc>
+        <a:spcBef>
+          <a:spcPts val="500"/>
+        </a:spcBef>
+        <a:buFont typeface="Arial" panose="020B0604020202020204" pitchFamily="34" charset="0"/>
+        <a:buChar char="•"/>
+        <a:defRPr sz="1800" kern="1200">
+          <a:solidFill>
+            <a:schemeClr val="tx1"/>
+          </a:solidFill>
+          <a:latin typeface="+mn-lt"/>
+          <a:ea typeface="+mn-ea"/>
+          <a:cs typeface="+mn-cs"/>
+        </a:defRPr>
+      </a:lvl7pPr>
+      <a:lvl8pPr marL="3429000" indent="-228600" algn="l" defTabSz="914400" rtl="0" eaLnBrk="1" latinLnBrk="0" hangingPunct="1">
+        <a:lnSpc>
+          <a:spcPct val="90000"/>
+        </a:lnSpc>
+        <a:spcBef>
+          <a:spcPts val="500"/>
+        </a:spcBef>
+        <a:buFont typeface="Arial" panose="020B0604020202020204" pitchFamily="34" charset="0"/>
+        <a:buChar char="•"/>
+        <a:defRPr sz="1800" kern="1200">
+          <a:solidFill>
+            <a:schemeClr val="tx1"/>
+          </a:solidFill>
+          <a:latin typeface="+mn-lt"/>
+          <a:ea typeface="+mn-ea"/>
+          <a:cs typeface="+mn-cs"/>
+        </a:defRPr>
+      </a:lvl8pPr>
+      <a:lvl9pPr marL="3886200" indent="-228600" algn="l" defTabSz="914400" rtl="0" eaLnBrk="1" latinLnBrk="0" hangingPunct="1">
+        <a:lnSpc>
+          <a:spcPct val="90000"/>
+        </a:lnSpc>
+        <a:spcBef>
+          <a:spcPts val="500"/>
+        </a:spcBef>
+        <a:buFont typeface="Arial" panose="020B0604020202020204" pitchFamily="34" charset="0"/>
+        <a:buChar char="•"/>
+        <a:defRPr sz="1800" kern="1200">
+          <a:solidFill>
+            <a:schemeClr val="tx1"/>
+          </a:solidFill>
+          <a:latin typeface="+mn-lt"/>
+          <a:ea typeface="+mn-ea"/>
+          <a:cs typeface="+mn-cs"/>
+        </a:defRPr>
+      </a:lvl9pPr>
+    </p:bodyStyle>
+    <p:otherStyle>
+      <a:defPPr>
+        <a:defRPr lang="pt-BR"/>
+      </a:defPPr>
+      <a:lvl1pPr marL="0" algn="l" defTabSz="914400" rtl="0" eaLnBrk="1" latinLnBrk="0" hangingPunct="1">
+        <a:defRPr sz="1800" kern="1200">
+          <a:solidFill>
+            <a:schemeClr val="tx1"/>
+          </a:solidFill>
+          <a:latin typeface="+mn-lt"/>
+          <a:ea typeface="+mn-ea"/>
+          <a:cs typeface="+mn-cs"/>
+        </a:defRPr>
+      </a:lvl1pPr>
+      <a:lvl2pPr marL="457200" algn="l" defTabSz="914400" rtl="0" eaLnBrk="1" latinLnBrk="0" hangingPunct="1">
+        <a:defRPr sz="1800" kern="1200">
+          <a:solidFill>
+            <a:schemeClr val="tx1"/>
+          </a:solidFill>
+          <a:latin typeface="+mn-lt"/>
+          <a:ea typeface="+mn-ea"/>
+          <a:cs typeface="+mn-cs"/>
+        </a:defRPr>
+      </a:lvl2pPr>
+      <a:lvl3pPr marL="914400" algn="l" defTabSz="914400" rtl="0" eaLnBrk="1" latinLnBrk="0" hangingPunct="1">
+        <a:defRPr sz="1800" kern="1200">
+          <a:solidFill>
+            <a:schemeClr val="tx1"/>
+          </a:solidFill>
+          <a:latin typeface="+mn-lt"/>
+          <a:ea typeface="+mn-ea"/>
+          <a:cs typeface="+mn-cs"/>
+        </a:defRPr>
+      </a:lvl3pPr>
+      <a:lvl4pPr marL="1371600" algn="l" defTabSz="914400" rtl="0" eaLnBrk="1" latinLnBrk="0" hangingPunct="1">
+        <a:defRPr sz="1800" kern="1200">
+          <a:solidFill>
+            <a:schemeClr val="tx1"/>
+          </a:solidFill>
+          <a:latin typeface="+mn-lt"/>
+          <a:ea typeface="+mn-ea"/>
+          <a:cs typeface="+mn-cs"/>
+        </a:defRPr>
+      </a:lvl4pPr>
+      <a:lvl5pPr marL="1828800" algn="l" defTabSz="914400" rtl="0" eaLnBrk="1" latinLnBrk="0" hangingPunct="1">
+        <a:defRPr sz="1800" kern="1200">
+          <a:solidFill>
+            <a:schemeClr val="tx1"/>
+          </a:solidFill>
+          <a:latin typeface="+mn-lt"/>
+          <a:ea typeface="+mn-ea"/>
+          <a:cs typeface="+mn-cs"/>
+        </a:defRPr>
+      </a:lvl5pPr>
+      <a:lvl6pPr marL="2286000" algn="l" defTabSz="914400" rtl="0" eaLnBrk="1" latinLnBrk="0" hangingPunct="1">
+        <a:defRPr sz="1800" kern="1200">
+          <a:solidFill>
+            <a:schemeClr val="tx1"/>
+          </a:solidFill>
+          <a:latin typeface="+mn-lt"/>
+          <a:ea typeface="+mn-ea"/>
+          <a:cs typeface="+mn-cs"/>
+        </a:defRPr>
+      </a:lvl6pPr>
+      <a:lvl7pPr marL="2743200" algn="l" defTabSz="914400" rtl="0" eaLnBrk="1" latinLnBrk="0" hangingPunct="1">
+        <a:defRPr sz="1800" kern="1200">
+          <a:solidFill>
+            <a:schemeClr val="tx1"/>
+          </a:solidFill>
+          <a:latin typeface="+mn-lt"/>
+          <a:ea typeface="+mn-ea"/>
+          <a:cs typeface="+mn-cs"/>
+        </a:defRPr>
+      </a:lvl7pPr>
+      <a:lvl8pPr marL="3200400" algn="l" defTabSz="914400" rtl="0" eaLnBrk="1" latinLnBrk="0" hangingPunct="1">
+        <a:defRPr sz="1800" kern="1200">
+          <a:solidFill>
+            <a:schemeClr val="tx1"/>
+          </a:solidFill>
+          <a:latin typeface="+mn-lt"/>
+          <a:ea typeface="+mn-ea"/>
+          <a:cs typeface="+mn-cs"/>
+        </a:defRPr>
+      </a:lvl8pPr>
+      <a:lvl9pPr marL="3657600" algn="l" defTabSz="914400" rtl="0" eaLnBrk="1" latinLnBrk="0" hangingPunct="1">
+        <a:defRPr sz="1800" kern="1200">
+          <a:solidFill>
+            <a:schemeClr val="tx1"/>
+          </a:solidFill>
+          <a:latin typeface="+mn-lt"/>
+          <a:ea typeface="+mn-ea"/>
+          <a:cs typeface="+mn-cs"/>
+        </a:defRPr>
+      </a:lvl9pPr>
+    </p:otherStyle>
+  </p:txStyles>
+</p:sldMaster>
+</file>
+
+<file path=ppt/slideMasters/slideMaster2.xml><?xml version="1.0" encoding="utf-8"?>
+<p:sldMaster xmlns:a="http://schemas.openxmlformats.org/drawingml/2006/main" xmlns:r="http://schemas.openxmlformats.org/officeDocument/2006/relationships" xmlns:p="http://schemas.openxmlformats.org/presentationml/2006/main">
+  <p:cSld>
+    <p:bg>
+      <p:bgRef idx="1001">
+        <a:schemeClr val="bg1"/>
+      </p:bgRef>
+    </p:bg>
+    <p:spTree>
+      <p:nvGrpSpPr>
+        <p:cNvPr id="1" name=""/>
+        <p:cNvGrpSpPr/>
+        <p:nvPr/>
+      </p:nvGrpSpPr>
+      <p:grpSpPr>
+        <a:xfrm>
+          <a:off x="0" y="0"/>
+          <a:ext cx="0" cy="0"/>
+          <a:chOff x="0" y="0"/>
+          <a:chExt cx="0" cy="0"/>
+        </a:xfrm>
+      </p:grpSpPr>
+      <p:sp>
+        <p:nvSpPr>
+          <p:cNvPr id="2" name="Espaço Reservado para Título 1"/>
+          <p:cNvSpPr>
+            <a:spLocks noGrp="1"/>
+          </p:cNvSpPr>
+          <p:nvPr>
+            <p:ph type="title"/>
+          </p:nvPr>
+        </p:nvSpPr>
+        <p:spPr>
+          <a:xfrm>
+            <a:off x="838200" y="365125"/>
+            <a:ext cx="10515600" cy="1325563"/>
+          </a:xfrm>
+          <a:prstGeom prst="rect">
+            <a:avLst/>
+          </a:prstGeom>
+        </p:spPr>
+        <p:txBody>
+          <a:bodyPr vert="horz" lIns="91440" tIns="45720" rIns="91440" bIns="45720" rtlCol="0" anchor="ctr">
+            <a:normAutofit/>
+          </a:bodyPr>
+          <a:lstStyle/>
+          <a:p>
+            <a:r>
+              <a:rPr lang="pt-BR"/>
+              <a:t>Clique para editar o título Mestre</a:t>
+            </a:r>
+            <a:endParaRPr lang="pt-BR"/>
+          </a:p>
+        </p:txBody>
+      </p:sp>
+      <p:sp>
+        <p:nvSpPr>
+          <p:cNvPr id="3" name="Espaço Reservado para Texto 2"/>
+          <p:cNvSpPr>
+            <a:spLocks noGrp="1"/>
+          </p:cNvSpPr>
+          <p:nvPr>
+            <p:ph type="body" idx="1"/>
+          </p:nvPr>
+        </p:nvSpPr>
+        <p:spPr>
+          <a:xfrm>
+            <a:off x="838200" y="1825625"/>
+            <a:ext cx="10515600" cy="4351338"/>
+          </a:xfrm>
+          <a:prstGeom prst="rect">
+            <a:avLst/>
+          </a:prstGeom>
+        </p:spPr>
+        <p:txBody>
+          <a:bodyPr vert="horz" lIns="91440" tIns="45720" rIns="91440" bIns="45720" rtlCol="0">
+            <a:normAutofit/>
+          </a:bodyPr>
+          <a:lstStyle/>
+          <a:p>
+            <a:pPr lvl="0"/>
+            <a:r>
+              <a:rPr lang="pt-BR"/>
+              <a:t>Clique para editar os estilos de texto Mestres</a:t>
+            </a:r>
+            <a:endParaRPr lang="pt-BR"/>
+          </a:p>
+          <a:p>
+            <a:pPr lvl="1"/>
+            <a:r>
+              <a:rPr lang="pt-BR"/>
+              <a:t>Segundo nível</a:t>
+            </a:r>
+            <a:endParaRPr lang="pt-BR"/>
+          </a:p>
+          <a:p>
+            <a:pPr lvl="2"/>
+            <a:r>
+              <a:rPr lang="pt-BR"/>
+              <a:t>Terceiro nível</a:t>
+            </a:r>
+            <a:endParaRPr lang="pt-BR"/>
+          </a:p>
+          <a:p>
+            <a:pPr lvl="3"/>
+            <a:r>
+              <a:rPr lang="pt-BR"/>
+              <a:t>Quarto nível</a:t>
+            </a:r>
+            <a:endParaRPr lang="pt-BR"/>
+          </a:p>
+          <a:p>
+            <a:pPr lvl="4"/>
+            <a:r>
+              <a:rPr lang="pt-BR"/>
+              <a:t>Quinto nível</a:t>
+            </a:r>
+            <a:endParaRPr lang="pt-BR"/>
+          </a:p>
+        </p:txBody>
+      </p:sp>
+      <p:sp>
+        <p:nvSpPr>
+          <p:cNvPr id="4" name="Espaço Reservado para Data 3"/>
+          <p:cNvSpPr>
+            <a:spLocks noGrp="1"/>
+          </p:cNvSpPr>
+          <p:nvPr>
+            <p:ph type="dt" sz="half" idx="2"/>
+          </p:nvPr>
+        </p:nvSpPr>
+        <p:spPr>
+          <a:xfrm>
+            <a:off x="838200" y="6356350"/>
+            <a:ext cx="2743200" cy="365125"/>
+          </a:xfrm>
+          <a:prstGeom prst="rect">
+            <a:avLst/>
+          </a:prstGeom>
+        </p:spPr>
+        <p:txBody>
+          <a:bodyPr vert="horz" lIns="91440" tIns="45720" rIns="91440" bIns="45720" rtlCol="0" anchor="ctr"/>
+          <a:lstStyle>
+            <a:lvl1pPr algn="l">
+              <a:defRPr sz="1200">
+                <a:solidFill>
+                  <a:schemeClr val="tx1">
+                    <a:tint val="75000"/>
+                  </a:schemeClr>
+                </a:solidFill>
+              </a:defRPr>
+            </a:lvl1pPr>
+          </a:lstStyle>
+          <a:p>
+            <a:fld id="{3C6C0946-3181-4760-B94E-3653598797FA}" type="datetimeFigureOut">
+              <a:rPr lang="pt-BR" smtClean="0"/>
+            </a:fld>
+            <a:endParaRPr lang="pt-BR"/>
+          </a:p>
+        </p:txBody>
+      </p:sp>
+      <p:sp>
+        <p:nvSpPr>
+          <p:cNvPr id="5" name="Espaço Reservado para Rodapé 4"/>
+          <p:cNvSpPr>
+            <a:spLocks noGrp="1"/>
+          </p:cNvSpPr>
+          <p:nvPr>
+            <p:ph type="ftr" sz="quarter" idx="3"/>
+          </p:nvPr>
+        </p:nvSpPr>
+        <p:spPr>
+          <a:xfrm>
+            <a:off x="4038600" y="6356350"/>
+            <a:ext cx="4114800" cy="365125"/>
+          </a:xfrm>
+          <a:prstGeom prst="rect">
+            <a:avLst/>
+          </a:prstGeom>
+        </p:spPr>
+        <p:txBody>
+          <a:bodyPr vert="horz" lIns="91440" tIns="45720" rIns="91440" bIns="45720" rtlCol="0" anchor="ctr"/>
+          <a:lstStyle>
+            <a:lvl1pPr algn="ctr">
+              <a:defRPr sz="1200">
+                <a:solidFill>
+                  <a:schemeClr val="tx1">
+                    <a:tint val="75000"/>
+                  </a:schemeClr>
+                </a:solidFill>
+              </a:defRPr>
+            </a:lvl1pPr>
+          </a:lstStyle>
+          <a:p>
+            <a:endParaRPr lang="pt-BR"/>
+          </a:p>
+        </p:txBody>
+      </p:sp>
+      <p:sp>
+        <p:nvSpPr>
+          <p:cNvPr id="6" name="Espaço Reservado para Número de Slide 5"/>
+          <p:cNvSpPr>
+            <a:spLocks noGrp="1"/>
+          </p:cNvSpPr>
+          <p:nvPr>
+            <p:ph type="sldNum" sz="quarter" idx="4"/>
+          </p:nvPr>
+        </p:nvSpPr>
+        <p:spPr>
+          <a:xfrm>
+            <a:off x="8610600" y="6356350"/>
+            <a:ext cx="2743200" cy="365125"/>
+          </a:xfrm>
+          <a:prstGeom prst="rect">
+            <a:avLst/>
+          </a:prstGeom>
+        </p:spPr>
+        <p:txBody>
+          <a:bodyPr vert="horz" lIns="91440" tIns="45720" rIns="91440" bIns="45720" rtlCol="0" anchor="ctr"/>
+          <a:lstStyle>
+            <a:lvl1pPr algn="r">
+              <a:defRPr sz="1200">
+                <a:solidFill>
+                  <a:schemeClr val="tx1">
+                    <a:tint val="75000"/>
+                  </a:schemeClr>
+                </a:solidFill>
+              </a:defRPr>
+            </a:lvl1pPr>
+          </a:lstStyle>
+          <a:p>
+            <a:fld id="{835BEC8A-72CA-4A82-85E1-C7192533EB55}" type="slidenum">
+              <a:rPr lang="pt-BR" smtClean="0"/>
+            </a:fld>
+            <a:endParaRPr lang="pt-BR"/>
+          </a:p>
+        </p:txBody>
+      </p:sp>
+    </p:spTree>
+  </p:cSld>
+  <p:clrMap bg1="lt1" tx1="dk1" bg2="lt2" tx2="dk2" accent1="accent1" accent2="accent2" accent3="accent3" accent4="accent4" accent5="accent5" accent6="accent6" hlink="hlink" folHlink="folHlink"/>
+  <p:sldLayoutIdLst>
+    <p:sldLayoutId id="2147483661" r:id="rId1"/>
+    <p:sldLayoutId id="2147483662" r:id="rId2"/>
+    <p:sldLayoutId id="2147483663" r:id="rId3"/>
+    <p:sldLayoutId id="2147483664" r:id="rId4"/>
+    <p:sldLayoutId id="2147483665" r:id="rId5"/>
+    <p:sldLayoutId id="2147483666" r:id="rId6"/>
+    <p:sldLayoutId id="2147483667" r:id="rId7"/>
+    <p:sldLayoutId id="2147483668" r:id="rId8"/>
+    <p:sldLayoutId id="2147483669" r:id="rId9"/>
+    <p:sldLayoutId id="2147483670" r:id="rId10"/>
+    <p:sldLayoutId id="2147483671" r:id="rId11"/>
   </p:sldLayoutIdLst>
   <p:txStyles>
     <p:titleStyle>
@@ -3342,20 +5736,14 @@
       </p:grpSpPr>
       <p:pic>
         <p:nvPicPr>
-          <p:cNvPr id="5" name="Imagem 4" descr="Uma imagem contendo quarto&#10;&#10;Descrição gerada automaticamente">
-            <a:extLst>
-              <a:ext uri="{FF2B5EF4-FFF2-40B4-BE49-F238E27FC236}">
-                <a16:creationId xmlns:a16="http://schemas.microsoft.com/office/drawing/2014/main" id="{748FB21E-BB10-4DB6-9593-3F4BAC0E6C0D}"/>
-              </a:ext>
-            </a:extLst>
-          </p:cNvPr>
+          <p:cNvPr id="5" name="Imagem 4" descr="Uma imagem contendo quarto&#10;&#10;Descrição gerada automaticamente"/>
           <p:cNvPicPr>
             <a:picLocks noChangeAspect="1"/>
           </p:cNvPicPr>
           <p:nvPr/>
         </p:nvPicPr>
         <p:blipFill>
-          <a:blip r:embed="rId2">
+          <a:blip r:embed="rId1">
             <a:extLst>
               <a:ext uri="{28A0092B-C50C-407E-A947-70E740481C1C}">
                 <a14:useLocalDpi xmlns:a14="http://schemas.microsoft.com/office/drawing/2010/main" val="0"/>
@@ -3368,7 +5756,7 @@
         </p:blipFill>
         <p:spPr>
           <a:xfrm>
-            <a:off x="0" y="868364"/>
+            <a:off x="0" y="879794"/>
             <a:ext cx="12192000" cy="4160520"/>
           </a:xfrm>
           <a:prstGeom prst="rect">
@@ -3378,13 +5766,7 @@
       </p:pic>
       <p:sp>
         <p:nvSpPr>
-          <p:cNvPr id="6" name="CustomShape 1">
-            <a:extLst>
-              <a:ext uri="{FF2B5EF4-FFF2-40B4-BE49-F238E27FC236}">
-                <a16:creationId xmlns:a16="http://schemas.microsoft.com/office/drawing/2014/main" id="{A1ED719E-06ED-4234-89C5-3DC1C4EC286A}"/>
-              </a:ext>
-            </a:extLst>
-          </p:cNvPr>
+          <p:cNvPr id="6" name="CustomShape 1"/>
           <p:cNvSpPr/>
           <p:nvPr/>
         </p:nvSpPr>
@@ -3422,13 +5804,7 @@
       </p:sp>
       <p:sp>
         <p:nvSpPr>
-          <p:cNvPr id="2" name="Título 1">
-            <a:extLst>
-              <a:ext uri="{FF2B5EF4-FFF2-40B4-BE49-F238E27FC236}">
-                <a16:creationId xmlns:a16="http://schemas.microsoft.com/office/drawing/2014/main" id="{3ABBE9B2-CE38-4F39-A4C1-BAE61127B6C6}"/>
-              </a:ext>
-            </a:extLst>
-          </p:cNvPr>
+          <p:cNvPr id="2" name="Título 1"/>
           <p:cNvSpPr>
             <a:spLocks noGrp="1"/>
           </p:cNvSpPr>
@@ -3522,13 +5898,7 @@
       </p:sp>
       <p:sp>
         <p:nvSpPr>
-          <p:cNvPr id="7" name="CustomShape 2">
-            <a:extLst>
-              <a:ext uri="{FF2B5EF4-FFF2-40B4-BE49-F238E27FC236}">
-                <a16:creationId xmlns:a16="http://schemas.microsoft.com/office/drawing/2014/main" id="{347CC3CD-BAAD-41C1-95EB-833A31A8FCD7}"/>
-              </a:ext>
-            </a:extLst>
-          </p:cNvPr>
+          <p:cNvPr id="7" name="CustomShape 2"/>
           <p:cNvSpPr/>
           <p:nvPr/>
         </p:nvSpPr>
@@ -3563,11 +5933,6 @@
         </p:style>
       </p:sp>
     </p:spTree>
-    <p:extLst>
-      <p:ext uri="{BB962C8B-B14F-4D97-AF65-F5344CB8AC3E}">
-        <p14:creationId xmlns:p14="http://schemas.microsoft.com/office/powerpoint/2010/main" val="2341926869"/>
-      </p:ext>
-    </p:extLst>
   </p:cSld>
   <p:clrMapOvr>
     <a:masterClrMapping/>
@@ -3602,13 +5967,7 @@
       </p:grpSpPr>
       <p:sp>
         <p:nvSpPr>
-          <p:cNvPr id="7" name="CustomShape 2">
-            <a:extLst>
-              <a:ext uri="{FF2B5EF4-FFF2-40B4-BE49-F238E27FC236}">
-                <a16:creationId xmlns:a16="http://schemas.microsoft.com/office/drawing/2014/main" id="{347CC3CD-BAAD-41C1-95EB-833A31A8FCD7}"/>
-              </a:ext>
-            </a:extLst>
-          </p:cNvPr>
+          <p:cNvPr id="7" name="CustomShape 2"/>
           <p:cNvSpPr/>
           <p:nvPr/>
         </p:nvSpPr>
@@ -3644,20 +6003,14 @@
       </p:sp>
       <p:pic>
         <p:nvPicPr>
-          <p:cNvPr id="6" name="Imagem 5" descr="Uma imagem contendo quarto&#10;&#10;Descrição gerada automaticamente">
-            <a:extLst>
-              <a:ext uri="{FF2B5EF4-FFF2-40B4-BE49-F238E27FC236}">
-                <a16:creationId xmlns:a16="http://schemas.microsoft.com/office/drawing/2014/main" id="{39081476-CE7E-43A2-BEF4-A23687240829}"/>
-              </a:ext>
-            </a:extLst>
-          </p:cNvPr>
+          <p:cNvPr id="6" name="Imagem 5" descr="Uma imagem contendo quarto&#10;&#10;Descrição gerada automaticamente"/>
           <p:cNvPicPr>
             <a:picLocks noChangeAspect="1"/>
           </p:cNvPicPr>
           <p:nvPr/>
         </p:nvPicPr>
         <p:blipFill>
-          <a:blip r:embed="rId2">
+          <a:blip r:embed="rId1">
             <a:extLst>
               <a:ext uri="{28A0092B-C50C-407E-A947-70E740481C1C}">
                 <a14:useLocalDpi xmlns:a14="http://schemas.microsoft.com/office/drawing/2010/main" val="0"/>
@@ -3680,20 +6033,14 @@
       </p:pic>
       <p:pic>
         <p:nvPicPr>
-          <p:cNvPr id="10" name="Imagem 9" descr="Uma imagem contendo quarto&#10;&#10;Descrição gerada automaticamente">
-            <a:extLst>
-              <a:ext uri="{FF2B5EF4-FFF2-40B4-BE49-F238E27FC236}">
-                <a16:creationId xmlns:a16="http://schemas.microsoft.com/office/drawing/2014/main" id="{659D18C2-F2D6-4ED8-AFD6-13AC0554B7FF}"/>
-              </a:ext>
-            </a:extLst>
-          </p:cNvPr>
+          <p:cNvPr id="10" name="Imagem 9" descr="Uma imagem contendo quarto&#10;&#10;Descrição gerada automaticamente"/>
           <p:cNvPicPr>
             <a:picLocks noChangeAspect="1"/>
           </p:cNvPicPr>
           <p:nvPr/>
         </p:nvPicPr>
         <p:blipFill>
-          <a:blip r:embed="rId2">
+          <a:blip r:embed="rId1">
             <a:extLst>
               <a:ext uri="{28A0092B-C50C-407E-A947-70E740481C1C}">
                 <a14:useLocalDpi xmlns:a14="http://schemas.microsoft.com/office/drawing/2010/main" val="0"/>
@@ -3716,20 +6063,14 @@
       </p:pic>
       <p:pic>
         <p:nvPicPr>
-          <p:cNvPr id="11" name="Imagem 10" descr="Uma imagem contendo quarto&#10;&#10;Descrição gerada automaticamente">
-            <a:extLst>
-              <a:ext uri="{FF2B5EF4-FFF2-40B4-BE49-F238E27FC236}">
-                <a16:creationId xmlns:a16="http://schemas.microsoft.com/office/drawing/2014/main" id="{606FD3D9-7C09-4CE0-B8D7-5D1BA803102D}"/>
-              </a:ext>
-            </a:extLst>
-          </p:cNvPr>
+          <p:cNvPr id="11" name="Imagem 10" descr="Uma imagem contendo quarto&#10;&#10;Descrição gerada automaticamente"/>
           <p:cNvPicPr>
             <a:picLocks noChangeAspect="1"/>
           </p:cNvPicPr>
           <p:nvPr/>
         </p:nvPicPr>
         <p:blipFill rotWithShape="1">
-          <a:blip r:embed="rId2">
+          <a:blip r:embed="rId1">
             <a:extLst>
               <a:ext uri="{28A0092B-C50C-407E-A947-70E740481C1C}">
                 <a14:useLocalDpi xmlns:a14="http://schemas.microsoft.com/office/drawing/2010/main" val="0"/>
@@ -3737,7 +6078,9 @@
             </a:extLst>
           </a:blip>
           <a:srcRect r="88423"/>
-          <a:stretch/>
+          <a:stretch>
+            <a:fillRect/>
+          </a:stretch>
         </p:blipFill>
         <p:spPr>
           <a:xfrm>
@@ -3751,13 +6094,7 @@
       </p:pic>
       <p:sp>
         <p:nvSpPr>
-          <p:cNvPr id="12" name="CustomShape 1">
-            <a:extLst>
-              <a:ext uri="{FF2B5EF4-FFF2-40B4-BE49-F238E27FC236}">
-                <a16:creationId xmlns:a16="http://schemas.microsoft.com/office/drawing/2014/main" id="{36F012BE-3968-43A5-848D-EAA5F6915B07}"/>
-              </a:ext>
-            </a:extLst>
-          </p:cNvPr>
+          <p:cNvPr id="12" name="CustomShape 1"/>
           <p:cNvSpPr/>
           <p:nvPr/>
         </p:nvSpPr>
@@ -3807,18 +6144,21 @@
               </a:rPr>
               <a:t>Grupo</a:t>
             </a:r>
-          </a:p>
-        </p:txBody>
-      </p:sp>
-      <p:sp>
-        <p:nvSpPr>
-          <p:cNvPr id="14" name="CustomShape 4">
-            <a:extLst>
-              <a:ext uri="{FF2B5EF4-FFF2-40B4-BE49-F238E27FC236}">
-                <a16:creationId xmlns:a16="http://schemas.microsoft.com/office/drawing/2014/main" id="{E3517D4A-97C8-4A4D-902F-87A9F23953E7}"/>
-              </a:ext>
-            </a:extLst>
-          </p:cNvPr>
+            <a:endParaRPr lang="pt-BR" sz="4000" b="1" strike="noStrike" spc="-1" dirty="0">
+              <a:solidFill>
+                <a:schemeClr val="accent1">
+                  <a:lumMod val="50000"/>
+                </a:schemeClr>
+              </a:solidFill>
+              <a:latin typeface="Lato Black"/>
+              <a:ea typeface="Lato Black"/>
+            </a:endParaRPr>
+          </a:p>
+        </p:txBody>
+      </p:sp>
+      <p:sp>
+        <p:nvSpPr>
+          <p:cNvPr id="14" name="CustomShape 4"/>
           <p:cNvSpPr/>
           <p:nvPr/>
         </p:nvSpPr>
@@ -3863,6 +6203,10 @@
               </a:rPr>
               <a:t>Alex</a:t>
             </a:r>
+            <a:endParaRPr lang="pt-BR" sz="3200" b="1" strike="noStrike" spc="-1" dirty="0">
+              <a:latin typeface="Lato Black"/>
+              <a:ea typeface="Lato Black"/>
+            </a:endParaRPr>
           </a:p>
           <a:p>
             <a:pPr>
@@ -3872,11 +6216,15 @@
             </a:pPr>
             <a:r>
               <a:rPr lang="pt-BR" sz="3200" b="1" spc="-1" dirty="0">
-                <a:latin typeface="Lato" panose="020F0502020204030203" pitchFamily="34" charset="0"/>
+                <a:latin typeface="Lato" panose="020B0502040204020203" pitchFamily="34" charset="0"/>
                 <a:ea typeface="Lato Black"/>
               </a:rPr>
               <a:t>Buarque </a:t>
             </a:r>
+            <a:endParaRPr lang="pt-BR" sz="3200" b="1" spc="-1" dirty="0">
+              <a:latin typeface="Lato" panose="020B0502040204020203" pitchFamily="34" charset="0"/>
+              <a:ea typeface="Lato Black"/>
+            </a:endParaRPr>
           </a:p>
           <a:p>
             <a:pPr>
@@ -3886,13 +6234,13 @@
             </a:pPr>
             <a:r>
               <a:rPr lang="pt-BR" spc="-1" dirty="0">
-                <a:latin typeface="Lato" panose="020F0502020204030203" pitchFamily="34" charset="0"/>
+                <a:latin typeface="Lato" panose="020B0502040204020203" pitchFamily="34" charset="0"/>
                 <a:ea typeface="Lato Black"/>
               </a:rPr>
               <a:t>(Analista Neg.)</a:t>
             </a:r>
             <a:endParaRPr lang="pt-BR" sz="3200" strike="noStrike" spc="-1" dirty="0">
-              <a:latin typeface="Lato" panose="020F0502020204030203" pitchFamily="34" charset="0"/>
+              <a:latin typeface="Lato" panose="020B0502040204020203" pitchFamily="34" charset="0"/>
               <a:ea typeface="Lato Black"/>
             </a:endParaRPr>
           </a:p>
@@ -3900,13 +6248,7 @@
       </p:sp>
       <p:sp>
         <p:nvSpPr>
-          <p:cNvPr id="16" name="CustomShape 4">
-            <a:extLst>
-              <a:ext uri="{FF2B5EF4-FFF2-40B4-BE49-F238E27FC236}">
-                <a16:creationId xmlns:a16="http://schemas.microsoft.com/office/drawing/2014/main" id="{4144E85E-B61B-4AF7-A9CB-D7B777AD5FD3}"/>
-              </a:ext>
-            </a:extLst>
-          </p:cNvPr>
+          <p:cNvPr id="16" name="CustomShape 4"/>
           <p:cNvSpPr/>
           <p:nvPr/>
         </p:nvSpPr>
@@ -3963,11 +6305,15 @@
             </a:pPr>
             <a:r>
               <a:rPr lang="pt-BR" sz="3200" b="0" strike="noStrike" spc="-1" dirty="0">
-                <a:latin typeface="Lato" panose="020F0502020204030203" pitchFamily="34" charset="0"/>
+                <a:latin typeface="Lato" panose="020B0502040204020203" pitchFamily="34" charset="0"/>
                 <a:ea typeface="Lato Black"/>
               </a:rPr>
               <a:t>Esteves</a:t>
             </a:r>
+            <a:endParaRPr lang="pt-BR" sz="3200" b="0" strike="noStrike" spc="-1" dirty="0">
+              <a:latin typeface="Lato" panose="020B0502040204020203" pitchFamily="34" charset="0"/>
+              <a:ea typeface="Lato Black"/>
+            </a:endParaRPr>
           </a:p>
           <a:p>
             <a:pPr>
@@ -3977,23 +6323,21 @@
             </a:pPr>
             <a:r>
               <a:rPr lang="pt-BR" b="0" strike="noStrike" spc="-1" dirty="0">
-                <a:latin typeface="Lato" panose="020F0502020204030203" pitchFamily="34" charset="0"/>
+                <a:latin typeface="Lato" panose="020B0502040204020203" pitchFamily="34" charset="0"/>
                 <a:ea typeface="Lato Black"/>
               </a:rPr>
               <a:t>(Dev. Front end.)</a:t>
             </a:r>
-          </a:p>
-        </p:txBody>
-      </p:sp>
-      <p:sp>
-        <p:nvSpPr>
-          <p:cNvPr id="17" name="CustomShape 4">
-            <a:extLst>
-              <a:ext uri="{FF2B5EF4-FFF2-40B4-BE49-F238E27FC236}">
-                <a16:creationId xmlns:a16="http://schemas.microsoft.com/office/drawing/2014/main" id="{6E88B78B-ECC7-4DE0-BB6F-3FF68EFA8205}"/>
-              </a:ext>
-            </a:extLst>
-          </p:cNvPr>
+            <a:endParaRPr lang="pt-BR" b="0" strike="noStrike" spc="-1" dirty="0">
+              <a:latin typeface="Lato" panose="020B0502040204020203" pitchFamily="34" charset="0"/>
+              <a:ea typeface="Lato Black"/>
+            </a:endParaRPr>
+          </a:p>
+        </p:txBody>
+      </p:sp>
+      <p:sp>
+        <p:nvSpPr>
+          <p:cNvPr id="17" name="CustomShape 4"/>
           <p:cNvSpPr/>
           <p:nvPr/>
         </p:nvSpPr>
@@ -4050,11 +6394,15 @@
             </a:pPr>
             <a:r>
               <a:rPr lang="pt-BR" sz="3200" b="0" strike="noStrike" spc="-1" dirty="0">
-                <a:latin typeface="Lato" panose="020F0502020204030203" pitchFamily="34" charset="0"/>
+                <a:latin typeface="Lato" panose="020B0502040204020203" pitchFamily="34" charset="0"/>
                 <a:ea typeface="Lato Black"/>
               </a:rPr>
               <a:t>Pedro</a:t>
             </a:r>
+            <a:endParaRPr lang="pt-BR" sz="3200" b="0" strike="noStrike" spc="-1" dirty="0">
+              <a:latin typeface="Lato" panose="020B0502040204020203" pitchFamily="34" charset="0"/>
+              <a:ea typeface="Lato Black"/>
+            </a:endParaRPr>
           </a:p>
           <a:p>
             <a:pPr>
@@ -4064,23 +6412,21 @@
             </a:pPr>
             <a:r>
               <a:rPr lang="pt-BR" b="0" strike="noStrike" spc="-1" dirty="0">
-                <a:latin typeface="Lato" panose="020F0502020204030203" pitchFamily="34" charset="0"/>
+                <a:latin typeface="Lato" panose="020B0502040204020203" pitchFamily="34" charset="0"/>
                 <a:ea typeface="Lato Black"/>
               </a:rPr>
               <a:t>(Dev. Back end.)</a:t>
             </a:r>
-          </a:p>
-        </p:txBody>
-      </p:sp>
-      <p:sp>
-        <p:nvSpPr>
-          <p:cNvPr id="18" name="CustomShape 4">
-            <a:extLst>
-              <a:ext uri="{FF2B5EF4-FFF2-40B4-BE49-F238E27FC236}">
-                <a16:creationId xmlns:a16="http://schemas.microsoft.com/office/drawing/2014/main" id="{8E731C83-0B81-432B-A479-F35CF6A41765}"/>
-              </a:ext>
-            </a:extLst>
-          </p:cNvPr>
+            <a:endParaRPr lang="pt-BR" b="0" strike="noStrike" spc="-1" dirty="0">
+              <a:latin typeface="Lato" panose="020B0502040204020203" pitchFamily="34" charset="0"/>
+              <a:ea typeface="Lato Black"/>
+            </a:endParaRPr>
+          </a:p>
+        </p:txBody>
+      </p:sp>
+      <p:sp>
+        <p:nvSpPr>
+          <p:cNvPr id="18" name="CustomShape 4"/>
           <p:cNvSpPr/>
           <p:nvPr/>
         </p:nvSpPr>
@@ -4137,22 +6483,26 @@
             </a:pPr>
             <a:r>
               <a:rPr lang="pt-BR" sz="3200" b="0" strike="noStrike" spc="-1" dirty="0">
-                <a:latin typeface="Lato" panose="020F0502020204030203" pitchFamily="34" charset="0"/>
+                <a:latin typeface="Lato" panose="020B0502040204020203" pitchFamily="34" charset="0"/>
                 <a:ea typeface="Lato Black"/>
               </a:rPr>
               <a:t>Silva</a:t>
             </a:r>
+            <a:endParaRPr lang="pt-BR" sz="3200" b="0" strike="noStrike" spc="-1" dirty="0">
+              <a:latin typeface="Lato" panose="020B0502040204020203" pitchFamily="34" charset="0"/>
+              <a:ea typeface="Lato Black"/>
+            </a:endParaRPr>
           </a:p>
           <a:p>
             <a:r>
               <a:rPr lang="pt-BR" spc="-1" dirty="0">
-                <a:latin typeface="Lato" panose="020F0502020204030203" pitchFamily="34" charset="0"/>
+                <a:latin typeface="Lato" panose="020B0502040204020203" pitchFamily="34" charset="0"/>
                 <a:ea typeface="Lato Black"/>
               </a:rPr>
               <a:t>(Analista Neg.)</a:t>
             </a:r>
             <a:endParaRPr lang="pt-BR" sz="3200" spc="-1" dirty="0">
-              <a:latin typeface="Lato" panose="020F0502020204030203" pitchFamily="34" charset="0"/>
+              <a:latin typeface="Lato" panose="020B0502040204020203" pitchFamily="34" charset="0"/>
               <a:ea typeface="Lato Black"/>
             </a:endParaRPr>
           </a:p>
@@ -4163,7 +6513,7 @@
               </a:lnSpc>
             </a:pPr>
             <a:endParaRPr lang="pt-BR" b="0" strike="noStrike" spc="-1" dirty="0">
-              <a:latin typeface="Lato" panose="020F0502020204030203" pitchFamily="34" charset="0"/>
+              <a:latin typeface="Lato" panose="020B0502040204020203" pitchFamily="34" charset="0"/>
               <a:ea typeface="Lato Black"/>
             </a:endParaRPr>
           </a:p>
@@ -4171,13 +6521,7 @@
       </p:sp>
       <p:sp>
         <p:nvSpPr>
-          <p:cNvPr id="19" name="CustomShape 4">
-            <a:extLst>
-              <a:ext uri="{FF2B5EF4-FFF2-40B4-BE49-F238E27FC236}">
-                <a16:creationId xmlns:a16="http://schemas.microsoft.com/office/drawing/2014/main" id="{892FDDAD-72F2-46D8-9A94-09AB6381DE68}"/>
-              </a:ext>
-            </a:extLst>
-          </p:cNvPr>
+          <p:cNvPr id="19" name="CustomShape 4"/>
           <p:cNvSpPr/>
           <p:nvPr/>
         </p:nvSpPr>
@@ -4234,11 +6578,15 @@
             </a:pPr>
             <a:r>
               <a:rPr lang="pt-BR" sz="3200" b="0" strike="noStrike" spc="-1" dirty="0">
-                <a:latin typeface="Lato" panose="020F0502020204030203" pitchFamily="34" charset="0"/>
+                <a:latin typeface="Lato" panose="020B0502040204020203" pitchFamily="34" charset="0"/>
                 <a:ea typeface="Lato Black"/>
               </a:rPr>
               <a:t>Arantes</a:t>
             </a:r>
+            <a:endParaRPr lang="pt-BR" sz="3200" b="0" strike="noStrike" spc="-1" dirty="0">
+              <a:latin typeface="Lato" panose="020B0502040204020203" pitchFamily="34" charset="0"/>
+              <a:ea typeface="Lato Black"/>
+            </a:endParaRPr>
           </a:p>
           <a:p>
             <a:pPr>
@@ -4248,13 +6596,13 @@
             </a:pPr>
             <a:r>
               <a:rPr lang="pt-BR" spc="-1" dirty="0">
-                <a:latin typeface="Lato" panose="020F0502020204030203" pitchFamily="34" charset="0"/>
+                <a:latin typeface="Lato" panose="020B0502040204020203" pitchFamily="34" charset="0"/>
                 <a:ea typeface="Lato Black"/>
               </a:rPr>
               <a:t>(DBA)</a:t>
             </a:r>
             <a:endParaRPr lang="pt-BR" b="0" strike="noStrike" spc="-1" dirty="0">
-              <a:latin typeface="Lato" panose="020F0502020204030203" pitchFamily="34" charset="0"/>
+              <a:latin typeface="Lato" panose="020B0502040204020203" pitchFamily="34" charset="0"/>
               <a:ea typeface="Lato Black"/>
             </a:endParaRPr>
           </a:p>
@@ -4262,13 +6610,7 @@
       </p:sp>
       <p:sp>
         <p:nvSpPr>
-          <p:cNvPr id="20" name="CustomShape 4">
-            <a:extLst>
-              <a:ext uri="{FF2B5EF4-FFF2-40B4-BE49-F238E27FC236}">
-                <a16:creationId xmlns:a16="http://schemas.microsoft.com/office/drawing/2014/main" id="{7663A678-B827-4FA2-A5EE-0200C62CC517}"/>
-              </a:ext>
-            </a:extLst>
-          </p:cNvPr>
+          <p:cNvPr id="20" name="CustomShape 4"/>
           <p:cNvSpPr/>
           <p:nvPr/>
         </p:nvSpPr>
@@ -4325,11 +6667,15 @@
             </a:pPr>
             <a:r>
               <a:rPr lang="pt-BR" sz="3200" b="0" strike="noStrike" spc="-1" dirty="0">
-                <a:latin typeface="Lato" panose="020F0502020204030203" pitchFamily="34" charset="0"/>
+                <a:latin typeface="Lato" panose="020B0502040204020203" pitchFamily="34" charset="0"/>
                 <a:ea typeface="Lato Black"/>
               </a:rPr>
               <a:t>Leonardo</a:t>
             </a:r>
+            <a:endParaRPr lang="pt-BR" sz="3200" b="0" strike="noStrike" spc="-1" dirty="0">
+              <a:latin typeface="Lato" panose="020B0502040204020203" pitchFamily="34" charset="0"/>
+              <a:ea typeface="Lato Black"/>
+            </a:endParaRPr>
           </a:p>
           <a:p>
             <a:pPr>
@@ -4339,20 +6685,19 @@
             </a:pPr>
             <a:r>
               <a:rPr lang="pt-BR" b="0" strike="noStrike" spc="-1" dirty="0">
-                <a:latin typeface="Lato" panose="020F0502020204030203" pitchFamily="34" charset="0"/>
+                <a:latin typeface="Lato" panose="020B0502040204020203" pitchFamily="34" charset="0"/>
                 <a:ea typeface="Lato Black"/>
               </a:rPr>
               <a:t>(Arq. Software)</a:t>
             </a:r>
+            <a:endParaRPr lang="pt-BR" b="0" strike="noStrike" spc="-1" dirty="0">
+              <a:latin typeface="Lato" panose="020B0502040204020203" pitchFamily="34" charset="0"/>
+              <a:ea typeface="Lato Black"/>
+            </a:endParaRPr>
           </a:p>
         </p:txBody>
       </p:sp>
     </p:spTree>
-    <p:extLst>
-      <p:ext uri="{BB962C8B-B14F-4D97-AF65-F5344CB8AC3E}">
-        <p14:creationId xmlns:p14="http://schemas.microsoft.com/office/powerpoint/2010/main" val="3000595915"/>
-      </p:ext>
-    </p:extLst>
   </p:cSld>
   <p:clrMapOvr>
     <a:masterClrMapping/>
@@ -4387,20 +6732,14 @@
       </p:grpSpPr>
       <p:pic>
         <p:nvPicPr>
-          <p:cNvPr id="6" name="Imagem 5" descr="Uma imagem contendo quarto&#10;&#10;Descrição gerada automaticamente">
-            <a:extLst>
-              <a:ext uri="{FF2B5EF4-FFF2-40B4-BE49-F238E27FC236}">
-                <a16:creationId xmlns:a16="http://schemas.microsoft.com/office/drawing/2014/main" id="{71EF6174-EE93-4B18-ACEC-C1410C56AAA5}"/>
-              </a:ext>
-            </a:extLst>
-          </p:cNvPr>
+          <p:cNvPr id="6" name="Imagem 5" descr="Uma imagem contendo quarto&#10;&#10;Descrição gerada automaticamente"/>
           <p:cNvPicPr>
             <a:picLocks noChangeAspect="1"/>
           </p:cNvPicPr>
           <p:nvPr/>
         </p:nvPicPr>
         <p:blipFill>
-          <a:blip r:embed="rId2">
+          <a:blip r:embed="rId1">
             <a:extLst>
               <a:ext uri="{28A0092B-C50C-407E-A947-70E740481C1C}">
                 <a14:useLocalDpi xmlns:a14="http://schemas.microsoft.com/office/drawing/2010/main" val="0"/>
@@ -4423,20 +6762,14 @@
       </p:pic>
       <p:pic>
         <p:nvPicPr>
-          <p:cNvPr id="10" name="Imagem 9" descr="Uma imagem contendo quarto&#10;&#10;Descrição gerada automaticamente">
-            <a:extLst>
-              <a:ext uri="{FF2B5EF4-FFF2-40B4-BE49-F238E27FC236}">
-                <a16:creationId xmlns:a16="http://schemas.microsoft.com/office/drawing/2014/main" id="{EFA4A73E-C5D9-4665-974B-5A1A46F46253}"/>
-              </a:ext>
-            </a:extLst>
-          </p:cNvPr>
+          <p:cNvPr id="10" name="Imagem 9" descr="Uma imagem contendo quarto&#10;&#10;Descrição gerada automaticamente"/>
           <p:cNvPicPr>
             <a:picLocks noChangeAspect="1"/>
           </p:cNvPicPr>
           <p:nvPr/>
         </p:nvPicPr>
         <p:blipFill>
-          <a:blip r:embed="rId2">
+          <a:blip r:embed="rId1">
             <a:extLst>
               <a:ext uri="{28A0092B-C50C-407E-A947-70E740481C1C}">
                 <a14:useLocalDpi xmlns:a14="http://schemas.microsoft.com/office/drawing/2010/main" val="0"/>
@@ -4459,20 +6792,14 @@
       </p:pic>
       <p:pic>
         <p:nvPicPr>
-          <p:cNvPr id="11" name="Imagem 10" descr="Uma imagem contendo quarto&#10;&#10;Descrição gerada automaticamente">
-            <a:extLst>
-              <a:ext uri="{FF2B5EF4-FFF2-40B4-BE49-F238E27FC236}">
-                <a16:creationId xmlns:a16="http://schemas.microsoft.com/office/drawing/2014/main" id="{B3D9B6B2-9A7B-4281-B6AD-CA851BF57EC1}"/>
-              </a:ext>
-            </a:extLst>
-          </p:cNvPr>
+          <p:cNvPr id="11" name="Imagem 10" descr="Uma imagem contendo quarto&#10;&#10;Descrição gerada automaticamente"/>
           <p:cNvPicPr>
             <a:picLocks noChangeAspect="1"/>
           </p:cNvPicPr>
           <p:nvPr/>
         </p:nvPicPr>
         <p:blipFill rotWithShape="1">
-          <a:blip r:embed="rId2">
+          <a:blip r:embed="rId1">
             <a:extLst>
               <a:ext uri="{28A0092B-C50C-407E-A947-70E740481C1C}">
                 <a14:useLocalDpi xmlns:a14="http://schemas.microsoft.com/office/drawing/2010/main" val="0"/>
@@ -4480,7 +6807,9 @@
             </a:extLst>
           </a:blip>
           <a:srcRect r="88423"/>
-          <a:stretch/>
+          <a:stretch>
+            <a:fillRect/>
+          </a:stretch>
         </p:blipFill>
         <p:spPr>
           <a:xfrm>
@@ -4494,13 +6823,7 @@
       </p:pic>
       <p:sp>
         <p:nvSpPr>
-          <p:cNvPr id="13" name="CustomShape 1">
-            <a:extLst>
-              <a:ext uri="{FF2B5EF4-FFF2-40B4-BE49-F238E27FC236}">
-                <a16:creationId xmlns:a16="http://schemas.microsoft.com/office/drawing/2014/main" id="{0A929DB1-5855-46AC-9D38-7A03A35D7D6B}"/>
-              </a:ext>
-            </a:extLst>
-          </p:cNvPr>
+          <p:cNvPr id="13" name="CustomShape 1"/>
           <p:cNvSpPr/>
           <p:nvPr/>
         </p:nvSpPr>
@@ -4550,25 +6873,28 @@
               </a:rPr>
               <a:t>Contexto de Negócio</a:t>
             </a:r>
-          </a:p>
-        </p:txBody>
-      </p:sp>
-      <p:sp>
-        <p:nvSpPr>
-          <p:cNvPr id="4" name="CaixaDeTexto 3">
-            <a:extLst>
-              <a:ext uri="{FF2B5EF4-FFF2-40B4-BE49-F238E27FC236}">
-                <a16:creationId xmlns:a16="http://schemas.microsoft.com/office/drawing/2014/main" id="{04E102C4-D249-42E4-A91C-05C3E1000F7E}"/>
-              </a:ext>
-            </a:extLst>
-          </p:cNvPr>
+            <a:endParaRPr lang="pt-BR" sz="4000" b="1" strike="noStrike" spc="-1" dirty="0">
+              <a:solidFill>
+                <a:schemeClr val="accent1">
+                  <a:lumMod val="50000"/>
+                </a:schemeClr>
+              </a:solidFill>
+              <a:latin typeface="Lato Black"/>
+              <a:ea typeface="Lato Black"/>
+            </a:endParaRPr>
+          </a:p>
+        </p:txBody>
+      </p:sp>
+      <p:sp>
+        <p:nvSpPr>
+          <p:cNvPr id="4" name="CaixaDeTexto 3"/>
           <p:cNvSpPr txBox="1"/>
           <p:nvPr/>
         </p:nvSpPr>
         <p:spPr>
           <a:xfrm>
             <a:off x="1112123" y="1569493"/>
-            <a:ext cx="10024449" cy="3323987"/>
+            <a:ext cx="10024449" cy="3692525"/>
           </a:xfrm>
           <a:prstGeom prst="rect">
             <a:avLst/>
@@ -4587,10 +6913,13 @@
             </a:pPr>
             <a:r>
               <a:rPr lang="pt-BR" sz="2400" dirty="0">
-                <a:latin typeface="Lato" panose="020F0502020204030203" pitchFamily="34" charset="0"/>
+                <a:latin typeface="Lato" panose="020B0502040204020203" pitchFamily="34" charset="0"/>
               </a:rPr>
               <a:t>Sistema de fiscalização do transporte público é vulnerável e corruptível.</a:t>
             </a:r>
+            <a:endParaRPr lang="pt-BR" sz="2400" dirty="0">
+              <a:latin typeface="Lato" panose="020B0502040204020203" pitchFamily="34" charset="0"/>
+            </a:endParaRPr>
           </a:p>
           <a:p>
             <a:pPr marL="342900" indent="-342900">
@@ -4598,7 +6927,7 @@
               <a:buChar char="•"/>
             </a:pPr>
             <a:endParaRPr lang="pt-BR" sz="2400" dirty="0">
-              <a:latin typeface="Lato" panose="020F0502020204030203" pitchFamily="34" charset="0"/>
+              <a:latin typeface="Lato" panose="020B0502040204020203" pitchFamily="34" charset="0"/>
             </a:endParaRPr>
           </a:p>
           <a:p>
@@ -4608,10 +6937,13 @@
             </a:pPr>
             <a:r>
               <a:rPr lang="pt-BR" sz="2400" dirty="0">
-                <a:latin typeface="Lato" panose="020F0502020204030203" pitchFamily="34" charset="0"/>
+                <a:latin typeface="Lato" panose="020B0502040204020203" pitchFamily="34" charset="0"/>
               </a:rPr>
               <a:t> Anotações manuais, possibilitando incoerências</a:t>
             </a:r>
+            <a:endParaRPr lang="pt-BR" sz="2400" dirty="0">
+              <a:latin typeface="Lato" panose="020B0502040204020203" pitchFamily="34" charset="0"/>
+            </a:endParaRPr>
           </a:p>
           <a:p>
             <a:pPr marL="342900" indent="-342900">
@@ -4619,7 +6951,7 @@
               <a:buChar char="•"/>
             </a:pPr>
             <a:endParaRPr lang="pt-BR" sz="2400" dirty="0">
-              <a:latin typeface="Lato" panose="020F0502020204030203" pitchFamily="34" charset="0"/>
+              <a:latin typeface="Lato" panose="020B0502040204020203" pitchFamily="34" charset="0"/>
             </a:endParaRPr>
           </a:p>
           <a:p>
@@ -4629,10 +6961,13 @@
             </a:pPr>
             <a:r>
               <a:rPr lang="pt-BR" sz="2400" dirty="0">
-                <a:latin typeface="Lato" panose="020F0502020204030203" pitchFamily="34" charset="0"/>
+                <a:latin typeface="Lato" panose="020B0502040204020203" pitchFamily="34" charset="0"/>
               </a:rPr>
               <a:t>Fiscalização pode ser facilmente manipulada nos horário de entrada/saída de ônibus</a:t>
             </a:r>
+            <a:endParaRPr lang="pt-BR" sz="2400" dirty="0">
+              <a:latin typeface="Lato" panose="020B0502040204020203" pitchFamily="34" charset="0"/>
+            </a:endParaRPr>
           </a:p>
           <a:p>
             <a:pPr marL="342900" indent="-342900">
@@ -4640,7 +6975,7 @@
               <a:buChar char="•"/>
             </a:pPr>
             <a:endParaRPr lang="pt-BR" sz="2400" dirty="0">
-              <a:latin typeface="Lato" panose="020F0502020204030203" pitchFamily="34" charset="0"/>
+              <a:latin typeface="Lato" panose="020B0502040204020203" pitchFamily="34" charset="0"/>
             </a:endParaRPr>
           </a:p>
           <a:p>
@@ -4650,10 +6985,25 @@
             </a:pPr>
             <a:r>
               <a:rPr lang="pt-BR" sz="2400" dirty="0">
-                <a:latin typeface="Lato" panose="020F0502020204030203" pitchFamily="34" charset="0"/>
+                <a:latin typeface="Lato" panose="020B0502040204020203" pitchFamily="34" charset="0"/>
               </a:rPr>
-              <a:t>Sistema atual favorece atuação para indivíduos com má índole</a:t>
-            </a:r>
+              <a:t>Sistema atual favorece atuação </a:t>
+            </a:r>
+            <a:r>
+              <a:rPr lang="" altLang="pt-BR" sz="2400" dirty="0">
+                <a:latin typeface="Lato" panose="020B0502040204020203" pitchFamily="34" charset="0"/>
+              </a:rPr>
+              <a:t>de </a:t>
+            </a:r>
+            <a:r>
+              <a:rPr lang="pt-BR" sz="2400" dirty="0">
+                <a:latin typeface="Lato" panose="020B0502040204020203" pitchFamily="34" charset="0"/>
+              </a:rPr>
+              <a:t>indivíduos com má índole</a:t>
+            </a:r>
+            <a:endParaRPr lang="pt-BR" sz="2400" dirty="0">
+              <a:latin typeface="Lato" panose="020B0502040204020203" pitchFamily="34" charset="0"/>
+            </a:endParaRPr>
           </a:p>
           <a:p>
             <a:endParaRPr lang="pt-BR" dirty="0"/>
@@ -4661,11 +7011,6 @@
         </p:txBody>
       </p:sp>
     </p:spTree>
-    <p:extLst>
-      <p:ext uri="{BB962C8B-B14F-4D97-AF65-F5344CB8AC3E}">
-        <p14:creationId xmlns:p14="http://schemas.microsoft.com/office/powerpoint/2010/main" val="465777894"/>
-      </p:ext>
-    </p:extLst>
   </p:cSld>
   <p:clrMapOvr>
     <a:masterClrMapping/>
@@ -4700,13 +7045,7 @@
       </p:grpSpPr>
       <p:sp>
         <p:nvSpPr>
-          <p:cNvPr id="7" name="CustomShape 2">
-            <a:extLst>
-              <a:ext uri="{FF2B5EF4-FFF2-40B4-BE49-F238E27FC236}">
-                <a16:creationId xmlns:a16="http://schemas.microsoft.com/office/drawing/2014/main" id="{347CC3CD-BAAD-41C1-95EB-833A31A8FCD7}"/>
-              </a:ext>
-            </a:extLst>
-          </p:cNvPr>
+          <p:cNvPr id="7" name="CustomShape 2"/>
           <p:cNvSpPr/>
           <p:nvPr/>
         </p:nvSpPr>
@@ -4742,20 +7081,14 @@
       </p:sp>
       <p:pic>
         <p:nvPicPr>
-          <p:cNvPr id="6" name="Imagem 5" descr="Uma imagem contendo quarto&#10;&#10;Descrição gerada automaticamente">
-            <a:extLst>
-              <a:ext uri="{FF2B5EF4-FFF2-40B4-BE49-F238E27FC236}">
-                <a16:creationId xmlns:a16="http://schemas.microsoft.com/office/drawing/2014/main" id="{71EF6174-EE93-4B18-ACEC-C1410C56AAA5}"/>
-              </a:ext>
-            </a:extLst>
-          </p:cNvPr>
+          <p:cNvPr id="6" name="Imagem 5" descr="Uma imagem contendo quarto&#10;&#10;Descrição gerada automaticamente"/>
           <p:cNvPicPr>
             <a:picLocks noChangeAspect="1"/>
           </p:cNvPicPr>
           <p:nvPr/>
         </p:nvPicPr>
         <p:blipFill>
-          <a:blip r:embed="rId2">
+          <a:blip r:embed="rId1">
             <a:extLst>
               <a:ext uri="{28A0092B-C50C-407E-A947-70E740481C1C}">
                 <a14:useLocalDpi xmlns:a14="http://schemas.microsoft.com/office/drawing/2010/main" val="0"/>
@@ -4778,20 +7111,14 @@
       </p:pic>
       <p:pic>
         <p:nvPicPr>
-          <p:cNvPr id="10" name="Imagem 9" descr="Uma imagem contendo quarto&#10;&#10;Descrição gerada automaticamente">
-            <a:extLst>
-              <a:ext uri="{FF2B5EF4-FFF2-40B4-BE49-F238E27FC236}">
-                <a16:creationId xmlns:a16="http://schemas.microsoft.com/office/drawing/2014/main" id="{EFA4A73E-C5D9-4665-974B-5A1A46F46253}"/>
-              </a:ext>
-            </a:extLst>
-          </p:cNvPr>
+          <p:cNvPr id="10" name="Imagem 9" descr="Uma imagem contendo quarto&#10;&#10;Descrição gerada automaticamente"/>
           <p:cNvPicPr>
             <a:picLocks noChangeAspect="1"/>
           </p:cNvPicPr>
           <p:nvPr/>
         </p:nvPicPr>
         <p:blipFill>
-          <a:blip r:embed="rId2">
+          <a:blip r:embed="rId1">
             <a:extLst>
               <a:ext uri="{28A0092B-C50C-407E-A947-70E740481C1C}">
                 <a14:useLocalDpi xmlns:a14="http://schemas.microsoft.com/office/drawing/2010/main" val="0"/>
@@ -4814,20 +7141,14 @@
       </p:pic>
       <p:pic>
         <p:nvPicPr>
-          <p:cNvPr id="11" name="Imagem 10" descr="Uma imagem contendo quarto&#10;&#10;Descrição gerada automaticamente">
-            <a:extLst>
-              <a:ext uri="{FF2B5EF4-FFF2-40B4-BE49-F238E27FC236}">
-                <a16:creationId xmlns:a16="http://schemas.microsoft.com/office/drawing/2014/main" id="{B3D9B6B2-9A7B-4281-B6AD-CA851BF57EC1}"/>
-              </a:ext>
-            </a:extLst>
-          </p:cNvPr>
+          <p:cNvPr id="11" name="Imagem 10" descr="Uma imagem contendo quarto&#10;&#10;Descrição gerada automaticamente"/>
           <p:cNvPicPr>
             <a:picLocks noChangeAspect="1"/>
           </p:cNvPicPr>
           <p:nvPr/>
         </p:nvPicPr>
         <p:blipFill rotWithShape="1">
-          <a:blip r:embed="rId2">
+          <a:blip r:embed="rId1">
             <a:extLst>
               <a:ext uri="{28A0092B-C50C-407E-A947-70E740481C1C}">
                 <a14:useLocalDpi xmlns:a14="http://schemas.microsoft.com/office/drawing/2010/main" val="0"/>
@@ -4835,7 +7156,9 @@
             </a:extLst>
           </a:blip>
           <a:srcRect r="88423"/>
-          <a:stretch/>
+          <a:stretch>
+            <a:fillRect/>
+          </a:stretch>
         </p:blipFill>
         <p:spPr>
           <a:xfrm>
@@ -4849,13 +7172,7 @@
       </p:pic>
       <p:sp>
         <p:nvSpPr>
-          <p:cNvPr id="13" name="CustomShape 1">
-            <a:extLst>
-              <a:ext uri="{FF2B5EF4-FFF2-40B4-BE49-F238E27FC236}">
-                <a16:creationId xmlns:a16="http://schemas.microsoft.com/office/drawing/2014/main" id="{0A929DB1-5855-46AC-9D38-7A03A35D7D6B}"/>
-              </a:ext>
-            </a:extLst>
-          </p:cNvPr>
+          <p:cNvPr id="13" name="CustomShape 1"/>
           <p:cNvSpPr/>
           <p:nvPr/>
         </p:nvSpPr>
@@ -4929,18 +7246,21 @@
               </a:rPr>
               <a:t>)</a:t>
             </a:r>
-          </a:p>
-        </p:txBody>
-      </p:sp>
-      <p:sp>
-        <p:nvSpPr>
-          <p:cNvPr id="8" name="CustomShape 1">
-            <a:extLst>
-              <a:ext uri="{FF2B5EF4-FFF2-40B4-BE49-F238E27FC236}">
-                <a16:creationId xmlns:a16="http://schemas.microsoft.com/office/drawing/2014/main" id="{D28A5C52-B38F-414E-8F1F-AF4B51285A6A}"/>
-              </a:ext>
-            </a:extLst>
-          </p:cNvPr>
+            <a:endParaRPr lang="pt-BR" sz="4000" b="1" strike="noStrike" spc="-1" dirty="0">
+              <a:solidFill>
+                <a:schemeClr val="accent1">
+                  <a:lumMod val="50000"/>
+                </a:schemeClr>
+              </a:solidFill>
+              <a:latin typeface="Lato Black"/>
+              <a:ea typeface="Lato Black"/>
+            </a:endParaRPr>
+          </a:p>
+        </p:txBody>
+      </p:sp>
+      <p:sp>
+        <p:nvSpPr>
+          <p:cNvPr id="8" name="CustomShape 1"/>
           <p:cNvSpPr/>
           <p:nvPr/>
         </p:nvSpPr>
@@ -4978,13 +7298,7 @@
       </p:sp>
       <p:sp>
         <p:nvSpPr>
-          <p:cNvPr id="2" name="CaixaDeTexto 1">
-            <a:extLst>
-              <a:ext uri="{FF2B5EF4-FFF2-40B4-BE49-F238E27FC236}">
-                <a16:creationId xmlns:a16="http://schemas.microsoft.com/office/drawing/2014/main" id="{6583DB9A-8B08-42FE-BC8C-083A9293FDFB}"/>
-              </a:ext>
-            </a:extLst>
-          </p:cNvPr>
+          <p:cNvPr id="2" name="CaixaDeTexto 1"/>
           <p:cNvSpPr txBox="1"/>
           <p:nvPr/>
         </p:nvSpPr>
@@ -5008,15 +7322,11 @@
               <a:rPr lang="pt-BR" dirty="0"/>
               <a:t>Aqui vai um Diagrama ou HLD</a:t>
             </a:r>
+            <a:endParaRPr lang="pt-BR" dirty="0"/>
           </a:p>
         </p:txBody>
       </p:sp>
     </p:spTree>
-    <p:extLst>
-      <p:ext uri="{BB962C8B-B14F-4D97-AF65-F5344CB8AC3E}">
-        <p14:creationId xmlns:p14="http://schemas.microsoft.com/office/powerpoint/2010/main" val="3211027950"/>
-      </p:ext>
-    </p:extLst>
   </p:cSld>
   <p:clrMapOvr>
     <a:masterClrMapping/>
@@ -5051,13 +7361,7 @@
       </p:grpSpPr>
       <p:sp>
         <p:nvSpPr>
-          <p:cNvPr id="7" name="CustomShape 2">
-            <a:extLst>
-              <a:ext uri="{FF2B5EF4-FFF2-40B4-BE49-F238E27FC236}">
-                <a16:creationId xmlns:a16="http://schemas.microsoft.com/office/drawing/2014/main" id="{347CC3CD-BAAD-41C1-95EB-833A31A8FCD7}"/>
-              </a:ext>
-            </a:extLst>
-          </p:cNvPr>
+          <p:cNvPr id="7" name="CustomShape 2"/>
           <p:cNvSpPr/>
           <p:nvPr/>
         </p:nvSpPr>
@@ -5093,20 +7397,14 @@
       </p:sp>
       <p:pic>
         <p:nvPicPr>
-          <p:cNvPr id="6" name="Imagem 5" descr="Uma imagem contendo quarto&#10;&#10;Descrição gerada automaticamente">
-            <a:extLst>
-              <a:ext uri="{FF2B5EF4-FFF2-40B4-BE49-F238E27FC236}">
-                <a16:creationId xmlns:a16="http://schemas.microsoft.com/office/drawing/2014/main" id="{71EF6174-EE93-4B18-ACEC-C1410C56AAA5}"/>
-              </a:ext>
-            </a:extLst>
-          </p:cNvPr>
+          <p:cNvPr id="6" name="Imagem 5" descr="Uma imagem contendo quarto&#10;&#10;Descrição gerada automaticamente"/>
           <p:cNvPicPr>
             <a:picLocks noChangeAspect="1"/>
           </p:cNvPicPr>
           <p:nvPr/>
         </p:nvPicPr>
         <p:blipFill>
-          <a:blip r:embed="rId2">
+          <a:blip r:embed="rId1">
             <a:extLst>
               <a:ext uri="{28A0092B-C50C-407E-A947-70E740481C1C}">
                 <a14:useLocalDpi xmlns:a14="http://schemas.microsoft.com/office/drawing/2010/main" val="0"/>
@@ -5129,20 +7427,14 @@
       </p:pic>
       <p:pic>
         <p:nvPicPr>
-          <p:cNvPr id="10" name="Imagem 9" descr="Uma imagem contendo quarto&#10;&#10;Descrição gerada automaticamente">
-            <a:extLst>
-              <a:ext uri="{FF2B5EF4-FFF2-40B4-BE49-F238E27FC236}">
-                <a16:creationId xmlns:a16="http://schemas.microsoft.com/office/drawing/2014/main" id="{EFA4A73E-C5D9-4665-974B-5A1A46F46253}"/>
-              </a:ext>
-            </a:extLst>
-          </p:cNvPr>
+          <p:cNvPr id="10" name="Imagem 9" descr="Uma imagem contendo quarto&#10;&#10;Descrição gerada automaticamente"/>
           <p:cNvPicPr>
             <a:picLocks noChangeAspect="1"/>
           </p:cNvPicPr>
           <p:nvPr/>
         </p:nvPicPr>
         <p:blipFill>
-          <a:blip r:embed="rId2">
+          <a:blip r:embed="rId1">
             <a:extLst>
               <a:ext uri="{28A0092B-C50C-407E-A947-70E740481C1C}">
                 <a14:useLocalDpi xmlns:a14="http://schemas.microsoft.com/office/drawing/2010/main" val="0"/>
@@ -5165,20 +7457,14 @@
       </p:pic>
       <p:pic>
         <p:nvPicPr>
-          <p:cNvPr id="11" name="Imagem 10" descr="Uma imagem contendo quarto&#10;&#10;Descrição gerada automaticamente">
-            <a:extLst>
-              <a:ext uri="{FF2B5EF4-FFF2-40B4-BE49-F238E27FC236}">
-                <a16:creationId xmlns:a16="http://schemas.microsoft.com/office/drawing/2014/main" id="{B3D9B6B2-9A7B-4281-B6AD-CA851BF57EC1}"/>
-              </a:ext>
-            </a:extLst>
-          </p:cNvPr>
+          <p:cNvPr id="11" name="Imagem 10" descr="Uma imagem contendo quarto&#10;&#10;Descrição gerada automaticamente"/>
           <p:cNvPicPr>
             <a:picLocks noChangeAspect="1"/>
           </p:cNvPicPr>
           <p:nvPr/>
         </p:nvPicPr>
         <p:blipFill rotWithShape="1">
-          <a:blip r:embed="rId2">
+          <a:blip r:embed="rId1">
             <a:extLst>
               <a:ext uri="{28A0092B-C50C-407E-A947-70E740481C1C}">
                 <a14:useLocalDpi xmlns:a14="http://schemas.microsoft.com/office/drawing/2010/main" val="0"/>
@@ -5186,7 +7472,9 @@
             </a:extLst>
           </a:blip>
           <a:srcRect r="88423"/>
-          <a:stretch/>
+          <a:stretch>
+            <a:fillRect/>
+          </a:stretch>
         </p:blipFill>
         <p:spPr>
           <a:xfrm>
@@ -5200,13 +7488,7 @@
       </p:pic>
       <p:sp>
         <p:nvSpPr>
-          <p:cNvPr id="13" name="CustomShape 1">
-            <a:extLst>
-              <a:ext uri="{FF2B5EF4-FFF2-40B4-BE49-F238E27FC236}">
-                <a16:creationId xmlns:a16="http://schemas.microsoft.com/office/drawing/2014/main" id="{0A929DB1-5855-46AC-9D38-7A03A35D7D6B}"/>
-              </a:ext>
-            </a:extLst>
-          </p:cNvPr>
+          <p:cNvPr id="13" name="CustomShape 1"/>
           <p:cNvSpPr/>
           <p:nvPr/>
         </p:nvSpPr>
@@ -5256,25 +7538,28 @@
               </a:rPr>
               <a:t>Justificativa</a:t>
             </a:r>
-          </a:p>
-        </p:txBody>
-      </p:sp>
-      <p:sp>
-        <p:nvSpPr>
-          <p:cNvPr id="9" name="CaixaDeTexto 8">
-            <a:extLst>
-              <a:ext uri="{FF2B5EF4-FFF2-40B4-BE49-F238E27FC236}">
-                <a16:creationId xmlns:a16="http://schemas.microsoft.com/office/drawing/2014/main" id="{720DB555-AFD8-43CB-ADFA-3993ECD4C9F5}"/>
-              </a:ext>
-            </a:extLst>
-          </p:cNvPr>
+            <a:endParaRPr lang="pt-BR" sz="4000" b="1" strike="noStrike" spc="-1" dirty="0">
+              <a:solidFill>
+                <a:schemeClr val="accent1">
+                  <a:lumMod val="50000"/>
+                </a:schemeClr>
+              </a:solidFill>
+              <a:latin typeface="Lato Black"/>
+              <a:ea typeface="Lato Black"/>
+            </a:endParaRPr>
+          </a:p>
+        </p:txBody>
+      </p:sp>
+      <p:sp>
+        <p:nvSpPr>
+          <p:cNvPr id="9" name="CaixaDeTexto 8"/>
           <p:cNvSpPr txBox="1"/>
           <p:nvPr/>
         </p:nvSpPr>
         <p:spPr>
           <a:xfrm>
             <a:off x="1112123" y="1569493"/>
-            <a:ext cx="10024449" cy="3785652"/>
+            <a:ext cx="10024449" cy="3784600"/>
           </a:xfrm>
           <a:prstGeom prst="rect">
             <a:avLst/>
@@ -5293,10 +7578,13 @@
             </a:pPr>
             <a:r>
               <a:rPr lang="pt-BR" sz="2400" dirty="0">
-                <a:latin typeface="Lato" panose="020F0502020204030203" pitchFamily="34" charset="0"/>
+                <a:latin typeface="Lato" panose="020B0502040204020203" pitchFamily="34" charset="0"/>
               </a:rPr>
               <a:t>Proporcionar dados mais consistentes e reduzir de erros</a:t>
             </a:r>
+            <a:endParaRPr lang="pt-BR" sz="2400" dirty="0">
+              <a:latin typeface="Lato" panose="020B0502040204020203" pitchFamily="34" charset="0"/>
+            </a:endParaRPr>
           </a:p>
           <a:p>
             <a:pPr marL="342900" indent="-342900">
@@ -5304,7 +7592,7 @@
               <a:buChar char="•"/>
             </a:pPr>
             <a:endParaRPr lang="pt-BR" sz="2400" dirty="0">
-              <a:latin typeface="Lato" panose="020F0502020204030203" pitchFamily="34" charset="0"/>
+              <a:latin typeface="Lato" panose="020B0502040204020203" pitchFamily="34" charset="0"/>
             </a:endParaRPr>
           </a:p>
           <a:p>
@@ -5314,10 +7602,13 @@
             </a:pPr>
             <a:r>
               <a:rPr lang="pt-BR" sz="2400" dirty="0">
-                <a:latin typeface="Lato" panose="020F0502020204030203" pitchFamily="34" charset="0"/>
+                <a:latin typeface="Lato" panose="020B0502040204020203" pitchFamily="34" charset="0"/>
               </a:rPr>
               <a:t>Geração e emissão de relatórios</a:t>
             </a:r>
+            <a:endParaRPr lang="pt-BR" sz="2400" dirty="0">
+              <a:latin typeface="Lato" panose="020B0502040204020203" pitchFamily="34" charset="0"/>
+            </a:endParaRPr>
           </a:p>
           <a:p>
             <a:pPr marL="342900" indent="-342900">
@@ -5325,7 +7616,7 @@
               <a:buChar char="•"/>
             </a:pPr>
             <a:endParaRPr lang="pt-BR" sz="2400" dirty="0">
-              <a:latin typeface="Lato" panose="020F0502020204030203" pitchFamily="34" charset="0"/>
+              <a:latin typeface="Lato" panose="020B0502040204020203" pitchFamily="34" charset="0"/>
             </a:endParaRPr>
           </a:p>
           <a:p>
@@ -5335,10 +7626,13 @@
             </a:pPr>
             <a:r>
               <a:rPr lang="pt-BR" sz="2400" dirty="0">
-                <a:latin typeface="Lato" panose="020F0502020204030203" pitchFamily="34" charset="0"/>
+                <a:latin typeface="Lato" panose="020B0502040204020203" pitchFamily="34" charset="0"/>
               </a:rPr>
-              <a:t> Maior controle dos dados</a:t>
-            </a:r>
+              <a:t>Maior controle dos dados</a:t>
+            </a:r>
+            <a:endParaRPr lang="pt-BR" sz="2400" dirty="0">
+              <a:latin typeface="Lato" panose="020B0502040204020203" pitchFamily="34" charset="0"/>
+            </a:endParaRPr>
           </a:p>
           <a:p>
             <a:pPr marL="342900" indent="-342900">
@@ -5346,7 +7640,7 @@
               <a:buChar char="•"/>
             </a:pPr>
             <a:endParaRPr lang="pt-BR" sz="2400" dirty="0">
-              <a:latin typeface="Lato" panose="020F0502020204030203" pitchFamily="34" charset="0"/>
+              <a:latin typeface="Lato" panose="020B0502040204020203" pitchFamily="34" charset="0"/>
             </a:endParaRPr>
           </a:p>
           <a:p>
@@ -5356,18 +7650,18 @@
             </a:pPr>
             <a:r>
               <a:rPr lang="pt-BR" sz="2400" dirty="0">
-                <a:latin typeface="Lato" panose="020F0502020204030203" pitchFamily="34" charset="0"/>
+                <a:latin typeface="Lato" panose="020B0502040204020203" pitchFamily="34" charset="0"/>
               </a:rPr>
               <a:t>Automação de processos manuais com utilização de </a:t>
             </a:r>
             <a:r>
               <a:rPr lang="pt-BR" sz="2400" dirty="0" err="1">
-                <a:latin typeface="Lato" panose="020F0502020204030203" pitchFamily="34" charset="0"/>
+                <a:latin typeface="Lato" panose="020B0502040204020203" pitchFamily="34" charset="0"/>
               </a:rPr>
               <a:t>IoT</a:t>
             </a:r>
             <a:endParaRPr lang="pt-BR" sz="2400" dirty="0">
-              <a:latin typeface="Lato" panose="020F0502020204030203" pitchFamily="34" charset="0"/>
+              <a:latin typeface="Lato" panose="020B0502040204020203" pitchFamily="34" charset="0"/>
             </a:endParaRPr>
           </a:p>
           <a:p>
@@ -5376,7 +7670,7 @@
               <a:buChar char="•"/>
             </a:pPr>
             <a:endParaRPr lang="pt-BR" sz="2400" dirty="0">
-              <a:latin typeface="Lato" panose="020F0502020204030203" pitchFamily="34" charset="0"/>
+              <a:latin typeface="Lato" panose="020B0502040204020203" pitchFamily="34" charset="0"/>
             </a:endParaRPr>
           </a:p>
           <a:p>
@@ -5386,10 +7680,13 @@
             </a:pPr>
             <a:r>
               <a:rPr lang="pt-BR" sz="2400" dirty="0">
-                <a:latin typeface="Lato" panose="020F0502020204030203" pitchFamily="34" charset="0"/>
+                <a:latin typeface="Lato" panose="020B0502040204020203" pitchFamily="34" charset="0"/>
               </a:rPr>
               <a:t>Melhoria na tomada de decisões com base em dados analíticos </a:t>
             </a:r>
+            <a:endParaRPr lang="pt-BR" sz="2400" dirty="0">
+              <a:latin typeface="Lato" panose="020B0502040204020203" pitchFamily="34" charset="0"/>
+            </a:endParaRPr>
           </a:p>
           <a:p>
             <a:endParaRPr lang="pt-BR" sz="2400" dirty="0"/>
@@ -5397,11 +7694,6 @@
         </p:txBody>
       </p:sp>
     </p:spTree>
-    <p:extLst>
-      <p:ext uri="{BB962C8B-B14F-4D97-AF65-F5344CB8AC3E}">
-        <p14:creationId xmlns:p14="http://schemas.microsoft.com/office/powerpoint/2010/main" val="105722188"/>
-      </p:ext>
-    </p:extLst>
   </p:cSld>
   <p:clrMapOvr>
     <a:masterClrMapping/>
@@ -5436,13 +7728,7 @@
       </p:grpSpPr>
       <p:sp>
         <p:nvSpPr>
-          <p:cNvPr id="7" name="CustomShape 2">
-            <a:extLst>
-              <a:ext uri="{FF2B5EF4-FFF2-40B4-BE49-F238E27FC236}">
-                <a16:creationId xmlns:a16="http://schemas.microsoft.com/office/drawing/2014/main" id="{347CC3CD-BAAD-41C1-95EB-833A31A8FCD7}"/>
-              </a:ext>
-            </a:extLst>
-          </p:cNvPr>
+          <p:cNvPr id="7" name="CustomShape 2"/>
           <p:cNvSpPr/>
           <p:nvPr/>
         </p:nvSpPr>
@@ -5478,20 +7764,14 @@
       </p:sp>
       <p:pic>
         <p:nvPicPr>
-          <p:cNvPr id="6" name="Imagem 5" descr="Uma imagem contendo quarto&#10;&#10;Descrição gerada automaticamente">
-            <a:extLst>
-              <a:ext uri="{FF2B5EF4-FFF2-40B4-BE49-F238E27FC236}">
-                <a16:creationId xmlns:a16="http://schemas.microsoft.com/office/drawing/2014/main" id="{71EF6174-EE93-4B18-ACEC-C1410C56AAA5}"/>
-              </a:ext>
-            </a:extLst>
-          </p:cNvPr>
+          <p:cNvPr id="6" name="Imagem 5" descr="Uma imagem contendo quarto&#10;&#10;Descrição gerada automaticamente"/>
           <p:cNvPicPr>
             <a:picLocks noChangeAspect="1"/>
           </p:cNvPicPr>
           <p:nvPr/>
         </p:nvPicPr>
         <p:blipFill>
-          <a:blip r:embed="rId2">
+          <a:blip r:embed="rId1">
             <a:extLst>
               <a:ext uri="{28A0092B-C50C-407E-A947-70E740481C1C}">
                 <a14:useLocalDpi xmlns:a14="http://schemas.microsoft.com/office/drawing/2010/main" val="0"/>
@@ -5514,20 +7794,14 @@
       </p:pic>
       <p:pic>
         <p:nvPicPr>
-          <p:cNvPr id="10" name="Imagem 9" descr="Uma imagem contendo quarto&#10;&#10;Descrição gerada automaticamente">
-            <a:extLst>
-              <a:ext uri="{FF2B5EF4-FFF2-40B4-BE49-F238E27FC236}">
-                <a16:creationId xmlns:a16="http://schemas.microsoft.com/office/drawing/2014/main" id="{EFA4A73E-C5D9-4665-974B-5A1A46F46253}"/>
-              </a:ext>
-            </a:extLst>
-          </p:cNvPr>
+          <p:cNvPr id="10" name="Imagem 9" descr="Uma imagem contendo quarto&#10;&#10;Descrição gerada automaticamente"/>
           <p:cNvPicPr>
             <a:picLocks noChangeAspect="1"/>
           </p:cNvPicPr>
           <p:nvPr/>
         </p:nvPicPr>
         <p:blipFill>
-          <a:blip r:embed="rId2">
+          <a:blip r:embed="rId1">
             <a:extLst>
               <a:ext uri="{28A0092B-C50C-407E-A947-70E740481C1C}">
                 <a14:useLocalDpi xmlns:a14="http://schemas.microsoft.com/office/drawing/2010/main" val="0"/>
@@ -5550,20 +7824,14 @@
       </p:pic>
       <p:pic>
         <p:nvPicPr>
-          <p:cNvPr id="11" name="Imagem 10" descr="Uma imagem contendo quarto&#10;&#10;Descrição gerada automaticamente">
-            <a:extLst>
-              <a:ext uri="{FF2B5EF4-FFF2-40B4-BE49-F238E27FC236}">
-                <a16:creationId xmlns:a16="http://schemas.microsoft.com/office/drawing/2014/main" id="{B3D9B6B2-9A7B-4281-B6AD-CA851BF57EC1}"/>
-              </a:ext>
-            </a:extLst>
-          </p:cNvPr>
+          <p:cNvPr id="11" name="Imagem 10" descr="Uma imagem contendo quarto&#10;&#10;Descrição gerada automaticamente"/>
           <p:cNvPicPr>
             <a:picLocks noChangeAspect="1"/>
           </p:cNvPicPr>
           <p:nvPr/>
         </p:nvPicPr>
         <p:blipFill rotWithShape="1">
-          <a:blip r:embed="rId2">
+          <a:blip r:embed="rId1">
             <a:extLst>
               <a:ext uri="{28A0092B-C50C-407E-A947-70E740481C1C}">
                 <a14:useLocalDpi xmlns:a14="http://schemas.microsoft.com/office/drawing/2010/main" val="0"/>
@@ -5571,7 +7839,9 @@
             </a:extLst>
           </a:blip>
           <a:srcRect r="88423"/>
-          <a:stretch/>
+          <a:stretch>
+            <a:fillRect/>
+          </a:stretch>
         </p:blipFill>
         <p:spPr>
           <a:xfrm>
@@ -5585,13 +7855,7 @@
       </p:pic>
       <p:sp>
         <p:nvSpPr>
-          <p:cNvPr id="13" name="CustomShape 1">
-            <a:extLst>
-              <a:ext uri="{FF2B5EF4-FFF2-40B4-BE49-F238E27FC236}">
-                <a16:creationId xmlns:a16="http://schemas.microsoft.com/office/drawing/2014/main" id="{0A929DB1-5855-46AC-9D38-7A03A35D7D6B}"/>
-              </a:ext>
-            </a:extLst>
-          </p:cNvPr>
+          <p:cNvPr id="13" name="CustomShape 1"/>
           <p:cNvSpPr/>
           <p:nvPr/>
         </p:nvSpPr>
@@ -5665,18 +7929,21 @@
               </a:rPr>
               <a:t> Be)</a:t>
             </a:r>
-          </a:p>
-        </p:txBody>
-      </p:sp>
-      <p:sp>
-        <p:nvSpPr>
-          <p:cNvPr id="8" name="CustomShape 1">
-            <a:extLst>
-              <a:ext uri="{FF2B5EF4-FFF2-40B4-BE49-F238E27FC236}">
-                <a16:creationId xmlns:a16="http://schemas.microsoft.com/office/drawing/2014/main" id="{D28A5C52-B38F-414E-8F1F-AF4B51285A6A}"/>
-              </a:ext>
-            </a:extLst>
-          </p:cNvPr>
+            <a:endParaRPr lang="pt-BR" sz="4000" b="1" strike="noStrike" spc="-1" dirty="0">
+              <a:solidFill>
+                <a:schemeClr val="accent1">
+                  <a:lumMod val="50000"/>
+                </a:schemeClr>
+              </a:solidFill>
+              <a:latin typeface="Lato Black"/>
+              <a:ea typeface="Lato Black"/>
+            </a:endParaRPr>
+          </a:p>
+        </p:txBody>
+      </p:sp>
+      <p:sp>
+        <p:nvSpPr>
+          <p:cNvPr id="8" name="CustomShape 1"/>
           <p:cNvSpPr/>
           <p:nvPr/>
         </p:nvSpPr>
@@ -5712,84 +7979,24 @@
           <a:fontRef idx="minor"/>
         </p:style>
       </p:sp>
-      <p:sp>
-        <p:nvSpPr>
-          <p:cNvPr id="9" name="CaixaDeTexto 8">
-            <a:extLst>
-              <a:ext uri="{FF2B5EF4-FFF2-40B4-BE49-F238E27FC236}">
-                <a16:creationId xmlns:a16="http://schemas.microsoft.com/office/drawing/2014/main" id="{B55EED2B-8D5F-474F-8995-D5F291FBB056}"/>
-              </a:ext>
-            </a:extLst>
-          </p:cNvPr>
-          <p:cNvSpPr txBox="1"/>
-          <p:nvPr/>
-        </p:nvSpPr>
-        <p:spPr>
-          <a:xfrm>
-            <a:off x="1112123" y="1569493"/>
-            <a:ext cx="10024449" cy="1200329"/>
-          </a:xfrm>
-          <a:prstGeom prst="rect">
-            <a:avLst/>
-          </a:prstGeom>
-          <a:noFill/>
-        </p:spPr>
-        <p:txBody>
-          <a:bodyPr wrap="square" rtlCol="0">
-            <a:spAutoFit/>
-          </a:bodyPr>
-          <a:lstStyle/>
-          <a:p>
-            <a:r>
-              <a:rPr lang="pt-BR" sz="2400" dirty="0">
-                <a:latin typeface="Lato" panose="020F0502020204030203" pitchFamily="34" charset="0"/>
-              </a:rPr>
-              <a:t>Aqui vai o BPMN OU HLD;</a:t>
-            </a:r>
-          </a:p>
-          <a:p>
-            <a:pPr marL="342900" indent="-342900">
-              <a:buFont typeface="Arial" panose="020B0604020202020204" pitchFamily="34" charset="0"/>
-              <a:buChar char="•"/>
-            </a:pPr>
-            <a:endParaRPr lang="pt-BR" sz="2400" dirty="0">
-              <a:latin typeface="Lato" panose="020F0502020204030203" pitchFamily="34" charset="0"/>
-            </a:endParaRPr>
-          </a:p>
-          <a:p>
-            <a:endParaRPr lang="pt-BR" sz="2400" dirty="0"/>
-          </a:p>
-        </p:txBody>
-      </p:sp>
       <p:pic>
         <p:nvPicPr>
-          <p:cNvPr id="3" name="Imagem 2" descr="Uma imagem contendo mapa&#10;&#10;Descrição gerada automaticamente">
-            <a:extLst>
-              <a:ext uri="{FF2B5EF4-FFF2-40B4-BE49-F238E27FC236}">
-                <a16:creationId xmlns:a16="http://schemas.microsoft.com/office/drawing/2014/main" id="{9470052C-66D3-4C27-B5E3-EED809C3EF53}"/>
-              </a:ext>
-            </a:extLst>
-          </p:cNvPr>
+          <p:cNvPr id="2" name="Picture 1" descr="Desenho_Solucao"/>
           <p:cNvPicPr>
             <a:picLocks noChangeAspect="1"/>
           </p:cNvPicPr>
           <p:nvPr/>
         </p:nvPicPr>
-        <p:blipFill rotWithShape="1">
-          <a:blip r:embed="rId3">
-            <a:extLst>
-              <a:ext uri="{28A0092B-C50C-407E-A947-70E740481C1C}">
-                <a14:useLocalDpi xmlns:a14="http://schemas.microsoft.com/office/drawing/2010/main" val="0"/>
-              </a:ext>
-            </a:extLst>
-          </a:blip>
-          <a:srcRect b="3985"/>
-          <a:stretch/>
+        <p:blipFill>
+          <a:blip r:embed="rId2"/>
+          <a:stretch>
+            <a:fillRect/>
+          </a:stretch>
         </p:blipFill>
         <p:spPr>
           <a:xfrm>
-            <a:off x="1112123" y="1448103"/>
-            <a:ext cx="10069330" cy="4856922"/>
+            <a:off x="1111885" y="961390"/>
+            <a:ext cx="10058400" cy="3934460"/>
           </a:xfrm>
           <a:prstGeom prst="rect">
             <a:avLst/>
@@ -5797,11 +8004,6 @@
         </p:spPr>
       </p:pic>
     </p:spTree>
-    <p:extLst>
-      <p:ext uri="{BB962C8B-B14F-4D97-AF65-F5344CB8AC3E}">
-        <p14:creationId xmlns:p14="http://schemas.microsoft.com/office/powerpoint/2010/main" val="3381324138"/>
-      </p:ext>
-    </p:extLst>
   </p:cSld>
   <p:clrMapOvr>
     <a:masterClrMapping/>
@@ -5836,13 +8038,7 @@
       </p:grpSpPr>
       <p:sp>
         <p:nvSpPr>
-          <p:cNvPr id="7" name="CustomShape 2">
-            <a:extLst>
-              <a:ext uri="{FF2B5EF4-FFF2-40B4-BE49-F238E27FC236}">
-                <a16:creationId xmlns:a16="http://schemas.microsoft.com/office/drawing/2014/main" id="{347CC3CD-BAAD-41C1-95EB-833A31A8FCD7}"/>
-              </a:ext>
-            </a:extLst>
-          </p:cNvPr>
+          <p:cNvPr id="7" name="CustomShape 2"/>
           <p:cNvSpPr/>
           <p:nvPr/>
         </p:nvSpPr>
@@ -5878,20 +8074,14 @@
       </p:sp>
       <p:pic>
         <p:nvPicPr>
-          <p:cNvPr id="6" name="Imagem 5" descr="Uma imagem contendo quarto&#10;&#10;Descrição gerada automaticamente">
-            <a:extLst>
-              <a:ext uri="{FF2B5EF4-FFF2-40B4-BE49-F238E27FC236}">
-                <a16:creationId xmlns:a16="http://schemas.microsoft.com/office/drawing/2014/main" id="{71EF6174-EE93-4B18-ACEC-C1410C56AAA5}"/>
-              </a:ext>
-            </a:extLst>
-          </p:cNvPr>
+          <p:cNvPr id="6" name="Imagem 5" descr="Uma imagem contendo quarto&#10;&#10;Descrição gerada automaticamente"/>
           <p:cNvPicPr>
             <a:picLocks noChangeAspect="1"/>
           </p:cNvPicPr>
           <p:nvPr/>
         </p:nvPicPr>
         <p:blipFill>
-          <a:blip r:embed="rId2">
+          <a:blip r:embed="rId1">
             <a:extLst>
               <a:ext uri="{28A0092B-C50C-407E-A947-70E740481C1C}">
                 <a14:useLocalDpi xmlns:a14="http://schemas.microsoft.com/office/drawing/2010/main" val="0"/>
@@ -5914,20 +8104,14 @@
       </p:pic>
       <p:pic>
         <p:nvPicPr>
-          <p:cNvPr id="10" name="Imagem 9" descr="Uma imagem contendo quarto&#10;&#10;Descrição gerada automaticamente">
-            <a:extLst>
-              <a:ext uri="{FF2B5EF4-FFF2-40B4-BE49-F238E27FC236}">
-                <a16:creationId xmlns:a16="http://schemas.microsoft.com/office/drawing/2014/main" id="{EFA4A73E-C5D9-4665-974B-5A1A46F46253}"/>
-              </a:ext>
-            </a:extLst>
-          </p:cNvPr>
+          <p:cNvPr id="10" name="Imagem 9" descr="Uma imagem contendo quarto&#10;&#10;Descrição gerada automaticamente"/>
           <p:cNvPicPr>
             <a:picLocks noChangeAspect="1"/>
           </p:cNvPicPr>
           <p:nvPr/>
         </p:nvPicPr>
         <p:blipFill>
-          <a:blip r:embed="rId2">
+          <a:blip r:embed="rId1">
             <a:extLst>
               <a:ext uri="{28A0092B-C50C-407E-A947-70E740481C1C}">
                 <a14:useLocalDpi xmlns:a14="http://schemas.microsoft.com/office/drawing/2010/main" val="0"/>
@@ -5950,20 +8134,14 @@
       </p:pic>
       <p:pic>
         <p:nvPicPr>
-          <p:cNvPr id="11" name="Imagem 10" descr="Uma imagem contendo quarto&#10;&#10;Descrição gerada automaticamente">
-            <a:extLst>
-              <a:ext uri="{FF2B5EF4-FFF2-40B4-BE49-F238E27FC236}">
-                <a16:creationId xmlns:a16="http://schemas.microsoft.com/office/drawing/2014/main" id="{B3D9B6B2-9A7B-4281-B6AD-CA851BF57EC1}"/>
-              </a:ext>
-            </a:extLst>
-          </p:cNvPr>
+          <p:cNvPr id="11" name="Imagem 10" descr="Uma imagem contendo quarto&#10;&#10;Descrição gerada automaticamente"/>
           <p:cNvPicPr>
             <a:picLocks noChangeAspect="1"/>
           </p:cNvPicPr>
           <p:nvPr/>
         </p:nvPicPr>
         <p:blipFill rotWithShape="1">
-          <a:blip r:embed="rId2">
+          <a:blip r:embed="rId1">
             <a:extLst>
               <a:ext uri="{28A0092B-C50C-407E-A947-70E740481C1C}">
                 <a14:useLocalDpi xmlns:a14="http://schemas.microsoft.com/office/drawing/2010/main" val="0"/>
@@ -5971,7 +8149,9 @@
             </a:extLst>
           </a:blip>
           <a:srcRect r="88423"/>
-          <a:stretch/>
+          <a:stretch>
+            <a:fillRect/>
+          </a:stretch>
         </p:blipFill>
         <p:spPr>
           <a:xfrm>
@@ -5985,13 +8165,7 @@
       </p:pic>
       <p:sp>
         <p:nvSpPr>
-          <p:cNvPr id="13" name="CustomShape 1">
-            <a:extLst>
-              <a:ext uri="{FF2B5EF4-FFF2-40B4-BE49-F238E27FC236}">
-                <a16:creationId xmlns:a16="http://schemas.microsoft.com/office/drawing/2014/main" id="{0A929DB1-5855-46AC-9D38-7A03A35D7D6B}"/>
-              </a:ext>
-            </a:extLst>
-          </p:cNvPr>
+          <p:cNvPr id="13" name="CustomShape 1"/>
           <p:cNvSpPr/>
           <p:nvPr/>
         </p:nvSpPr>
@@ -6065,18 +8239,21 @@
               </a:rPr>
               <a:t> Be)</a:t>
             </a:r>
-          </a:p>
-        </p:txBody>
-      </p:sp>
-      <p:sp>
-        <p:nvSpPr>
-          <p:cNvPr id="8" name="CustomShape 1">
-            <a:extLst>
-              <a:ext uri="{FF2B5EF4-FFF2-40B4-BE49-F238E27FC236}">
-                <a16:creationId xmlns:a16="http://schemas.microsoft.com/office/drawing/2014/main" id="{D28A5C52-B38F-414E-8F1F-AF4B51285A6A}"/>
-              </a:ext>
-            </a:extLst>
-          </p:cNvPr>
+            <a:endParaRPr lang="pt-BR" sz="4000" b="1" strike="noStrike" spc="-1" dirty="0">
+              <a:solidFill>
+                <a:schemeClr val="accent1">
+                  <a:lumMod val="50000"/>
+                </a:schemeClr>
+              </a:solidFill>
+              <a:latin typeface="Lato Black"/>
+              <a:ea typeface="Lato Black"/>
+            </a:endParaRPr>
+          </a:p>
+        </p:txBody>
+      </p:sp>
+      <p:sp>
+        <p:nvSpPr>
+          <p:cNvPr id="8" name="CustomShape 1"/>
           <p:cNvSpPr/>
           <p:nvPr/>
         </p:nvSpPr>
@@ -6114,20 +8291,14 @@
       </p:sp>
       <p:sp>
         <p:nvSpPr>
-          <p:cNvPr id="9" name="CaixaDeTexto 8">
-            <a:extLst>
-              <a:ext uri="{FF2B5EF4-FFF2-40B4-BE49-F238E27FC236}">
-                <a16:creationId xmlns:a16="http://schemas.microsoft.com/office/drawing/2014/main" id="{B55EED2B-8D5F-474F-8995-D5F291FBB056}"/>
-              </a:ext>
-            </a:extLst>
-          </p:cNvPr>
+          <p:cNvPr id="9" name="CaixaDeTexto 8"/>
           <p:cNvSpPr txBox="1"/>
           <p:nvPr/>
         </p:nvSpPr>
         <p:spPr>
           <a:xfrm>
             <a:off x="1112123" y="1569493"/>
-            <a:ext cx="10024449" cy="3416320"/>
+            <a:ext cx="10024449" cy="1200329"/>
           </a:xfrm>
           <a:prstGeom prst="rect">
             <a:avLst/>
@@ -6140,88 +8311,15 @@
           </a:bodyPr>
           <a:lstStyle/>
           <a:p>
-            <a:pPr marL="342900" indent="-342900">
-              <a:buFont typeface="Arial" panose="020B0604020202020204" pitchFamily="34" charset="0"/>
-              <a:buChar char="•"/>
-            </a:pPr>
             <a:r>
               <a:rPr lang="pt-BR" sz="2400" dirty="0">
-                <a:latin typeface="Lato" panose="020F0502020204030203" pitchFamily="34" charset="0"/>
+                <a:latin typeface="Lato" panose="020B0502040204020203" pitchFamily="34" charset="0"/>
               </a:rPr>
-              <a:t>Pontualidade;</a:t>
-            </a:r>
-          </a:p>
-          <a:p>
-            <a:pPr marL="342900" indent="-342900">
-              <a:buFont typeface="Arial" panose="020B0604020202020204" pitchFamily="34" charset="0"/>
-              <a:buChar char="•"/>
-            </a:pPr>
-            <a:r>
-              <a:rPr lang="pt-BR" sz="2400" dirty="0">
-                <a:latin typeface="Lato" panose="020F0502020204030203" pitchFamily="34" charset="0"/>
-              </a:rPr>
-              <a:t>Periodicidade;</a:t>
-            </a:r>
-          </a:p>
-          <a:p>
-            <a:pPr marL="342900" indent="-342900">
-              <a:buFont typeface="Arial" panose="020B0604020202020204" pitchFamily="34" charset="0"/>
-              <a:buChar char="•"/>
-            </a:pPr>
-            <a:r>
-              <a:rPr lang="pt-BR" sz="2400" dirty="0">
-                <a:latin typeface="Lato" panose="020F0502020204030203" pitchFamily="34" charset="0"/>
-              </a:rPr>
-              <a:t>Confiabilidade;</a:t>
-            </a:r>
-          </a:p>
-          <a:p>
-            <a:pPr marL="342900" indent="-342900">
-              <a:buFont typeface="Arial" panose="020B0604020202020204" pitchFamily="34" charset="0"/>
-              <a:buChar char="•"/>
-            </a:pPr>
-            <a:r>
-              <a:rPr lang="pt-BR" sz="2400" dirty="0">
-                <a:latin typeface="Lato" panose="020F0502020204030203" pitchFamily="34" charset="0"/>
-              </a:rPr>
-              <a:t>Conforto;</a:t>
-            </a:r>
-          </a:p>
-          <a:p>
-            <a:pPr marL="342900" indent="-342900">
-              <a:buFont typeface="Arial" panose="020B0604020202020204" pitchFamily="34" charset="0"/>
-              <a:buChar char="•"/>
-            </a:pPr>
-            <a:r>
-              <a:rPr lang="pt-BR" sz="2400" dirty="0">
-                <a:latin typeface="Lato" panose="020F0502020204030203" pitchFamily="34" charset="0"/>
-              </a:rPr>
-              <a:t>Segurança;</a:t>
-            </a:r>
-          </a:p>
-          <a:p>
-            <a:pPr marL="342900" indent="-342900">
-              <a:buFont typeface="Arial" panose="020B0604020202020204" pitchFamily="34" charset="0"/>
-              <a:buChar char="•"/>
-            </a:pPr>
-            <a:r>
-              <a:rPr lang="pt-BR" sz="2400" dirty="0">
-                <a:latin typeface="Lato" panose="020F0502020204030203" pitchFamily="34" charset="0"/>
-              </a:rPr>
-              <a:t>Generalidade;</a:t>
-            </a:r>
-          </a:p>
-          <a:p>
-            <a:pPr marL="342900" indent="-342900">
-              <a:buFont typeface="Arial" panose="020B0604020202020204" pitchFamily="34" charset="0"/>
-              <a:buChar char="•"/>
-            </a:pPr>
-            <a:r>
-              <a:rPr lang="pt-BR" sz="2400" dirty="0">
-                <a:latin typeface="Lato" panose="020F0502020204030203" pitchFamily="34" charset="0"/>
-              </a:rPr>
-              <a:t>Modicidade tarifária.</a:t>
-            </a:r>
+              <a:t>Aqui vai o BPMN OU HLD;</a:t>
+            </a:r>
+            <a:endParaRPr lang="pt-BR" sz="2400" dirty="0">
+              <a:latin typeface="Lato" panose="020B0502040204020203" pitchFamily="34" charset="0"/>
+            </a:endParaRPr>
           </a:p>
           <a:p>
             <a:pPr marL="342900" indent="-342900">
@@ -6229,7 +8327,7 @@
               <a:buChar char="•"/>
             </a:pPr>
             <a:endParaRPr lang="pt-BR" sz="2400" dirty="0">
-              <a:latin typeface="Lato" panose="020F0502020204030203" pitchFamily="34" charset="0"/>
+              <a:latin typeface="Lato" panose="020B0502040204020203" pitchFamily="34" charset="0"/>
             </a:endParaRPr>
           </a:p>
           <a:p>
@@ -6237,12 +8335,501 @@
           </a:p>
         </p:txBody>
       </p:sp>
+      <p:pic>
+        <p:nvPicPr>
+          <p:cNvPr id="3" name="Imagem 2" descr="Uma imagem contendo mapa&#10;&#10;Descrição gerada automaticamente"/>
+          <p:cNvPicPr>
+            <a:picLocks noChangeAspect="1"/>
+          </p:cNvPicPr>
+          <p:nvPr/>
+        </p:nvPicPr>
+        <p:blipFill rotWithShape="1">
+          <a:blip r:embed="rId2">
+            <a:extLst>
+              <a:ext uri="{28A0092B-C50C-407E-A947-70E740481C1C}">
+                <a14:useLocalDpi xmlns:a14="http://schemas.microsoft.com/office/drawing/2010/main" val="0"/>
+              </a:ext>
+            </a:extLst>
+          </a:blip>
+          <a:srcRect b="3985"/>
+          <a:stretch>
+            <a:fillRect/>
+          </a:stretch>
+        </p:blipFill>
+        <p:spPr>
+          <a:xfrm>
+            <a:off x="1112123" y="1448103"/>
+            <a:ext cx="10069330" cy="4856922"/>
+          </a:xfrm>
+          <a:prstGeom prst="rect">
+            <a:avLst/>
+          </a:prstGeom>
+        </p:spPr>
+      </p:pic>
     </p:spTree>
-    <p:extLst>
-      <p:ext uri="{BB962C8B-B14F-4D97-AF65-F5344CB8AC3E}">
-        <p14:creationId xmlns:p14="http://schemas.microsoft.com/office/powerpoint/2010/main" val="4112722134"/>
-      </p:ext>
-    </p:extLst>
+  </p:cSld>
+  <p:clrMapOvr>
+    <a:masterClrMapping/>
+  </p:clrMapOvr>
+</p:sld>
+</file>
+
+<file path=ppt/slides/slide8.xml><?xml version="1.0" encoding="utf-8"?>
+<p:sld xmlns:a="http://schemas.openxmlformats.org/drawingml/2006/main" xmlns:r="http://schemas.openxmlformats.org/officeDocument/2006/relationships" xmlns:p="http://schemas.openxmlformats.org/presentationml/2006/main">
+  <p:cSld>
+    <p:bg>
+      <p:bgPr>
+        <a:solidFill>
+          <a:srgbClr val="F2F2F2"/>
+        </a:solidFill>
+        <a:effectLst/>
+      </p:bgPr>
+    </p:bg>
+    <p:spTree>
+      <p:nvGrpSpPr>
+        <p:cNvPr id="1" name=""/>
+        <p:cNvGrpSpPr/>
+        <p:nvPr/>
+      </p:nvGrpSpPr>
+      <p:grpSpPr>
+        <a:xfrm>
+          <a:off x="0" y="0"/>
+          <a:ext cx="0" cy="0"/>
+          <a:chOff x="0" y="0"/>
+          <a:chExt cx="0" cy="0"/>
+        </a:xfrm>
+      </p:grpSpPr>
+      <p:sp>
+        <p:nvSpPr>
+          <p:cNvPr id="7" name="CustomShape 2"/>
+          <p:cNvSpPr/>
+          <p:nvPr/>
+        </p:nvSpPr>
+        <p:spPr>
+          <a:xfrm>
+            <a:off x="0" y="11357810"/>
+            <a:ext cx="12192000" cy="2357829"/>
+          </a:xfrm>
+          <a:prstGeom prst="rect">
+            <a:avLst/>
+          </a:prstGeom>
+          <a:solidFill>
+            <a:schemeClr val="accent1"/>
+          </a:solidFill>
+          <a:ln>
+            <a:noFill/>
+          </a:ln>
+        </p:spPr>
+        <p:style>
+          <a:lnRef idx="2">
+            <a:schemeClr val="accent1">
+              <a:shade val="50000"/>
+            </a:schemeClr>
+          </a:lnRef>
+          <a:fillRef idx="1">
+            <a:schemeClr val="accent1"/>
+          </a:fillRef>
+          <a:effectRef idx="0">
+            <a:schemeClr val="accent1"/>
+          </a:effectRef>
+          <a:fontRef idx="minor"/>
+        </p:style>
+      </p:sp>
+      <p:pic>
+        <p:nvPicPr>
+          <p:cNvPr id="6" name="Imagem 5" descr="Uma imagem contendo quarto&#10;&#10;Descrição gerada automaticamente"/>
+          <p:cNvPicPr>
+            <a:picLocks noChangeAspect="1"/>
+          </p:cNvPicPr>
+          <p:nvPr/>
+        </p:nvPicPr>
+        <p:blipFill>
+          <a:blip r:embed="rId1">
+            <a:extLst>
+              <a:ext uri="{28A0092B-C50C-407E-A947-70E740481C1C}">
+                <a14:useLocalDpi xmlns:a14="http://schemas.microsoft.com/office/drawing/2010/main" val="0"/>
+              </a:ext>
+            </a:extLst>
+          </a:blip>
+          <a:stretch>
+            <a:fillRect/>
+          </a:stretch>
+        </p:blipFill>
+        <p:spPr>
+          <a:xfrm>
+            <a:off x="13353" y="4895873"/>
+            <a:ext cx="5749824" cy="1962127"/>
+          </a:xfrm>
+          <a:prstGeom prst="rect">
+            <a:avLst/>
+          </a:prstGeom>
+        </p:spPr>
+      </p:pic>
+      <p:pic>
+        <p:nvPicPr>
+          <p:cNvPr id="10" name="Imagem 9" descr="Uma imagem contendo quarto&#10;&#10;Descrição gerada automaticamente"/>
+          <p:cNvPicPr>
+            <a:picLocks noChangeAspect="1"/>
+          </p:cNvPicPr>
+          <p:nvPr/>
+        </p:nvPicPr>
+        <p:blipFill>
+          <a:blip r:embed="rId1">
+            <a:extLst>
+              <a:ext uri="{28A0092B-C50C-407E-A947-70E740481C1C}">
+                <a14:useLocalDpi xmlns:a14="http://schemas.microsoft.com/office/drawing/2010/main" val="0"/>
+              </a:ext>
+            </a:extLst>
+          </a:blip>
+          <a:stretch>
+            <a:fillRect/>
+          </a:stretch>
+        </p:blipFill>
+        <p:spPr>
+          <a:xfrm>
+            <a:off x="5763177" y="4895872"/>
+            <a:ext cx="5749824" cy="1962127"/>
+          </a:xfrm>
+          <a:prstGeom prst="rect">
+            <a:avLst/>
+          </a:prstGeom>
+        </p:spPr>
+      </p:pic>
+      <p:pic>
+        <p:nvPicPr>
+          <p:cNvPr id="11" name="Imagem 10" descr="Uma imagem contendo quarto&#10;&#10;Descrição gerada automaticamente"/>
+          <p:cNvPicPr>
+            <a:picLocks noChangeAspect="1"/>
+          </p:cNvPicPr>
+          <p:nvPr/>
+        </p:nvPicPr>
+        <p:blipFill rotWithShape="1">
+          <a:blip r:embed="rId1">
+            <a:extLst>
+              <a:ext uri="{28A0092B-C50C-407E-A947-70E740481C1C}">
+                <a14:useLocalDpi xmlns:a14="http://schemas.microsoft.com/office/drawing/2010/main" val="0"/>
+              </a:ext>
+            </a:extLst>
+          </a:blip>
+          <a:srcRect r="88423"/>
+          <a:stretch>
+            <a:fillRect/>
+          </a:stretch>
+        </p:blipFill>
+        <p:spPr>
+          <a:xfrm>
+            <a:off x="11513001" y="4895873"/>
+            <a:ext cx="665646" cy="1962127"/>
+          </a:xfrm>
+          <a:prstGeom prst="rect">
+            <a:avLst/>
+          </a:prstGeom>
+        </p:spPr>
+      </p:pic>
+      <p:sp>
+        <p:nvSpPr>
+          <p:cNvPr id="13" name="CustomShape 1"/>
+          <p:cNvSpPr/>
+          <p:nvPr/>
+        </p:nvSpPr>
+        <p:spPr>
+          <a:xfrm>
+            <a:off x="1112123" y="552976"/>
+            <a:ext cx="4983877" cy="895126"/>
+          </a:xfrm>
+          <a:prstGeom prst="rect">
+            <a:avLst/>
+          </a:prstGeom>
+          <a:noFill/>
+          <a:ln>
+            <a:noFill/>
+          </a:ln>
+        </p:spPr>
+        <p:style>
+          <a:lnRef idx="0">
+            <a:scrgbClr r="0" g="0" b="0"/>
+          </a:lnRef>
+          <a:fillRef idx="0">
+            <a:scrgbClr r="0" g="0" b="0"/>
+          </a:fillRef>
+          <a:effectRef idx="0">
+            <a:scrgbClr r="0" g="0" b="0"/>
+          </a:effectRef>
+          <a:fontRef idx="minor"/>
+        </p:style>
+        <p:txBody>
+          <a:bodyPr wrap="none" lIns="90000" tIns="45000" rIns="90000" bIns="45000"/>
+          <a:lstStyle/>
+          <a:p>
+            <a:pPr>
+              <a:lnSpc>
+                <a:spcPct val="100000"/>
+              </a:lnSpc>
+            </a:pPr>
+            <a:r>
+              <a:rPr lang="pt-BR" sz="4000" b="1" strike="noStrike" spc="-1" dirty="0">
+                <a:solidFill>
+                  <a:schemeClr val="accent1">
+                    <a:lumMod val="50000"/>
+                  </a:schemeClr>
+                </a:solidFill>
+                <a:latin typeface="Lato Black"/>
+                <a:ea typeface="Lato Black"/>
+              </a:rPr>
+              <a:t>Proposta de Solução (</a:t>
+            </a:r>
+            <a:r>
+              <a:rPr lang="pt-BR" sz="4000" b="1" strike="noStrike" spc="-1" dirty="0" err="1">
+                <a:solidFill>
+                  <a:schemeClr val="accent1">
+                    <a:lumMod val="50000"/>
+                  </a:schemeClr>
+                </a:solidFill>
+                <a:latin typeface="Lato Black"/>
+                <a:ea typeface="Lato Black"/>
+              </a:rPr>
+              <a:t>To</a:t>
+            </a:r>
+            <a:r>
+              <a:rPr lang="pt-BR" sz="4000" b="1" strike="noStrike" spc="-1" dirty="0">
+                <a:solidFill>
+                  <a:schemeClr val="accent1">
+                    <a:lumMod val="50000"/>
+                  </a:schemeClr>
+                </a:solidFill>
+                <a:latin typeface="Lato Black"/>
+                <a:ea typeface="Lato Black"/>
+              </a:rPr>
+              <a:t> Be)</a:t>
+            </a:r>
+            <a:endParaRPr lang="pt-BR" sz="4000" b="1" strike="noStrike" spc="-1" dirty="0">
+              <a:solidFill>
+                <a:schemeClr val="accent1">
+                  <a:lumMod val="50000"/>
+                </a:schemeClr>
+              </a:solidFill>
+              <a:latin typeface="Lato Black"/>
+              <a:ea typeface="Lato Black"/>
+            </a:endParaRPr>
+          </a:p>
+        </p:txBody>
+      </p:sp>
+      <p:sp>
+        <p:nvSpPr>
+          <p:cNvPr id="8" name="CustomShape 1"/>
+          <p:cNvSpPr/>
+          <p:nvPr/>
+        </p:nvSpPr>
+        <p:spPr>
+          <a:xfrm>
+            <a:off x="0" y="4895872"/>
+            <a:ext cx="12192000" cy="1962127"/>
+          </a:xfrm>
+          <a:prstGeom prst="rect">
+            <a:avLst/>
+          </a:prstGeom>
+          <a:solidFill>
+            <a:srgbClr val="333C3C">
+              <a:alpha val="61961"/>
+            </a:srgbClr>
+          </a:solidFill>
+          <a:ln>
+            <a:noFill/>
+          </a:ln>
+        </p:spPr>
+        <p:style>
+          <a:lnRef idx="2">
+            <a:schemeClr val="accent1">
+              <a:shade val="50000"/>
+            </a:schemeClr>
+          </a:lnRef>
+          <a:fillRef idx="1">
+            <a:schemeClr val="accent1"/>
+          </a:fillRef>
+          <a:effectRef idx="0">
+            <a:schemeClr val="accent1"/>
+          </a:effectRef>
+          <a:fontRef idx="minor"/>
+        </p:style>
+      </p:sp>
+      <p:sp>
+        <p:nvSpPr>
+          <p:cNvPr id="9" name="CaixaDeTexto 8"/>
+          <p:cNvSpPr txBox="1"/>
+          <p:nvPr/>
+        </p:nvSpPr>
+        <p:spPr>
+          <a:xfrm>
+            <a:off x="1111885" y="1592580"/>
+            <a:ext cx="4648200" cy="2676525"/>
+          </a:xfrm>
+          <a:prstGeom prst="rect">
+            <a:avLst/>
+          </a:prstGeom>
+          <a:noFill/>
+        </p:spPr>
+        <p:txBody>
+          <a:bodyPr wrap="square" rtlCol="0">
+            <a:spAutoFit/>
+          </a:bodyPr>
+          <a:lstStyle/>
+          <a:p>
+            <a:pPr marL="342900" indent="-342900">
+              <a:lnSpc>
+                <a:spcPct val="150000"/>
+              </a:lnSpc>
+              <a:buFont typeface="Arial" panose="020B0604020202020204" pitchFamily="34" charset="0"/>
+              <a:buChar char="•"/>
+            </a:pPr>
+            <a:r>
+              <a:rPr lang="pt-BR" sz="2400" dirty="0">
+                <a:latin typeface="Lato" panose="020B0502040204020203" pitchFamily="34" charset="0"/>
+              </a:rPr>
+              <a:t>Pontualidade</a:t>
+            </a:r>
+            <a:endParaRPr lang="pt-BR" sz="2400" dirty="0">
+              <a:latin typeface="Lato" panose="020B0502040204020203" pitchFamily="34" charset="0"/>
+            </a:endParaRPr>
+          </a:p>
+          <a:p>
+            <a:pPr marL="342900" indent="-342900">
+              <a:lnSpc>
+                <a:spcPct val="150000"/>
+              </a:lnSpc>
+              <a:buFont typeface="Arial" panose="020B0604020202020204" pitchFamily="34" charset="0"/>
+              <a:buChar char="•"/>
+            </a:pPr>
+            <a:r>
+              <a:rPr lang="pt-BR" sz="2400" dirty="0">
+                <a:latin typeface="Lato" panose="020B0502040204020203" pitchFamily="34" charset="0"/>
+              </a:rPr>
+              <a:t>Periodicidade</a:t>
+            </a:r>
+            <a:endParaRPr lang="pt-BR" sz="2400" dirty="0">
+              <a:latin typeface="Lato" panose="020B0502040204020203" pitchFamily="34" charset="0"/>
+            </a:endParaRPr>
+          </a:p>
+          <a:p>
+            <a:pPr marL="342900" indent="-342900">
+              <a:lnSpc>
+                <a:spcPct val="150000"/>
+              </a:lnSpc>
+              <a:buFont typeface="Arial" panose="020B0604020202020204" pitchFamily="34" charset="0"/>
+              <a:buChar char="•"/>
+            </a:pPr>
+            <a:r>
+              <a:rPr lang="pt-BR" sz="2400" dirty="0">
+                <a:latin typeface="Lato" panose="020B0502040204020203" pitchFamily="34" charset="0"/>
+              </a:rPr>
+              <a:t>Confiabilidade</a:t>
+            </a:r>
+            <a:endParaRPr lang="pt-BR" sz="2400" dirty="0">
+              <a:latin typeface="Lato" panose="020B0502040204020203" pitchFamily="34" charset="0"/>
+            </a:endParaRPr>
+          </a:p>
+          <a:p>
+            <a:pPr marL="342900" indent="-342900">
+              <a:lnSpc>
+                <a:spcPct val="150000"/>
+              </a:lnSpc>
+              <a:buFont typeface="Arial" panose="020B0604020202020204" pitchFamily="34" charset="0"/>
+              <a:buChar char="•"/>
+            </a:pPr>
+            <a:r>
+              <a:rPr lang="pt-BR" sz="2400" dirty="0">
+                <a:latin typeface="Lato" panose="020B0502040204020203" pitchFamily="34" charset="0"/>
+              </a:rPr>
+              <a:t>Conforto</a:t>
+            </a:r>
+            <a:endParaRPr lang="pt-BR" sz="2400" dirty="0">
+              <a:latin typeface="Lato" panose="020B0502040204020203" pitchFamily="34" charset="0"/>
+            </a:endParaRPr>
+          </a:p>
+          <a:p>
+            <a:endParaRPr lang="pt-BR" sz="2400" dirty="0"/>
+          </a:p>
+        </p:txBody>
+      </p:sp>
+      <p:sp>
+        <p:nvSpPr>
+          <p:cNvPr id="2" name="CaixaDeTexto 8"/>
+          <p:cNvSpPr txBox="1"/>
+          <p:nvPr/>
+        </p:nvSpPr>
+        <p:spPr>
+          <a:xfrm>
+            <a:off x="6694805" y="1719580"/>
+            <a:ext cx="4994275" cy="2122805"/>
+          </a:xfrm>
+          <a:prstGeom prst="rect">
+            <a:avLst/>
+          </a:prstGeom>
+          <a:noFill/>
+        </p:spPr>
+        <p:txBody>
+          <a:bodyPr wrap="square" rtlCol="0">
+            <a:spAutoFit/>
+          </a:bodyPr>
+          <a:p>
+            <a:pPr marL="342900" indent="-342900">
+              <a:lnSpc>
+                <a:spcPct val="150000"/>
+              </a:lnSpc>
+              <a:buFont typeface="Arial" panose="020B0604020202020204" pitchFamily="34" charset="0"/>
+              <a:buChar char="•"/>
+            </a:pPr>
+            <a:r>
+              <a:rPr lang="pt-BR" sz="2400" dirty="0">
+                <a:latin typeface="Lato" panose="020B0502040204020203" pitchFamily="34" charset="0"/>
+              </a:rPr>
+              <a:t>Segurança</a:t>
+            </a:r>
+            <a:endParaRPr lang="pt-BR" sz="2400" dirty="0">
+              <a:latin typeface="Lato" panose="020B0502040204020203" pitchFamily="34" charset="0"/>
+            </a:endParaRPr>
+          </a:p>
+          <a:p>
+            <a:pPr marL="342900" indent="-342900">
+              <a:lnSpc>
+                <a:spcPct val="150000"/>
+              </a:lnSpc>
+              <a:buFont typeface="Arial" panose="020B0604020202020204" pitchFamily="34" charset="0"/>
+              <a:buChar char="•"/>
+            </a:pPr>
+            <a:r>
+              <a:rPr lang="pt-BR" sz="2400" dirty="0">
+                <a:latin typeface="Lato" panose="020B0502040204020203" pitchFamily="34" charset="0"/>
+              </a:rPr>
+              <a:t>Generalidade</a:t>
+            </a:r>
+            <a:endParaRPr lang="pt-BR" sz="2400" dirty="0">
+              <a:latin typeface="Lato" panose="020B0502040204020203" pitchFamily="34" charset="0"/>
+            </a:endParaRPr>
+          </a:p>
+          <a:p>
+            <a:pPr marL="342900" indent="-342900">
+              <a:lnSpc>
+                <a:spcPct val="150000"/>
+              </a:lnSpc>
+              <a:buFont typeface="Arial" panose="020B0604020202020204" pitchFamily="34" charset="0"/>
+              <a:buChar char="•"/>
+            </a:pPr>
+            <a:r>
+              <a:rPr lang="pt-BR" sz="2400" dirty="0">
+                <a:latin typeface="Lato" panose="020B0502040204020203" pitchFamily="34" charset="0"/>
+              </a:rPr>
+              <a:t>Modicidade tarifária</a:t>
+            </a:r>
+            <a:endParaRPr lang="pt-BR" sz="2400" dirty="0">
+              <a:latin typeface="Lato" panose="020B0502040204020203" pitchFamily="34" charset="0"/>
+            </a:endParaRPr>
+          </a:p>
+          <a:p>
+            <a:endParaRPr lang="pt-BR" sz="2400" dirty="0"/>
+          </a:p>
+        </p:txBody>
+      </p:sp>
+    </p:spTree>
   </p:cSld>
   <p:clrMapOvr>
     <a:masterClrMapping/>
@@ -6293,7 +8880,7 @@
     </a:clrScheme>
     <a:fontScheme name="Office">
       <a:majorFont>
-        <a:latin typeface="Calibri Light" panose="020F0302020204030204"/>
+        <a:latin typeface="Calibri Light"/>
         <a:ea typeface=""/>
         <a:cs typeface=""/>
         <a:font script="Jpan" typeface="游ゴシック Light"/>
@@ -6326,26 +8913,9 @@
         <a:font script="Viet" typeface="Times New Roman"/>
         <a:font script="Uigh" typeface="Microsoft Uighur"/>
         <a:font script="Geor" typeface="Sylfaen"/>
-        <a:font script="Armn" typeface="Arial"/>
-        <a:font script="Bugi" typeface="Leelawadee UI"/>
-        <a:font script="Bopo" typeface="Microsoft JhengHei"/>
-        <a:font script="Java" typeface="Javanese Text"/>
-        <a:font script="Lisu" typeface="Segoe UI"/>
-        <a:font script="Mymr" typeface="Myanmar Text"/>
-        <a:font script="Nkoo" typeface="Ebrima"/>
-        <a:font script="Olck" typeface="Nirmala UI"/>
-        <a:font script="Osma" typeface="Ebrima"/>
-        <a:font script="Phag" typeface="Phagspa"/>
-        <a:font script="Syrn" typeface="Estrangelo Edessa"/>
-        <a:font script="Syrj" typeface="Estrangelo Edessa"/>
-        <a:font script="Syre" typeface="Estrangelo Edessa"/>
-        <a:font script="Sora" typeface="Nirmala UI"/>
-        <a:font script="Tale" typeface="Microsoft Tai Le"/>
-        <a:font script="Talu" typeface="Microsoft New Tai Lue"/>
-        <a:font script="Tfng" typeface="Ebrima"/>
       </a:majorFont>
       <a:minorFont>
-        <a:latin typeface="Calibri" panose="020F0502020204030204"/>
+        <a:latin typeface="Calibri"/>
         <a:ea typeface=""/>
         <a:cs typeface=""/>
         <a:font script="Jpan" typeface="游ゴシック"/>
@@ -6378,23 +8948,6 @@
         <a:font script="Viet" typeface="Arial"/>
         <a:font script="Uigh" typeface="Microsoft Uighur"/>
         <a:font script="Geor" typeface="Sylfaen"/>
-        <a:font script="Armn" typeface="Arial"/>
-        <a:font script="Bugi" typeface="Leelawadee UI"/>
-        <a:font script="Bopo" typeface="Microsoft JhengHei"/>
-        <a:font script="Java" typeface="Javanese Text"/>
-        <a:font script="Lisu" typeface="Segoe UI"/>
-        <a:font script="Mymr" typeface="Myanmar Text"/>
-        <a:font script="Nkoo" typeface="Ebrima"/>
-        <a:font script="Olck" typeface="Nirmala UI"/>
-        <a:font script="Osma" typeface="Ebrima"/>
-        <a:font script="Phag" typeface="Phagspa"/>
-        <a:font script="Syrn" typeface="Estrangelo Edessa"/>
-        <a:font script="Syrj" typeface="Estrangelo Edessa"/>
-        <a:font script="Syre" typeface="Estrangelo Edessa"/>
-        <a:font script="Sora" typeface="Nirmala UI"/>
-        <a:font script="Tale" typeface="Microsoft Tai Le"/>
-        <a:font script="Talu" typeface="Microsoft New Tai Lue"/>
-        <a:font script="Tfng" typeface="Ebrima"/>
       </a:minorFont>
     </a:fontScheme>
     <a:fmtScheme name="Office">
@@ -6535,8 +9088,265 @@
       </a:bgFillStyleLst>
     </a:fmtScheme>
   </a:themeElements>
-  <a:objectDefaults/>
-  <a:extraClrSchemeLst/>
+  <a:extLst>
+    <a:ext uri="{05A4C25C-085E-4340-85A3-A5531E510DB2}">
+      <thm15:themeFamily xmlns:thm15="http://schemas.microsoft.com/office/thememl/2012/main" name="Office Theme" id="{62F939B6-93AF-4DB8-9C6B-D6C7DFDC589F}" vid="{4A3C46E8-61CC-4603-A589-7422A47A8E4A}"/>
+    </a:ext>
+  </a:extLst>
+</a:theme>
+</file>
+
+<file path=ppt/theme/theme2.xml><?xml version="1.0" encoding="utf-8"?>
+<a:theme xmlns:a="http://schemas.openxmlformats.org/drawingml/2006/main" name="1_Tema do Office">
+  <a:themeElements>
+    <a:clrScheme name="Office">
+      <a:dk1>
+        <a:sysClr val="windowText" lastClr="000000"/>
+      </a:dk1>
+      <a:lt1>
+        <a:sysClr val="window" lastClr="FFFFFF"/>
+      </a:lt1>
+      <a:dk2>
+        <a:srgbClr val="44546A"/>
+      </a:dk2>
+      <a:lt2>
+        <a:srgbClr val="E7E6E6"/>
+      </a:lt2>
+      <a:accent1>
+        <a:srgbClr val="4472C4"/>
+      </a:accent1>
+      <a:accent2>
+        <a:srgbClr val="ED7D31"/>
+      </a:accent2>
+      <a:accent3>
+        <a:srgbClr val="A5A5A5"/>
+      </a:accent3>
+      <a:accent4>
+        <a:srgbClr val="FFC000"/>
+      </a:accent4>
+      <a:accent5>
+        <a:srgbClr val="5B9BD5"/>
+      </a:accent5>
+      <a:accent6>
+        <a:srgbClr val="70AD47"/>
+      </a:accent6>
+      <a:hlink>
+        <a:srgbClr val="0563C1"/>
+      </a:hlink>
+      <a:folHlink>
+        <a:srgbClr val="954F72"/>
+      </a:folHlink>
+    </a:clrScheme>
+    <a:fontScheme name="Office">
+      <a:majorFont>
+        <a:latin typeface="Calibri Light"/>
+        <a:ea typeface=""/>
+        <a:cs typeface=""/>
+        <a:font script="Jpan" typeface="游ゴシック Light"/>
+        <a:font script="Hang" typeface="맑은 고딕"/>
+        <a:font script="Hans" typeface="等线 Light"/>
+        <a:font script="Hant" typeface="新細明體"/>
+        <a:font script="Arab" typeface="Times New Roman"/>
+        <a:font script="Hebr" typeface="Times New Roman"/>
+        <a:font script="Thai" typeface="Angsana New"/>
+        <a:font script="Ethi" typeface="Nyala"/>
+        <a:font script="Beng" typeface="Vrinda"/>
+        <a:font script="Gujr" typeface="Shruti"/>
+        <a:font script="Khmr" typeface="MoolBoran"/>
+        <a:font script="Knda" typeface="Tunga"/>
+        <a:font script="Guru" typeface="Raavi"/>
+        <a:font script="Cans" typeface="Euphemia"/>
+        <a:font script="Cher" typeface="Plantagenet Cherokee"/>
+        <a:font script="Yiii" typeface="Microsoft Yi Baiti"/>
+        <a:font script="Tibt" typeface="Microsoft Himalaya"/>
+        <a:font script="Thaa" typeface="MV Boli"/>
+        <a:font script="Deva" typeface="Mangal"/>
+        <a:font script="Telu" typeface="Gautami"/>
+        <a:font script="Taml" typeface="Latha"/>
+        <a:font script="Syrc" typeface="Estrangelo Edessa"/>
+        <a:font script="Orya" typeface="Kalinga"/>
+        <a:font script="Mlym" typeface="Kartika"/>
+        <a:font script="Laoo" typeface="DokChampa"/>
+        <a:font script="Sinh" typeface="Iskoola Pota"/>
+        <a:font script="Mong" typeface="Mongolian Baiti"/>
+        <a:font script="Viet" typeface="Times New Roman"/>
+        <a:font script="Uigh" typeface="Microsoft Uighur"/>
+        <a:font script="Geor" typeface="Sylfaen"/>
+      </a:majorFont>
+      <a:minorFont>
+        <a:latin typeface="Calibri"/>
+        <a:ea typeface=""/>
+        <a:cs typeface=""/>
+        <a:font script="Jpan" typeface="游ゴシック"/>
+        <a:font script="Hang" typeface="맑은 고딕"/>
+        <a:font script="Hans" typeface="等线"/>
+        <a:font script="Hant" typeface="新細明體"/>
+        <a:font script="Arab" typeface="Arial"/>
+        <a:font script="Hebr" typeface="Arial"/>
+        <a:font script="Thai" typeface="Cordia New"/>
+        <a:font script="Ethi" typeface="Nyala"/>
+        <a:font script="Beng" typeface="Vrinda"/>
+        <a:font script="Gujr" typeface="Shruti"/>
+        <a:font script="Khmr" typeface="DaunPenh"/>
+        <a:font script="Knda" typeface="Tunga"/>
+        <a:font script="Guru" typeface="Raavi"/>
+        <a:font script="Cans" typeface="Euphemia"/>
+        <a:font script="Cher" typeface="Plantagenet Cherokee"/>
+        <a:font script="Yiii" typeface="Microsoft Yi Baiti"/>
+        <a:font script="Tibt" typeface="Microsoft Himalaya"/>
+        <a:font script="Thaa" typeface="MV Boli"/>
+        <a:font script="Deva" typeface="Mangal"/>
+        <a:font script="Telu" typeface="Gautami"/>
+        <a:font script="Taml" typeface="Latha"/>
+        <a:font script="Syrc" typeface="Estrangelo Edessa"/>
+        <a:font script="Orya" typeface="Kalinga"/>
+        <a:font script="Mlym" typeface="Kartika"/>
+        <a:font script="Laoo" typeface="DokChampa"/>
+        <a:font script="Sinh" typeface="Iskoola Pota"/>
+        <a:font script="Mong" typeface="Mongolian Baiti"/>
+        <a:font script="Viet" typeface="Arial"/>
+        <a:font script="Uigh" typeface="Microsoft Uighur"/>
+        <a:font script="Geor" typeface="Sylfaen"/>
+      </a:minorFont>
+    </a:fontScheme>
+    <a:fmtScheme name="Office">
+      <a:fillStyleLst>
+        <a:solidFill>
+          <a:schemeClr val="phClr"/>
+        </a:solidFill>
+        <a:gradFill rotWithShape="1">
+          <a:gsLst>
+            <a:gs pos="0">
+              <a:schemeClr val="phClr">
+                <a:lumMod val="110000"/>
+                <a:satMod val="105000"/>
+                <a:tint val="67000"/>
+              </a:schemeClr>
+            </a:gs>
+            <a:gs pos="50000">
+              <a:schemeClr val="phClr">
+                <a:lumMod val="105000"/>
+                <a:satMod val="103000"/>
+                <a:tint val="73000"/>
+              </a:schemeClr>
+            </a:gs>
+            <a:gs pos="100000">
+              <a:schemeClr val="phClr">
+                <a:lumMod val="105000"/>
+                <a:satMod val="109000"/>
+                <a:tint val="81000"/>
+              </a:schemeClr>
+            </a:gs>
+          </a:gsLst>
+          <a:lin ang="5400000" scaled="0"/>
+        </a:gradFill>
+        <a:gradFill rotWithShape="1">
+          <a:gsLst>
+            <a:gs pos="0">
+              <a:schemeClr val="phClr">
+                <a:satMod val="103000"/>
+                <a:lumMod val="102000"/>
+                <a:tint val="94000"/>
+              </a:schemeClr>
+            </a:gs>
+            <a:gs pos="50000">
+              <a:schemeClr val="phClr">
+                <a:satMod val="110000"/>
+                <a:lumMod val="100000"/>
+                <a:shade val="100000"/>
+              </a:schemeClr>
+            </a:gs>
+            <a:gs pos="100000">
+              <a:schemeClr val="phClr">
+                <a:lumMod val="99000"/>
+                <a:satMod val="120000"/>
+                <a:shade val="78000"/>
+              </a:schemeClr>
+            </a:gs>
+          </a:gsLst>
+          <a:lin ang="5400000" scaled="0"/>
+        </a:gradFill>
+      </a:fillStyleLst>
+      <a:lnStyleLst>
+        <a:ln w="6350" cap="flat" cmpd="sng" algn="ctr">
+          <a:solidFill>
+            <a:schemeClr val="phClr"/>
+          </a:solidFill>
+          <a:prstDash val="solid"/>
+          <a:miter lim="800000"/>
+        </a:ln>
+        <a:ln w="12700" cap="flat" cmpd="sng" algn="ctr">
+          <a:solidFill>
+            <a:schemeClr val="phClr"/>
+          </a:solidFill>
+          <a:prstDash val="solid"/>
+          <a:miter lim="800000"/>
+        </a:ln>
+        <a:ln w="19050" cap="flat" cmpd="sng" algn="ctr">
+          <a:solidFill>
+            <a:schemeClr val="phClr"/>
+          </a:solidFill>
+          <a:prstDash val="solid"/>
+          <a:miter lim="800000"/>
+        </a:ln>
+      </a:lnStyleLst>
+      <a:effectStyleLst>
+        <a:effectStyle>
+          <a:effectLst/>
+        </a:effectStyle>
+        <a:effectStyle>
+          <a:effectLst/>
+        </a:effectStyle>
+        <a:effectStyle>
+          <a:effectLst>
+            <a:outerShdw blurRad="57150" dist="19050" dir="5400000" algn="ctr" rotWithShape="0">
+              <a:srgbClr val="000000">
+                <a:alpha val="63000"/>
+              </a:srgbClr>
+            </a:outerShdw>
+          </a:effectLst>
+        </a:effectStyle>
+      </a:effectStyleLst>
+      <a:bgFillStyleLst>
+        <a:solidFill>
+          <a:schemeClr val="phClr"/>
+        </a:solidFill>
+        <a:solidFill>
+          <a:schemeClr val="phClr">
+            <a:tint val="95000"/>
+            <a:satMod val="170000"/>
+          </a:schemeClr>
+        </a:solidFill>
+        <a:gradFill rotWithShape="1">
+          <a:gsLst>
+            <a:gs pos="0">
+              <a:schemeClr val="phClr">
+                <a:tint val="93000"/>
+                <a:satMod val="150000"/>
+                <a:shade val="98000"/>
+                <a:lumMod val="102000"/>
+              </a:schemeClr>
+            </a:gs>
+            <a:gs pos="50000">
+              <a:schemeClr val="phClr">
+                <a:tint val="98000"/>
+                <a:satMod val="130000"/>
+                <a:shade val="90000"/>
+                <a:lumMod val="103000"/>
+              </a:schemeClr>
+            </a:gs>
+            <a:gs pos="100000">
+              <a:schemeClr val="phClr">
+                <a:shade val="63000"/>
+                <a:satMod val="120000"/>
+              </a:schemeClr>
+            </a:gs>
+          </a:gsLst>
+          <a:lin ang="5400000" scaled="0"/>
+        </a:gradFill>
+      </a:bgFillStyleLst>
+    </a:fmtScheme>
+  </a:themeElements>
   <a:extLst>
     <a:ext uri="{05A4C25C-085E-4340-85A3-A5531E510DB2}">
       <thm15:themeFamily xmlns:thm15="http://schemas.microsoft.com/office/thememl/2012/main" name="Office Theme" id="{62F939B6-93AF-4DB8-9C6B-D6C7DFDC589F}" vid="{4A3C46E8-61CC-4603-A589-7422A47A8E4A}"/>

--- a/Sprint1/Apresentacoes/PI_Contexto.pptx
+++ b/Sprint1/Apresentacoes/PI_Contexto.pptx
@@ -6990,7 +6990,7 @@
               <a:t>Sistema atual favorece atuação </a:t>
             </a:r>
             <a:r>
-              <a:rPr lang="" altLang="pt-BR" sz="2400" dirty="0">
+              <a:rPr lang="en-US" altLang="pt-BR" sz="2400" dirty="0">
                 <a:latin typeface="Lato" panose="020B0502040204020203" pitchFamily="34" charset="0"/>
               </a:rPr>
               <a:t>de </a:t>
@@ -7043,42 +7043,6 @@
           <a:chExt cx="0" cy="0"/>
         </a:xfrm>
       </p:grpSpPr>
-      <p:sp>
-        <p:nvSpPr>
-          <p:cNvPr id="7" name="CustomShape 2"/>
-          <p:cNvSpPr/>
-          <p:nvPr/>
-        </p:nvSpPr>
-        <p:spPr>
-          <a:xfrm>
-            <a:off x="0" y="11357810"/>
-            <a:ext cx="12192000" cy="2357829"/>
-          </a:xfrm>
-          <a:prstGeom prst="rect">
-            <a:avLst/>
-          </a:prstGeom>
-          <a:solidFill>
-            <a:schemeClr val="accent1"/>
-          </a:solidFill>
-          <a:ln>
-            <a:noFill/>
-          </a:ln>
-        </p:spPr>
-        <p:style>
-          <a:lnRef idx="2">
-            <a:schemeClr val="accent1">
-              <a:shade val="50000"/>
-            </a:schemeClr>
-          </a:lnRef>
-          <a:fillRef idx="1">
-            <a:schemeClr val="accent1"/>
-          </a:fillRef>
-          <a:effectRef idx="0">
-            <a:schemeClr val="accent1"/>
-          </a:effectRef>
-          <a:fontRef idx="minor"/>
-        </p:style>
-      </p:sp>
       <p:pic>
         <p:nvPicPr>
           <p:cNvPr id="6" name="Imagem 5" descr="Uma imagem contendo quarto&#10;&#10;Descrição gerada automaticamente"/>
@@ -7296,36 +7260,30 @@
           <a:fontRef idx="minor"/>
         </p:style>
       </p:sp>
-      <p:sp>
-        <p:nvSpPr>
-          <p:cNvPr id="2" name="CaixaDeTexto 1"/>
-          <p:cNvSpPr txBox="1"/>
+      <p:pic>
+        <p:nvPicPr>
+          <p:cNvPr id="4" name="Picture 3" descr="bpmn - pi"/>
+          <p:cNvPicPr>
+            <a:picLocks noChangeAspect="1"/>
+          </p:cNvPicPr>
           <p:nvPr/>
-        </p:nvSpPr>
-        <p:spPr>
-          <a:xfrm>
-            <a:off x="1323832" y="1555845"/>
-            <a:ext cx="3111689" cy="369332"/>
+        </p:nvPicPr>
+        <p:blipFill>
+          <a:blip r:embed="rId2"/>
+          <a:stretch>
+            <a:fillRect/>
+          </a:stretch>
+        </p:blipFill>
+        <p:spPr>
+          <a:xfrm>
+            <a:off x="1282700" y="1578610"/>
+            <a:ext cx="10058400" cy="3701415"/>
           </a:xfrm>
           <a:prstGeom prst="rect">
             <a:avLst/>
           </a:prstGeom>
-          <a:noFill/>
-        </p:spPr>
-        <p:txBody>
-          <a:bodyPr wrap="square" rtlCol="0">
-            <a:spAutoFit/>
-          </a:bodyPr>
-          <a:lstStyle/>
-          <a:p>
-            <a:r>
-              <a:rPr lang="pt-BR" dirty="0"/>
-              <a:t>Aqui vai um Diagrama ou HLD</a:t>
-            </a:r>
-            <a:endParaRPr lang="pt-BR" dirty="0"/>
-          </a:p>
-        </p:txBody>
-      </p:sp>
+        </p:spPr>
+      </p:pic>
     </p:spTree>
   </p:cSld>
   <p:clrMapOvr>

--- a/Sprint1/Apresentacoes/PI_Contexto.pptx
+++ b/Sprint1/Apresentacoes/PI_Contexto.pptx
@@ -1,8 +1,8 @@
 
 <file path=ppt/presentation.xml><?xml version="1.0" encoding="utf-8"?>
-<p:presentation xmlns:a="http://schemas.openxmlformats.org/drawingml/2006/main" xmlns:p="http://schemas.openxmlformats.org/presentationml/2006/main" xmlns:r="http://schemas.openxmlformats.org/officeDocument/2006/relationships" xmlns:p14="http://schemas.microsoft.com/office/powerpoint/2010/main" xmlns:p15="http://schemas.microsoft.com/office/powerpoint/2012/main" xmlns:mc="http://schemas.openxmlformats.org/markup-compatibility/2006">
+<p:presentation xmlns:a="http://schemas.openxmlformats.org/drawingml/2006/main" xmlns:r="http://schemas.openxmlformats.org/officeDocument/2006/relationships" xmlns:p="http://schemas.openxmlformats.org/presentationml/2006/main">
   <p:sldMasterIdLst>
-    <p:sldMasterId id="2147483648" r:id="rId2"/>
+    <p:sldMasterId id="2147483648" r:id="rId1"/>
     <p:sldMasterId id="2147483661" r:id="rId3"/>
   </p:sldMasterIdLst>
   <p:sldIdLst>
@@ -16,12 +16,104 @@
     <p:sldId id="263" r:id="rId11"/>
   </p:sldIdLst>
   <p:sldSz cx="12192000" cy="6858000"/>
-  <p:notesSz cx="7559675" cy="10691812"/>
+  <p:notesSz cx="7559675" cy="10691495"/>
+  <p:defaultTextStyle>
+    <a:lvl1pPr marL="0" algn="l" defTabSz="914400" rtl="0" eaLnBrk="1" latinLnBrk="0" hangingPunct="1">
+      <a:defRPr sz="1800" kern="1200">
+        <a:solidFill>
+          <a:schemeClr val="tx1"/>
+        </a:solidFill>
+        <a:latin typeface="+mn-lt"/>
+        <a:ea typeface="+mn-ea"/>
+        <a:cs typeface="+mn-cs"/>
+      </a:defRPr>
+    </a:lvl1pPr>
+    <a:lvl2pPr marL="457200" algn="l" defTabSz="914400" rtl="0" eaLnBrk="1" latinLnBrk="0" hangingPunct="1">
+      <a:defRPr sz="1800" kern="1200">
+        <a:solidFill>
+          <a:schemeClr val="tx1"/>
+        </a:solidFill>
+        <a:latin typeface="+mn-lt"/>
+        <a:ea typeface="+mn-ea"/>
+        <a:cs typeface="+mn-cs"/>
+      </a:defRPr>
+    </a:lvl2pPr>
+    <a:lvl3pPr marL="914400" algn="l" defTabSz="914400" rtl="0" eaLnBrk="1" latinLnBrk="0" hangingPunct="1">
+      <a:defRPr sz="1800" kern="1200">
+        <a:solidFill>
+          <a:schemeClr val="tx1"/>
+        </a:solidFill>
+        <a:latin typeface="+mn-lt"/>
+        <a:ea typeface="+mn-ea"/>
+        <a:cs typeface="+mn-cs"/>
+      </a:defRPr>
+    </a:lvl3pPr>
+    <a:lvl4pPr marL="1371600" algn="l" defTabSz="914400" rtl="0" eaLnBrk="1" latinLnBrk="0" hangingPunct="1">
+      <a:defRPr sz="1800" kern="1200">
+        <a:solidFill>
+          <a:schemeClr val="tx1"/>
+        </a:solidFill>
+        <a:latin typeface="+mn-lt"/>
+        <a:ea typeface="+mn-ea"/>
+        <a:cs typeface="+mn-cs"/>
+      </a:defRPr>
+    </a:lvl4pPr>
+    <a:lvl5pPr marL="1828800" algn="l" defTabSz="914400" rtl="0" eaLnBrk="1" latinLnBrk="0" hangingPunct="1">
+      <a:defRPr sz="1800" kern="1200">
+        <a:solidFill>
+          <a:schemeClr val="tx1"/>
+        </a:solidFill>
+        <a:latin typeface="+mn-lt"/>
+        <a:ea typeface="+mn-ea"/>
+        <a:cs typeface="+mn-cs"/>
+      </a:defRPr>
+    </a:lvl5pPr>
+    <a:lvl6pPr marL="2286000" algn="l" defTabSz="914400" rtl="0" eaLnBrk="1" latinLnBrk="0" hangingPunct="1">
+      <a:defRPr sz="1800" kern="1200">
+        <a:solidFill>
+          <a:schemeClr val="tx1"/>
+        </a:solidFill>
+        <a:latin typeface="+mn-lt"/>
+        <a:ea typeface="+mn-ea"/>
+        <a:cs typeface="+mn-cs"/>
+      </a:defRPr>
+    </a:lvl6pPr>
+    <a:lvl7pPr marL="2743200" algn="l" defTabSz="914400" rtl="0" eaLnBrk="1" latinLnBrk="0" hangingPunct="1">
+      <a:defRPr sz="1800" kern="1200">
+        <a:solidFill>
+          <a:schemeClr val="tx1"/>
+        </a:solidFill>
+        <a:latin typeface="+mn-lt"/>
+        <a:ea typeface="+mn-ea"/>
+        <a:cs typeface="+mn-cs"/>
+      </a:defRPr>
+    </a:lvl7pPr>
+    <a:lvl8pPr marL="3200400" algn="l" defTabSz="914400" rtl="0" eaLnBrk="1" latinLnBrk="0" hangingPunct="1">
+      <a:defRPr sz="1800" kern="1200">
+        <a:solidFill>
+          <a:schemeClr val="tx1"/>
+        </a:solidFill>
+        <a:latin typeface="+mn-lt"/>
+        <a:ea typeface="+mn-ea"/>
+        <a:cs typeface="+mn-cs"/>
+      </a:defRPr>
+    </a:lvl8pPr>
+    <a:lvl9pPr marL="3657600" algn="l" defTabSz="914400" rtl="0" eaLnBrk="1" latinLnBrk="0" hangingPunct="1">
+      <a:defRPr sz="1800" kern="1200">
+        <a:solidFill>
+          <a:schemeClr val="tx1"/>
+        </a:solidFill>
+        <a:latin typeface="+mn-lt"/>
+        <a:ea typeface="+mn-ea"/>
+        <a:cs typeface="+mn-cs"/>
+      </a:defRPr>
+    </a:lvl9pPr>
+  </p:defaultTextStyle>
 </p:presentation>
 </file>
 
 <file path=ppt/slideLayouts/slideLayout1.xml><?xml version="1.0" encoding="utf-8"?>
-<p:sldLayout xmlns:a="http://schemas.openxmlformats.org/drawingml/2006/main" xmlns:p="http://schemas.openxmlformats.org/presentationml/2006/main" xmlns:r="http://schemas.openxmlformats.org/officeDocument/2006/relationships" xmlns:p14="http://schemas.microsoft.com/office/powerpoint/2010/main" xmlns:p15="http://schemas.microsoft.com/office/powerpoint/2012/main" xmlns:mc="http://schemas.openxmlformats.org/markup-compatibility/2006" type="blank" preserve="1">
+<p:sldLayout xmlns:a="http://schemas.openxmlformats.org/drawingml/2006/main" xmlns:r="http://schemas.openxmlformats.org/officeDocument/2006/relationships" xmlns:p="http://schemas.openxmlformats.org/presentationml/2006/main" type="blank" preserve="1">
   <p:cSld name="Blank Slide">
     <p:spTree>
       <p:nvGrpSpPr>
@@ -39,11 +131,14 @@
       </p:grpSpPr>
     </p:spTree>
   </p:cSld>
+  <p:clrMapOvr>
+    <a:masterClrMapping/>
+  </p:clrMapOvr>
 </p:sldLayout>
 </file>
 
 <file path=ppt/slideLayouts/slideLayout10.xml><?xml version="1.0" encoding="utf-8"?>
-<p:sldLayout xmlns:a="http://schemas.openxmlformats.org/drawingml/2006/main" xmlns:p="http://schemas.openxmlformats.org/presentationml/2006/main" xmlns:r="http://schemas.openxmlformats.org/officeDocument/2006/relationships" xmlns:p14="http://schemas.microsoft.com/office/powerpoint/2010/main" xmlns:p15="http://schemas.microsoft.com/office/powerpoint/2012/main" xmlns:mc="http://schemas.openxmlformats.org/markup-compatibility/2006" type="objOverTx" preserve="1">
+<p:sldLayout xmlns:a="http://schemas.openxmlformats.org/drawingml/2006/main" xmlns:r="http://schemas.openxmlformats.org/officeDocument/2006/relationships" xmlns:p="http://schemas.openxmlformats.org/presentationml/2006/main" type="objOverTx" preserve="1">
   <p:cSld name="Title, Content over Content">
     <p:spTree>
       <p:nvGrpSpPr>
@@ -79,9 +174,9 @@
           </a:prstGeom>
         </p:spPr>
         <p:txBody>
-          <a:bodyPr lIns="0" rIns="0" tIns="0" bIns="0" anchor="ctr"/>
-          <a:p>
-            <a:endParaRPr b="0" lang="pt-BR" sz="1800" spc="-1" strike="noStrike">
+          <a:bodyPr lIns="0" tIns="0" rIns="0" bIns="0" anchor="ctr"/>
+          <a:p>
+            <a:endParaRPr lang="pt-BR" sz="1800" b="0" strike="noStrike" spc="-1">
               <a:solidFill>
                 <a:srgbClr val="000000"/>
               </a:solidFill>
@@ -110,11 +205,11 @@
           </a:prstGeom>
         </p:spPr>
         <p:txBody>
-          <a:bodyPr lIns="0" rIns="0" tIns="0" bIns="0">
+          <a:bodyPr lIns="0" tIns="0" rIns="0" bIns="0">
             <a:normAutofit/>
           </a:bodyPr>
           <a:p>
-            <a:endParaRPr b="0" lang="pt-BR" sz="2800" spc="-1" strike="noStrike">
+            <a:endParaRPr lang="pt-BR" sz="2800" b="0" strike="noStrike" spc="-1">
               <a:solidFill>
                 <a:srgbClr val="000000"/>
               </a:solidFill>
@@ -143,11 +238,11 @@
           </a:prstGeom>
         </p:spPr>
         <p:txBody>
-          <a:bodyPr lIns="0" rIns="0" tIns="0" bIns="0">
+          <a:bodyPr lIns="0" tIns="0" rIns="0" bIns="0">
             <a:normAutofit/>
           </a:bodyPr>
           <a:p>
-            <a:endParaRPr b="0" lang="pt-BR" sz="2800" spc="-1" strike="noStrike">
+            <a:endParaRPr lang="pt-BR" sz="2800" b="0" strike="noStrike" spc="-1">
               <a:solidFill>
                 <a:srgbClr val="000000"/>
               </a:solidFill>
@@ -158,11 +253,14 @@
       </p:sp>
     </p:spTree>
   </p:cSld>
+  <p:clrMapOvr>
+    <a:masterClrMapping/>
+  </p:clrMapOvr>
 </p:sldLayout>
 </file>
 
 <file path=ppt/slideLayouts/slideLayout11.xml><?xml version="1.0" encoding="utf-8"?>
-<p:sldLayout xmlns:a="http://schemas.openxmlformats.org/drawingml/2006/main" xmlns:p="http://schemas.openxmlformats.org/presentationml/2006/main" xmlns:r="http://schemas.openxmlformats.org/officeDocument/2006/relationships" xmlns:p14="http://schemas.microsoft.com/office/powerpoint/2010/main" xmlns:p15="http://schemas.microsoft.com/office/powerpoint/2012/main" xmlns:mc="http://schemas.openxmlformats.org/markup-compatibility/2006" type="fourObj" preserve="1">
+<p:sldLayout xmlns:a="http://schemas.openxmlformats.org/drawingml/2006/main" xmlns:r="http://schemas.openxmlformats.org/officeDocument/2006/relationships" xmlns:p="http://schemas.openxmlformats.org/presentationml/2006/main" type="fourObj" preserve="1">
   <p:cSld name="Title, 4 Content">
     <p:spTree>
       <p:nvGrpSpPr>
@@ -198,9 +296,9 @@
           </a:prstGeom>
         </p:spPr>
         <p:txBody>
-          <a:bodyPr lIns="0" rIns="0" tIns="0" bIns="0" anchor="ctr"/>
-          <a:p>
-            <a:endParaRPr b="0" lang="pt-BR" sz="1800" spc="-1" strike="noStrike">
+          <a:bodyPr lIns="0" tIns="0" rIns="0" bIns="0" anchor="ctr"/>
+          <a:p>
+            <a:endParaRPr lang="pt-BR" sz="1800" b="0" strike="noStrike" spc="-1">
               <a:solidFill>
                 <a:srgbClr val="000000"/>
               </a:solidFill>
@@ -229,11 +327,11 @@
           </a:prstGeom>
         </p:spPr>
         <p:txBody>
-          <a:bodyPr lIns="0" rIns="0" tIns="0" bIns="0">
+          <a:bodyPr lIns="0" tIns="0" rIns="0" bIns="0">
             <a:normAutofit/>
           </a:bodyPr>
           <a:p>
-            <a:endParaRPr b="0" lang="pt-BR" sz="2800" spc="-1" strike="noStrike">
+            <a:endParaRPr lang="pt-BR" sz="2800" b="0" strike="noStrike" spc="-1">
               <a:solidFill>
                 <a:srgbClr val="000000"/>
               </a:solidFill>
@@ -262,11 +360,11 @@
           </a:prstGeom>
         </p:spPr>
         <p:txBody>
-          <a:bodyPr lIns="0" rIns="0" tIns="0" bIns="0">
+          <a:bodyPr lIns="0" tIns="0" rIns="0" bIns="0">
             <a:normAutofit/>
           </a:bodyPr>
           <a:p>
-            <a:endParaRPr b="0" lang="pt-BR" sz="2800" spc="-1" strike="noStrike">
+            <a:endParaRPr lang="pt-BR" sz="2800" b="0" strike="noStrike" spc="-1">
               <a:solidFill>
                 <a:srgbClr val="000000"/>
               </a:solidFill>
@@ -295,11 +393,11 @@
           </a:prstGeom>
         </p:spPr>
         <p:txBody>
-          <a:bodyPr lIns="0" rIns="0" tIns="0" bIns="0">
+          <a:bodyPr lIns="0" tIns="0" rIns="0" bIns="0">
             <a:normAutofit/>
           </a:bodyPr>
           <a:p>
-            <a:endParaRPr b="0" lang="pt-BR" sz="2800" spc="-1" strike="noStrike">
+            <a:endParaRPr lang="pt-BR" sz="2800" b="0" strike="noStrike" spc="-1">
               <a:solidFill>
                 <a:srgbClr val="000000"/>
               </a:solidFill>
@@ -328,11 +426,11 @@
           </a:prstGeom>
         </p:spPr>
         <p:txBody>
-          <a:bodyPr lIns="0" rIns="0" tIns="0" bIns="0">
+          <a:bodyPr lIns="0" tIns="0" rIns="0" bIns="0">
             <a:normAutofit/>
           </a:bodyPr>
           <a:p>
-            <a:endParaRPr b="0" lang="pt-BR" sz="2800" spc="-1" strike="noStrike">
+            <a:endParaRPr lang="pt-BR" sz="2800" b="0" strike="noStrike" spc="-1">
               <a:solidFill>
                 <a:srgbClr val="000000"/>
               </a:solidFill>
@@ -343,11 +441,14 @@
       </p:sp>
     </p:spTree>
   </p:cSld>
+  <p:clrMapOvr>
+    <a:masterClrMapping/>
+  </p:clrMapOvr>
 </p:sldLayout>
 </file>
 
 <file path=ppt/slideLayouts/slideLayout12.xml><?xml version="1.0" encoding="utf-8"?>
-<p:sldLayout xmlns:a="http://schemas.openxmlformats.org/drawingml/2006/main" xmlns:p="http://schemas.openxmlformats.org/presentationml/2006/main" xmlns:r="http://schemas.openxmlformats.org/officeDocument/2006/relationships" xmlns:p14="http://schemas.microsoft.com/office/powerpoint/2010/main" xmlns:p15="http://schemas.microsoft.com/office/powerpoint/2012/main" xmlns:mc="http://schemas.openxmlformats.org/markup-compatibility/2006" type="blank" preserve="1">
+<p:sldLayout xmlns:a="http://schemas.openxmlformats.org/drawingml/2006/main" xmlns:r="http://schemas.openxmlformats.org/officeDocument/2006/relationships" xmlns:p="http://schemas.openxmlformats.org/presentationml/2006/main" type="blank" preserve="1">
   <p:cSld name="Title, 6 Content">
     <p:spTree>
       <p:nvGrpSpPr>
@@ -383,9 +484,9 @@
           </a:prstGeom>
         </p:spPr>
         <p:txBody>
-          <a:bodyPr lIns="0" rIns="0" tIns="0" bIns="0" anchor="ctr"/>
-          <a:p>
-            <a:endParaRPr b="0" lang="pt-BR" sz="1800" spc="-1" strike="noStrike">
+          <a:bodyPr lIns="0" tIns="0" rIns="0" bIns="0" anchor="ctr"/>
+          <a:p>
+            <a:endParaRPr lang="pt-BR" sz="1800" b="0" strike="noStrike" spc="-1">
               <a:solidFill>
                 <a:srgbClr val="000000"/>
               </a:solidFill>
@@ -414,11 +515,11 @@
           </a:prstGeom>
         </p:spPr>
         <p:txBody>
-          <a:bodyPr lIns="0" rIns="0" tIns="0" bIns="0">
+          <a:bodyPr lIns="0" tIns="0" rIns="0" bIns="0">
             <a:normAutofit/>
           </a:bodyPr>
           <a:p>
-            <a:endParaRPr b="0" lang="pt-BR" sz="2800" spc="-1" strike="noStrike">
+            <a:endParaRPr lang="pt-BR" sz="2800" b="0" strike="noStrike" spc="-1">
               <a:solidFill>
                 <a:srgbClr val="000000"/>
               </a:solidFill>
@@ -447,11 +548,11 @@
           </a:prstGeom>
         </p:spPr>
         <p:txBody>
-          <a:bodyPr lIns="0" rIns="0" tIns="0" bIns="0">
+          <a:bodyPr lIns="0" tIns="0" rIns="0" bIns="0">
             <a:normAutofit/>
           </a:bodyPr>
           <a:p>
-            <a:endParaRPr b="0" lang="pt-BR" sz="2800" spc="-1" strike="noStrike">
+            <a:endParaRPr lang="pt-BR" sz="2800" b="0" strike="noStrike" spc="-1">
               <a:solidFill>
                 <a:srgbClr val="000000"/>
               </a:solidFill>
@@ -480,11 +581,11 @@
           </a:prstGeom>
         </p:spPr>
         <p:txBody>
-          <a:bodyPr lIns="0" rIns="0" tIns="0" bIns="0">
+          <a:bodyPr lIns="0" tIns="0" rIns="0" bIns="0">
             <a:normAutofit/>
           </a:bodyPr>
           <a:p>
-            <a:endParaRPr b="0" lang="pt-BR" sz="2800" spc="-1" strike="noStrike">
+            <a:endParaRPr lang="pt-BR" sz="2800" b="0" strike="noStrike" spc="-1">
               <a:solidFill>
                 <a:srgbClr val="000000"/>
               </a:solidFill>
@@ -513,11 +614,11 @@
           </a:prstGeom>
         </p:spPr>
         <p:txBody>
-          <a:bodyPr lIns="0" rIns="0" tIns="0" bIns="0">
+          <a:bodyPr lIns="0" tIns="0" rIns="0" bIns="0">
             <a:normAutofit/>
           </a:bodyPr>
           <a:p>
-            <a:endParaRPr b="0" lang="pt-BR" sz="2800" spc="-1" strike="noStrike">
+            <a:endParaRPr lang="pt-BR" sz="2800" b="0" strike="noStrike" spc="-1">
               <a:solidFill>
                 <a:srgbClr val="000000"/>
               </a:solidFill>
@@ -546,11 +647,11 @@
           </a:prstGeom>
         </p:spPr>
         <p:txBody>
-          <a:bodyPr lIns="0" rIns="0" tIns="0" bIns="0">
+          <a:bodyPr lIns="0" tIns="0" rIns="0" bIns="0">
             <a:normAutofit/>
           </a:bodyPr>
           <a:p>
-            <a:endParaRPr b="0" lang="pt-BR" sz="2800" spc="-1" strike="noStrike">
+            <a:endParaRPr lang="pt-BR" sz="2800" b="0" strike="noStrike" spc="-1">
               <a:solidFill>
                 <a:srgbClr val="000000"/>
               </a:solidFill>
@@ -579,11 +680,11 @@
           </a:prstGeom>
         </p:spPr>
         <p:txBody>
-          <a:bodyPr lIns="0" rIns="0" tIns="0" bIns="0">
+          <a:bodyPr lIns="0" tIns="0" rIns="0" bIns="0">
             <a:normAutofit/>
           </a:bodyPr>
           <a:p>
-            <a:endParaRPr b="0" lang="pt-BR" sz="2800" spc="-1" strike="noStrike">
+            <a:endParaRPr lang="pt-BR" sz="2800" b="0" strike="noStrike" spc="-1">
               <a:solidFill>
                 <a:srgbClr val="000000"/>
               </a:solidFill>
@@ -594,11 +695,14 @@
       </p:sp>
     </p:spTree>
   </p:cSld>
+  <p:clrMapOvr>
+    <a:masterClrMapping/>
+  </p:clrMapOvr>
 </p:sldLayout>
 </file>
 
 <file path=ppt/slideLayouts/slideLayout13.xml><?xml version="1.0" encoding="utf-8"?>
-<p:sldLayout xmlns:a="http://schemas.openxmlformats.org/drawingml/2006/main" xmlns:p="http://schemas.openxmlformats.org/presentationml/2006/main" xmlns:r="http://schemas.openxmlformats.org/officeDocument/2006/relationships" xmlns:p14="http://schemas.microsoft.com/office/powerpoint/2010/main" xmlns:p15="http://schemas.microsoft.com/office/powerpoint/2012/main" xmlns:mc="http://schemas.openxmlformats.org/markup-compatibility/2006" type="blank" preserve="1">
+<p:sldLayout xmlns:a="http://schemas.openxmlformats.org/drawingml/2006/main" xmlns:r="http://schemas.openxmlformats.org/officeDocument/2006/relationships" xmlns:p="http://schemas.openxmlformats.org/presentationml/2006/main" type="blank" preserve="1">
   <p:cSld name="Blank Slide">
     <p:spTree>
       <p:nvGrpSpPr>
@@ -616,11 +720,14 @@
       </p:grpSpPr>
     </p:spTree>
   </p:cSld>
+  <p:clrMapOvr>
+    <a:masterClrMapping/>
+  </p:clrMapOvr>
 </p:sldLayout>
 </file>
 
 <file path=ppt/slideLayouts/slideLayout14.xml><?xml version="1.0" encoding="utf-8"?>
-<p:sldLayout xmlns:a="http://schemas.openxmlformats.org/drawingml/2006/main" xmlns:p="http://schemas.openxmlformats.org/presentationml/2006/main" xmlns:r="http://schemas.openxmlformats.org/officeDocument/2006/relationships" xmlns:p14="http://schemas.microsoft.com/office/powerpoint/2010/main" xmlns:p15="http://schemas.microsoft.com/office/powerpoint/2012/main" xmlns:mc="http://schemas.openxmlformats.org/markup-compatibility/2006" type="tx" preserve="1">
+<p:sldLayout xmlns:a="http://schemas.openxmlformats.org/drawingml/2006/main" xmlns:r="http://schemas.openxmlformats.org/officeDocument/2006/relationships" xmlns:p="http://schemas.openxmlformats.org/presentationml/2006/main" type="tx" preserve="1">
   <p:cSld name="Title Slide">
     <p:spTree>
       <p:nvGrpSpPr>
@@ -656,9 +763,9 @@
           </a:prstGeom>
         </p:spPr>
         <p:txBody>
-          <a:bodyPr lIns="0" rIns="0" tIns="0" bIns="0" anchor="ctr"/>
-          <a:p>
-            <a:endParaRPr b="0" lang="pt-BR" sz="1800" spc="-1" strike="noStrike">
+          <a:bodyPr lIns="0" tIns="0" rIns="0" bIns="0" anchor="ctr"/>
+          <a:p>
+            <a:endParaRPr lang="pt-BR" sz="1800" b="0" strike="noStrike" spc="-1">
               <a:solidFill>
                 <a:srgbClr val="000000"/>
               </a:solidFill>
@@ -687,22 +794,25 @@
           </a:prstGeom>
         </p:spPr>
         <p:txBody>
-          <a:bodyPr lIns="0" rIns="0" tIns="0" bIns="0" anchor="ctr"/>
+          <a:bodyPr lIns="0" tIns="0" rIns="0" bIns="0" anchor="ctr"/>
           <a:p>
             <a:pPr algn="ctr"/>
-            <a:endParaRPr b="0" lang="pt-BR" sz="3200" spc="-1" strike="noStrike">
-              <a:latin typeface="Arial"/>
+            <a:endParaRPr lang="pt-BR" sz="3200" b="0" strike="noStrike" spc="-1">
+              <a:latin typeface="Arial" panose="020B0604020202020204"/>
             </a:endParaRPr>
           </a:p>
         </p:txBody>
       </p:sp>
     </p:spTree>
   </p:cSld>
+  <p:clrMapOvr>
+    <a:masterClrMapping/>
+  </p:clrMapOvr>
 </p:sldLayout>
 </file>
 
 <file path=ppt/slideLayouts/slideLayout15.xml><?xml version="1.0" encoding="utf-8"?>
-<p:sldLayout xmlns:a="http://schemas.openxmlformats.org/drawingml/2006/main" xmlns:p="http://schemas.openxmlformats.org/presentationml/2006/main" xmlns:r="http://schemas.openxmlformats.org/officeDocument/2006/relationships" xmlns:p14="http://schemas.microsoft.com/office/powerpoint/2010/main" xmlns:p15="http://schemas.microsoft.com/office/powerpoint/2012/main" xmlns:mc="http://schemas.openxmlformats.org/markup-compatibility/2006" type="obj" preserve="1">
+<p:sldLayout xmlns:a="http://schemas.openxmlformats.org/drawingml/2006/main" xmlns:r="http://schemas.openxmlformats.org/officeDocument/2006/relationships" xmlns:p="http://schemas.openxmlformats.org/presentationml/2006/main" type="obj" preserve="1">
   <p:cSld name="Title, Content">
     <p:spTree>
       <p:nvGrpSpPr>
@@ -738,9 +848,9 @@
           </a:prstGeom>
         </p:spPr>
         <p:txBody>
-          <a:bodyPr lIns="0" rIns="0" tIns="0" bIns="0" anchor="ctr"/>
-          <a:p>
-            <a:endParaRPr b="0" lang="pt-BR" sz="1800" spc="-1" strike="noStrike">
+          <a:bodyPr lIns="0" tIns="0" rIns="0" bIns="0" anchor="ctr"/>
+          <a:p>
+            <a:endParaRPr lang="pt-BR" sz="1800" b="0" strike="noStrike" spc="-1">
               <a:solidFill>
                 <a:srgbClr val="000000"/>
               </a:solidFill>
@@ -769,11 +879,11 @@
           </a:prstGeom>
         </p:spPr>
         <p:txBody>
-          <a:bodyPr lIns="0" rIns="0" tIns="0" bIns="0">
+          <a:bodyPr lIns="0" tIns="0" rIns="0" bIns="0">
             <a:normAutofit/>
           </a:bodyPr>
           <a:p>
-            <a:endParaRPr b="0" lang="pt-BR" sz="2800" spc="-1" strike="noStrike">
+            <a:endParaRPr lang="pt-BR" sz="2800" b="0" strike="noStrike" spc="-1">
               <a:solidFill>
                 <a:srgbClr val="000000"/>
               </a:solidFill>
@@ -784,11 +894,14 @@
       </p:sp>
     </p:spTree>
   </p:cSld>
+  <p:clrMapOvr>
+    <a:masterClrMapping/>
+  </p:clrMapOvr>
 </p:sldLayout>
 </file>
 
 <file path=ppt/slideLayouts/slideLayout16.xml><?xml version="1.0" encoding="utf-8"?>
-<p:sldLayout xmlns:a="http://schemas.openxmlformats.org/drawingml/2006/main" xmlns:p="http://schemas.openxmlformats.org/presentationml/2006/main" xmlns:r="http://schemas.openxmlformats.org/officeDocument/2006/relationships" xmlns:p14="http://schemas.microsoft.com/office/powerpoint/2010/main" xmlns:p15="http://schemas.microsoft.com/office/powerpoint/2012/main" xmlns:mc="http://schemas.openxmlformats.org/markup-compatibility/2006" type="twoObj" preserve="1">
+<p:sldLayout xmlns:a="http://schemas.openxmlformats.org/drawingml/2006/main" xmlns:r="http://schemas.openxmlformats.org/officeDocument/2006/relationships" xmlns:p="http://schemas.openxmlformats.org/presentationml/2006/main" type="twoObj" preserve="1">
   <p:cSld name="Title, 2 Content">
     <p:spTree>
       <p:nvGrpSpPr>
@@ -824,9 +937,9 @@
           </a:prstGeom>
         </p:spPr>
         <p:txBody>
-          <a:bodyPr lIns="0" rIns="0" tIns="0" bIns="0" anchor="ctr"/>
-          <a:p>
-            <a:endParaRPr b="0" lang="pt-BR" sz="1800" spc="-1" strike="noStrike">
+          <a:bodyPr lIns="0" tIns="0" rIns="0" bIns="0" anchor="ctr"/>
+          <a:p>
+            <a:endParaRPr lang="pt-BR" sz="1800" b="0" strike="noStrike" spc="-1">
               <a:solidFill>
                 <a:srgbClr val="000000"/>
               </a:solidFill>
@@ -855,11 +968,11 @@
           </a:prstGeom>
         </p:spPr>
         <p:txBody>
-          <a:bodyPr lIns="0" rIns="0" tIns="0" bIns="0">
+          <a:bodyPr lIns="0" tIns="0" rIns="0" bIns="0">
             <a:normAutofit/>
           </a:bodyPr>
           <a:p>
-            <a:endParaRPr b="0" lang="pt-BR" sz="2800" spc="-1" strike="noStrike">
+            <a:endParaRPr lang="pt-BR" sz="2800" b="0" strike="noStrike" spc="-1">
               <a:solidFill>
                 <a:srgbClr val="000000"/>
               </a:solidFill>
@@ -888,11 +1001,11 @@
           </a:prstGeom>
         </p:spPr>
         <p:txBody>
-          <a:bodyPr lIns="0" rIns="0" tIns="0" bIns="0">
+          <a:bodyPr lIns="0" tIns="0" rIns="0" bIns="0">
             <a:normAutofit/>
           </a:bodyPr>
           <a:p>
-            <a:endParaRPr b="0" lang="pt-BR" sz="2800" spc="-1" strike="noStrike">
+            <a:endParaRPr lang="pt-BR" sz="2800" b="0" strike="noStrike" spc="-1">
               <a:solidFill>
                 <a:srgbClr val="000000"/>
               </a:solidFill>
@@ -903,11 +1016,14 @@
       </p:sp>
     </p:spTree>
   </p:cSld>
+  <p:clrMapOvr>
+    <a:masterClrMapping/>
+  </p:clrMapOvr>
 </p:sldLayout>
 </file>
 
 <file path=ppt/slideLayouts/slideLayout17.xml><?xml version="1.0" encoding="utf-8"?>
-<p:sldLayout xmlns:a="http://schemas.openxmlformats.org/drawingml/2006/main" xmlns:p="http://schemas.openxmlformats.org/presentationml/2006/main" xmlns:r="http://schemas.openxmlformats.org/officeDocument/2006/relationships" xmlns:p14="http://schemas.microsoft.com/office/powerpoint/2010/main" xmlns:p15="http://schemas.microsoft.com/office/powerpoint/2012/main" xmlns:mc="http://schemas.openxmlformats.org/markup-compatibility/2006" type="titleOnly" preserve="1">
+<p:sldLayout xmlns:a="http://schemas.openxmlformats.org/drawingml/2006/main" xmlns:r="http://schemas.openxmlformats.org/officeDocument/2006/relationships" xmlns:p="http://schemas.openxmlformats.org/presentationml/2006/main" type="titleOnly" preserve="1">
   <p:cSld name="Title Only">
     <p:spTree>
       <p:nvGrpSpPr>
@@ -943,9 +1059,9 @@
           </a:prstGeom>
         </p:spPr>
         <p:txBody>
-          <a:bodyPr lIns="0" rIns="0" tIns="0" bIns="0" anchor="ctr"/>
-          <a:p>
-            <a:endParaRPr b="0" lang="pt-BR" sz="1800" spc="-1" strike="noStrike">
+          <a:bodyPr lIns="0" tIns="0" rIns="0" bIns="0" anchor="ctr"/>
+          <a:p>
+            <a:endParaRPr lang="pt-BR" sz="1800" b="0" strike="noStrike" spc="-1">
               <a:solidFill>
                 <a:srgbClr val="000000"/>
               </a:solidFill>
@@ -956,11 +1072,14 @@
       </p:sp>
     </p:spTree>
   </p:cSld>
+  <p:clrMapOvr>
+    <a:masterClrMapping/>
+  </p:clrMapOvr>
 </p:sldLayout>
 </file>
 
 <file path=ppt/slideLayouts/slideLayout18.xml><?xml version="1.0" encoding="utf-8"?>
-<p:sldLayout xmlns:a="http://schemas.openxmlformats.org/drawingml/2006/main" xmlns:p="http://schemas.openxmlformats.org/presentationml/2006/main" xmlns:r="http://schemas.openxmlformats.org/officeDocument/2006/relationships" xmlns:p14="http://schemas.microsoft.com/office/powerpoint/2010/main" xmlns:p15="http://schemas.microsoft.com/office/powerpoint/2012/main" xmlns:mc="http://schemas.openxmlformats.org/markup-compatibility/2006" type="objOnly" preserve="1">
+<p:sldLayout xmlns:a="http://schemas.openxmlformats.org/drawingml/2006/main" xmlns:r="http://schemas.openxmlformats.org/officeDocument/2006/relationships" xmlns:p="http://schemas.openxmlformats.org/presentationml/2006/main" type="objOnly" preserve="1">
   <p:cSld name="Centered Text">
     <p:spTree>
       <p:nvGrpSpPr>
@@ -996,22 +1115,25 @@
           </a:prstGeom>
         </p:spPr>
         <p:txBody>
-          <a:bodyPr lIns="0" rIns="0" tIns="0" bIns="0" anchor="ctr"/>
+          <a:bodyPr lIns="0" tIns="0" rIns="0" bIns="0" anchor="ctr"/>
           <a:p>
             <a:pPr algn="ctr"/>
-            <a:endParaRPr b="0" lang="pt-BR" sz="3200" spc="-1" strike="noStrike">
-              <a:latin typeface="Arial"/>
+            <a:endParaRPr lang="pt-BR" sz="3200" b="0" strike="noStrike" spc="-1">
+              <a:latin typeface="Arial" panose="020B0604020202020204"/>
             </a:endParaRPr>
           </a:p>
         </p:txBody>
       </p:sp>
     </p:spTree>
   </p:cSld>
+  <p:clrMapOvr>
+    <a:masterClrMapping/>
+  </p:clrMapOvr>
 </p:sldLayout>
 </file>
 
 <file path=ppt/slideLayouts/slideLayout19.xml><?xml version="1.0" encoding="utf-8"?>
-<p:sldLayout xmlns:a="http://schemas.openxmlformats.org/drawingml/2006/main" xmlns:p="http://schemas.openxmlformats.org/presentationml/2006/main" xmlns:r="http://schemas.openxmlformats.org/officeDocument/2006/relationships" xmlns:p14="http://schemas.microsoft.com/office/powerpoint/2010/main" xmlns:p15="http://schemas.microsoft.com/office/powerpoint/2012/main" xmlns:mc="http://schemas.openxmlformats.org/markup-compatibility/2006" type="twoObjAndObj" preserve="1">
+<p:sldLayout xmlns:a="http://schemas.openxmlformats.org/drawingml/2006/main" xmlns:r="http://schemas.openxmlformats.org/officeDocument/2006/relationships" xmlns:p="http://schemas.openxmlformats.org/presentationml/2006/main" type="twoObjAndObj" preserve="1">
   <p:cSld name="Title, 2 Content and Content">
     <p:spTree>
       <p:nvGrpSpPr>
@@ -1047,9 +1169,9 @@
           </a:prstGeom>
         </p:spPr>
         <p:txBody>
-          <a:bodyPr lIns="0" rIns="0" tIns="0" bIns="0" anchor="ctr"/>
-          <a:p>
-            <a:endParaRPr b="0" lang="pt-BR" sz="1800" spc="-1" strike="noStrike">
+          <a:bodyPr lIns="0" tIns="0" rIns="0" bIns="0" anchor="ctr"/>
+          <a:p>
+            <a:endParaRPr lang="pt-BR" sz="1800" b="0" strike="noStrike" spc="-1">
               <a:solidFill>
                 <a:srgbClr val="000000"/>
               </a:solidFill>
@@ -1078,11 +1200,11 @@
           </a:prstGeom>
         </p:spPr>
         <p:txBody>
-          <a:bodyPr lIns="0" rIns="0" tIns="0" bIns="0">
+          <a:bodyPr lIns="0" tIns="0" rIns="0" bIns="0">
             <a:normAutofit/>
           </a:bodyPr>
           <a:p>
-            <a:endParaRPr b="0" lang="pt-BR" sz="2800" spc="-1" strike="noStrike">
+            <a:endParaRPr lang="pt-BR" sz="2800" b="0" strike="noStrike" spc="-1">
               <a:solidFill>
                 <a:srgbClr val="000000"/>
               </a:solidFill>
@@ -1111,11 +1233,11 @@
           </a:prstGeom>
         </p:spPr>
         <p:txBody>
-          <a:bodyPr lIns="0" rIns="0" tIns="0" bIns="0">
+          <a:bodyPr lIns="0" tIns="0" rIns="0" bIns="0">
             <a:normAutofit/>
           </a:bodyPr>
           <a:p>
-            <a:endParaRPr b="0" lang="pt-BR" sz="2800" spc="-1" strike="noStrike">
+            <a:endParaRPr lang="pt-BR" sz="2800" b="0" strike="noStrike" spc="-1">
               <a:solidFill>
                 <a:srgbClr val="000000"/>
               </a:solidFill>
@@ -1144,11 +1266,11 @@
           </a:prstGeom>
         </p:spPr>
         <p:txBody>
-          <a:bodyPr lIns="0" rIns="0" tIns="0" bIns="0">
+          <a:bodyPr lIns="0" tIns="0" rIns="0" bIns="0">
             <a:normAutofit/>
           </a:bodyPr>
           <a:p>
-            <a:endParaRPr b="0" lang="pt-BR" sz="2800" spc="-1" strike="noStrike">
+            <a:endParaRPr lang="pt-BR" sz="2800" b="0" strike="noStrike" spc="-1">
               <a:solidFill>
                 <a:srgbClr val="000000"/>
               </a:solidFill>
@@ -1159,11 +1281,14 @@
       </p:sp>
     </p:spTree>
   </p:cSld>
+  <p:clrMapOvr>
+    <a:masterClrMapping/>
+  </p:clrMapOvr>
 </p:sldLayout>
 </file>
 
 <file path=ppt/slideLayouts/slideLayout2.xml><?xml version="1.0" encoding="utf-8"?>
-<p:sldLayout xmlns:a="http://schemas.openxmlformats.org/drawingml/2006/main" xmlns:p="http://schemas.openxmlformats.org/presentationml/2006/main" xmlns:r="http://schemas.openxmlformats.org/officeDocument/2006/relationships" xmlns:p14="http://schemas.microsoft.com/office/powerpoint/2010/main" xmlns:p15="http://schemas.microsoft.com/office/powerpoint/2012/main" xmlns:mc="http://schemas.openxmlformats.org/markup-compatibility/2006" type="tx" preserve="1">
+<p:sldLayout xmlns:a="http://schemas.openxmlformats.org/drawingml/2006/main" xmlns:r="http://schemas.openxmlformats.org/officeDocument/2006/relationships" xmlns:p="http://schemas.openxmlformats.org/presentationml/2006/main" type="tx" preserve="1">
   <p:cSld name="Title Slide">
     <p:spTree>
       <p:nvGrpSpPr>
@@ -1199,9 +1324,9 @@
           </a:prstGeom>
         </p:spPr>
         <p:txBody>
-          <a:bodyPr lIns="0" rIns="0" tIns="0" bIns="0" anchor="ctr"/>
-          <a:p>
-            <a:endParaRPr b="0" lang="pt-BR" sz="1800" spc="-1" strike="noStrike">
+          <a:bodyPr lIns="0" tIns="0" rIns="0" bIns="0" anchor="ctr"/>
+          <a:p>
+            <a:endParaRPr lang="pt-BR" sz="1800" b="0" strike="noStrike" spc="-1">
               <a:solidFill>
                 <a:srgbClr val="000000"/>
               </a:solidFill>
@@ -1230,22 +1355,25 @@
           </a:prstGeom>
         </p:spPr>
         <p:txBody>
-          <a:bodyPr lIns="0" rIns="0" tIns="0" bIns="0" anchor="ctr"/>
+          <a:bodyPr lIns="0" tIns="0" rIns="0" bIns="0" anchor="ctr"/>
           <a:p>
             <a:pPr algn="ctr"/>
-            <a:endParaRPr b="0" lang="pt-BR" sz="3200" spc="-1" strike="noStrike">
-              <a:latin typeface="Arial"/>
+            <a:endParaRPr lang="pt-BR" sz="3200" b="0" strike="noStrike" spc="-1">
+              <a:latin typeface="Arial" panose="020B0604020202020204"/>
             </a:endParaRPr>
           </a:p>
         </p:txBody>
       </p:sp>
     </p:spTree>
   </p:cSld>
+  <p:clrMapOvr>
+    <a:masterClrMapping/>
+  </p:clrMapOvr>
 </p:sldLayout>
 </file>
 
 <file path=ppt/slideLayouts/slideLayout20.xml><?xml version="1.0" encoding="utf-8"?>
-<p:sldLayout xmlns:a="http://schemas.openxmlformats.org/drawingml/2006/main" xmlns:p="http://schemas.openxmlformats.org/presentationml/2006/main" xmlns:r="http://schemas.openxmlformats.org/officeDocument/2006/relationships" xmlns:p14="http://schemas.microsoft.com/office/powerpoint/2010/main" xmlns:p15="http://schemas.microsoft.com/office/powerpoint/2012/main" xmlns:mc="http://schemas.openxmlformats.org/markup-compatibility/2006" type="objAndTwoObj" preserve="1">
+<p:sldLayout xmlns:a="http://schemas.openxmlformats.org/drawingml/2006/main" xmlns:r="http://schemas.openxmlformats.org/officeDocument/2006/relationships" xmlns:p="http://schemas.openxmlformats.org/presentationml/2006/main" type="objAndTwoObj" preserve="1">
   <p:cSld name="Title Content and 2 Content">
     <p:spTree>
       <p:nvGrpSpPr>
@@ -1281,9 +1409,9 @@
           </a:prstGeom>
         </p:spPr>
         <p:txBody>
-          <a:bodyPr lIns="0" rIns="0" tIns="0" bIns="0" anchor="ctr"/>
-          <a:p>
-            <a:endParaRPr b="0" lang="pt-BR" sz="1800" spc="-1" strike="noStrike">
+          <a:bodyPr lIns="0" tIns="0" rIns="0" bIns="0" anchor="ctr"/>
+          <a:p>
+            <a:endParaRPr lang="pt-BR" sz="1800" b="0" strike="noStrike" spc="-1">
               <a:solidFill>
                 <a:srgbClr val="000000"/>
               </a:solidFill>
@@ -1312,11 +1440,11 @@
           </a:prstGeom>
         </p:spPr>
         <p:txBody>
-          <a:bodyPr lIns="0" rIns="0" tIns="0" bIns="0">
+          <a:bodyPr lIns="0" tIns="0" rIns="0" bIns="0">
             <a:normAutofit/>
           </a:bodyPr>
           <a:p>
-            <a:endParaRPr b="0" lang="pt-BR" sz="2800" spc="-1" strike="noStrike">
+            <a:endParaRPr lang="pt-BR" sz="2800" b="0" strike="noStrike" spc="-1">
               <a:solidFill>
                 <a:srgbClr val="000000"/>
               </a:solidFill>
@@ -1345,11 +1473,11 @@
           </a:prstGeom>
         </p:spPr>
         <p:txBody>
-          <a:bodyPr lIns="0" rIns="0" tIns="0" bIns="0">
+          <a:bodyPr lIns="0" tIns="0" rIns="0" bIns="0">
             <a:normAutofit/>
           </a:bodyPr>
           <a:p>
-            <a:endParaRPr b="0" lang="pt-BR" sz="2800" spc="-1" strike="noStrike">
+            <a:endParaRPr lang="pt-BR" sz="2800" b="0" strike="noStrike" spc="-1">
               <a:solidFill>
                 <a:srgbClr val="000000"/>
               </a:solidFill>
@@ -1378,11 +1506,11 @@
           </a:prstGeom>
         </p:spPr>
         <p:txBody>
-          <a:bodyPr lIns="0" rIns="0" tIns="0" bIns="0">
+          <a:bodyPr lIns="0" tIns="0" rIns="0" bIns="0">
             <a:normAutofit/>
           </a:bodyPr>
           <a:p>
-            <a:endParaRPr b="0" lang="pt-BR" sz="2800" spc="-1" strike="noStrike">
+            <a:endParaRPr lang="pt-BR" sz="2800" b="0" strike="noStrike" spc="-1">
               <a:solidFill>
                 <a:srgbClr val="000000"/>
               </a:solidFill>
@@ -1393,11 +1521,14 @@
       </p:sp>
     </p:spTree>
   </p:cSld>
+  <p:clrMapOvr>
+    <a:masterClrMapping/>
+  </p:clrMapOvr>
 </p:sldLayout>
 </file>
 
 <file path=ppt/slideLayouts/slideLayout21.xml><?xml version="1.0" encoding="utf-8"?>
-<p:sldLayout xmlns:a="http://schemas.openxmlformats.org/drawingml/2006/main" xmlns:p="http://schemas.openxmlformats.org/presentationml/2006/main" xmlns:r="http://schemas.openxmlformats.org/officeDocument/2006/relationships" xmlns:p14="http://schemas.microsoft.com/office/powerpoint/2010/main" xmlns:p15="http://schemas.microsoft.com/office/powerpoint/2012/main" xmlns:mc="http://schemas.openxmlformats.org/markup-compatibility/2006" type="twoObjOverTx" preserve="1">
+<p:sldLayout xmlns:a="http://schemas.openxmlformats.org/drawingml/2006/main" xmlns:r="http://schemas.openxmlformats.org/officeDocument/2006/relationships" xmlns:p="http://schemas.openxmlformats.org/presentationml/2006/main" type="twoObjOverTx" preserve="1">
   <p:cSld name="Title, 2 Content over Content">
     <p:spTree>
       <p:nvGrpSpPr>
@@ -1433,9 +1564,9 @@
           </a:prstGeom>
         </p:spPr>
         <p:txBody>
-          <a:bodyPr lIns="0" rIns="0" tIns="0" bIns="0" anchor="ctr"/>
-          <a:p>
-            <a:endParaRPr b="0" lang="pt-BR" sz="1800" spc="-1" strike="noStrike">
+          <a:bodyPr lIns="0" tIns="0" rIns="0" bIns="0" anchor="ctr"/>
+          <a:p>
+            <a:endParaRPr lang="pt-BR" sz="1800" b="0" strike="noStrike" spc="-1">
               <a:solidFill>
                 <a:srgbClr val="000000"/>
               </a:solidFill>
@@ -1464,11 +1595,11 @@
           </a:prstGeom>
         </p:spPr>
         <p:txBody>
-          <a:bodyPr lIns="0" rIns="0" tIns="0" bIns="0">
+          <a:bodyPr lIns="0" tIns="0" rIns="0" bIns="0">
             <a:normAutofit/>
           </a:bodyPr>
           <a:p>
-            <a:endParaRPr b="0" lang="pt-BR" sz="2800" spc="-1" strike="noStrike">
+            <a:endParaRPr lang="pt-BR" sz="2800" b="0" strike="noStrike" spc="-1">
               <a:solidFill>
                 <a:srgbClr val="000000"/>
               </a:solidFill>
@@ -1497,11 +1628,11 @@
           </a:prstGeom>
         </p:spPr>
         <p:txBody>
-          <a:bodyPr lIns="0" rIns="0" tIns="0" bIns="0">
+          <a:bodyPr lIns="0" tIns="0" rIns="0" bIns="0">
             <a:normAutofit/>
           </a:bodyPr>
           <a:p>
-            <a:endParaRPr b="0" lang="pt-BR" sz="2800" spc="-1" strike="noStrike">
+            <a:endParaRPr lang="pt-BR" sz="2800" b="0" strike="noStrike" spc="-1">
               <a:solidFill>
                 <a:srgbClr val="000000"/>
               </a:solidFill>
@@ -1530,11 +1661,11 @@
           </a:prstGeom>
         </p:spPr>
         <p:txBody>
-          <a:bodyPr lIns="0" rIns="0" tIns="0" bIns="0">
+          <a:bodyPr lIns="0" tIns="0" rIns="0" bIns="0">
             <a:normAutofit/>
           </a:bodyPr>
           <a:p>
-            <a:endParaRPr b="0" lang="pt-BR" sz="2800" spc="-1" strike="noStrike">
+            <a:endParaRPr lang="pt-BR" sz="2800" b="0" strike="noStrike" spc="-1">
               <a:solidFill>
                 <a:srgbClr val="000000"/>
               </a:solidFill>
@@ -1545,11 +1676,14 @@
       </p:sp>
     </p:spTree>
   </p:cSld>
+  <p:clrMapOvr>
+    <a:masterClrMapping/>
+  </p:clrMapOvr>
 </p:sldLayout>
 </file>
 
 <file path=ppt/slideLayouts/slideLayout22.xml><?xml version="1.0" encoding="utf-8"?>
-<p:sldLayout xmlns:a="http://schemas.openxmlformats.org/drawingml/2006/main" xmlns:p="http://schemas.openxmlformats.org/presentationml/2006/main" xmlns:r="http://schemas.openxmlformats.org/officeDocument/2006/relationships" xmlns:p14="http://schemas.microsoft.com/office/powerpoint/2010/main" xmlns:p15="http://schemas.microsoft.com/office/powerpoint/2012/main" xmlns:mc="http://schemas.openxmlformats.org/markup-compatibility/2006" type="objOverTx" preserve="1">
+<p:sldLayout xmlns:a="http://schemas.openxmlformats.org/drawingml/2006/main" xmlns:r="http://schemas.openxmlformats.org/officeDocument/2006/relationships" xmlns:p="http://schemas.openxmlformats.org/presentationml/2006/main" type="objOverTx" preserve="1">
   <p:cSld name="Title, Content over Content">
     <p:spTree>
       <p:nvGrpSpPr>
@@ -1585,9 +1719,9 @@
           </a:prstGeom>
         </p:spPr>
         <p:txBody>
-          <a:bodyPr lIns="0" rIns="0" tIns="0" bIns="0" anchor="ctr"/>
-          <a:p>
-            <a:endParaRPr b="0" lang="pt-BR" sz="1800" spc="-1" strike="noStrike">
+          <a:bodyPr lIns="0" tIns="0" rIns="0" bIns="0" anchor="ctr"/>
+          <a:p>
+            <a:endParaRPr lang="pt-BR" sz="1800" b="0" strike="noStrike" spc="-1">
               <a:solidFill>
                 <a:srgbClr val="000000"/>
               </a:solidFill>
@@ -1616,11 +1750,11 @@
           </a:prstGeom>
         </p:spPr>
         <p:txBody>
-          <a:bodyPr lIns="0" rIns="0" tIns="0" bIns="0">
+          <a:bodyPr lIns="0" tIns="0" rIns="0" bIns="0">
             <a:normAutofit/>
           </a:bodyPr>
           <a:p>
-            <a:endParaRPr b="0" lang="pt-BR" sz="2800" spc="-1" strike="noStrike">
+            <a:endParaRPr lang="pt-BR" sz="2800" b="0" strike="noStrike" spc="-1">
               <a:solidFill>
                 <a:srgbClr val="000000"/>
               </a:solidFill>
@@ -1649,11 +1783,11 @@
           </a:prstGeom>
         </p:spPr>
         <p:txBody>
-          <a:bodyPr lIns="0" rIns="0" tIns="0" bIns="0">
+          <a:bodyPr lIns="0" tIns="0" rIns="0" bIns="0">
             <a:normAutofit/>
           </a:bodyPr>
           <a:p>
-            <a:endParaRPr b="0" lang="pt-BR" sz="2800" spc="-1" strike="noStrike">
+            <a:endParaRPr lang="pt-BR" sz="2800" b="0" strike="noStrike" spc="-1">
               <a:solidFill>
                 <a:srgbClr val="000000"/>
               </a:solidFill>
@@ -1664,11 +1798,14 @@
       </p:sp>
     </p:spTree>
   </p:cSld>
+  <p:clrMapOvr>
+    <a:masterClrMapping/>
+  </p:clrMapOvr>
 </p:sldLayout>
 </file>
 
 <file path=ppt/slideLayouts/slideLayout23.xml><?xml version="1.0" encoding="utf-8"?>
-<p:sldLayout xmlns:a="http://schemas.openxmlformats.org/drawingml/2006/main" xmlns:p="http://schemas.openxmlformats.org/presentationml/2006/main" xmlns:r="http://schemas.openxmlformats.org/officeDocument/2006/relationships" xmlns:p14="http://schemas.microsoft.com/office/powerpoint/2010/main" xmlns:p15="http://schemas.microsoft.com/office/powerpoint/2012/main" xmlns:mc="http://schemas.openxmlformats.org/markup-compatibility/2006" type="fourObj" preserve="1">
+<p:sldLayout xmlns:a="http://schemas.openxmlformats.org/drawingml/2006/main" xmlns:r="http://schemas.openxmlformats.org/officeDocument/2006/relationships" xmlns:p="http://schemas.openxmlformats.org/presentationml/2006/main" type="fourObj" preserve="1">
   <p:cSld name="Title, 4 Content">
     <p:spTree>
       <p:nvGrpSpPr>
@@ -1704,9 +1841,9 @@
           </a:prstGeom>
         </p:spPr>
         <p:txBody>
-          <a:bodyPr lIns="0" rIns="0" tIns="0" bIns="0" anchor="ctr"/>
-          <a:p>
-            <a:endParaRPr b="0" lang="pt-BR" sz="1800" spc="-1" strike="noStrike">
+          <a:bodyPr lIns="0" tIns="0" rIns="0" bIns="0" anchor="ctr"/>
+          <a:p>
+            <a:endParaRPr lang="pt-BR" sz="1800" b="0" strike="noStrike" spc="-1">
               <a:solidFill>
                 <a:srgbClr val="000000"/>
               </a:solidFill>
@@ -1735,11 +1872,11 @@
           </a:prstGeom>
         </p:spPr>
         <p:txBody>
-          <a:bodyPr lIns="0" rIns="0" tIns="0" bIns="0">
+          <a:bodyPr lIns="0" tIns="0" rIns="0" bIns="0">
             <a:normAutofit/>
           </a:bodyPr>
           <a:p>
-            <a:endParaRPr b="0" lang="pt-BR" sz="2800" spc="-1" strike="noStrike">
+            <a:endParaRPr lang="pt-BR" sz="2800" b="0" strike="noStrike" spc="-1">
               <a:solidFill>
                 <a:srgbClr val="000000"/>
               </a:solidFill>
@@ -1768,11 +1905,11 @@
           </a:prstGeom>
         </p:spPr>
         <p:txBody>
-          <a:bodyPr lIns="0" rIns="0" tIns="0" bIns="0">
+          <a:bodyPr lIns="0" tIns="0" rIns="0" bIns="0">
             <a:normAutofit/>
           </a:bodyPr>
           <a:p>
-            <a:endParaRPr b="0" lang="pt-BR" sz="2800" spc="-1" strike="noStrike">
+            <a:endParaRPr lang="pt-BR" sz="2800" b="0" strike="noStrike" spc="-1">
               <a:solidFill>
                 <a:srgbClr val="000000"/>
               </a:solidFill>
@@ -1801,11 +1938,11 @@
           </a:prstGeom>
         </p:spPr>
         <p:txBody>
-          <a:bodyPr lIns="0" rIns="0" tIns="0" bIns="0">
+          <a:bodyPr lIns="0" tIns="0" rIns="0" bIns="0">
             <a:normAutofit/>
           </a:bodyPr>
           <a:p>
-            <a:endParaRPr b="0" lang="pt-BR" sz="2800" spc="-1" strike="noStrike">
+            <a:endParaRPr lang="pt-BR" sz="2800" b="0" strike="noStrike" spc="-1">
               <a:solidFill>
                 <a:srgbClr val="000000"/>
               </a:solidFill>
@@ -1834,11 +1971,11 @@
           </a:prstGeom>
         </p:spPr>
         <p:txBody>
-          <a:bodyPr lIns="0" rIns="0" tIns="0" bIns="0">
+          <a:bodyPr lIns="0" tIns="0" rIns="0" bIns="0">
             <a:normAutofit/>
           </a:bodyPr>
           <a:p>
-            <a:endParaRPr b="0" lang="pt-BR" sz="2800" spc="-1" strike="noStrike">
+            <a:endParaRPr lang="pt-BR" sz="2800" b="0" strike="noStrike" spc="-1">
               <a:solidFill>
                 <a:srgbClr val="000000"/>
               </a:solidFill>
@@ -1849,11 +1986,14 @@
       </p:sp>
     </p:spTree>
   </p:cSld>
+  <p:clrMapOvr>
+    <a:masterClrMapping/>
+  </p:clrMapOvr>
 </p:sldLayout>
 </file>
 
 <file path=ppt/slideLayouts/slideLayout24.xml><?xml version="1.0" encoding="utf-8"?>
-<p:sldLayout xmlns:a="http://schemas.openxmlformats.org/drawingml/2006/main" xmlns:p="http://schemas.openxmlformats.org/presentationml/2006/main" xmlns:r="http://schemas.openxmlformats.org/officeDocument/2006/relationships" xmlns:p14="http://schemas.microsoft.com/office/powerpoint/2010/main" xmlns:p15="http://schemas.microsoft.com/office/powerpoint/2012/main" xmlns:mc="http://schemas.openxmlformats.org/markup-compatibility/2006" type="blank" preserve="1">
+<p:sldLayout xmlns:a="http://schemas.openxmlformats.org/drawingml/2006/main" xmlns:r="http://schemas.openxmlformats.org/officeDocument/2006/relationships" xmlns:p="http://schemas.openxmlformats.org/presentationml/2006/main" type="blank" preserve="1">
   <p:cSld name="Title, 6 Content">
     <p:spTree>
       <p:nvGrpSpPr>
@@ -1889,9 +2029,9 @@
           </a:prstGeom>
         </p:spPr>
         <p:txBody>
-          <a:bodyPr lIns="0" rIns="0" tIns="0" bIns="0" anchor="ctr"/>
-          <a:p>
-            <a:endParaRPr b="0" lang="pt-BR" sz="1800" spc="-1" strike="noStrike">
+          <a:bodyPr lIns="0" tIns="0" rIns="0" bIns="0" anchor="ctr"/>
+          <a:p>
+            <a:endParaRPr lang="pt-BR" sz="1800" b="0" strike="noStrike" spc="-1">
               <a:solidFill>
                 <a:srgbClr val="000000"/>
               </a:solidFill>
@@ -1920,11 +2060,11 @@
           </a:prstGeom>
         </p:spPr>
         <p:txBody>
-          <a:bodyPr lIns="0" rIns="0" tIns="0" bIns="0">
+          <a:bodyPr lIns="0" tIns="0" rIns="0" bIns="0">
             <a:normAutofit/>
           </a:bodyPr>
           <a:p>
-            <a:endParaRPr b="0" lang="pt-BR" sz="2800" spc="-1" strike="noStrike">
+            <a:endParaRPr lang="pt-BR" sz="2800" b="0" strike="noStrike" spc="-1">
               <a:solidFill>
                 <a:srgbClr val="000000"/>
               </a:solidFill>
@@ -1953,11 +2093,11 @@
           </a:prstGeom>
         </p:spPr>
         <p:txBody>
-          <a:bodyPr lIns="0" rIns="0" tIns="0" bIns="0">
+          <a:bodyPr lIns="0" tIns="0" rIns="0" bIns="0">
             <a:normAutofit/>
           </a:bodyPr>
           <a:p>
-            <a:endParaRPr b="0" lang="pt-BR" sz="2800" spc="-1" strike="noStrike">
+            <a:endParaRPr lang="pt-BR" sz="2800" b="0" strike="noStrike" spc="-1">
               <a:solidFill>
                 <a:srgbClr val="000000"/>
               </a:solidFill>
@@ -1986,11 +2126,11 @@
           </a:prstGeom>
         </p:spPr>
         <p:txBody>
-          <a:bodyPr lIns="0" rIns="0" tIns="0" bIns="0">
+          <a:bodyPr lIns="0" tIns="0" rIns="0" bIns="0">
             <a:normAutofit/>
           </a:bodyPr>
           <a:p>
-            <a:endParaRPr b="0" lang="pt-BR" sz="2800" spc="-1" strike="noStrike">
+            <a:endParaRPr lang="pt-BR" sz="2800" b="0" strike="noStrike" spc="-1">
               <a:solidFill>
                 <a:srgbClr val="000000"/>
               </a:solidFill>
@@ -2019,11 +2159,11 @@
           </a:prstGeom>
         </p:spPr>
         <p:txBody>
-          <a:bodyPr lIns="0" rIns="0" tIns="0" bIns="0">
+          <a:bodyPr lIns="0" tIns="0" rIns="0" bIns="0">
             <a:normAutofit/>
           </a:bodyPr>
           <a:p>
-            <a:endParaRPr b="0" lang="pt-BR" sz="2800" spc="-1" strike="noStrike">
+            <a:endParaRPr lang="pt-BR" sz="2800" b="0" strike="noStrike" spc="-1">
               <a:solidFill>
                 <a:srgbClr val="000000"/>
               </a:solidFill>
@@ -2052,11 +2192,11 @@
           </a:prstGeom>
         </p:spPr>
         <p:txBody>
-          <a:bodyPr lIns="0" rIns="0" tIns="0" bIns="0">
+          <a:bodyPr lIns="0" tIns="0" rIns="0" bIns="0">
             <a:normAutofit/>
           </a:bodyPr>
           <a:p>
-            <a:endParaRPr b="0" lang="pt-BR" sz="2800" spc="-1" strike="noStrike">
+            <a:endParaRPr lang="pt-BR" sz="2800" b="0" strike="noStrike" spc="-1">
               <a:solidFill>
                 <a:srgbClr val="000000"/>
               </a:solidFill>
@@ -2085,11 +2225,11 @@
           </a:prstGeom>
         </p:spPr>
         <p:txBody>
-          <a:bodyPr lIns="0" rIns="0" tIns="0" bIns="0">
+          <a:bodyPr lIns="0" tIns="0" rIns="0" bIns="0">
             <a:normAutofit/>
           </a:bodyPr>
           <a:p>
-            <a:endParaRPr b="0" lang="pt-BR" sz="2800" spc="-1" strike="noStrike">
+            <a:endParaRPr lang="pt-BR" sz="2800" b="0" strike="noStrike" spc="-1">
               <a:solidFill>
                 <a:srgbClr val="000000"/>
               </a:solidFill>
@@ -2100,11 +2240,14 @@
       </p:sp>
     </p:spTree>
   </p:cSld>
+  <p:clrMapOvr>
+    <a:masterClrMapping/>
+  </p:clrMapOvr>
 </p:sldLayout>
 </file>
 
 <file path=ppt/slideLayouts/slideLayout3.xml><?xml version="1.0" encoding="utf-8"?>
-<p:sldLayout xmlns:a="http://schemas.openxmlformats.org/drawingml/2006/main" xmlns:p="http://schemas.openxmlformats.org/presentationml/2006/main" xmlns:r="http://schemas.openxmlformats.org/officeDocument/2006/relationships" xmlns:p14="http://schemas.microsoft.com/office/powerpoint/2010/main" xmlns:p15="http://schemas.microsoft.com/office/powerpoint/2012/main" xmlns:mc="http://schemas.openxmlformats.org/markup-compatibility/2006" type="obj" preserve="1">
+<p:sldLayout xmlns:a="http://schemas.openxmlformats.org/drawingml/2006/main" xmlns:r="http://schemas.openxmlformats.org/officeDocument/2006/relationships" xmlns:p="http://schemas.openxmlformats.org/presentationml/2006/main" type="obj" preserve="1">
   <p:cSld name="Title, Content">
     <p:spTree>
       <p:nvGrpSpPr>
@@ -2140,9 +2283,9 @@
           </a:prstGeom>
         </p:spPr>
         <p:txBody>
-          <a:bodyPr lIns="0" rIns="0" tIns="0" bIns="0" anchor="ctr"/>
-          <a:p>
-            <a:endParaRPr b="0" lang="pt-BR" sz="1800" spc="-1" strike="noStrike">
+          <a:bodyPr lIns="0" tIns="0" rIns="0" bIns="0" anchor="ctr"/>
+          <a:p>
+            <a:endParaRPr lang="pt-BR" sz="1800" b="0" strike="noStrike" spc="-1">
               <a:solidFill>
                 <a:srgbClr val="000000"/>
               </a:solidFill>
@@ -2171,11 +2314,11 @@
           </a:prstGeom>
         </p:spPr>
         <p:txBody>
-          <a:bodyPr lIns="0" rIns="0" tIns="0" bIns="0">
+          <a:bodyPr lIns="0" tIns="0" rIns="0" bIns="0">
             <a:normAutofit/>
           </a:bodyPr>
           <a:p>
-            <a:endParaRPr b="0" lang="pt-BR" sz="2800" spc="-1" strike="noStrike">
+            <a:endParaRPr lang="pt-BR" sz="2800" b="0" strike="noStrike" spc="-1">
               <a:solidFill>
                 <a:srgbClr val="000000"/>
               </a:solidFill>
@@ -2186,11 +2329,14 @@
       </p:sp>
     </p:spTree>
   </p:cSld>
+  <p:clrMapOvr>
+    <a:masterClrMapping/>
+  </p:clrMapOvr>
 </p:sldLayout>
 </file>
 
 <file path=ppt/slideLayouts/slideLayout4.xml><?xml version="1.0" encoding="utf-8"?>
-<p:sldLayout xmlns:a="http://schemas.openxmlformats.org/drawingml/2006/main" xmlns:p="http://schemas.openxmlformats.org/presentationml/2006/main" xmlns:r="http://schemas.openxmlformats.org/officeDocument/2006/relationships" xmlns:p14="http://schemas.microsoft.com/office/powerpoint/2010/main" xmlns:p15="http://schemas.microsoft.com/office/powerpoint/2012/main" xmlns:mc="http://schemas.openxmlformats.org/markup-compatibility/2006" type="twoObj" preserve="1">
+<p:sldLayout xmlns:a="http://schemas.openxmlformats.org/drawingml/2006/main" xmlns:r="http://schemas.openxmlformats.org/officeDocument/2006/relationships" xmlns:p="http://schemas.openxmlformats.org/presentationml/2006/main" type="twoObj" preserve="1">
   <p:cSld name="Title, 2 Content">
     <p:spTree>
       <p:nvGrpSpPr>
@@ -2226,9 +2372,9 @@
           </a:prstGeom>
         </p:spPr>
         <p:txBody>
-          <a:bodyPr lIns="0" rIns="0" tIns="0" bIns="0" anchor="ctr"/>
-          <a:p>
-            <a:endParaRPr b="0" lang="pt-BR" sz="1800" spc="-1" strike="noStrike">
+          <a:bodyPr lIns="0" tIns="0" rIns="0" bIns="0" anchor="ctr"/>
+          <a:p>
+            <a:endParaRPr lang="pt-BR" sz="1800" b="0" strike="noStrike" spc="-1">
               <a:solidFill>
                 <a:srgbClr val="000000"/>
               </a:solidFill>
@@ -2257,11 +2403,11 @@
           </a:prstGeom>
         </p:spPr>
         <p:txBody>
-          <a:bodyPr lIns="0" rIns="0" tIns="0" bIns="0">
+          <a:bodyPr lIns="0" tIns="0" rIns="0" bIns="0">
             <a:normAutofit/>
           </a:bodyPr>
           <a:p>
-            <a:endParaRPr b="0" lang="pt-BR" sz="2800" spc="-1" strike="noStrike">
+            <a:endParaRPr lang="pt-BR" sz="2800" b="0" strike="noStrike" spc="-1">
               <a:solidFill>
                 <a:srgbClr val="000000"/>
               </a:solidFill>
@@ -2290,11 +2436,11 @@
           </a:prstGeom>
         </p:spPr>
         <p:txBody>
-          <a:bodyPr lIns="0" rIns="0" tIns="0" bIns="0">
+          <a:bodyPr lIns="0" tIns="0" rIns="0" bIns="0">
             <a:normAutofit/>
           </a:bodyPr>
           <a:p>
-            <a:endParaRPr b="0" lang="pt-BR" sz="2800" spc="-1" strike="noStrike">
+            <a:endParaRPr lang="pt-BR" sz="2800" b="0" strike="noStrike" spc="-1">
               <a:solidFill>
                 <a:srgbClr val="000000"/>
               </a:solidFill>
@@ -2305,11 +2451,14 @@
       </p:sp>
     </p:spTree>
   </p:cSld>
+  <p:clrMapOvr>
+    <a:masterClrMapping/>
+  </p:clrMapOvr>
 </p:sldLayout>
 </file>
 
 <file path=ppt/slideLayouts/slideLayout5.xml><?xml version="1.0" encoding="utf-8"?>
-<p:sldLayout xmlns:a="http://schemas.openxmlformats.org/drawingml/2006/main" xmlns:p="http://schemas.openxmlformats.org/presentationml/2006/main" xmlns:r="http://schemas.openxmlformats.org/officeDocument/2006/relationships" xmlns:p14="http://schemas.microsoft.com/office/powerpoint/2010/main" xmlns:p15="http://schemas.microsoft.com/office/powerpoint/2012/main" xmlns:mc="http://schemas.openxmlformats.org/markup-compatibility/2006" type="titleOnly" preserve="1">
+<p:sldLayout xmlns:a="http://schemas.openxmlformats.org/drawingml/2006/main" xmlns:r="http://schemas.openxmlformats.org/officeDocument/2006/relationships" xmlns:p="http://schemas.openxmlformats.org/presentationml/2006/main" type="titleOnly" preserve="1">
   <p:cSld name="Title Only">
     <p:spTree>
       <p:nvGrpSpPr>
@@ -2345,9 +2494,9 @@
           </a:prstGeom>
         </p:spPr>
         <p:txBody>
-          <a:bodyPr lIns="0" rIns="0" tIns="0" bIns="0" anchor="ctr"/>
-          <a:p>
-            <a:endParaRPr b="0" lang="pt-BR" sz="1800" spc="-1" strike="noStrike">
+          <a:bodyPr lIns="0" tIns="0" rIns="0" bIns="0" anchor="ctr"/>
+          <a:p>
+            <a:endParaRPr lang="pt-BR" sz="1800" b="0" strike="noStrike" spc="-1">
               <a:solidFill>
                 <a:srgbClr val="000000"/>
               </a:solidFill>
@@ -2358,11 +2507,14 @@
       </p:sp>
     </p:spTree>
   </p:cSld>
+  <p:clrMapOvr>
+    <a:masterClrMapping/>
+  </p:clrMapOvr>
 </p:sldLayout>
 </file>
 
 <file path=ppt/slideLayouts/slideLayout6.xml><?xml version="1.0" encoding="utf-8"?>
-<p:sldLayout xmlns:a="http://schemas.openxmlformats.org/drawingml/2006/main" xmlns:p="http://schemas.openxmlformats.org/presentationml/2006/main" xmlns:r="http://schemas.openxmlformats.org/officeDocument/2006/relationships" xmlns:p14="http://schemas.microsoft.com/office/powerpoint/2010/main" xmlns:p15="http://schemas.microsoft.com/office/powerpoint/2012/main" xmlns:mc="http://schemas.openxmlformats.org/markup-compatibility/2006" type="objOnly" preserve="1">
+<p:sldLayout xmlns:a="http://schemas.openxmlformats.org/drawingml/2006/main" xmlns:r="http://schemas.openxmlformats.org/officeDocument/2006/relationships" xmlns:p="http://schemas.openxmlformats.org/presentationml/2006/main" type="objOnly" preserve="1">
   <p:cSld name="Centered Text">
     <p:spTree>
       <p:nvGrpSpPr>
@@ -2398,22 +2550,25 @@
           </a:prstGeom>
         </p:spPr>
         <p:txBody>
-          <a:bodyPr lIns="0" rIns="0" tIns="0" bIns="0" anchor="ctr"/>
+          <a:bodyPr lIns="0" tIns="0" rIns="0" bIns="0" anchor="ctr"/>
           <a:p>
             <a:pPr algn="ctr"/>
-            <a:endParaRPr b="0" lang="pt-BR" sz="3200" spc="-1" strike="noStrike">
-              <a:latin typeface="Arial"/>
+            <a:endParaRPr lang="pt-BR" sz="3200" b="0" strike="noStrike" spc="-1">
+              <a:latin typeface="Arial" panose="020B0604020202020204"/>
             </a:endParaRPr>
           </a:p>
         </p:txBody>
       </p:sp>
     </p:spTree>
   </p:cSld>
+  <p:clrMapOvr>
+    <a:masterClrMapping/>
+  </p:clrMapOvr>
 </p:sldLayout>
 </file>
 
 <file path=ppt/slideLayouts/slideLayout7.xml><?xml version="1.0" encoding="utf-8"?>
-<p:sldLayout xmlns:a="http://schemas.openxmlformats.org/drawingml/2006/main" xmlns:p="http://schemas.openxmlformats.org/presentationml/2006/main" xmlns:r="http://schemas.openxmlformats.org/officeDocument/2006/relationships" xmlns:p14="http://schemas.microsoft.com/office/powerpoint/2010/main" xmlns:p15="http://schemas.microsoft.com/office/powerpoint/2012/main" xmlns:mc="http://schemas.openxmlformats.org/markup-compatibility/2006" type="twoObjAndObj" preserve="1">
+<p:sldLayout xmlns:a="http://schemas.openxmlformats.org/drawingml/2006/main" xmlns:r="http://schemas.openxmlformats.org/officeDocument/2006/relationships" xmlns:p="http://schemas.openxmlformats.org/presentationml/2006/main" type="twoObjAndObj" preserve="1">
   <p:cSld name="Title, 2 Content and Content">
     <p:spTree>
       <p:nvGrpSpPr>
@@ -2449,9 +2604,9 @@
           </a:prstGeom>
         </p:spPr>
         <p:txBody>
-          <a:bodyPr lIns="0" rIns="0" tIns="0" bIns="0" anchor="ctr"/>
-          <a:p>
-            <a:endParaRPr b="0" lang="pt-BR" sz="1800" spc="-1" strike="noStrike">
+          <a:bodyPr lIns="0" tIns="0" rIns="0" bIns="0" anchor="ctr"/>
+          <a:p>
+            <a:endParaRPr lang="pt-BR" sz="1800" b="0" strike="noStrike" spc="-1">
               <a:solidFill>
                 <a:srgbClr val="000000"/>
               </a:solidFill>
@@ -2480,11 +2635,11 @@
           </a:prstGeom>
         </p:spPr>
         <p:txBody>
-          <a:bodyPr lIns="0" rIns="0" tIns="0" bIns="0">
+          <a:bodyPr lIns="0" tIns="0" rIns="0" bIns="0">
             <a:normAutofit/>
           </a:bodyPr>
           <a:p>
-            <a:endParaRPr b="0" lang="pt-BR" sz="2800" spc="-1" strike="noStrike">
+            <a:endParaRPr lang="pt-BR" sz="2800" b="0" strike="noStrike" spc="-1">
               <a:solidFill>
                 <a:srgbClr val="000000"/>
               </a:solidFill>
@@ -2513,11 +2668,11 @@
           </a:prstGeom>
         </p:spPr>
         <p:txBody>
-          <a:bodyPr lIns="0" rIns="0" tIns="0" bIns="0">
+          <a:bodyPr lIns="0" tIns="0" rIns="0" bIns="0">
             <a:normAutofit/>
           </a:bodyPr>
           <a:p>
-            <a:endParaRPr b="0" lang="pt-BR" sz="2800" spc="-1" strike="noStrike">
+            <a:endParaRPr lang="pt-BR" sz="2800" b="0" strike="noStrike" spc="-1">
               <a:solidFill>
                 <a:srgbClr val="000000"/>
               </a:solidFill>
@@ -2546,11 +2701,11 @@
           </a:prstGeom>
         </p:spPr>
         <p:txBody>
-          <a:bodyPr lIns="0" rIns="0" tIns="0" bIns="0">
+          <a:bodyPr lIns="0" tIns="0" rIns="0" bIns="0">
             <a:normAutofit/>
           </a:bodyPr>
           <a:p>
-            <a:endParaRPr b="0" lang="pt-BR" sz="2800" spc="-1" strike="noStrike">
+            <a:endParaRPr lang="pt-BR" sz="2800" b="0" strike="noStrike" spc="-1">
               <a:solidFill>
                 <a:srgbClr val="000000"/>
               </a:solidFill>
@@ -2561,11 +2716,14 @@
       </p:sp>
     </p:spTree>
   </p:cSld>
+  <p:clrMapOvr>
+    <a:masterClrMapping/>
+  </p:clrMapOvr>
 </p:sldLayout>
 </file>
 
 <file path=ppt/slideLayouts/slideLayout8.xml><?xml version="1.0" encoding="utf-8"?>
-<p:sldLayout xmlns:a="http://schemas.openxmlformats.org/drawingml/2006/main" xmlns:p="http://schemas.openxmlformats.org/presentationml/2006/main" xmlns:r="http://schemas.openxmlformats.org/officeDocument/2006/relationships" xmlns:p14="http://schemas.microsoft.com/office/powerpoint/2010/main" xmlns:p15="http://schemas.microsoft.com/office/powerpoint/2012/main" xmlns:mc="http://schemas.openxmlformats.org/markup-compatibility/2006" type="objAndTwoObj" preserve="1">
+<p:sldLayout xmlns:a="http://schemas.openxmlformats.org/drawingml/2006/main" xmlns:r="http://schemas.openxmlformats.org/officeDocument/2006/relationships" xmlns:p="http://schemas.openxmlformats.org/presentationml/2006/main" type="objAndTwoObj" preserve="1">
   <p:cSld name="Title Content and 2 Content">
     <p:spTree>
       <p:nvGrpSpPr>
@@ -2601,9 +2759,9 @@
           </a:prstGeom>
         </p:spPr>
         <p:txBody>
-          <a:bodyPr lIns="0" rIns="0" tIns="0" bIns="0" anchor="ctr"/>
-          <a:p>
-            <a:endParaRPr b="0" lang="pt-BR" sz="1800" spc="-1" strike="noStrike">
+          <a:bodyPr lIns="0" tIns="0" rIns="0" bIns="0" anchor="ctr"/>
+          <a:p>
+            <a:endParaRPr lang="pt-BR" sz="1800" b="0" strike="noStrike" spc="-1">
               <a:solidFill>
                 <a:srgbClr val="000000"/>
               </a:solidFill>
@@ -2632,11 +2790,11 @@
           </a:prstGeom>
         </p:spPr>
         <p:txBody>
-          <a:bodyPr lIns="0" rIns="0" tIns="0" bIns="0">
+          <a:bodyPr lIns="0" tIns="0" rIns="0" bIns="0">
             <a:normAutofit/>
           </a:bodyPr>
           <a:p>
-            <a:endParaRPr b="0" lang="pt-BR" sz="2800" spc="-1" strike="noStrike">
+            <a:endParaRPr lang="pt-BR" sz="2800" b="0" strike="noStrike" spc="-1">
               <a:solidFill>
                 <a:srgbClr val="000000"/>
               </a:solidFill>
@@ -2665,11 +2823,11 @@
           </a:prstGeom>
         </p:spPr>
         <p:txBody>
-          <a:bodyPr lIns="0" rIns="0" tIns="0" bIns="0">
+          <a:bodyPr lIns="0" tIns="0" rIns="0" bIns="0">
             <a:normAutofit/>
           </a:bodyPr>
           <a:p>
-            <a:endParaRPr b="0" lang="pt-BR" sz="2800" spc="-1" strike="noStrike">
+            <a:endParaRPr lang="pt-BR" sz="2800" b="0" strike="noStrike" spc="-1">
               <a:solidFill>
                 <a:srgbClr val="000000"/>
               </a:solidFill>
@@ -2698,11 +2856,11 @@
           </a:prstGeom>
         </p:spPr>
         <p:txBody>
-          <a:bodyPr lIns="0" rIns="0" tIns="0" bIns="0">
+          <a:bodyPr lIns="0" tIns="0" rIns="0" bIns="0">
             <a:normAutofit/>
           </a:bodyPr>
           <a:p>
-            <a:endParaRPr b="0" lang="pt-BR" sz="2800" spc="-1" strike="noStrike">
+            <a:endParaRPr lang="pt-BR" sz="2800" b="0" strike="noStrike" spc="-1">
               <a:solidFill>
                 <a:srgbClr val="000000"/>
               </a:solidFill>
@@ -2713,11 +2871,14 @@
       </p:sp>
     </p:spTree>
   </p:cSld>
+  <p:clrMapOvr>
+    <a:masterClrMapping/>
+  </p:clrMapOvr>
 </p:sldLayout>
 </file>
 
 <file path=ppt/slideLayouts/slideLayout9.xml><?xml version="1.0" encoding="utf-8"?>
-<p:sldLayout xmlns:a="http://schemas.openxmlformats.org/drawingml/2006/main" xmlns:p="http://schemas.openxmlformats.org/presentationml/2006/main" xmlns:r="http://schemas.openxmlformats.org/officeDocument/2006/relationships" xmlns:p14="http://schemas.microsoft.com/office/powerpoint/2010/main" xmlns:p15="http://schemas.microsoft.com/office/powerpoint/2012/main" xmlns:mc="http://schemas.openxmlformats.org/markup-compatibility/2006" type="twoObjOverTx" preserve="1">
+<p:sldLayout xmlns:a="http://schemas.openxmlformats.org/drawingml/2006/main" xmlns:r="http://schemas.openxmlformats.org/officeDocument/2006/relationships" xmlns:p="http://schemas.openxmlformats.org/presentationml/2006/main" type="twoObjOverTx" preserve="1">
   <p:cSld name="Title, 2 Content over Content">
     <p:spTree>
       <p:nvGrpSpPr>
@@ -2753,9 +2914,9 @@
           </a:prstGeom>
         </p:spPr>
         <p:txBody>
-          <a:bodyPr lIns="0" rIns="0" tIns="0" bIns="0" anchor="ctr"/>
-          <a:p>
-            <a:endParaRPr b="0" lang="pt-BR" sz="1800" spc="-1" strike="noStrike">
+          <a:bodyPr lIns="0" tIns="0" rIns="0" bIns="0" anchor="ctr"/>
+          <a:p>
+            <a:endParaRPr lang="pt-BR" sz="1800" b="0" strike="noStrike" spc="-1">
               <a:solidFill>
                 <a:srgbClr val="000000"/>
               </a:solidFill>
@@ -2784,11 +2945,11 @@
           </a:prstGeom>
         </p:spPr>
         <p:txBody>
-          <a:bodyPr lIns="0" rIns="0" tIns="0" bIns="0">
+          <a:bodyPr lIns="0" tIns="0" rIns="0" bIns="0">
             <a:normAutofit/>
           </a:bodyPr>
           <a:p>
-            <a:endParaRPr b="0" lang="pt-BR" sz="2800" spc="-1" strike="noStrike">
+            <a:endParaRPr lang="pt-BR" sz="2800" b="0" strike="noStrike" spc="-1">
               <a:solidFill>
                 <a:srgbClr val="000000"/>
               </a:solidFill>
@@ -2817,11 +2978,11 @@
           </a:prstGeom>
         </p:spPr>
         <p:txBody>
-          <a:bodyPr lIns="0" rIns="0" tIns="0" bIns="0">
+          <a:bodyPr lIns="0" tIns="0" rIns="0" bIns="0">
             <a:normAutofit/>
           </a:bodyPr>
           <a:p>
-            <a:endParaRPr b="0" lang="pt-BR" sz="2800" spc="-1" strike="noStrike">
+            <a:endParaRPr lang="pt-BR" sz="2800" b="0" strike="noStrike" spc="-1">
               <a:solidFill>
                 <a:srgbClr val="000000"/>
               </a:solidFill>
@@ -2850,11 +3011,11 @@
           </a:prstGeom>
         </p:spPr>
         <p:txBody>
-          <a:bodyPr lIns="0" rIns="0" tIns="0" bIns="0">
+          <a:bodyPr lIns="0" tIns="0" rIns="0" bIns="0">
             <a:normAutofit/>
           </a:bodyPr>
           <a:p>
-            <a:endParaRPr b="0" lang="pt-BR" sz="2800" spc="-1" strike="noStrike">
+            <a:endParaRPr lang="pt-BR" sz="2800" b="0" strike="noStrike" spc="-1">
               <a:solidFill>
                 <a:srgbClr val="000000"/>
               </a:solidFill>
@@ -2865,17 +3026,21 @@
       </p:sp>
     </p:spTree>
   </p:cSld>
+  <p:clrMapOvr>
+    <a:masterClrMapping/>
+  </p:clrMapOvr>
 </p:sldLayout>
 </file>
 
 <file path=ppt/slideMasters/slideMaster1.xml><?xml version="1.0" encoding="utf-8"?>
-<p:sldMaster xmlns:a="http://schemas.openxmlformats.org/drawingml/2006/main" xmlns:p="http://schemas.openxmlformats.org/presentationml/2006/main" xmlns:r="http://schemas.openxmlformats.org/officeDocument/2006/relationships" xmlns:p14="http://schemas.microsoft.com/office/powerpoint/2010/main" xmlns:p15="http://schemas.microsoft.com/office/powerpoint/2012/main" xmlns:mc="http://schemas.openxmlformats.org/markup-compatibility/2006">
+<p:sldMaster xmlns:a="http://schemas.openxmlformats.org/drawingml/2006/main" xmlns:r="http://schemas.openxmlformats.org/officeDocument/2006/relationships" xmlns:p="http://schemas.openxmlformats.org/presentationml/2006/main">
   <p:cSld>
     <p:bg>
       <p:bgPr>
         <a:solidFill>
-          <a:srgbClr val="ffffff"/>
+          <a:srgbClr val="FFFFFF"/>
         </a:solidFill>
+        <a:effectLst/>
       </p:bgPr>
     </p:bg>
     <p:spTree>
@@ -2920,44 +3085,26 @@
               </a:lnSpc>
             </a:pPr>
             <a:r>
-              <a:rPr b="0" lang="pt-BR" sz="6000" spc="-1" strike="noStrike">
+              <a:rPr lang="pt-BR" sz="6000" b="0" strike="noStrike" spc="-1">
                 <a:solidFill>
                   <a:srgbClr val="000000"/>
                 </a:solidFill>
                 <a:latin typeface="Calibri Light"/>
               </a:rPr>
-              <a:t>Clique para </a:t>
+              <a:t>Clique para editar o título Mestre</a:t>
             </a:r>
-            <a:r>
-              <a:rPr b="0" lang="pt-BR" sz="6000" spc="-1" strike="noStrike">
-                <a:solidFill>
-                  <a:srgbClr val="000000"/>
-                </a:solidFill>
-                <a:latin typeface="Calibri Light"/>
-              </a:rPr>
-              <a:t>editar o título </a:t>
-            </a:r>
-            <a:r>
-              <a:rPr b="0" lang="pt-BR" sz="6000" spc="-1" strike="noStrike">
-                <a:solidFill>
-                  <a:srgbClr val="000000"/>
-                </a:solidFill>
-                <a:latin typeface="Calibri Light"/>
-              </a:rPr>
-              <a:t>Mestre</a:t>
-            </a:r>
-            <a:endParaRPr b="0" lang="pt-BR" sz="6000" spc="-1" strike="noStrike">
-              <a:solidFill>
-                <a:srgbClr val="000000"/>
-              </a:solidFill>
-              <a:latin typeface="Calibri"/>
-            </a:endParaRPr>
-          </a:p>
-        </p:txBody>
-      </p:sp>
-      <p:sp>
-        <p:nvSpPr>
-          <p:cNvPr id="1" name="PlaceHolder 2"/>
+            <a:endParaRPr lang="pt-BR" sz="6000" b="0" strike="noStrike" spc="-1">
+              <a:solidFill>
+                <a:srgbClr val="000000"/>
+              </a:solidFill>
+              <a:latin typeface="Calibri"/>
+            </a:endParaRPr>
+          </a:p>
+        </p:txBody>
+      </p:sp>
+      <p:sp>
+        <p:nvSpPr>
+          <p:cNvPr id="2" name="PlaceHolder 2"/>
           <p:cNvSpPr>
             <a:spLocks noGrp="1"/>
           </p:cNvSpPr>
@@ -2977,15 +3124,15 @@
         <p:txBody>
           <a:bodyPr anchor="ctr"/>
           <a:p>
-            <a:endParaRPr b="0" lang="pt-BR" sz="2400" spc="-1" strike="noStrike">
-              <a:latin typeface="Times New Roman"/>
-            </a:endParaRPr>
-          </a:p>
-        </p:txBody>
-      </p:sp>
-      <p:sp>
-        <p:nvSpPr>
-          <p:cNvPr id="2" name="PlaceHolder 3"/>
+            <a:endParaRPr lang="pt-BR" sz="2400" b="0" strike="noStrike" spc="-1">
+              <a:latin typeface="Times New Roman" panose="02020603050405020304"/>
+            </a:endParaRPr>
+          </a:p>
+        </p:txBody>
+      </p:sp>
+      <p:sp>
+        <p:nvSpPr>
+          <p:cNvPr id="3" name="PlaceHolder 3"/>
           <p:cNvSpPr>
             <a:spLocks noGrp="1"/>
           </p:cNvSpPr>
@@ -3005,15 +3152,15 @@
         <p:txBody>
           <a:bodyPr anchor="ctr"/>
           <a:p>
-            <a:endParaRPr b="0" lang="pt-BR" sz="2400" spc="-1" strike="noStrike">
-              <a:latin typeface="Times New Roman"/>
-            </a:endParaRPr>
-          </a:p>
-        </p:txBody>
-      </p:sp>
-      <p:sp>
-        <p:nvSpPr>
-          <p:cNvPr id="3" name="PlaceHolder 4"/>
+            <a:endParaRPr lang="pt-BR" sz="2400" b="0" strike="noStrike" spc="-1">
+              <a:latin typeface="Times New Roman" panose="02020603050405020304"/>
+            </a:endParaRPr>
+          </a:p>
+        </p:txBody>
+      </p:sp>
+      <p:sp>
+        <p:nvSpPr>
+          <p:cNvPr id="4" name="PlaceHolder 4"/>
           <p:cNvSpPr>
             <a:spLocks noGrp="1"/>
           </p:cNvSpPr>
@@ -3033,15 +3180,15 @@
         <p:txBody>
           <a:bodyPr anchor="ctr"/>
           <a:p>
-            <a:endParaRPr b="0" lang="pt-BR" sz="2400" spc="-1" strike="noStrike">
-              <a:latin typeface="Times New Roman"/>
-            </a:endParaRPr>
-          </a:p>
-        </p:txBody>
-      </p:sp>
-      <p:sp>
-        <p:nvSpPr>
-          <p:cNvPr id="4" name="PlaceHolder 5"/>
+            <a:endParaRPr lang="pt-BR" sz="2400" b="0" strike="noStrike" spc="-1">
+              <a:latin typeface="Times New Roman" panose="02020603050405020304"/>
+            </a:endParaRPr>
+          </a:p>
+        </p:txBody>
+      </p:sp>
+      <p:sp>
+        <p:nvSpPr>
+          <p:cNvPr id="5" name="PlaceHolder 5"/>
           <p:cNvSpPr>
             <a:spLocks noGrp="1"/>
           </p:cNvSpPr>
@@ -3059,23 +3206,23 @@
           </a:prstGeom>
         </p:spPr>
         <p:txBody>
-          <a:bodyPr lIns="0" rIns="0" tIns="0" bIns="0">
+          <a:bodyPr lIns="0" tIns="0" rIns="0" bIns="0">
             <a:normAutofit/>
           </a:bodyPr>
           <a:p>
-            <a:pPr marL="432000" indent="-324000">
+            <a:pPr marL="431800" indent="-323850">
               <a:spcBef>
-                <a:spcPts val="1417"/>
+                <a:spcPts val="1415"/>
               </a:spcBef>
               <a:buClr>
                 <a:srgbClr val="000000"/>
               </a:buClr>
               <a:buSzPct val="45000"/>
-              <a:buFont typeface="Wingdings" charset="2"/>
+              <a:buFont typeface="Wingdings" panose="05000000000000000000" pitchFamily="2" charset="2"/>
               <a:buChar char=""/>
             </a:pPr>
             <a:r>
-              <a:rPr b="0" lang="pt-BR" sz="2800" spc="-1" strike="noStrike">
+              <a:rPr lang="pt-BR" sz="2800" b="0" strike="noStrike" spc="-1">
                 <a:solidFill>
                   <a:srgbClr val="000000"/>
                 </a:solidFill>
@@ -3083,17 +3230,17 @@
               </a:rPr>
               <a:t>Clique para editar o formato do texto da estrutura de tópicos</a:t>
             </a:r>
-            <a:endParaRPr b="0" lang="pt-BR" sz="2800" spc="-1" strike="noStrike">
-              <a:solidFill>
-                <a:srgbClr val="000000"/>
-              </a:solidFill>
-              <a:latin typeface="Calibri"/>
-            </a:endParaRPr>
-          </a:p>
-          <a:p>
-            <a:pPr lvl="1" marL="864000" indent="-324000">
+            <a:endParaRPr lang="pt-BR" sz="2800" b="0" strike="noStrike" spc="-1">
+              <a:solidFill>
+                <a:srgbClr val="000000"/>
+              </a:solidFill>
+              <a:latin typeface="Calibri"/>
+            </a:endParaRPr>
+          </a:p>
+          <a:p>
+            <a:pPr marL="864235" lvl="1" indent="-323850">
               <a:spcBef>
-                <a:spcPts val="1134"/>
+                <a:spcPts val="1135"/>
               </a:spcBef>
               <a:buClr>
                 <a:srgbClr val="000000"/>
@@ -3103,7 +3250,7 @@
               <a:buChar char=""/>
             </a:pPr>
             <a:r>
-              <a:rPr b="0" lang="pt-BR" sz="2000" spc="-1" strike="noStrike">
+              <a:rPr lang="pt-BR" sz="2000" b="0" strike="noStrike" spc="-1">
                 <a:solidFill>
                   <a:srgbClr val="000000"/>
                 </a:solidFill>
@@ -3111,15 +3258,15 @@
               </a:rPr>
               <a:t>2.º nível da estrutura de tópicos</a:t>
             </a:r>
-            <a:endParaRPr b="0" lang="pt-BR" sz="2000" spc="-1" strike="noStrike">
-              <a:solidFill>
-                <a:srgbClr val="000000"/>
-              </a:solidFill>
-              <a:latin typeface="Calibri"/>
-            </a:endParaRPr>
-          </a:p>
-          <a:p>
-            <a:pPr lvl="2" marL="1296000" indent="-288000">
+            <a:endParaRPr lang="pt-BR" sz="2000" b="0" strike="noStrike" spc="-1">
+              <a:solidFill>
+                <a:srgbClr val="000000"/>
+              </a:solidFill>
+              <a:latin typeface="Calibri"/>
+            </a:endParaRPr>
+          </a:p>
+          <a:p>
+            <a:pPr marL="1296035" lvl="2" indent="-288290">
               <a:spcBef>
                 <a:spcPts val="850"/>
               </a:spcBef>
@@ -3127,11 +3274,11 @@
                 <a:srgbClr val="000000"/>
               </a:buClr>
               <a:buSzPct val="45000"/>
-              <a:buFont typeface="Wingdings" charset="2"/>
+              <a:buFont typeface="Wingdings" panose="05000000000000000000" pitchFamily="2" charset="2"/>
               <a:buChar char=""/>
             </a:pPr>
             <a:r>
-              <a:rPr b="0" lang="pt-BR" sz="1800" spc="-1" strike="noStrike">
+              <a:rPr lang="pt-BR" sz="1800" b="0" strike="noStrike" spc="-1">
                 <a:solidFill>
                   <a:srgbClr val="000000"/>
                 </a:solidFill>
@@ -3139,17 +3286,17 @@
               </a:rPr>
               <a:t>3.º nível da estrutura de tópicos</a:t>
             </a:r>
-            <a:endParaRPr b="0" lang="pt-BR" sz="1800" spc="-1" strike="noStrike">
-              <a:solidFill>
-                <a:srgbClr val="000000"/>
-              </a:solidFill>
-              <a:latin typeface="Calibri"/>
-            </a:endParaRPr>
-          </a:p>
-          <a:p>
-            <a:pPr lvl="3" marL="1728000" indent="-216000">
+            <a:endParaRPr lang="pt-BR" sz="1800" b="0" strike="noStrike" spc="-1">
+              <a:solidFill>
+                <a:srgbClr val="000000"/>
+              </a:solidFill>
+              <a:latin typeface="Calibri"/>
+            </a:endParaRPr>
+          </a:p>
+          <a:p>
+            <a:pPr marL="1727835" lvl="3" indent="-215900">
               <a:spcBef>
-                <a:spcPts val="567"/>
+                <a:spcPts val="565"/>
               </a:spcBef>
               <a:buClr>
                 <a:srgbClr val="000000"/>
@@ -3159,7 +3306,7 @@
               <a:buChar char=""/>
             </a:pPr>
             <a:r>
-              <a:rPr b="0" lang="pt-BR" sz="1800" spc="-1" strike="noStrike">
+              <a:rPr lang="pt-BR" sz="1800" b="0" strike="noStrike" spc="-1">
                 <a:solidFill>
                   <a:srgbClr val="000000"/>
                 </a:solidFill>
@@ -3167,27 +3314,27 @@
               </a:rPr>
               <a:t>4.º nível da estrutura de tópicos</a:t>
             </a:r>
-            <a:endParaRPr b="0" lang="pt-BR" sz="1800" spc="-1" strike="noStrike">
-              <a:solidFill>
-                <a:srgbClr val="000000"/>
-              </a:solidFill>
-              <a:latin typeface="Calibri"/>
-            </a:endParaRPr>
-          </a:p>
-          <a:p>
-            <a:pPr lvl="4" marL="2160000" indent="-216000">
+            <a:endParaRPr lang="pt-BR" sz="1800" b="0" strike="noStrike" spc="-1">
+              <a:solidFill>
+                <a:srgbClr val="000000"/>
+              </a:solidFill>
+              <a:latin typeface="Calibri"/>
+            </a:endParaRPr>
+          </a:p>
+          <a:p>
+            <a:pPr marL="2160270" lvl="4" indent="-215900">
               <a:spcBef>
-                <a:spcPts val="283"/>
+                <a:spcPts val="285"/>
               </a:spcBef>
               <a:buClr>
                 <a:srgbClr val="000000"/>
               </a:buClr>
               <a:buSzPct val="45000"/>
-              <a:buFont typeface="Wingdings" charset="2"/>
+              <a:buFont typeface="Wingdings" panose="05000000000000000000" pitchFamily="2" charset="2"/>
               <a:buChar char=""/>
             </a:pPr>
             <a:r>
-              <a:rPr b="0" lang="pt-BR" sz="2000" spc="-1" strike="noStrike">
+              <a:rPr lang="pt-BR" sz="2000" b="0" strike="noStrike" spc="-1">
                 <a:solidFill>
                   <a:srgbClr val="000000"/>
                 </a:solidFill>
@@ -3195,27 +3342,27 @@
               </a:rPr>
               <a:t>5.º nível da estrutura de tópicos</a:t>
             </a:r>
-            <a:endParaRPr b="0" lang="pt-BR" sz="2000" spc="-1" strike="noStrike">
-              <a:solidFill>
-                <a:srgbClr val="000000"/>
-              </a:solidFill>
-              <a:latin typeface="Calibri"/>
-            </a:endParaRPr>
-          </a:p>
-          <a:p>
-            <a:pPr lvl="5" marL="2592000" indent="-216000">
+            <a:endParaRPr lang="pt-BR" sz="2000" b="0" strike="noStrike" spc="-1">
+              <a:solidFill>
+                <a:srgbClr val="000000"/>
+              </a:solidFill>
+              <a:latin typeface="Calibri"/>
+            </a:endParaRPr>
+          </a:p>
+          <a:p>
+            <a:pPr marL="2592070" lvl="5" indent="-215900">
               <a:spcBef>
-                <a:spcPts val="283"/>
+                <a:spcPts val="285"/>
               </a:spcBef>
               <a:buClr>
                 <a:srgbClr val="000000"/>
               </a:buClr>
               <a:buSzPct val="45000"/>
-              <a:buFont typeface="Wingdings" charset="2"/>
+              <a:buFont typeface="Wingdings" panose="05000000000000000000" pitchFamily="2" charset="2"/>
               <a:buChar char=""/>
             </a:pPr>
             <a:r>
-              <a:rPr b="0" lang="pt-BR" sz="2000" spc="-1" strike="noStrike">
+              <a:rPr lang="pt-BR" sz="2000" b="0" strike="noStrike" spc="-1">
                 <a:solidFill>
                   <a:srgbClr val="000000"/>
                 </a:solidFill>
@@ -3223,27 +3370,27 @@
               </a:rPr>
               <a:t>6.º nível da estrutura de tópicos</a:t>
             </a:r>
-            <a:endParaRPr b="0" lang="pt-BR" sz="2000" spc="-1" strike="noStrike">
-              <a:solidFill>
-                <a:srgbClr val="000000"/>
-              </a:solidFill>
-              <a:latin typeface="Calibri"/>
-            </a:endParaRPr>
-          </a:p>
-          <a:p>
-            <a:pPr lvl="6" marL="3024000" indent="-216000">
+            <a:endParaRPr lang="pt-BR" sz="2000" b="0" strike="noStrike" spc="-1">
+              <a:solidFill>
+                <a:srgbClr val="000000"/>
+              </a:solidFill>
+              <a:latin typeface="Calibri"/>
+            </a:endParaRPr>
+          </a:p>
+          <a:p>
+            <a:pPr marL="3023870" lvl="6" indent="-215900">
               <a:spcBef>
-                <a:spcPts val="283"/>
+                <a:spcPts val="285"/>
               </a:spcBef>
               <a:buClr>
                 <a:srgbClr val="000000"/>
               </a:buClr>
               <a:buSzPct val="45000"/>
-              <a:buFont typeface="Wingdings" charset="2"/>
+              <a:buFont typeface="Wingdings" panose="05000000000000000000" pitchFamily="2" charset="2"/>
               <a:buChar char=""/>
             </a:pPr>
             <a:r>
-              <a:rPr b="0" lang="pt-BR" sz="2000" spc="-1" strike="noStrike">
+              <a:rPr lang="pt-BR" sz="2000" b="0" strike="noStrike" spc="-1">
                 <a:solidFill>
                   <a:srgbClr val="000000"/>
                 </a:solidFill>
@@ -3251,7 +3398,7 @@
               </a:rPr>
               <a:t>7.º nível da estrutura de tópicos</a:t>
             </a:r>
-            <a:endParaRPr b="0" lang="pt-BR" sz="2000" spc="-1" strike="noStrike">
+            <a:endParaRPr lang="pt-BR" sz="2000" b="0" strike="noStrike" spc="-1">
               <a:solidFill>
                 <a:srgbClr val="000000"/>
               </a:solidFill>
@@ -3262,32 +3409,38 @@
       </p:sp>
     </p:spTree>
   </p:cSld>
-  <p:clrMap bg1="lt1" bg2="lt2" tx1="dk1" tx2="dk2" accent1="accent1" accent2="accent2" accent3="accent3" accent4="accent4" accent5="accent5" accent6="accent6" hlink="hlink" folHlink="folHlink"/>
+  <p:clrMap bg1="lt1" tx1="dk1" bg2="lt2" tx2="dk2" accent1="accent1" accent2="accent2" accent3="accent3" accent4="accent4" accent5="accent5" accent6="accent6" hlink="hlink" folHlink="folHlink"/>
   <p:sldLayoutIdLst>
-    <p:sldLayoutId id="2147483649" r:id="rId2"/>
-    <p:sldLayoutId id="2147483650" r:id="rId3"/>
-    <p:sldLayoutId id="2147483651" r:id="rId4"/>
-    <p:sldLayoutId id="2147483652" r:id="rId5"/>
-    <p:sldLayoutId id="2147483653" r:id="rId6"/>
-    <p:sldLayoutId id="2147483654" r:id="rId7"/>
-    <p:sldLayoutId id="2147483655" r:id="rId8"/>
-    <p:sldLayoutId id="2147483656" r:id="rId9"/>
-    <p:sldLayoutId id="2147483657" r:id="rId10"/>
-    <p:sldLayoutId id="2147483658" r:id="rId11"/>
-    <p:sldLayoutId id="2147483659" r:id="rId12"/>
-    <p:sldLayoutId id="2147483660" r:id="rId13"/>
+    <p:sldLayoutId id="2147483649" r:id="rId1"/>
+    <p:sldLayoutId id="2147483650" r:id="rId2"/>
+    <p:sldLayoutId id="2147483651" r:id="rId3"/>
+    <p:sldLayoutId id="2147483652" r:id="rId4"/>
+    <p:sldLayoutId id="2147483653" r:id="rId5"/>
+    <p:sldLayoutId id="2147483654" r:id="rId6"/>
+    <p:sldLayoutId id="2147483655" r:id="rId7"/>
+    <p:sldLayoutId id="2147483656" r:id="rId8"/>
+    <p:sldLayoutId id="2147483657" r:id="rId9"/>
+    <p:sldLayoutId id="2147483658" r:id="rId10"/>
+    <p:sldLayoutId id="2147483659" r:id="rId11"/>
+    <p:sldLayoutId id="2147483660" r:id="rId12"/>
   </p:sldLayoutIdLst>
+  <p:txStyles>
+    <p:titleStyle/>
+    <p:bodyStyle/>
+    <p:otherStyle/>
+  </p:txStyles>
 </p:sldMaster>
 </file>
 
 <file path=ppt/slideMasters/slideMaster2.xml><?xml version="1.0" encoding="utf-8"?>
-<p:sldMaster xmlns:a="http://schemas.openxmlformats.org/drawingml/2006/main" xmlns:p="http://schemas.openxmlformats.org/presentationml/2006/main" xmlns:r="http://schemas.openxmlformats.org/officeDocument/2006/relationships" xmlns:p14="http://schemas.microsoft.com/office/powerpoint/2010/main" xmlns:p15="http://schemas.microsoft.com/office/powerpoint/2012/main" xmlns:mc="http://schemas.openxmlformats.org/markup-compatibility/2006">
+<p:sldMaster xmlns:a="http://schemas.openxmlformats.org/drawingml/2006/main" xmlns:r="http://schemas.openxmlformats.org/officeDocument/2006/relationships" xmlns:p="http://schemas.openxmlformats.org/presentationml/2006/main">
   <p:cSld>
     <p:bg>
       <p:bgPr>
         <a:solidFill>
-          <a:srgbClr val="ffffff"/>
+          <a:srgbClr val="FFFFFF"/>
         </a:solidFill>
+        <a:effectLst/>
       </p:bgPr>
     </p:bg>
     <p:spTree>
@@ -3332,7 +3485,7 @@
               </a:lnSpc>
             </a:pPr>
             <a:r>
-              <a:rPr b="0" lang="pt-BR" sz="6000" spc="-1" strike="noStrike">
+              <a:rPr lang="pt-BR" sz="6000" b="0" strike="noStrike" spc="-1">
                 <a:solidFill>
                   <a:srgbClr val="000000"/>
                 </a:solidFill>
@@ -3340,7 +3493,7 @@
               </a:rPr>
               <a:t>Clique para editar o título Mestre</a:t>
             </a:r>
-            <a:endParaRPr b="0" lang="pt-BR" sz="6000" spc="-1" strike="noStrike">
+            <a:endParaRPr lang="pt-BR" sz="6000" b="0" strike="noStrike" spc="-1">
               <a:solidFill>
                 <a:srgbClr val="000000"/>
               </a:solidFill>
@@ -3371,8 +3524,8 @@
         <p:txBody>
           <a:bodyPr anchor="ctr"/>
           <a:p>
-            <a:endParaRPr b="0" lang="pt-BR" sz="2400" spc="-1" strike="noStrike">
-              <a:latin typeface="Times New Roman"/>
+            <a:endParaRPr lang="pt-BR" sz="2400" b="0" strike="noStrike" spc="-1">
+              <a:latin typeface="Times New Roman" panose="02020603050405020304"/>
             </a:endParaRPr>
           </a:p>
         </p:txBody>
@@ -3399,8 +3552,8 @@
         <p:txBody>
           <a:bodyPr anchor="ctr"/>
           <a:p>
-            <a:endParaRPr b="0" lang="pt-BR" sz="2400" spc="-1" strike="noStrike">
-              <a:latin typeface="Times New Roman"/>
+            <a:endParaRPr lang="pt-BR" sz="2400" b="0" strike="noStrike" spc="-1">
+              <a:latin typeface="Times New Roman" panose="02020603050405020304"/>
             </a:endParaRPr>
           </a:p>
         </p:txBody>
@@ -3427,8 +3580,8 @@
         <p:txBody>
           <a:bodyPr anchor="ctr"/>
           <a:p>
-            <a:endParaRPr b="0" lang="pt-BR" sz="2400" spc="-1" strike="noStrike">
-              <a:latin typeface="Times New Roman"/>
+            <a:endParaRPr lang="pt-BR" sz="2400" b="0" strike="noStrike" spc="-1">
+              <a:latin typeface="Times New Roman" panose="02020603050405020304"/>
             </a:endParaRPr>
           </a:p>
         </p:txBody>
@@ -3453,23 +3606,23 @@
           </a:prstGeom>
         </p:spPr>
         <p:txBody>
-          <a:bodyPr lIns="0" rIns="0" tIns="0" bIns="0">
+          <a:bodyPr lIns="0" tIns="0" rIns="0" bIns="0">
             <a:normAutofit/>
           </a:bodyPr>
           <a:p>
-            <a:pPr marL="432000" indent="-324000">
+            <a:pPr marL="431800" indent="-323850">
               <a:spcBef>
-                <a:spcPts val="1417"/>
+                <a:spcPts val="1415"/>
               </a:spcBef>
               <a:buClr>
                 <a:srgbClr val="000000"/>
               </a:buClr>
               <a:buSzPct val="45000"/>
-              <a:buFont typeface="Wingdings" charset="2"/>
+              <a:buFont typeface="Wingdings" panose="05000000000000000000" pitchFamily="2" charset="2"/>
               <a:buChar char=""/>
             </a:pPr>
             <a:r>
-              <a:rPr b="0" lang="pt-BR" sz="2800" spc="-1" strike="noStrike">
+              <a:rPr lang="pt-BR" sz="2800" b="0" strike="noStrike" spc="-1">
                 <a:solidFill>
                   <a:srgbClr val="000000"/>
                 </a:solidFill>
@@ -3477,17 +3630,17 @@
               </a:rPr>
               <a:t>Clique para editar o formato do texto da estrutura de tópicos</a:t>
             </a:r>
-            <a:endParaRPr b="0" lang="pt-BR" sz="2800" spc="-1" strike="noStrike">
-              <a:solidFill>
-                <a:srgbClr val="000000"/>
-              </a:solidFill>
-              <a:latin typeface="Calibri"/>
-            </a:endParaRPr>
-          </a:p>
-          <a:p>
-            <a:pPr lvl="1" marL="864000" indent="-324000">
+            <a:endParaRPr lang="pt-BR" sz="2800" b="0" strike="noStrike" spc="-1">
+              <a:solidFill>
+                <a:srgbClr val="000000"/>
+              </a:solidFill>
+              <a:latin typeface="Calibri"/>
+            </a:endParaRPr>
+          </a:p>
+          <a:p>
+            <a:pPr marL="864235" lvl="1" indent="-323850">
               <a:spcBef>
-                <a:spcPts val="1134"/>
+                <a:spcPts val="1135"/>
               </a:spcBef>
               <a:buClr>
                 <a:srgbClr val="000000"/>
@@ -3497,7 +3650,7 @@
               <a:buChar char=""/>
             </a:pPr>
             <a:r>
-              <a:rPr b="0" lang="pt-BR" sz="2000" spc="-1" strike="noStrike">
+              <a:rPr lang="pt-BR" sz="2000" b="0" strike="noStrike" spc="-1">
                 <a:solidFill>
                   <a:srgbClr val="000000"/>
                 </a:solidFill>
@@ -3505,15 +3658,15 @@
               </a:rPr>
               <a:t>2.º nível da estrutura de tópicos</a:t>
             </a:r>
-            <a:endParaRPr b="0" lang="pt-BR" sz="2000" spc="-1" strike="noStrike">
-              <a:solidFill>
-                <a:srgbClr val="000000"/>
-              </a:solidFill>
-              <a:latin typeface="Calibri"/>
-            </a:endParaRPr>
-          </a:p>
-          <a:p>
-            <a:pPr lvl="2" marL="1296000" indent="-288000">
+            <a:endParaRPr lang="pt-BR" sz="2000" b="0" strike="noStrike" spc="-1">
+              <a:solidFill>
+                <a:srgbClr val="000000"/>
+              </a:solidFill>
+              <a:latin typeface="Calibri"/>
+            </a:endParaRPr>
+          </a:p>
+          <a:p>
+            <a:pPr marL="1296035" lvl="2" indent="-288290">
               <a:spcBef>
                 <a:spcPts val="850"/>
               </a:spcBef>
@@ -3521,11 +3674,11 @@
                 <a:srgbClr val="000000"/>
               </a:buClr>
               <a:buSzPct val="45000"/>
-              <a:buFont typeface="Wingdings" charset="2"/>
+              <a:buFont typeface="Wingdings" panose="05000000000000000000" pitchFamily="2" charset="2"/>
               <a:buChar char=""/>
             </a:pPr>
             <a:r>
-              <a:rPr b="0" lang="pt-BR" sz="1800" spc="-1" strike="noStrike">
+              <a:rPr lang="pt-BR" sz="1800" b="0" strike="noStrike" spc="-1">
                 <a:solidFill>
                   <a:srgbClr val="000000"/>
                 </a:solidFill>
@@ -3533,17 +3686,17 @@
               </a:rPr>
               <a:t>3.º nível da estrutura de tópicos</a:t>
             </a:r>
-            <a:endParaRPr b="0" lang="pt-BR" sz="1800" spc="-1" strike="noStrike">
-              <a:solidFill>
-                <a:srgbClr val="000000"/>
-              </a:solidFill>
-              <a:latin typeface="Calibri"/>
-            </a:endParaRPr>
-          </a:p>
-          <a:p>
-            <a:pPr lvl="3" marL="1728000" indent="-216000">
+            <a:endParaRPr lang="pt-BR" sz="1800" b="0" strike="noStrike" spc="-1">
+              <a:solidFill>
+                <a:srgbClr val="000000"/>
+              </a:solidFill>
+              <a:latin typeface="Calibri"/>
+            </a:endParaRPr>
+          </a:p>
+          <a:p>
+            <a:pPr marL="1727835" lvl="3" indent="-215900">
               <a:spcBef>
-                <a:spcPts val="567"/>
+                <a:spcPts val="565"/>
               </a:spcBef>
               <a:buClr>
                 <a:srgbClr val="000000"/>
@@ -3553,7 +3706,7 @@
               <a:buChar char=""/>
             </a:pPr>
             <a:r>
-              <a:rPr b="0" lang="pt-BR" sz="1800" spc="-1" strike="noStrike">
+              <a:rPr lang="pt-BR" sz="1800" b="0" strike="noStrike" spc="-1">
                 <a:solidFill>
                   <a:srgbClr val="000000"/>
                 </a:solidFill>
@@ -3561,27 +3714,27 @@
               </a:rPr>
               <a:t>4.º nível da estrutura de tópicos</a:t>
             </a:r>
-            <a:endParaRPr b="0" lang="pt-BR" sz="1800" spc="-1" strike="noStrike">
-              <a:solidFill>
-                <a:srgbClr val="000000"/>
-              </a:solidFill>
-              <a:latin typeface="Calibri"/>
-            </a:endParaRPr>
-          </a:p>
-          <a:p>
-            <a:pPr lvl="4" marL="2160000" indent="-216000">
+            <a:endParaRPr lang="pt-BR" sz="1800" b="0" strike="noStrike" spc="-1">
+              <a:solidFill>
+                <a:srgbClr val="000000"/>
+              </a:solidFill>
+              <a:latin typeface="Calibri"/>
+            </a:endParaRPr>
+          </a:p>
+          <a:p>
+            <a:pPr marL="2160270" lvl="4" indent="-215900">
               <a:spcBef>
-                <a:spcPts val="283"/>
+                <a:spcPts val="285"/>
               </a:spcBef>
               <a:buClr>
                 <a:srgbClr val="000000"/>
               </a:buClr>
               <a:buSzPct val="45000"/>
-              <a:buFont typeface="Wingdings" charset="2"/>
+              <a:buFont typeface="Wingdings" panose="05000000000000000000" pitchFamily="2" charset="2"/>
               <a:buChar char=""/>
             </a:pPr>
             <a:r>
-              <a:rPr b="0" lang="pt-BR" sz="2000" spc="-1" strike="noStrike">
+              <a:rPr lang="pt-BR" sz="2000" b="0" strike="noStrike" spc="-1">
                 <a:solidFill>
                   <a:srgbClr val="000000"/>
                 </a:solidFill>
@@ -3589,27 +3742,27 @@
               </a:rPr>
               <a:t>5.º nível da estrutura de tópicos</a:t>
             </a:r>
-            <a:endParaRPr b="0" lang="pt-BR" sz="2000" spc="-1" strike="noStrike">
-              <a:solidFill>
-                <a:srgbClr val="000000"/>
-              </a:solidFill>
-              <a:latin typeface="Calibri"/>
-            </a:endParaRPr>
-          </a:p>
-          <a:p>
-            <a:pPr lvl="5" marL="2592000" indent="-216000">
+            <a:endParaRPr lang="pt-BR" sz="2000" b="0" strike="noStrike" spc="-1">
+              <a:solidFill>
+                <a:srgbClr val="000000"/>
+              </a:solidFill>
+              <a:latin typeface="Calibri"/>
+            </a:endParaRPr>
+          </a:p>
+          <a:p>
+            <a:pPr marL="2592070" lvl="5" indent="-215900">
               <a:spcBef>
-                <a:spcPts val="283"/>
+                <a:spcPts val="285"/>
               </a:spcBef>
               <a:buClr>
                 <a:srgbClr val="000000"/>
               </a:buClr>
               <a:buSzPct val="45000"/>
-              <a:buFont typeface="Wingdings" charset="2"/>
+              <a:buFont typeface="Wingdings" panose="05000000000000000000" pitchFamily="2" charset="2"/>
               <a:buChar char=""/>
             </a:pPr>
             <a:r>
-              <a:rPr b="0" lang="pt-BR" sz="2000" spc="-1" strike="noStrike">
+              <a:rPr lang="pt-BR" sz="2000" b="0" strike="noStrike" spc="-1">
                 <a:solidFill>
                   <a:srgbClr val="000000"/>
                 </a:solidFill>
@@ -3617,27 +3770,27 @@
               </a:rPr>
               <a:t>6.º nível da estrutura de tópicos</a:t>
             </a:r>
-            <a:endParaRPr b="0" lang="pt-BR" sz="2000" spc="-1" strike="noStrike">
-              <a:solidFill>
-                <a:srgbClr val="000000"/>
-              </a:solidFill>
-              <a:latin typeface="Calibri"/>
-            </a:endParaRPr>
-          </a:p>
-          <a:p>
-            <a:pPr lvl="6" marL="3024000" indent="-216000">
+            <a:endParaRPr lang="pt-BR" sz="2000" b="0" strike="noStrike" spc="-1">
+              <a:solidFill>
+                <a:srgbClr val="000000"/>
+              </a:solidFill>
+              <a:latin typeface="Calibri"/>
+            </a:endParaRPr>
+          </a:p>
+          <a:p>
+            <a:pPr marL="3023870" lvl="6" indent="-215900">
               <a:spcBef>
-                <a:spcPts val="283"/>
+                <a:spcPts val="285"/>
               </a:spcBef>
               <a:buClr>
                 <a:srgbClr val="000000"/>
               </a:buClr>
               <a:buSzPct val="45000"/>
-              <a:buFont typeface="Wingdings" charset="2"/>
+              <a:buFont typeface="Wingdings" panose="05000000000000000000" pitchFamily="2" charset="2"/>
               <a:buChar char=""/>
             </a:pPr>
             <a:r>
-              <a:rPr b="0" lang="pt-BR" sz="2000" spc="-1" strike="noStrike">
+              <a:rPr lang="pt-BR" sz="2000" b="0" strike="noStrike" spc="-1">
                 <a:solidFill>
                   <a:srgbClr val="000000"/>
                 </a:solidFill>
@@ -3645,7 +3798,7 @@
               </a:rPr>
               <a:t>7.º nível da estrutura de tópicos</a:t>
             </a:r>
-            <a:endParaRPr b="0" lang="pt-BR" sz="2000" spc="-1" strike="noStrike">
+            <a:endParaRPr lang="pt-BR" sz="2000" b="0" strike="noStrike" spc="-1">
               <a:solidFill>
                 <a:srgbClr val="000000"/>
               </a:solidFill>
@@ -3656,32 +3809,38 @@
       </p:sp>
     </p:spTree>
   </p:cSld>
-  <p:clrMap bg1="lt1" bg2="lt2" tx1="dk1" tx2="dk2" accent1="accent1" accent2="accent2" accent3="accent3" accent4="accent4" accent5="accent5" accent6="accent6" hlink="hlink" folHlink="folHlink"/>
+  <p:clrMap bg1="lt1" tx1="dk1" bg2="lt2" tx2="dk2" accent1="accent1" accent2="accent2" accent3="accent3" accent4="accent4" accent5="accent5" accent6="accent6" hlink="hlink" folHlink="folHlink"/>
   <p:sldLayoutIdLst>
-    <p:sldLayoutId id="2147483662" r:id="rId2"/>
-    <p:sldLayoutId id="2147483663" r:id="rId3"/>
-    <p:sldLayoutId id="2147483664" r:id="rId4"/>
-    <p:sldLayoutId id="2147483665" r:id="rId5"/>
-    <p:sldLayoutId id="2147483666" r:id="rId6"/>
-    <p:sldLayoutId id="2147483667" r:id="rId7"/>
-    <p:sldLayoutId id="2147483668" r:id="rId8"/>
-    <p:sldLayoutId id="2147483669" r:id="rId9"/>
-    <p:sldLayoutId id="2147483670" r:id="rId10"/>
-    <p:sldLayoutId id="2147483671" r:id="rId11"/>
-    <p:sldLayoutId id="2147483672" r:id="rId12"/>
-    <p:sldLayoutId id="2147483673" r:id="rId13"/>
+    <p:sldLayoutId id="2147483662" r:id="rId1"/>
+    <p:sldLayoutId id="2147483663" r:id="rId2"/>
+    <p:sldLayoutId id="2147483664" r:id="rId3"/>
+    <p:sldLayoutId id="2147483665" r:id="rId4"/>
+    <p:sldLayoutId id="2147483666" r:id="rId5"/>
+    <p:sldLayoutId id="2147483667" r:id="rId6"/>
+    <p:sldLayoutId id="2147483668" r:id="rId7"/>
+    <p:sldLayoutId id="2147483669" r:id="rId8"/>
+    <p:sldLayoutId id="2147483670" r:id="rId9"/>
+    <p:sldLayoutId id="2147483671" r:id="rId10"/>
+    <p:sldLayoutId id="2147483672" r:id="rId11"/>
+    <p:sldLayoutId id="2147483673" r:id="rId12"/>
   </p:sldLayoutIdLst>
+  <p:txStyles>
+    <p:titleStyle/>
+    <p:bodyStyle/>
+    <p:otherStyle/>
+  </p:txStyles>
 </p:sldMaster>
 </file>
 
 <file path=ppt/slides/slide1.xml><?xml version="1.0" encoding="utf-8"?>
-<p:sld xmlns:a="http://schemas.openxmlformats.org/drawingml/2006/main" xmlns:p="http://schemas.openxmlformats.org/presentationml/2006/main" xmlns:r="http://schemas.openxmlformats.org/officeDocument/2006/relationships" xmlns:p14="http://schemas.microsoft.com/office/powerpoint/2010/main" xmlns:p15="http://schemas.microsoft.com/office/powerpoint/2012/main" xmlns:mc="http://schemas.openxmlformats.org/markup-compatibility/2006">
+<p:sld xmlns:a="http://schemas.openxmlformats.org/drawingml/2006/main" xmlns:r="http://schemas.openxmlformats.org/officeDocument/2006/relationships" xmlns:p="http://schemas.openxmlformats.org/presentationml/2006/main">
   <p:cSld>
     <p:bg>
       <p:bgPr>
         <a:solidFill>
-          <a:srgbClr val="f2f2f2"/>
+          <a:srgbClr val="F2F2F2"/>
         </a:solidFill>
+        <a:effectLst/>
       </p:bgPr>
     </p:bg>
     <p:spTree>
@@ -3700,13 +3859,15 @@
       </p:grpSpPr>
       <p:pic>
         <p:nvPicPr>
-          <p:cNvPr id="82" name="Imagem 4" descr=""/>
+          <p:cNvPr id="82" name="Imagem 4"/>
           <p:cNvPicPr/>
           <p:nvPr/>
         </p:nvPicPr>
         <p:blipFill>
           <a:blip r:embed="rId1"/>
-          <a:stretch/>
+          <a:stretch>
+            <a:fillRect/>
+          </a:stretch>
         </p:blipFill>
         <p:spPr>
           <a:xfrm>
@@ -3736,7 +3897,7 @@
             <a:avLst/>
           </a:prstGeom>
           <a:solidFill>
-            <a:srgbClr val="333c3c">
+            <a:srgbClr val="333C3C">
               <a:alpha val="88000"/>
             </a:srgbClr>
           </a:solidFill>
@@ -3789,15 +3950,15 @@
               </a:lnSpc>
             </a:pPr>
             <a:r>
-              <a:rPr b="0" lang="pt-BR" sz="5400" spc="-1" strike="noStrike">
+              <a:rPr lang="pt-BR" sz="5400" b="0" strike="noStrike" spc="-1">
                 <a:solidFill>
-                  <a:srgbClr val="f2f2f2"/>
+                  <a:srgbClr val="F2F2F2"/>
                 </a:solidFill>
-                <a:latin typeface="Lato"/>
+                <a:latin typeface="Lato" panose="020F0602020204030203"/>
               </a:rPr>
               <a:t>Fiscalização no transporte coletivo</a:t>
             </a:r>
-            <a:endParaRPr b="0" lang="pt-BR" sz="5400" spc="-1" strike="noStrike">
+            <a:endParaRPr lang="pt-BR" sz="5400" b="0" strike="noStrike" spc="-1">
               <a:solidFill>
                 <a:srgbClr val="000000"/>
               </a:solidFill>
@@ -3844,30 +4005,13 @@
       </p:sp>
     </p:spTree>
   </p:cSld>
+  <p:clrMapOvr>
+    <a:masterClrMapping/>
+  </p:clrMapOvr>
   <p:timing>
     <p:tnLst>
       <p:par>
-        <p:cTn id="1" dur="indefinite" restart="never" nodeType="tmRoot">
-          <p:childTnLst>
-            <p:seq>
-              <p:cTn id="2" dur="indefinite" nodeType="mainSeq"/>
-              <p:prevCondLst>
-                <p:cond delay="0" evt="onPrev">
-                  <p:tgtEl>
-                    <p:sldTgt/>
-                  </p:tgtEl>
-                </p:cond>
-              </p:prevCondLst>
-              <p:nextCondLst>
-                <p:cond delay="0" evt="onNext">
-                  <p:tgtEl>
-                    <p:sldTgt/>
-                  </p:tgtEl>
-                </p:cond>
-              </p:nextCondLst>
-            </p:seq>
-          </p:childTnLst>
-        </p:cTn>
+        <p:cTn id="1" dur="indefinite" restart="never" nodeType="tmRoot"/>
       </p:par>
     </p:tnLst>
   </p:timing>
@@ -3875,13 +4019,14 @@
 </file>
 
 <file path=ppt/slides/slide2.xml><?xml version="1.0" encoding="utf-8"?>
-<p:sld xmlns:a="http://schemas.openxmlformats.org/drawingml/2006/main" xmlns:p="http://schemas.openxmlformats.org/presentationml/2006/main" xmlns:r="http://schemas.openxmlformats.org/officeDocument/2006/relationships" xmlns:p14="http://schemas.microsoft.com/office/powerpoint/2010/main" xmlns:p15="http://schemas.microsoft.com/office/powerpoint/2012/main" xmlns:mc="http://schemas.openxmlformats.org/markup-compatibility/2006">
+<p:sld xmlns:a="http://schemas.openxmlformats.org/drawingml/2006/main" xmlns:r="http://schemas.openxmlformats.org/officeDocument/2006/relationships" xmlns:p="http://schemas.openxmlformats.org/presentationml/2006/main">
   <p:cSld>
     <p:bg>
       <p:bgPr>
         <a:solidFill>
-          <a:srgbClr val="f2f2f2"/>
+          <a:srgbClr val="F2F2F2"/>
         </a:solidFill>
+        <a:effectLst/>
       </p:bgPr>
     </p:bg>
     <p:spTree>
@@ -3936,13 +4081,15 @@
       </p:sp>
       <p:pic>
         <p:nvPicPr>
-          <p:cNvPr id="87" name="Imagem 5" descr=""/>
+          <p:cNvPr id="87" name="Imagem 5"/>
           <p:cNvPicPr/>
           <p:nvPr/>
         </p:nvPicPr>
         <p:blipFill>
           <a:blip r:embed="rId1"/>
-          <a:stretch/>
+          <a:stretch>
+            <a:fillRect/>
+          </a:stretch>
         </p:blipFill>
         <p:spPr>
           <a:xfrm>
@@ -3959,13 +4106,15 @@
       </p:pic>
       <p:pic>
         <p:nvPicPr>
-          <p:cNvPr id="88" name="Imagem 9" descr=""/>
+          <p:cNvPr id="88" name="Imagem 9"/>
           <p:cNvPicPr/>
           <p:nvPr/>
         </p:nvPicPr>
         <p:blipFill>
-          <a:blip r:embed="rId2"/>
-          <a:stretch/>
+          <a:blip r:embed="rId1"/>
+          <a:stretch>
+            <a:fillRect/>
+          </a:stretch>
         </p:blipFill>
         <p:spPr>
           <a:xfrm>
@@ -3982,14 +4131,16 @@
       </p:pic>
       <p:pic>
         <p:nvPicPr>
-          <p:cNvPr id="89" name="Imagem 10" descr=""/>
+          <p:cNvPr id="89" name="Imagem 10"/>
           <p:cNvPicPr/>
           <p:nvPr/>
         </p:nvPicPr>
         <p:blipFill>
-          <a:blip r:embed="rId3"/>
-          <a:srcRect l="0" t="0" r="88435" b="0"/>
-          <a:stretch/>
+          <a:blip r:embed="rId1"/>
+          <a:srcRect r="88435"/>
+          <a:stretch>
+            <a:fillRect/>
+          </a:stretch>
         </p:blipFill>
         <p:spPr>
           <a:xfrm>
@@ -4024,13 +4175,19 @@
           </a:ln>
         </p:spPr>
         <p:style>
-          <a:lnRef idx="0"/>
-          <a:fillRef idx="0"/>
-          <a:effectRef idx="0"/>
+          <a:lnRef idx="0">
+            <a:srgbClr val="FFFFFF"/>
+          </a:lnRef>
+          <a:fillRef idx="0">
+            <a:srgbClr val="FFFFFF"/>
+          </a:fillRef>
+          <a:effectRef idx="0">
+            <a:srgbClr val="FFFFFF"/>
+          </a:effectRef>
           <a:fontRef idx="minor"/>
         </p:style>
         <p:txBody>
-          <a:bodyPr wrap="none" lIns="90000" rIns="90000" tIns="45000" bIns="45000"/>
+          <a:bodyPr wrap="none" lIns="90000" tIns="45000" rIns="90000" bIns="45000"/>
           <a:p>
             <a:pPr>
               <a:lnSpc>
@@ -4038,17 +4195,17 @@
               </a:lnSpc>
             </a:pPr>
             <a:r>
-              <a:rPr b="1" lang="pt-BR" sz="4000" spc="-1" strike="noStrike">
+              <a:rPr lang="pt-BR" sz="4000" b="1" strike="noStrike" spc="-1">
                 <a:solidFill>
                   <a:srgbClr val="203864"/>
                 </a:solidFill>
-                <a:latin typeface="Lato Black"/>
-                <a:ea typeface="Lato Black"/>
+                <a:latin typeface="Lato Black" panose="020F0A02020204030203"/>
+                <a:ea typeface="Lato Black" panose="020F0A02020204030203"/>
               </a:rPr>
               <a:t>Grupo</a:t>
             </a:r>
-            <a:endParaRPr b="0" lang="pt-BR" sz="4000" spc="-1" strike="noStrike">
-              <a:latin typeface="Arial"/>
+            <a:endParaRPr lang="pt-BR" sz="4000" b="0" strike="noStrike" spc="-1">
+              <a:latin typeface="Arial" panose="020B0604020202020204"/>
             </a:endParaRPr>
           </a:p>
         </p:txBody>
@@ -4073,13 +4230,19 @@
           </a:ln>
         </p:spPr>
         <p:style>
-          <a:lnRef idx="0"/>
-          <a:fillRef idx="0"/>
-          <a:effectRef idx="0"/>
+          <a:lnRef idx="0">
+            <a:srgbClr val="FFFFFF"/>
+          </a:lnRef>
+          <a:fillRef idx="0">
+            <a:srgbClr val="FFFFFF"/>
+          </a:fillRef>
+          <a:effectRef idx="0">
+            <a:srgbClr val="FFFFFF"/>
+          </a:effectRef>
           <a:fontRef idx="minor"/>
         </p:style>
         <p:txBody>
-          <a:bodyPr wrap="none" lIns="90000" rIns="90000" tIns="45000" bIns="45000"/>
+          <a:bodyPr wrap="none" lIns="90000" tIns="45000" rIns="90000" bIns="45000"/>
           <a:p>
             <a:pPr>
               <a:lnSpc>
@@ -4087,17 +4250,17 @@
               </a:lnSpc>
             </a:pPr>
             <a:r>
-              <a:rPr b="1" lang="pt-BR" sz="3200" spc="-1" strike="noStrike">
+              <a:rPr lang="pt-BR" sz="3200" b="1" strike="noStrike" spc="-1">
                 <a:solidFill>
                   <a:srgbClr val="000000"/>
                 </a:solidFill>
-                <a:latin typeface="Lato Black"/>
-                <a:ea typeface="Lato Black"/>
+                <a:latin typeface="Lato Black" panose="020F0A02020204030203"/>
+                <a:ea typeface="Lato Black" panose="020F0A02020204030203"/>
               </a:rPr>
               <a:t>Alex</a:t>
             </a:r>
-            <a:endParaRPr b="0" lang="pt-BR" sz="3200" spc="-1" strike="noStrike">
-              <a:latin typeface="Arial"/>
+            <a:endParaRPr lang="pt-BR" sz="3200" b="0" strike="noStrike" spc="-1">
+              <a:latin typeface="Arial" panose="020B0604020202020204"/>
             </a:endParaRPr>
           </a:p>
           <a:p>
@@ -4107,27 +4270,27 @@
               </a:lnSpc>
             </a:pPr>
             <a:r>
-              <a:rPr b="0" lang="pt-BR" sz="3200" spc="-1" strike="noStrike">
+              <a:rPr lang="pt-BR" sz="3200" b="0" strike="noStrike" spc="-1">
                 <a:solidFill>
                   <a:srgbClr val="000000"/>
                 </a:solidFill>
-                <a:latin typeface="Lato"/>
-                <a:ea typeface="Lato Black"/>
+                <a:latin typeface="Lato" panose="020F0602020204030203"/>
+                <a:ea typeface="Lato Black" panose="020F0A02020204030203"/>
               </a:rPr>
               <a:t>Buarque</a:t>
             </a:r>
             <a:r>
-              <a:rPr b="1" lang="pt-BR" sz="3200" spc="-1" strike="noStrike">
+              <a:rPr lang="pt-BR" sz="3200" b="1" strike="noStrike" spc="-1">
                 <a:solidFill>
                   <a:srgbClr val="000000"/>
                 </a:solidFill>
-                <a:latin typeface="Lato"/>
-                <a:ea typeface="Lato Black"/>
+                <a:latin typeface="Lato" panose="020F0602020204030203"/>
+                <a:ea typeface="Lato Black" panose="020F0A02020204030203"/>
               </a:rPr>
               <a:t> </a:t>
             </a:r>
-            <a:endParaRPr b="0" lang="pt-BR" sz="3200" spc="-1" strike="noStrike">
-              <a:latin typeface="Arial"/>
+            <a:endParaRPr lang="pt-BR" sz="3200" b="0" strike="noStrike" spc="-1">
+              <a:latin typeface="Arial" panose="020B0604020202020204"/>
             </a:endParaRPr>
           </a:p>
           <a:p>
@@ -4137,17 +4300,17 @@
               </a:lnSpc>
             </a:pPr>
             <a:r>
-              <a:rPr b="0" lang="pt-BR" sz="1800" spc="-1" strike="noStrike">
+              <a:rPr lang="pt-BR" sz="1800" b="0" strike="noStrike" spc="-1">
                 <a:solidFill>
                   <a:srgbClr val="000000"/>
                 </a:solidFill>
-                <a:latin typeface="Lato"/>
-                <a:ea typeface="Lato Black"/>
+                <a:latin typeface="Lato" panose="020F0602020204030203"/>
+                <a:ea typeface="Lato Black" panose="020F0A02020204030203"/>
               </a:rPr>
               <a:t>(Product Owner.)</a:t>
             </a:r>
-            <a:endParaRPr b="0" lang="pt-BR" sz="1800" spc="-1" strike="noStrike">
-              <a:latin typeface="Arial"/>
+            <a:endParaRPr lang="pt-BR" sz="1800" b="0" strike="noStrike" spc="-1">
+              <a:latin typeface="Arial" panose="020B0604020202020204"/>
             </a:endParaRPr>
           </a:p>
         </p:txBody>
@@ -4172,13 +4335,19 @@
           </a:ln>
         </p:spPr>
         <p:style>
-          <a:lnRef idx="0"/>
-          <a:fillRef idx="0"/>
-          <a:effectRef idx="0"/>
+          <a:lnRef idx="0">
+            <a:srgbClr val="FFFFFF"/>
+          </a:lnRef>
+          <a:fillRef idx="0">
+            <a:srgbClr val="FFFFFF"/>
+          </a:fillRef>
+          <a:effectRef idx="0">
+            <a:srgbClr val="FFFFFF"/>
+          </a:effectRef>
           <a:fontRef idx="minor"/>
         </p:style>
         <p:txBody>
-          <a:bodyPr wrap="none" lIns="90000" rIns="90000" tIns="45000" bIns="45000"/>
+          <a:bodyPr wrap="none" lIns="90000" tIns="45000" rIns="90000" bIns="45000"/>
           <a:p>
             <a:pPr>
               <a:lnSpc>
@@ -4186,17 +4355,17 @@
               </a:lnSpc>
             </a:pPr>
             <a:r>
-              <a:rPr b="1" lang="pt-BR" sz="3200" spc="-1" strike="noStrike">
+              <a:rPr lang="pt-BR" sz="3200" b="1" strike="noStrike" spc="-1">
                 <a:solidFill>
                   <a:srgbClr val="000000"/>
                 </a:solidFill>
-                <a:latin typeface="Lato Black"/>
-                <a:ea typeface="Lato Black"/>
+                <a:latin typeface="Lato Black" panose="020F0A02020204030203"/>
+                <a:ea typeface="Lato Black" panose="020F0A02020204030203"/>
               </a:rPr>
               <a:t>Fernanda</a:t>
             </a:r>
-            <a:endParaRPr b="0" lang="pt-BR" sz="3200" spc="-1" strike="noStrike">
-              <a:latin typeface="Arial"/>
+            <a:endParaRPr lang="pt-BR" sz="3200" b="0" strike="noStrike" spc="-1">
+              <a:latin typeface="Arial" panose="020B0604020202020204"/>
             </a:endParaRPr>
           </a:p>
           <a:p>
@@ -4206,17 +4375,17 @@
               </a:lnSpc>
             </a:pPr>
             <a:r>
-              <a:rPr b="0" lang="pt-BR" sz="3200" spc="-1" strike="noStrike">
+              <a:rPr lang="pt-BR" sz="3200" b="0" strike="noStrike" spc="-1">
                 <a:solidFill>
                   <a:srgbClr val="000000"/>
                 </a:solidFill>
-                <a:latin typeface="Lato"/>
-                <a:ea typeface="Lato Black"/>
+                <a:latin typeface="Lato" panose="020F0602020204030203"/>
+                <a:ea typeface="Lato Black" panose="020F0A02020204030203"/>
               </a:rPr>
               <a:t>Esteves</a:t>
             </a:r>
-            <a:endParaRPr b="0" lang="pt-BR" sz="3200" spc="-1" strike="noStrike">
-              <a:latin typeface="Arial"/>
+            <a:endParaRPr lang="pt-BR" sz="3200" b="0" strike="noStrike" spc="-1">
+              <a:latin typeface="Arial" panose="020B0604020202020204"/>
             </a:endParaRPr>
           </a:p>
           <a:p>
@@ -4226,17 +4395,17 @@
               </a:lnSpc>
             </a:pPr>
             <a:r>
-              <a:rPr b="0" lang="pt-BR" sz="1800" spc="-1" strike="noStrike">
+              <a:rPr lang="pt-BR" sz="1800" b="0" strike="noStrike" spc="-1">
                 <a:solidFill>
                   <a:srgbClr val="000000"/>
                 </a:solidFill>
-                <a:latin typeface="Lato"/>
-                <a:ea typeface="Lato Black"/>
+                <a:latin typeface="Lato" panose="020F0602020204030203"/>
+                <a:ea typeface="Lato Black" panose="020F0A02020204030203"/>
               </a:rPr>
               <a:t>(Dev. Team.)</a:t>
             </a:r>
-            <a:endParaRPr b="0" lang="pt-BR" sz="1800" spc="-1" strike="noStrike">
-              <a:latin typeface="Arial"/>
+            <a:endParaRPr lang="pt-BR" sz="1800" b="0" strike="noStrike" spc="-1">
+              <a:latin typeface="Arial" panose="020B0604020202020204"/>
             </a:endParaRPr>
           </a:p>
         </p:txBody>
@@ -4261,13 +4430,19 @@
           </a:ln>
         </p:spPr>
         <p:style>
-          <a:lnRef idx="0"/>
-          <a:fillRef idx="0"/>
-          <a:effectRef idx="0"/>
+          <a:lnRef idx="0">
+            <a:srgbClr val="FFFFFF"/>
+          </a:lnRef>
+          <a:fillRef idx="0">
+            <a:srgbClr val="FFFFFF"/>
+          </a:fillRef>
+          <a:effectRef idx="0">
+            <a:srgbClr val="FFFFFF"/>
+          </a:effectRef>
           <a:fontRef idx="minor"/>
         </p:style>
         <p:txBody>
-          <a:bodyPr wrap="none" lIns="90000" rIns="90000" tIns="45000" bIns="45000"/>
+          <a:bodyPr wrap="none" lIns="90000" tIns="45000" rIns="90000" bIns="45000"/>
           <a:p>
             <a:pPr>
               <a:lnSpc>
@@ -4275,17 +4450,17 @@
               </a:lnSpc>
             </a:pPr>
             <a:r>
-              <a:rPr b="1" lang="pt-BR" sz="3200" spc="-1" strike="noStrike">
+              <a:rPr lang="pt-BR" sz="3200" b="1" strike="noStrike" spc="-1">
                 <a:solidFill>
                   <a:srgbClr val="000000"/>
                 </a:solidFill>
-                <a:latin typeface="Lato Black"/>
-                <a:ea typeface="Lato Black"/>
+                <a:latin typeface="Lato Black" panose="020F0A02020204030203"/>
+                <a:ea typeface="Lato Black" panose="020F0A02020204030203"/>
               </a:rPr>
               <a:t>João</a:t>
             </a:r>
-            <a:endParaRPr b="0" lang="pt-BR" sz="3200" spc="-1" strike="noStrike">
-              <a:latin typeface="Arial"/>
+            <a:endParaRPr lang="pt-BR" sz="3200" b="0" strike="noStrike" spc="-1">
+              <a:latin typeface="Arial" panose="020B0604020202020204"/>
             </a:endParaRPr>
           </a:p>
           <a:p>
@@ -4295,17 +4470,17 @@
               </a:lnSpc>
             </a:pPr>
             <a:r>
-              <a:rPr b="0" lang="pt-BR" sz="3200" spc="-1" strike="noStrike">
+              <a:rPr lang="pt-BR" sz="3200" b="0" strike="noStrike" spc="-1">
                 <a:solidFill>
                   <a:srgbClr val="000000"/>
                 </a:solidFill>
-                <a:latin typeface="Lato"/>
-                <a:ea typeface="Lato Black"/>
+                <a:latin typeface="Lato" panose="020F0602020204030203"/>
+                <a:ea typeface="Lato Black" panose="020F0A02020204030203"/>
               </a:rPr>
               <a:t>Pedro</a:t>
             </a:r>
-            <a:endParaRPr b="0" lang="pt-BR" sz="3200" spc="-1" strike="noStrike">
-              <a:latin typeface="Arial"/>
+            <a:endParaRPr lang="pt-BR" sz="3200" b="0" strike="noStrike" spc="-1">
+              <a:latin typeface="Arial" panose="020B0604020202020204"/>
             </a:endParaRPr>
           </a:p>
           <a:p>
@@ -4315,17 +4490,17 @@
               </a:lnSpc>
             </a:pPr>
             <a:r>
-              <a:rPr b="0" lang="pt-BR" sz="1800" spc="-1" strike="noStrike">
+              <a:rPr lang="pt-BR" sz="1800" b="0" strike="noStrike" spc="-1">
                 <a:solidFill>
                   <a:srgbClr val="000000"/>
                 </a:solidFill>
-                <a:latin typeface="Lato"/>
-                <a:ea typeface="Lato Black"/>
+                <a:latin typeface="Lato" panose="020F0602020204030203"/>
+                <a:ea typeface="Lato Black" panose="020F0A02020204030203"/>
               </a:rPr>
               <a:t>(Scrum Master.)</a:t>
             </a:r>
-            <a:endParaRPr b="0" lang="pt-BR" sz="1800" spc="-1" strike="noStrike">
-              <a:latin typeface="Arial"/>
+            <a:endParaRPr lang="pt-BR" sz="1800" b="0" strike="noStrike" spc="-1">
+              <a:latin typeface="Arial" panose="020B0604020202020204"/>
             </a:endParaRPr>
           </a:p>
         </p:txBody>
@@ -4350,13 +4525,19 @@
           </a:ln>
         </p:spPr>
         <p:style>
-          <a:lnRef idx="0"/>
-          <a:fillRef idx="0"/>
-          <a:effectRef idx="0"/>
+          <a:lnRef idx="0">
+            <a:srgbClr val="FFFFFF"/>
+          </a:lnRef>
+          <a:fillRef idx="0">
+            <a:srgbClr val="FFFFFF"/>
+          </a:fillRef>
+          <a:effectRef idx="0">
+            <a:srgbClr val="FFFFFF"/>
+          </a:effectRef>
           <a:fontRef idx="minor"/>
         </p:style>
         <p:txBody>
-          <a:bodyPr wrap="none" lIns="90000" rIns="90000" tIns="45000" bIns="45000"/>
+          <a:bodyPr wrap="none" lIns="90000" tIns="45000" rIns="90000" bIns="45000"/>
           <a:p>
             <a:pPr>
               <a:lnSpc>
@@ -4364,17 +4545,17 @@
               </a:lnSpc>
             </a:pPr>
             <a:r>
-              <a:rPr b="1" lang="pt-BR" sz="3200" spc="-1" strike="noStrike">
+              <a:rPr lang="pt-BR" sz="3200" b="1" strike="noStrike" spc="-1">
                 <a:solidFill>
                   <a:srgbClr val="000000"/>
                 </a:solidFill>
-                <a:latin typeface="Lato Black"/>
-                <a:ea typeface="Lato Black"/>
+                <a:latin typeface="Lato Black" panose="020F0A02020204030203"/>
+                <a:ea typeface="Lato Black" panose="020F0A02020204030203"/>
               </a:rPr>
               <a:t>Laís</a:t>
             </a:r>
-            <a:endParaRPr b="0" lang="pt-BR" sz="3200" spc="-1" strike="noStrike">
-              <a:latin typeface="Arial"/>
+            <a:endParaRPr lang="pt-BR" sz="3200" b="0" strike="noStrike" spc="-1">
+              <a:latin typeface="Arial" panose="020B0604020202020204"/>
             </a:endParaRPr>
           </a:p>
           <a:p>
@@ -4384,17 +4565,17 @@
               </a:lnSpc>
             </a:pPr>
             <a:r>
-              <a:rPr b="0" lang="pt-BR" sz="3200" spc="-1" strike="noStrike">
+              <a:rPr lang="pt-BR" sz="3200" b="0" strike="noStrike" spc="-1">
                 <a:solidFill>
                   <a:srgbClr val="000000"/>
                 </a:solidFill>
-                <a:latin typeface="Lato"/>
-                <a:ea typeface="Lato Black"/>
+                <a:latin typeface="Lato" panose="020F0602020204030203"/>
+                <a:ea typeface="Lato Black" panose="020F0A02020204030203"/>
               </a:rPr>
               <a:t>Silva</a:t>
             </a:r>
-            <a:endParaRPr b="0" lang="pt-BR" sz="3200" spc="-1" strike="noStrike">
-              <a:latin typeface="Arial"/>
+            <a:endParaRPr lang="pt-BR" sz="3200" b="0" strike="noStrike" spc="-1">
+              <a:latin typeface="Arial" panose="020B0604020202020204"/>
             </a:endParaRPr>
           </a:p>
           <a:p>
@@ -4404,17 +4585,17 @@
               </a:lnSpc>
             </a:pPr>
             <a:r>
-              <a:rPr b="0" lang="pt-BR" sz="1800" spc="-1" strike="noStrike">
+              <a:rPr lang="pt-BR" sz="1800" b="0" strike="noStrike" spc="-1">
                 <a:solidFill>
                   <a:srgbClr val="000000"/>
                 </a:solidFill>
-                <a:latin typeface="Lato"/>
-                <a:ea typeface="Lato Black"/>
+                <a:latin typeface="Lato" panose="020F0602020204030203"/>
+                <a:ea typeface="Lato Black" panose="020F0A02020204030203"/>
               </a:rPr>
               <a:t>(Dev. Team.)</a:t>
             </a:r>
-            <a:endParaRPr b="0" lang="pt-BR" sz="1800" spc="-1" strike="noStrike">
-              <a:latin typeface="Arial"/>
+            <a:endParaRPr lang="pt-BR" sz="1800" b="0" strike="noStrike" spc="-1">
+              <a:latin typeface="Arial" panose="020B0604020202020204"/>
             </a:endParaRPr>
           </a:p>
           <a:p>
@@ -4423,8 +4604,8 @@
                 <a:spcPct val="100000"/>
               </a:lnSpc>
             </a:pPr>
-            <a:endParaRPr b="0" lang="pt-BR" sz="1800" spc="-1" strike="noStrike">
-              <a:latin typeface="Arial"/>
+            <a:endParaRPr lang="pt-BR" sz="1800" b="0" strike="noStrike" spc="-1">
+              <a:latin typeface="Arial" panose="020B0604020202020204"/>
             </a:endParaRPr>
           </a:p>
         </p:txBody>
@@ -4449,13 +4630,19 @@
           </a:ln>
         </p:spPr>
         <p:style>
-          <a:lnRef idx="0"/>
-          <a:fillRef idx="0"/>
-          <a:effectRef idx="0"/>
+          <a:lnRef idx="0">
+            <a:srgbClr val="FFFFFF"/>
+          </a:lnRef>
+          <a:fillRef idx="0">
+            <a:srgbClr val="FFFFFF"/>
+          </a:fillRef>
+          <a:effectRef idx="0">
+            <a:srgbClr val="FFFFFF"/>
+          </a:effectRef>
           <a:fontRef idx="minor"/>
         </p:style>
         <p:txBody>
-          <a:bodyPr wrap="none" lIns="90000" rIns="90000" tIns="45000" bIns="45000"/>
+          <a:bodyPr wrap="none" lIns="90000" tIns="45000" rIns="90000" bIns="45000"/>
           <a:p>
             <a:pPr>
               <a:lnSpc>
@@ -4463,17 +4650,17 @@
               </a:lnSpc>
             </a:pPr>
             <a:r>
-              <a:rPr b="1" lang="pt-BR" sz="3200" spc="-1" strike="noStrike">
+              <a:rPr lang="pt-BR" sz="3200" b="1" strike="noStrike" spc="-1">
                 <a:solidFill>
                   <a:srgbClr val="000000"/>
                 </a:solidFill>
-                <a:latin typeface="Lato Black"/>
-                <a:ea typeface="Lato Black"/>
+                <a:latin typeface="Lato Black" panose="020F0A02020204030203"/>
+                <a:ea typeface="Lato Black" panose="020F0A02020204030203"/>
               </a:rPr>
               <a:t>Raissa</a:t>
             </a:r>
-            <a:endParaRPr b="0" lang="pt-BR" sz="3200" spc="-1" strike="noStrike">
-              <a:latin typeface="Arial"/>
+            <a:endParaRPr lang="pt-BR" sz="3200" b="0" strike="noStrike" spc="-1">
+              <a:latin typeface="Arial" panose="020B0604020202020204"/>
             </a:endParaRPr>
           </a:p>
           <a:p>
@@ -4483,17 +4670,17 @@
               </a:lnSpc>
             </a:pPr>
             <a:r>
-              <a:rPr b="0" lang="pt-BR" sz="3200" spc="-1" strike="noStrike">
+              <a:rPr lang="pt-BR" sz="3200" b="0" strike="noStrike" spc="-1">
                 <a:solidFill>
                   <a:srgbClr val="000000"/>
                 </a:solidFill>
-                <a:latin typeface="Lato"/>
-                <a:ea typeface="Lato Black"/>
+                <a:latin typeface="Lato" panose="020F0602020204030203"/>
+                <a:ea typeface="Lato Black" panose="020F0A02020204030203"/>
               </a:rPr>
               <a:t>Arantes</a:t>
             </a:r>
-            <a:endParaRPr b="0" lang="pt-BR" sz="3200" spc="-1" strike="noStrike">
-              <a:latin typeface="Arial"/>
+            <a:endParaRPr lang="pt-BR" sz="3200" b="0" strike="noStrike" spc="-1">
+              <a:latin typeface="Arial" panose="020B0604020202020204"/>
             </a:endParaRPr>
           </a:p>
           <a:p>
@@ -4503,17 +4690,17 @@
               </a:lnSpc>
             </a:pPr>
             <a:r>
-              <a:rPr b="0" lang="pt-BR" sz="1800" spc="-1" strike="noStrike">
+              <a:rPr lang="pt-BR" sz="1800" b="0" strike="noStrike" spc="-1">
                 <a:solidFill>
                   <a:srgbClr val="000000"/>
                 </a:solidFill>
-                <a:latin typeface="Lato"/>
-                <a:ea typeface="Lato Black"/>
+                <a:latin typeface="Lato" panose="020F0602020204030203"/>
+                <a:ea typeface="Lato Black" panose="020F0A02020204030203"/>
               </a:rPr>
               <a:t>(Dev. Team.)</a:t>
             </a:r>
-            <a:endParaRPr b="0" lang="pt-BR" sz="1800" spc="-1" strike="noStrike">
-              <a:latin typeface="Arial"/>
+            <a:endParaRPr lang="pt-BR" sz="1800" b="0" strike="noStrike" spc="-1">
+              <a:latin typeface="Arial" panose="020B0604020202020204"/>
             </a:endParaRPr>
           </a:p>
         </p:txBody>
@@ -4538,13 +4725,19 @@
           </a:ln>
         </p:spPr>
         <p:style>
-          <a:lnRef idx="0"/>
-          <a:fillRef idx="0"/>
-          <a:effectRef idx="0"/>
+          <a:lnRef idx="0">
+            <a:srgbClr val="FFFFFF"/>
+          </a:lnRef>
+          <a:fillRef idx="0">
+            <a:srgbClr val="FFFFFF"/>
+          </a:fillRef>
+          <a:effectRef idx="0">
+            <a:srgbClr val="FFFFFF"/>
+          </a:effectRef>
           <a:fontRef idx="minor"/>
         </p:style>
         <p:txBody>
-          <a:bodyPr wrap="none" lIns="90000" rIns="90000" tIns="45000" bIns="45000"/>
+          <a:bodyPr wrap="none" lIns="90000" tIns="45000" rIns="90000" bIns="45000"/>
           <a:p>
             <a:pPr>
               <a:lnSpc>
@@ -4552,17 +4745,17 @@
               </a:lnSpc>
             </a:pPr>
             <a:r>
-              <a:rPr b="1" lang="pt-BR" sz="3200" spc="-1" strike="noStrike">
+              <a:rPr lang="pt-BR" sz="3200" b="1" strike="noStrike" spc="-1">
                 <a:solidFill>
                   <a:srgbClr val="000000"/>
                 </a:solidFill>
-                <a:latin typeface="Lato Black"/>
-                <a:ea typeface="Lato Black"/>
+                <a:latin typeface="Lato Black" panose="020F0A02020204030203"/>
+                <a:ea typeface="Lato Black" panose="020F0A02020204030203"/>
               </a:rPr>
               <a:t>Vitor</a:t>
             </a:r>
-            <a:endParaRPr b="0" lang="pt-BR" sz="3200" spc="-1" strike="noStrike">
-              <a:latin typeface="Arial"/>
+            <a:endParaRPr lang="pt-BR" sz="3200" b="0" strike="noStrike" spc="-1">
+              <a:latin typeface="Arial" panose="020B0604020202020204"/>
             </a:endParaRPr>
           </a:p>
           <a:p>
@@ -4572,17 +4765,17 @@
               </a:lnSpc>
             </a:pPr>
             <a:r>
-              <a:rPr b="0" lang="pt-BR" sz="3200" spc="-1" strike="noStrike">
+              <a:rPr lang="pt-BR" sz="3200" b="0" strike="noStrike" spc="-1">
                 <a:solidFill>
                   <a:srgbClr val="000000"/>
                 </a:solidFill>
-                <a:latin typeface="Lato"/>
-                <a:ea typeface="Lato Black"/>
+                <a:latin typeface="Lato" panose="020F0602020204030203"/>
+                <a:ea typeface="Lato Black" panose="020F0A02020204030203"/>
               </a:rPr>
               <a:t>Leonardo</a:t>
             </a:r>
-            <a:endParaRPr b="0" lang="pt-BR" sz="3200" spc="-1" strike="noStrike">
-              <a:latin typeface="Arial"/>
+            <a:endParaRPr lang="pt-BR" sz="3200" b="0" strike="noStrike" spc="-1">
+              <a:latin typeface="Arial" panose="020B0604020202020204"/>
             </a:endParaRPr>
           </a:p>
           <a:p>
@@ -4592,47 +4785,30 @@
               </a:lnSpc>
             </a:pPr>
             <a:r>
-              <a:rPr b="0" lang="pt-BR" sz="1800" spc="-1" strike="noStrike">
+              <a:rPr lang="pt-BR" sz="1800" b="0" strike="noStrike" spc="-1">
                 <a:solidFill>
                   <a:srgbClr val="000000"/>
                 </a:solidFill>
-                <a:latin typeface="Lato"/>
-                <a:ea typeface="Lato Black"/>
+                <a:latin typeface="Lato" panose="020F0602020204030203"/>
+                <a:ea typeface="Lato Black" panose="020F0A02020204030203"/>
               </a:rPr>
               <a:t>(Dev. Team.)</a:t>
             </a:r>
-            <a:endParaRPr b="0" lang="pt-BR" sz="1800" spc="-1" strike="noStrike">
-              <a:latin typeface="Arial"/>
+            <a:endParaRPr lang="pt-BR" sz="1800" b="0" strike="noStrike" spc="-1">
+              <a:latin typeface="Arial" panose="020B0604020202020204"/>
             </a:endParaRPr>
           </a:p>
         </p:txBody>
       </p:sp>
     </p:spTree>
   </p:cSld>
+  <p:clrMapOvr>
+    <a:masterClrMapping/>
+  </p:clrMapOvr>
   <p:timing>
     <p:tnLst>
       <p:par>
-        <p:cTn id="3" dur="indefinite" restart="never" nodeType="tmRoot">
-          <p:childTnLst>
-            <p:seq>
-              <p:cTn id="4" dur="indefinite" nodeType="mainSeq"/>
-              <p:prevCondLst>
-                <p:cond delay="0" evt="onPrev">
-                  <p:tgtEl>
-                    <p:sldTgt/>
-                  </p:tgtEl>
-                </p:cond>
-              </p:prevCondLst>
-              <p:nextCondLst>
-                <p:cond delay="0" evt="onNext">
-                  <p:tgtEl>
-                    <p:sldTgt/>
-                  </p:tgtEl>
-                </p:cond>
-              </p:nextCondLst>
-            </p:seq>
-          </p:childTnLst>
-        </p:cTn>
+        <p:cTn id="1" dur="indefinite" restart="never" nodeType="tmRoot"/>
       </p:par>
     </p:tnLst>
   </p:timing>
@@ -4640,13 +4816,14 @@
 </file>
 
 <file path=ppt/slides/slide3.xml><?xml version="1.0" encoding="utf-8"?>
-<p:sld xmlns:a="http://schemas.openxmlformats.org/drawingml/2006/main" xmlns:p="http://schemas.openxmlformats.org/presentationml/2006/main" xmlns:r="http://schemas.openxmlformats.org/officeDocument/2006/relationships" xmlns:p14="http://schemas.microsoft.com/office/powerpoint/2010/main" xmlns:p15="http://schemas.microsoft.com/office/powerpoint/2012/main" xmlns:mc="http://schemas.openxmlformats.org/markup-compatibility/2006">
+<p:sld xmlns:a="http://schemas.openxmlformats.org/drawingml/2006/main" xmlns:r="http://schemas.openxmlformats.org/officeDocument/2006/relationships" xmlns:p="http://schemas.openxmlformats.org/presentationml/2006/main">
   <p:cSld>
     <p:bg>
       <p:bgPr>
         <a:solidFill>
-          <a:srgbClr val="f2f2f2"/>
+          <a:srgbClr val="F2F2F2"/>
         </a:solidFill>
+        <a:effectLst/>
       </p:bgPr>
     </p:bg>
     <p:spTree>
@@ -4665,13 +4842,15 @@
       </p:grpSpPr>
       <p:pic>
         <p:nvPicPr>
-          <p:cNvPr id="97" name="Imagem 5" descr=""/>
+          <p:cNvPr id="97" name="Imagem 5"/>
           <p:cNvPicPr/>
           <p:nvPr/>
         </p:nvPicPr>
         <p:blipFill>
           <a:blip r:embed="rId1"/>
-          <a:stretch/>
+          <a:stretch>
+            <a:fillRect/>
+          </a:stretch>
         </p:blipFill>
         <p:spPr>
           <a:xfrm>
@@ -4688,13 +4867,15 @@
       </p:pic>
       <p:pic>
         <p:nvPicPr>
-          <p:cNvPr id="98" name="Imagem 9" descr=""/>
+          <p:cNvPr id="98" name="Imagem 9"/>
           <p:cNvPicPr/>
           <p:nvPr/>
         </p:nvPicPr>
         <p:blipFill>
-          <a:blip r:embed="rId2"/>
-          <a:stretch/>
+          <a:blip r:embed="rId1"/>
+          <a:stretch>
+            <a:fillRect/>
+          </a:stretch>
         </p:blipFill>
         <p:spPr>
           <a:xfrm>
@@ -4711,14 +4892,16 @@
       </p:pic>
       <p:pic>
         <p:nvPicPr>
-          <p:cNvPr id="99" name="Imagem 10" descr=""/>
+          <p:cNvPr id="99" name="Imagem 10"/>
           <p:cNvPicPr/>
           <p:nvPr/>
         </p:nvPicPr>
         <p:blipFill>
-          <a:blip r:embed="rId3"/>
-          <a:srcRect l="0" t="0" r="88435" b="0"/>
-          <a:stretch/>
+          <a:blip r:embed="rId1"/>
+          <a:srcRect r="88435"/>
+          <a:stretch>
+            <a:fillRect/>
+          </a:stretch>
         </p:blipFill>
         <p:spPr>
           <a:xfrm>
@@ -4753,13 +4936,19 @@
           </a:ln>
         </p:spPr>
         <p:style>
-          <a:lnRef idx="0"/>
-          <a:fillRef idx="0"/>
-          <a:effectRef idx="0"/>
+          <a:lnRef idx="0">
+            <a:srgbClr val="FFFFFF"/>
+          </a:lnRef>
+          <a:fillRef idx="0">
+            <a:srgbClr val="FFFFFF"/>
+          </a:fillRef>
+          <a:effectRef idx="0">
+            <a:srgbClr val="FFFFFF"/>
+          </a:effectRef>
           <a:fontRef idx="minor"/>
         </p:style>
         <p:txBody>
-          <a:bodyPr wrap="none" lIns="90000" rIns="90000" tIns="45000" bIns="45000"/>
+          <a:bodyPr wrap="none" lIns="90000" tIns="45000" rIns="90000" bIns="45000"/>
           <a:p>
             <a:pPr>
               <a:lnSpc>
@@ -4767,17 +4956,17 @@
               </a:lnSpc>
             </a:pPr>
             <a:r>
-              <a:rPr b="1" lang="pt-BR" sz="4000" spc="-1" strike="noStrike">
+              <a:rPr lang="pt-BR" sz="4000" b="1" strike="noStrike" spc="-1">
                 <a:solidFill>
                   <a:srgbClr val="203864"/>
                 </a:solidFill>
-                <a:latin typeface="Lato Black"/>
-                <a:ea typeface="Lato Black"/>
+                <a:latin typeface="Lato Black" panose="020F0A02020204030203"/>
+                <a:ea typeface="Lato Black" panose="020F0A02020204030203"/>
               </a:rPr>
               <a:t>Contexto de Negócio</a:t>
             </a:r>
-            <a:endParaRPr b="0" lang="pt-BR" sz="4000" spc="-1" strike="noStrike">
-              <a:latin typeface="Arial"/>
+            <a:endParaRPr lang="pt-BR" sz="4000" b="0" strike="noStrike" spc="-1">
+              <a:latin typeface="Arial" panose="020B0604020202020204"/>
             </a:endParaRPr>
           </a:p>
         </p:txBody>
@@ -4802,35 +4991,41 @@
           </a:ln>
         </p:spPr>
         <p:style>
-          <a:lnRef idx="0"/>
-          <a:fillRef idx="0"/>
-          <a:effectRef idx="0"/>
+          <a:lnRef idx="0">
+            <a:srgbClr val="FFFFFF"/>
+          </a:lnRef>
+          <a:fillRef idx="0">
+            <a:srgbClr val="FFFFFF"/>
+          </a:fillRef>
+          <a:effectRef idx="0">
+            <a:srgbClr val="FFFFFF"/>
+          </a:effectRef>
           <a:fontRef idx="minor"/>
         </p:style>
         <p:txBody>
-          <a:bodyPr lIns="90000" rIns="90000" tIns="45000" bIns="45000"/>
-          <a:p>
-            <a:pPr marL="343080" indent="-342720">
+          <a:bodyPr lIns="90000" tIns="45000" rIns="90000" bIns="45000"/>
+          <a:p>
+            <a:pPr marL="342900" indent="-342900">
               <a:lnSpc>
                 <a:spcPct val="100000"/>
               </a:lnSpc>
               <a:buClr>
                 <a:srgbClr val="000000"/>
               </a:buClr>
-              <a:buFont typeface="Arial"/>
+              <a:buFont typeface="Arial" panose="020B0604020202020204"/>
               <a:buChar char="•"/>
             </a:pPr>
             <a:r>
-              <a:rPr b="0" lang="pt-BR" sz="2400" spc="-1" strike="noStrike">
+              <a:rPr lang="pt-BR" sz="2400" b="0" strike="noStrike" spc="-1">
                 <a:solidFill>
                   <a:srgbClr val="000000"/>
                 </a:solidFill>
-                <a:latin typeface="Lato"/>
+                <a:latin typeface="Lato" panose="020F0602020204030203"/>
               </a:rPr>
               <a:t>Sistema de fiscalização do transporte público é vulnerável e corruptível</a:t>
             </a:r>
-            <a:endParaRPr b="0" lang="pt-BR" sz="2400" spc="-1" strike="noStrike">
-              <a:latin typeface="Arial"/>
+            <a:endParaRPr lang="pt-BR" sz="2400" b="0" strike="noStrike" spc="-1">
+              <a:latin typeface="Arial" panose="020B0604020202020204"/>
             </a:endParaRPr>
           </a:p>
           <a:p>
@@ -4839,41 +5034,32 @@
                 <a:spcPct val="100000"/>
               </a:lnSpc>
             </a:pPr>
-            <a:endParaRPr b="0" lang="pt-BR" sz="2400" spc="-1" strike="noStrike">
-              <a:latin typeface="Arial"/>
-            </a:endParaRPr>
-          </a:p>
-          <a:p>
-            <a:pPr marL="343080" indent="-342720">
+            <a:endParaRPr lang="pt-BR" sz="2400" b="0" strike="noStrike" spc="-1">
+              <a:latin typeface="Arial" panose="020B0604020202020204"/>
+            </a:endParaRPr>
+          </a:p>
+          <a:p>
+            <a:pPr marL="342900" indent="-342900">
               <a:lnSpc>
                 <a:spcPct val="100000"/>
               </a:lnSpc>
               <a:buClr>
                 <a:srgbClr val="000000"/>
               </a:buClr>
-              <a:buFont typeface="Arial"/>
+              <a:buFont typeface="Arial" panose="020B0604020202020204"/>
               <a:buChar char="•"/>
             </a:pPr>
             <a:r>
-              <a:rPr b="0" lang="pt-BR" sz="2400" spc="-1" strike="noStrike">
+              <a:rPr lang="pt-BR" sz="2400" b="0" strike="noStrike" spc="-1">
                 <a:solidFill>
                   <a:srgbClr val="000000"/>
                 </a:solidFill>
-                <a:latin typeface="Lato"/>
+                <a:latin typeface="Lato" panose="020F0602020204030203"/>
               </a:rPr>
-              <a:t> </a:t>
+              <a:t> Anotações manuais, possibilitando incoerências</a:t>
             </a:r>
-            <a:r>
-              <a:rPr b="0" lang="pt-BR" sz="2400" spc="-1" strike="noStrike">
-                <a:solidFill>
-                  <a:srgbClr val="000000"/>
-                </a:solidFill>
-                <a:latin typeface="Lato"/>
-              </a:rPr>
-              <a:t>Anotações manuais, possibilitando incoerências</a:t>
-            </a:r>
-            <a:endParaRPr b="0" lang="pt-BR" sz="2400" spc="-1" strike="noStrike">
-              <a:latin typeface="Arial"/>
+            <a:endParaRPr lang="pt-BR" sz="2400" b="0" strike="noStrike" spc="-1">
+              <a:latin typeface="Arial" panose="020B0604020202020204"/>
             </a:endParaRPr>
           </a:p>
           <a:p>
@@ -4882,32 +5068,32 @@
                 <a:spcPct val="100000"/>
               </a:lnSpc>
             </a:pPr>
-            <a:endParaRPr b="0" lang="pt-BR" sz="2400" spc="-1" strike="noStrike">
-              <a:latin typeface="Arial"/>
-            </a:endParaRPr>
-          </a:p>
-          <a:p>
-            <a:pPr marL="343080" indent="-342720">
+            <a:endParaRPr lang="pt-BR" sz="2400" b="0" strike="noStrike" spc="-1">
+              <a:latin typeface="Arial" panose="020B0604020202020204"/>
+            </a:endParaRPr>
+          </a:p>
+          <a:p>
+            <a:pPr marL="342900" indent="-342900">
               <a:lnSpc>
                 <a:spcPct val="100000"/>
               </a:lnSpc>
               <a:buClr>
                 <a:srgbClr val="000000"/>
               </a:buClr>
-              <a:buFont typeface="Arial"/>
+              <a:buFont typeface="Arial" panose="020B0604020202020204"/>
               <a:buChar char="•"/>
             </a:pPr>
             <a:r>
-              <a:rPr b="0" lang="pt-BR" sz="2400" spc="-1" strike="noStrike">
+              <a:rPr lang="pt-BR" sz="2400" b="0" strike="noStrike" spc="-1">
                 <a:solidFill>
                   <a:srgbClr val="000000"/>
                 </a:solidFill>
-                <a:latin typeface="Lato"/>
+                <a:latin typeface="Lato" panose="020F0602020204030203"/>
               </a:rPr>
               <a:t>Fiscalização pode ser facilmente manipulada nos horário de entrada/saída de ônibus</a:t>
             </a:r>
-            <a:endParaRPr b="0" lang="pt-BR" sz="2400" spc="-1" strike="noStrike">
-              <a:latin typeface="Arial"/>
+            <a:endParaRPr lang="pt-BR" sz="2400" b="0" strike="noStrike" spc="-1">
+              <a:latin typeface="Arial" panose="020B0604020202020204"/>
             </a:endParaRPr>
           </a:p>
           <a:p>
@@ -4916,32 +5102,32 @@
                 <a:spcPct val="100000"/>
               </a:lnSpc>
             </a:pPr>
-            <a:endParaRPr b="0" lang="pt-BR" sz="2400" spc="-1" strike="noStrike">
-              <a:latin typeface="Arial"/>
-            </a:endParaRPr>
-          </a:p>
-          <a:p>
-            <a:pPr marL="343080" indent="-342720">
+            <a:endParaRPr lang="pt-BR" sz="2400" b="0" strike="noStrike" spc="-1">
+              <a:latin typeface="Arial" panose="020B0604020202020204"/>
+            </a:endParaRPr>
+          </a:p>
+          <a:p>
+            <a:pPr marL="342900" indent="-342900">
               <a:lnSpc>
                 <a:spcPct val="100000"/>
               </a:lnSpc>
               <a:buClr>
                 <a:srgbClr val="000000"/>
               </a:buClr>
-              <a:buFont typeface="Arial"/>
+              <a:buFont typeface="Arial" panose="020B0604020202020204"/>
               <a:buChar char="•"/>
             </a:pPr>
             <a:r>
-              <a:rPr b="0" lang="pt-BR" sz="2400" spc="-1" strike="noStrike">
+              <a:rPr lang="pt-BR" sz="2400" b="0" strike="noStrike" spc="-1">
                 <a:solidFill>
                   <a:srgbClr val="000000"/>
                 </a:solidFill>
-                <a:latin typeface="Lato"/>
+                <a:latin typeface="Lato" panose="020F0602020204030203"/>
               </a:rPr>
               <a:t>Sistema atual favorece atuação de indivíduos com má índole</a:t>
             </a:r>
-            <a:endParaRPr b="0" lang="pt-BR" sz="2400" spc="-1" strike="noStrike">
-              <a:latin typeface="Arial"/>
+            <a:endParaRPr lang="pt-BR" sz="2400" b="0" strike="noStrike" spc="-1">
+              <a:latin typeface="Arial" panose="020B0604020202020204"/>
             </a:endParaRPr>
           </a:p>
           <a:p>
@@ -4950,38 +5136,21 @@
                 <a:spcPct val="100000"/>
               </a:lnSpc>
             </a:pPr>
-            <a:endParaRPr b="0" lang="pt-BR" sz="2400" spc="-1" strike="noStrike">
-              <a:latin typeface="Arial"/>
+            <a:endParaRPr lang="pt-BR" sz="2400" b="0" strike="noStrike" spc="-1">
+              <a:latin typeface="Arial" panose="020B0604020202020204"/>
             </a:endParaRPr>
           </a:p>
         </p:txBody>
       </p:sp>
     </p:spTree>
   </p:cSld>
+  <p:clrMapOvr>
+    <a:masterClrMapping/>
+  </p:clrMapOvr>
   <p:timing>
     <p:tnLst>
       <p:par>
-        <p:cTn id="5" dur="indefinite" restart="never" nodeType="tmRoot">
-          <p:childTnLst>
-            <p:seq>
-              <p:cTn id="6" dur="indefinite" nodeType="mainSeq"/>
-              <p:prevCondLst>
-                <p:cond delay="0" evt="onPrev">
-                  <p:tgtEl>
-                    <p:sldTgt/>
-                  </p:tgtEl>
-                </p:cond>
-              </p:prevCondLst>
-              <p:nextCondLst>
-                <p:cond delay="0" evt="onNext">
-                  <p:tgtEl>
-                    <p:sldTgt/>
-                  </p:tgtEl>
-                </p:cond>
-              </p:nextCondLst>
-            </p:seq>
-          </p:childTnLst>
-        </p:cTn>
+        <p:cTn id="1" dur="indefinite" restart="never" nodeType="tmRoot"/>
       </p:par>
     </p:tnLst>
   </p:timing>
@@ -4989,13 +5158,14 @@
 </file>
 
 <file path=ppt/slides/slide4.xml><?xml version="1.0" encoding="utf-8"?>
-<p:sld xmlns:a="http://schemas.openxmlformats.org/drawingml/2006/main" xmlns:p="http://schemas.openxmlformats.org/presentationml/2006/main" xmlns:r="http://schemas.openxmlformats.org/officeDocument/2006/relationships" xmlns:p14="http://schemas.microsoft.com/office/powerpoint/2010/main" xmlns:p15="http://schemas.microsoft.com/office/powerpoint/2012/main" xmlns:mc="http://schemas.openxmlformats.org/markup-compatibility/2006">
+<p:sld xmlns:a="http://schemas.openxmlformats.org/drawingml/2006/main" xmlns:r="http://schemas.openxmlformats.org/officeDocument/2006/relationships" xmlns:p="http://schemas.openxmlformats.org/presentationml/2006/main">
   <p:cSld>
     <p:bg>
       <p:bgPr>
         <a:solidFill>
-          <a:srgbClr val="f2f2f2"/>
+          <a:srgbClr val="F2F2F2"/>
         </a:solidFill>
+        <a:effectLst/>
       </p:bgPr>
     </p:bg>
     <p:spTree>
@@ -5014,13 +5184,15 @@
       </p:grpSpPr>
       <p:pic>
         <p:nvPicPr>
-          <p:cNvPr id="102" name="Imagem 5" descr=""/>
+          <p:cNvPr id="102" name="Imagem 5"/>
           <p:cNvPicPr/>
           <p:nvPr/>
         </p:nvPicPr>
         <p:blipFill>
           <a:blip r:embed="rId1"/>
-          <a:stretch/>
+          <a:stretch>
+            <a:fillRect/>
+          </a:stretch>
         </p:blipFill>
         <p:spPr>
           <a:xfrm>
@@ -5037,13 +5209,15 @@
       </p:pic>
       <p:pic>
         <p:nvPicPr>
-          <p:cNvPr id="103" name="Imagem 9" descr=""/>
+          <p:cNvPr id="103" name="Imagem 9"/>
           <p:cNvPicPr/>
           <p:nvPr/>
         </p:nvPicPr>
         <p:blipFill>
-          <a:blip r:embed="rId2"/>
-          <a:stretch/>
+          <a:blip r:embed="rId1"/>
+          <a:stretch>
+            <a:fillRect/>
+          </a:stretch>
         </p:blipFill>
         <p:spPr>
           <a:xfrm>
@@ -5060,14 +5234,16 @@
       </p:pic>
       <p:pic>
         <p:nvPicPr>
-          <p:cNvPr id="104" name="Imagem 10" descr=""/>
+          <p:cNvPr id="104" name="Imagem 10"/>
           <p:cNvPicPr/>
           <p:nvPr/>
         </p:nvPicPr>
         <p:blipFill>
-          <a:blip r:embed="rId3"/>
-          <a:srcRect l="0" t="0" r="88435" b="0"/>
-          <a:stretch/>
+          <a:blip r:embed="rId1"/>
+          <a:srcRect r="88435"/>
+          <a:stretch>
+            <a:fillRect/>
+          </a:stretch>
         </p:blipFill>
         <p:spPr>
           <a:xfrm>
@@ -5102,13 +5278,19 @@
           </a:ln>
         </p:spPr>
         <p:style>
-          <a:lnRef idx="0"/>
-          <a:fillRef idx="0"/>
-          <a:effectRef idx="0"/>
+          <a:lnRef idx="0">
+            <a:srgbClr val="FFFFFF"/>
+          </a:lnRef>
+          <a:fillRef idx="0">
+            <a:srgbClr val="FFFFFF"/>
+          </a:fillRef>
+          <a:effectRef idx="0">
+            <a:srgbClr val="FFFFFF"/>
+          </a:effectRef>
           <a:fontRef idx="minor"/>
         </p:style>
         <p:txBody>
-          <a:bodyPr wrap="none" lIns="90000" rIns="90000" tIns="45000" bIns="45000"/>
+          <a:bodyPr wrap="none" lIns="90000" tIns="45000" rIns="90000" bIns="45000"/>
           <a:p>
             <a:pPr>
               <a:lnSpc>
@@ -5116,17 +5298,17 @@
               </a:lnSpc>
             </a:pPr>
             <a:r>
-              <a:rPr b="1" lang="pt-BR" sz="4000" spc="-1" strike="noStrike">
+              <a:rPr lang="pt-BR" sz="4000" b="1" strike="noStrike" spc="-1">
                 <a:solidFill>
                   <a:srgbClr val="203864"/>
                 </a:solidFill>
-                <a:latin typeface="Lato Black"/>
-                <a:ea typeface="Lato Black"/>
+                <a:latin typeface="Lato Black" panose="020F0A02020204030203"/>
+                <a:ea typeface="Lato Black" panose="020F0A02020204030203"/>
               </a:rPr>
               <a:t>Situação Atual (As Is)</a:t>
             </a:r>
-            <a:endParaRPr b="0" lang="pt-BR" sz="4000" spc="-1" strike="noStrike">
-              <a:latin typeface="Arial"/>
+            <a:endParaRPr lang="pt-BR" sz="4000" b="0" strike="noStrike" spc="-1">
+              <a:latin typeface="Arial" panose="020B0604020202020204"/>
             </a:endParaRPr>
           </a:p>
         </p:txBody>
@@ -5146,7 +5328,7 @@
             <a:avLst/>
           </a:prstGeom>
           <a:solidFill>
-            <a:srgbClr val="333c3c">
+            <a:srgbClr val="333C3C">
               <a:alpha val="62000"/>
             </a:srgbClr>
           </a:solidFill>
@@ -5171,13 +5353,15 @@
       </p:sp>
       <p:pic>
         <p:nvPicPr>
-          <p:cNvPr id="107" name="Picture 3" descr=""/>
+          <p:cNvPr id="107" name="Picture 3"/>
           <p:cNvPicPr/>
           <p:nvPr/>
         </p:nvPicPr>
         <p:blipFill>
-          <a:blip r:embed="rId4"/>
-          <a:stretch/>
+          <a:blip r:embed="rId2"/>
+          <a:stretch>
+            <a:fillRect/>
+          </a:stretch>
         </p:blipFill>
         <p:spPr>
           <a:xfrm>
@@ -5194,30 +5378,13 @@
       </p:pic>
     </p:spTree>
   </p:cSld>
+  <p:clrMapOvr>
+    <a:masterClrMapping/>
+  </p:clrMapOvr>
   <p:timing>
     <p:tnLst>
       <p:par>
-        <p:cTn id="7" dur="indefinite" restart="never" nodeType="tmRoot">
-          <p:childTnLst>
-            <p:seq>
-              <p:cTn id="8" dur="indefinite" nodeType="mainSeq"/>
-              <p:prevCondLst>
-                <p:cond delay="0" evt="onPrev">
-                  <p:tgtEl>
-                    <p:sldTgt/>
-                  </p:tgtEl>
-                </p:cond>
-              </p:prevCondLst>
-              <p:nextCondLst>
-                <p:cond delay="0" evt="onNext">
-                  <p:tgtEl>
-                    <p:sldTgt/>
-                  </p:tgtEl>
-                </p:cond>
-              </p:nextCondLst>
-            </p:seq>
-          </p:childTnLst>
-        </p:cTn>
+        <p:cTn id="1" dur="indefinite" restart="never" nodeType="tmRoot"/>
       </p:par>
     </p:tnLst>
   </p:timing>
@@ -5225,13 +5392,14 @@
 </file>
 
 <file path=ppt/slides/slide5.xml><?xml version="1.0" encoding="utf-8"?>
-<p:sld xmlns:a="http://schemas.openxmlformats.org/drawingml/2006/main" xmlns:p="http://schemas.openxmlformats.org/presentationml/2006/main" xmlns:r="http://schemas.openxmlformats.org/officeDocument/2006/relationships" xmlns:p14="http://schemas.microsoft.com/office/powerpoint/2010/main" xmlns:p15="http://schemas.microsoft.com/office/powerpoint/2012/main" xmlns:mc="http://schemas.openxmlformats.org/markup-compatibility/2006">
+<p:sld xmlns:a="http://schemas.openxmlformats.org/drawingml/2006/main" xmlns:r="http://schemas.openxmlformats.org/officeDocument/2006/relationships" xmlns:p="http://schemas.openxmlformats.org/presentationml/2006/main">
   <p:cSld>
     <p:bg>
       <p:bgPr>
         <a:solidFill>
-          <a:srgbClr val="f2f2f2"/>
+          <a:srgbClr val="F2F2F2"/>
         </a:solidFill>
+        <a:effectLst/>
       </p:bgPr>
     </p:bg>
     <p:spTree>
@@ -5286,13 +5454,15 @@
       </p:sp>
       <p:pic>
         <p:nvPicPr>
-          <p:cNvPr id="109" name="Imagem 5" descr=""/>
+          <p:cNvPr id="109" name="Imagem 5"/>
           <p:cNvPicPr/>
           <p:nvPr/>
         </p:nvPicPr>
         <p:blipFill>
           <a:blip r:embed="rId1"/>
-          <a:stretch/>
+          <a:stretch>
+            <a:fillRect/>
+          </a:stretch>
         </p:blipFill>
         <p:spPr>
           <a:xfrm>
@@ -5309,13 +5479,15 @@
       </p:pic>
       <p:pic>
         <p:nvPicPr>
-          <p:cNvPr id="110" name="Imagem 9" descr=""/>
+          <p:cNvPr id="110" name="Imagem 9"/>
           <p:cNvPicPr/>
           <p:nvPr/>
         </p:nvPicPr>
         <p:blipFill>
-          <a:blip r:embed="rId2"/>
-          <a:stretch/>
+          <a:blip r:embed="rId1"/>
+          <a:stretch>
+            <a:fillRect/>
+          </a:stretch>
         </p:blipFill>
         <p:spPr>
           <a:xfrm>
@@ -5332,14 +5504,16 @@
       </p:pic>
       <p:pic>
         <p:nvPicPr>
-          <p:cNvPr id="111" name="Imagem 10" descr=""/>
+          <p:cNvPr id="111" name="Imagem 10"/>
           <p:cNvPicPr/>
           <p:nvPr/>
         </p:nvPicPr>
         <p:blipFill>
-          <a:blip r:embed="rId3"/>
-          <a:srcRect l="0" t="0" r="88435" b="0"/>
-          <a:stretch/>
+          <a:blip r:embed="rId1"/>
+          <a:srcRect r="88435"/>
+          <a:stretch>
+            <a:fillRect/>
+          </a:stretch>
         </p:blipFill>
         <p:spPr>
           <a:xfrm>
@@ -5374,13 +5548,19 @@
           </a:ln>
         </p:spPr>
         <p:style>
-          <a:lnRef idx="0"/>
-          <a:fillRef idx="0"/>
-          <a:effectRef idx="0"/>
+          <a:lnRef idx="0">
+            <a:srgbClr val="FFFFFF"/>
+          </a:lnRef>
+          <a:fillRef idx="0">
+            <a:srgbClr val="FFFFFF"/>
+          </a:fillRef>
+          <a:effectRef idx="0">
+            <a:srgbClr val="FFFFFF"/>
+          </a:effectRef>
           <a:fontRef idx="minor"/>
         </p:style>
         <p:txBody>
-          <a:bodyPr wrap="none" lIns="90000" rIns="90000" tIns="45000" bIns="45000"/>
+          <a:bodyPr wrap="none" lIns="90000" tIns="45000" rIns="90000" bIns="45000"/>
           <a:p>
             <a:pPr>
               <a:lnSpc>
@@ -5388,17 +5568,17 @@
               </a:lnSpc>
             </a:pPr>
             <a:r>
-              <a:rPr b="1" lang="pt-BR" sz="4000" spc="-1" strike="noStrike">
+              <a:rPr lang="pt-BR" sz="4000" b="1" strike="noStrike" spc="-1">
                 <a:solidFill>
                   <a:srgbClr val="203864"/>
                 </a:solidFill>
-                <a:latin typeface="Lato Black"/>
-                <a:ea typeface="Lato Black"/>
+                <a:latin typeface="Lato Black" panose="020F0A02020204030203"/>
+                <a:ea typeface="Lato Black" panose="020F0A02020204030203"/>
               </a:rPr>
               <a:t>Justificativa</a:t>
             </a:r>
-            <a:endParaRPr b="0" lang="pt-BR" sz="4000" spc="-1" strike="noStrike">
-              <a:latin typeface="Arial"/>
+            <a:endParaRPr lang="pt-BR" sz="4000" b="0" strike="noStrike" spc="-1">
+              <a:latin typeface="Arial" panose="020B0604020202020204"/>
             </a:endParaRPr>
           </a:p>
         </p:txBody>
@@ -5423,35 +5603,41 @@
           </a:ln>
         </p:spPr>
         <p:style>
-          <a:lnRef idx="0"/>
-          <a:fillRef idx="0"/>
-          <a:effectRef idx="0"/>
+          <a:lnRef idx="0">
+            <a:srgbClr val="FFFFFF"/>
+          </a:lnRef>
+          <a:fillRef idx="0">
+            <a:srgbClr val="FFFFFF"/>
+          </a:fillRef>
+          <a:effectRef idx="0">
+            <a:srgbClr val="FFFFFF"/>
+          </a:effectRef>
           <a:fontRef idx="minor"/>
         </p:style>
         <p:txBody>
-          <a:bodyPr lIns="90000" rIns="90000" tIns="45000" bIns="45000"/>
-          <a:p>
-            <a:pPr marL="343080" indent="-342720">
+          <a:bodyPr lIns="90000" tIns="45000" rIns="90000" bIns="45000"/>
+          <a:p>
+            <a:pPr marL="342900" indent="-342900">
               <a:lnSpc>
                 <a:spcPct val="100000"/>
               </a:lnSpc>
               <a:buClr>
                 <a:srgbClr val="000000"/>
               </a:buClr>
-              <a:buFont typeface="Arial"/>
+              <a:buFont typeface="Arial" panose="020B0604020202020204"/>
               <a:buChar char="•"/>
             </a:pPr>
             <a:r>
-              <a:rPr b="0" lang="pt-BR" sz="2400" spc="-1" strike="noStrike">
+              <a:rPr lang="pt-BR" sz="2400" b="0" strike="noStrike" spc="-1">
                 <a:solidFill>
                   <a:srgbClr val="000000"/>
                 </a:solidFill>
-                <a:latin typeface="Lato"/>
+                <a:latin typeface="Lato" panose="020F0602020204030203"/>
               </a:rPr>
               <a:t>Proporcionar dados mais consistentes e reduzir de erros</a:t>
             </a:r>
-            <a:endParaRPr b="0" lang="pt-BR" sz="2400" spc="-1" strike="noStrike">
-              <a:latin typeface="Arial"/>
+            <a:endParaRPr lang="pt-BR" sz="2400" b="0" strike="noStrike" spc="-1">
+              <a:latin typeface="Arial" panose="020B0604020202020204"/>
             </a:endParaRPr>
           </a:p>
           <a:p>
@@ -5460,32 +5646,32 @@
                 <a:spcPct val="100000"/>
               </a:lnSpc>
             </a:pPr>
-            <a:endParaRPr b="0" lang="pt-BR" sz="2400" spc="-1" strike="noStrike">
-              <a:latin typeface="Arial"/>
-            </a:endParaRPr>
-          </a:p>
-          <a:p>
-            <a:pPr marL="343080" indent="-342720">
+            <a:endParaRPr lang="pt-BR" sz="2400" b="0" strike="noStrike" spc="-1">
+              <a:latin typeface="Arial" panose="020B0604020202020204"/>
+            </a:endParaRPr>
+          </a:p>
+          <a:p>
+            <a:pPr marL="342900" indent="-342900">
               <a:lnSpc>
                 <a:spcPct val="100000"/>
               </a:lnSpc>
               <a:buClr>
                 <a:srgbClr val="000000"/>
               </a:buClr>
-              <a:buFont typeface="Arial"/>
+              <a:buFont typeface="Arial" panose="020B0604020202020204"/>
               <a:buChar char="•"/>
             </a:pPr>
             <a:r>
-              <a:rPr b="0" lang="pt-BR" sz="2400" spc="-1" strike="noStrike">
+              <a:rPr lang="pt-BR" sz="2400" b="0" strike="noStrike" spc="-1">
                 <a:solidFill>
                   <a:srgbClr val="000000"/>
                 </a:solidFill>
-                <a:latin typeface="Lato"/>
+                <a:latin typeface="Lato" panose="020F0602020204030203"/>
               </a:rPr>
               <a:t>Geração e emissão de relatórios</a:t>
             </a:r>
-            <a:endParaRPr b="0" lang="pt-BR" sz="2400" spc="-1" strike="noStrike">
-              <a:latin typeface="Arial"/>
+            <a:endParaRPr lang="pt-BR" sz="2400" b="0" strike="noStrike" spc="-1">
+              <a:latin typeface="Arial" panose="020B0604020202020204"/>
             </a:endParaRPr>
           </a:p>
           <a:p>
@@ -5494,32 +5680,32 @@
                 <a:spcPct val="100000"/>
               </a:lnSpc>
             </a:pPr>
-            <a:endParaRPr b="0" lang="pt-BR" sz="2400" spc="-1" strike="noStrike">
-              <a:latin typeface="Arial"/>
-            </a:endParaRPr>
-          </a:p>
-          <a:p>
-            <a:pPr marL="343080" indent="-342720">
+            <a:endParaRPr lang="pt-BR" sz="2400" b="0" strike="noStrike" spc="-1">
+              <a:latin typeface="Arial" panose="020B0604020202020204"/>
+            </a:endParaRPr>
+          </a:p>
+          <a:p>
+            <a:pPr marL="342900" indent="-342900">
               <a:lnSpc>
                 <a:spcPct val="100000"/>
               </a:lnSpc>
               <a:buClr>
                 <a:srgbClr val="000000"/>
               </a:buClr>
-              <a:buFont typeface="Arial"/>
+              <a:buFont typeface="Arial" panose="020B0604020202020204"/>
               <a:buChar char="•"/>
             </a:pPr>
             <a:r>
-              <a:rPr b="0" lang="pt-BR" sz="2400" spc="-1" strike="noStrike">
+              <a:rPr lang="pt-BR" sz="2400" b="0" strike="noStrike" spc="-1">
                 <a:solidFill>
                   <a:srgbClr val="000000"/>
                 </a:solidFill>
-                <a:latin typeface="Lato"/>
+                <a:latin typeface="Lato" panose="020F0602020204030203"/>
               </a:rPr>
               <a:t>Maior controle dos dados</a:t>
             </a:r>
-            <a:endParaRPr b="0" lang="pt-BR" sz="2400" spc="-1" strike="noStrike">
-              <a:latin typeface="Arial"/>
+            <a:endParaRPr lang="pt-BR" sz="2400" b="0" strike="noStrike" spc="-1">
+              <a:latin typeface="Arial" panose="020B0604020202020204"/>
             </a:endParaRPr>
           </a:p>
           <a:p>
@@ -5528,32 +5714,32 @@
                 <a:spcPct val="100000"/>
               </a:lnSpc>
             </a:pPr>
-            <a:endParaRPr b="0" lang="pt-BR" sz="2400" spc="-1" strike="noStrike">
-              <a:latin typeface="Arial"/>
-            </a:endParaRPr>
-          </a:p>
-          <a:p>
-            <a:pPr marL="343080" indent="-342720">
+            <a:endParaRPr lang="pt-BR" sz="2400" b="0" strike="noStrike" spc="-1">
+              <a:latin typeface="Arial" panose="020B0604020202020204"/>
+            </a:endParaRPr>
+          </a:p>
+          <a:p>
+            <a:pPr marL="342900" indent="-342900">
               <a:lnSpc>
                 <a:spcPct val="100000"/>
               </a:lnSpc>
               <a:buClr>
                 <a:srgbClr val="000000"/>
               </a:buClr>
-              <a:buFont typeface="Arial"/>
+              <a:buFont typeface="Arial" panose="020B0604020202020204"/>
               <a:buChar char="•"/>
             </a:pPr>
             <a:r>
-              <a:rPr b="0" lang="pt-BR" sz="2400" spc="-1" strike="noStrike">
+              <a:rPr lang="pt-BR" sz="2400" b="0" strike="noStrike" spc="-1">
                 <a:solidFill>
                   <a:srgbClr val="000000"/>
                 </a:solidFill>
-                <a:latin typeface="Lato"/>
+                <a:latin typeface="Lato" panose="020F0602020204030203"/>
               </a:rPr>
               <a:t>Automação de processos manuais com utilização de IoT</a:t>
             </a:r>
-            <a:endParaRPr b="0" lang="pt-BR" sz="2400" spc="-1" strike="noStrike">
-              <a:latin typeface="Arial"/>
+            <a:endParaRPr lang="pt-BR" sz="2400" b="0" strike="noStrike" spc="-1">
+              <a:latin typeface="Arial" panose="020B0604020202020204"/>
             </a:endParaRPr>
           </a:p>
           <a:p>
@@ -5562,32 +5748,32 @@
                 <a:spcPct val="100000"/>
               </a:lnSpc>
             </a:pPr>
-            <a:endParaRPr b="0" lang="pt-BR" sz="2400" spc="-1" strike="noStrike">
-              <a:latin typeface="Arial"/>
-            </a:endParaRPr>
-          </a:p>
-          <a:p>
-            <a:pPr marL="343080" indent="-342720">
+            <a:endParaRPr lang="pt-BR" sz="2400" b="0" strike="noStrike" spc="-1">
+              <a:latin typeface="Arial" panose="020B0604020202020204"/>
+            </a:endParaRPr>
+          </a:p>
+          <a:p>
+            <a:pPr marL="342900" indent="-342900">
               <a:lnSpc>
                 <a:spcPct val="100000"/>
               </a:lnSpc>
               <a:buClr>
                 <a:srgbClr val="000000"/>
               </a:buClr>
-              <a:buFont typeface="Arial"/>
+              <a:buFont typeface="Arial" panose="020B0604020202020204"/>
               <a:buChar char="•"/>
             </a:pPr>
             <a:r>
-              <a:rPr b="0" lang="pt-BR" sz="2400" spc="-1" strike="noStrike">
+              <a:rPr lang="pt-BR" sz="2400" b="0" strike="noStrike" spc="-1">
                 <a:solidFill>
                   <a:srgbClr val="000000"/>
                 </a:solidFill>
-                <a:latin typeface="Lato"/>
+                <a:latin typeface="Lato" panose="020F0602020204030203"/>
               </a:rPr>
               <a:t>Melhoria na tomada de decisões com base em dados analíticos </a:t>
             </a:r>
-            <a:endParaRPr b="0" lang="pt-BR" sz="2400" spc="-1" strike="noStrike">
-              <a:latin typeface="Arial"/>
+            <a:endParaRPr lang="pt-BR" sz="2400" b="0" strike="noStrike" spc="-1">
+              <a:latin typeface="Arial" panose="020B0604020202020204"/>
             </a:endParaRPr>
           </a:p>
           <a:p>
@@ -5596,38 +5782,21 @@
                 <a:spcPct val="100000"/>
               </a:lnSpc>
             </a:pPr>
-            <a:endParaRPr b="0" lang="pt-BR" sz="2400" spc="-1" strike="noStrike">
-              <a:latin typeface="Arial"/>
+            <a:endParaRPr lang="pt-BR" sz="2400" b="0" strike="noStrike" spc="-1">
+              <a:latin typeface="Arial" panose="020B0604020202020204"/>
             </a:endParaRPr>
           </a:p>
         </p:txBody>
       </p:sp>
     </p:spTree>
   </p:cSld>
+  <p:clrMapOvr>
+    <a:masterClrMapping/>
+  </p:clrMapOvr>
   <p:timing>
     <p:tnLst>
       <p:par>
-        <p:cTn id="9" dur="indefinite" restart="never" nodeType="tmRoot">
-          <p:childTnLst>
-            <p:seq>
-              <p:cTn id="10" dur="indefinite" nodeType="mainSeq"/>
-              <p:prevCondLst>
-                <p:cond delay="0" evt="onPrev">
-                  <p:tgtEl>
-                    <p:sldTgt/>
-                  </p:tgtEl>
-                </p:cond>
-              </p:prevCondLst>
-              <p:nextCondLst>
-                <p:cond delay="0" evt="onNext">
-                  <p:tgtEl>
-                    <p:sldTgt/>
-                  </p:tgtEl>
-                </p:cond>
-              </p:nextCondLst>
-            </p:seq>
-          </p:childTnLst>
-        </p:cTn>
+        <p:cTn id="1" dur="indefinite" restart="never" nodeType="tmRoot"/>
       </p:par>
     </p:tnLst>
   </p:timing>
@@ -5635,13 +5804,14 @@
 </file>
 
 <file path=ppt/slides/slide6.xml><?xml version="1.0" encoding="utf-8"?>
-<p:sld xmlns:a="http://schemas.openxmlformats.org/drawingml/2006/main" xmlns:p="http://schemas.openxmlformats.org/presentationml/2006/main" xmlns:r="http://schemas.openxmlformats.org/officeDocument/2006/relationships" xmlns:p14="http://schemas.microsoft.com/office/powerpoint/2010/main" xmlns:p15="http://schemas.microsoft.com/office/powerpoint/2012/main" xmlns:mc="http://schemas.openxmlformats.org/markup-compatibility/2006">
+<p:sld xmlns:a="http://schemas.openxmlformats.org/drawingml/2006/main" xmlns:r="http://schemas.openxmlformats.org/officeDocument/2006/relationships" xmlns:p="http://schemas.openxmlformats.org/presentationml/2006/main">
   <p:cSld>
     <p:bg>
       <p:bgPr>
         <a:solidFill>
-          <a:srgbClr val="f2f2f2"/>
+          <a:srgbClr val="F2F2F2"/>
         </a:solidFill>
+        <a:effectLst/>
       </p:bgPr>
     </p:bg>
     <p:spTree>
@@ -5696,13 +5866,15 @@
       </p:sp>
       <p:pic>
         <p:nvPicPr>
-          <p:cNvPr id="115" name="Imagem 5" descr=""/>
+          <p:cNvPr id="115" name="Imagem 5"/>
           <p:cNvPicPr/>
           <p:nvPr/>
         </p:nvPicPr>
         <p:blipFill>
           <a:blip r:embed="rId1"/>
-          <a:stretch/>
+          <a:stretch>
+            <a:fillRect/>
+          </a:stretch>
         </p:blipFill>
         <p:spPr>
           <a:xfrm>
@@ -5719,13 +5891,15 @@
       </p:pic>
       <p:pic>
         <p:nvPicPr>
-          <p:cNvPr id="116" name="Imagem 9" descr=""/>
+          <p:cNvPr id="116" name="Imagem 9"/>
           <p:cNvPicPr/>
           <p:nvPr/>
         </p:nvPicPr>
         <p:blipFill>
-          <a:blip r:embed="rId2"/>
-          <a:stretch/>
+          <a:blip r:embed="rId1"/>
+          <a:stretch>
+            <a:fillRect/>
+          </a:stretch>
         </p:blipFill>
         <p:spPr>
           <a:xfrm>
@@ -5742,14 +5916,16 @@
       </p:pic>
       <p:pic>
         <p:nvPicPr>
-          <p:cNvPr id="117" name="Imagem 10" descr=""/>
+          <p:cNvPr id="117" name="Imagem 10"/>
           <p:cNvPicPr/>
           <p:nvPr/>
         </p:nvPicPr>
         <p:blipFill>
-          <a:blip r:embed="rId3"/>
-          <a:srcRect l="0" t="0" r="88435" b="0"/>
-          <a:stretch/>
+          <a:blip r:embed="rId1"/>
+          <a:srcRect r="88435"/>
+          <a:stretch>
+            <a:fillRect/>
+          </a:stretch>
         </p:blipFill>
         <p:spPr>
           <a:xfrm>
@@ -5784,13 +5960,19 @@
           </a:ln>
         </p:spPr>
         <p:style>
-          <a:lnRef idx="0"/>
-          <a:fillRef idx="0"/>
-          <a:effectRef idx="0"/>
+          <a:lnRef idx="0">
+            <a:srgbClr val="FFFFFF"/>
+          </a:lnRef>
+          <a:fillRef idx="0">
+            <a:srgbClr val="FFFFFF"/>
+          </a:fillRef>
+          <a:effectRef idx="0">
+            <a:srgbClr val="FFFFFF"/>
+          </a:effectRef>
           <a:fontRef idx="minor"/>
         </p:style>
         <p:txBody>
-          <a:bodyPr wrap="none" lIns="90000" rIns="90000" tIns="45000" bIns="45000"/>
+          <a:bodyPr wrap="none" lIns="90000" tIns="45000" rIns="90000" bIns="45000"/>
           <a:p>
             <a:pPr>
               <a:lnSpc>
@@ -5798,17 +5980,17 @@
               </a:lnSpc>
             </a:pPr>
             <a:r>
-              <a:rPr b="1" lang="pt-BR" sz="4000" spc="-1" strike="noStrike">
+              <a:rPr lang="pt-BR" sz="4000" b="1" strike="noStrike" spc="-1">
                 <a:solidFill>
                   <a:srgbClr val="203864"/>
                 </a:solidFill>
-                <a:latin typeface="Lato Black"/>
-                <a:ea typeface="Lato Black"/>
+                <a:latin typeface="Lato Black" panose="020F0A02020204030203"/>
+                <a:ea typeface="Lato Black" panose="020F0A02020204030203"/>
               </a:rPr>
               <a:t>Proposta de Solução (To Be)</a:t>
             </a:r>
-            <a:endParaRPr b="0" lang="pt-BR" sz="4000" spc="-1" strike="noStrike">
-              <a:latin typeface="Arial"/>
+            <a:endParaRPr lang="pt-BR" sz="4000" b="0" strike="noStrike" spc="-1">
+              <a:latin typeface="Arial" panose="020B0604020202020204"/>
             </a:endParaRPr>
           </a:p>
         </p:txBody>
@@ -5828,7 +6010,7 @@
             <a:avLst/>
           </a:prstGeom>
           <a:solidFill>
-            <a:srgbClr val="333c3c">
+            <a:srgbClr val="333C3C">
               <a:alpha val="62000"/>
             </a:srgbClr>
           </a:solidFill>
@@ -5853,53 +6035,37 @@
       </p:sp>
       <p:pic>
         <p:nvPicPr>
-          <p:cNvPr id="120" name="Picture 1" descr=""/>
-          <p:cNvPicPr/>
+          <p:cNvPr id="2" name="Picture 1" descr="Desenho_Solucao"/>
+          <p:cNvPicPr>
+            <a:picLocks noChangeAspect="1"/>
+          </p:cNvPicPr>
           <p:nvPr/>
         </p:nvPicPr>
         <p:blipFill>
-          <a:blip r:embed="rId4"/>
-          <a:stretch/>
+          <a:blip r:embed="rId2"/>
+          <a:stretch>
+            <a:fillRect/>
+          </a:stretch>
         </p:blipFill>
         <p:spPr>
           <a:xfrm>
-            <a:off x="1112040" y="961560"/>
-            <a:ext cx="10058040" cy="3934080"/>
-          </a:xfrm>
-          <a:prstGeom prst="rect">
-            <a:avLst/>
-          </a:prstGeom>
-          <a:ln>
-            <a:noFill/>
-          </a:ln>
+            <a:off x="1113790" y="1245235"/>
+            <a:ext cx="10058400" cy="3794125"/>
+          </a:xfrm>
+          <a:prstGeom prst="rect">
+            <a:avLst/>
+          </a:prstGeom>
         </p:spPr>
       </p:pic>
     </p:spTree>
   </p:cSld>
+  <p:clrMapOvr>
+    <a:masterClrMapping/>
+  </p:clrMapOvr>
   <p:timing>
     <p:tnLst>
       <p:par>
-        <p:cTn id="11" dur="indefinite" restart="never" nodeType="tmRoot">
-          <p:childTnLst>
-            <p:seq>
-              <p:cTn id="12" dur="indefinite" nodeType="mainSeq"/>
-              <p:prevCondLst>
-                <p:cond delay="0" evt="onPrev">
-                  <p:tgtEl>
-                    <p:sldTgt/>
-                  </p:tgtEl>
-                </p:cond>
-              </p:prevCondLst>
-              <p:nextCondLst>
-                <p:cond delay="0" evt="onNext">
-                  <p:tgtEl>
-                    <p:sldTgt/>
-                  </p:tgtEl>
-                </p:cond>
-              </p:nextCondLst>
-            </p:seq>
-          </p:childTnLst>
-        </p:cTn>
+        <p:cTn id="1" dur="indefinite" restart="never" nodeType="tmRoot"/>
       </p:par>
     </p:tnLst>
   </p:timing>
@@ -5907,13 +6073,14 @@
 </file>
 
 <file path=ppt/slides/slide7.xml><?xml version="1.0" encoding="utf-8"?>
-<p:sld xmlns:a="http://schemas.openxmlformats.org/drawingml/2006/main" xmlns:p="http://schemas.openxmlformats.org/presentationml/2006/main" xmlns:r="http://schemas.openxmlformats.org/officeDocument/2006/relationships" xmlns:p14="http://schemas.microsoft.com/office/powerpoint/2010/main" xmlns:p15="http://schemas.microsoft.com/office/powerpoint/2012/main" xmlns:mc="http://schemas.openxmlformats.org/markup-compatibility/2006">
+<p:sld xmlns:a="http://schemas.openxmlformats.org/drawingml/2006/main" xmlns:r="http://schemas.openxmlformats.org/officeDocument/2006/relationships" xmlns:p="http://schemas.openxmlformats.org/presentationml/2006/main">
   <p:cSld>
     <p:bg>
       <p:bgPr>
         <a:solidFill>
-          <a:srgbClr val="f2f2f2"/>
+          <a:srgbClr val="F2F2F2"/>
         </a:solidFill>
+        <a:effectLst/>
       </p:bgPr>
     </p:bg>
     <p:spTree>
@@ -5968,13 +6135,15 @@
       </p:sp>
       <p:pic>
         <p:nvPicPr>
-          <p:cNvPr id="122" name="Imagem 5" descr=""/>
+          <p:cNvPr id="122" name="Imagem 5"/>
           <p:cNvPicPr/>
           <p:nvPr/>
         </p:nvPicPr>
         <p:blipFill>
           <a:blip r:embed="rId1"/>
-          <a:stretch/>
+          <a:stretch>
+            <a:fillRect/>
+          </a:stretch>
         </p:blipFill>
         <p:spPr>
           <a:xfrm>
@@ -5991,13 +6160,15 @@
       </p:pic>
       <p:pic>
         <p:nvPicPr>
-          <p:cNvPr id="123" name="Imagem 9" descr=""/>
+          <p:cNvPr id="123" name="Imagem 9"/>
           <p:cNvPicPr/>
           <p:nvPr/>
         </p:nvPicPr>
         <p:blipFill>
-          <a:blip r:embed="rId2"/>
-          <a:stretch/>
+          <a:blip r:embed="rId1"/>
+          <a:stretch>
+            <a:fillRect/>
+          </a:stretch>
         </p:blipFill>
         <p:spPr>
           <a:xfrm>
@@ -6014,14 +6185,16 @@
       </p:pic>
       <p:pic>
         <p:nvPicPr>
-          <p:cNvPr id="124" name="Imagem 10" descr=""/>
+          <p:cNvPr id="124" name="Imagem 10"/>
           <p:cNvPicPr/>
           <p:nvPr/>
         </p:nvPicPr>
         <p:blipFill>
-          <a:blip r:embed="rId3"/>
-          <a:srcRect l="0" t="0" r="88435" b="0"/>
-          <a:stretch/>
+          <a:blip r:embed="rId1"/>
+          <a:srcRect r="88435"/>
+          <a:stretch>
+            <a:fillRect/>
+          </a:stretch>
         </p:blipFill>
         <p:spPr>
           <a:xfrm>
@@ -6056,13 +6229,19 @@
           </a:ln>
         </p:spPr>
         <p:style>
-          <a:lnRef idx="0"/>
-          <a:fillRef idx="0"/>
-          <a:effectRef idx="0"/>
+          <a:lnRef idx="0">
+            <a:srgbClr val="FFFFFF"/>
+          </a:lnRef>
+          <a:fillRef idx="0">
+            <a:srgbClr val="FFFFFF"/>
+          </a:fillRef>
+          <a:effectRef idx="0">
+            <a:srgbClr val="FFFFFF"/>
+          </a:effectRef>
           <a:fontRef idx="minor"/>
         </p:style>
         <p:txBody>
-          <a:bodyPr wrap="none" lIns="90000" rIns="90000" tIns="45000" bIns="45000"/>
+          <a:bodyPr wrap="none" lIns="90000" tIns="45000" rIns="90000" bIns="45000"/>
           <a:p>
             <a:pPr>
               <a:lnSpc>
@@ -6070,17 +6249,17 @@
               </a:lnSpc>
             </a:pPr>
             <a:r>
-              <a:rPr b="1" lang="pt-BR" sz="4000" spc="-1" strike="noStrike">
+              <a:rPr lang="pt-BR" sz="4000" b="1" strike="noStrike" spc="-1">
                 <a:solidFill>
                   <a:srgbClr val="203864"/>
                 </a:solidFill>
-                <a:latin typeface="Lato Black"/>
-                <a:ea typeface="Lato Black"/>
+                <a:latin typeface="Lato Black" panose="020F0A02020204030203"/>
+                <a:ea typeface="Lato Black" panose="020F0A02020204030203"/>
               </a:rPr>
               <a:t>Proposta de Solução (To Be)</a:t>
             </a:r>
-            <a:endParaRPr b="0" lang="pt-BR" sz="4000" spc="-1" strike="noStrike">
-              <a:latin typeface="Arial"/>
+            <a:endParaRPr lang="pt-BR" sz="4000" b="0" strike="noStrike" spc="-1">
+              <a:latin typeface="Arial" panose="020B0604020202020204"/>
             </a:endParaRPr>
           </a:p>
         </p:txBody>
@@ -6100,7 +6279,7 @@
             <a:avLst/>
           </a:prstGeom>
           <a:solidFill>
-            <a:srgbClr val="333c3c">
+            <a:srgbClr val="333C3C">
               <a:alpha val="62000"/>
             </a:srgbClr>
           </a:solidFill>
@@ -6143,13 +6322,19 @@
           </a:ln>
         </p:spPr>
         <p:style>
-          <a:lnRef idx="0"/>
-          <a:fillRef idx="0"/>
-          <a:effectRef idx="0"/>
+          <a:lnRef idx="0">
+            <a:srgbClr val="FFFFFF"/>
+          </a:lnRef>
+          <a:fillRef idx="0">
+            <a:srgbClr val="FFFFFF"/>
+          </a:fillRef>
+          <a:effectRef idx="0">
+            <a:srgbClr val="FFFFFF"/>
+          </a:effectRef>
           <a:fontRef idx="minor"/>
         </p:style>
         <p:txBody>
-          <a:bodyPr lIns="90000" rIns="90000" tIns="45000" bIns="45000"/>
+          <a:bodyPr lIns="90000" tIns="45000" rIns="90000" bIns="45000"/>
           <a:p>
             <a:pPr>
               <a:lnSpc>
@@ -6157,16 +6342,16 @@
               </a:lnSpc>
             </a:pPr>
             <a:r>
-              <a:rPr b="0" lang="pt-BR" sz="2400" spc="-1" strike="noStrike">
+              <a:rPr lang="pt-BR" sz="2400" b="0" strike="noStrike" spc="-1">
                 <a:solidFill>
                   <a:srgbClr val="000000"/>
                 </a:solidFill>
-                <a:latin typeface="Lato"/>
+                <a:latin typeface="Lato" panose="020F0602020204030203"/>
               </a:rPr>
               <a:t>Aqui vai o BPMN OU HLD;</a:t>
             </a:r>
-            <a:endParaRPr b="0" lang="pt-BR" sz="2400" spc="-1" strike="noStrike">
-              <a:latin typeface="Arial"/>
+            <a:endParaRPr lang="pt-BR" sz="2400" b="0" strike="noStrike" spc="-1">
+              <a:latin typeface="Arial" panose="020B0604020202020204"/>
             </a:endParaRPr>
           </a:p>
           <a:p>
@@ -6175,8 +6360,8 @@
                 <a:spcPct val="100000"/>
               </a:lnSpc>
             </a:pPr>
-            <a:endParaRPr b="0" lang="pt-BR" sz="2400" spc="-1" strike="noStrike">
-              <a:latin typeface="Arial"/>
+            <a:endParaRPr lang="pt-BR" sz="2400" b="0" strike="noStrike" spc="-1">
+              <a:latin typeface="Arial" panose="020B0604020202020204"/>
             </a:endParaRPr>
           </a:p>
           <a:p>
@@ -6185,22 +6370,24 @@
                 <a:spcPct val="100000"/>
               </a:lnSpc>
             </a:pPr>
-            <a:endParaRPr b="0" lang="pt-BR" sz="2400" spc="-1" strike="noStrike">
-              <a:latin typeface="Arial"/>
+            <a:endParaRPr lang="pt-BR" sz="2400" b="0" strike="noStrike" spc="-1">
+              <a:latin typeface="Arial" panose="020B0604020202020204"/>
             </a:endParaRPr>
           </a:p>
         </p:txBody>
       </p:sp>
       <p:pic>
         <p:nvPicPr>
-          <p:cNvPr id="128" name="Imagem 2" descr=""/>
+          <p:cNvPr id="128" name="Imagem 2"/>
           <p:cNvPicPr/>
           <p:nvPr/>
         </p:nvPicPr>
         <p:blipFill>
-          <a:blip r:embed="rId4"/>
-          <a:srcRect l="0" t="0" r="0" b="3985"/>
-          <a:stretch/>
+          <a:blip r:embed="rId2"/>
+          <a:srcRect b="3985"/>
+          <a:stretch>
+            <a:fillRect/>
+          </a:stretch>
         </p:blipFill>
         <p:spPr>
           <a:xfrm>
@@ -6217,30 +6404,13 @@
       </p:pic>
     </p:spTree>
   </p:cSld>
+  <p:clrMapOvr>
+    <a:masterClrMapping/>
+  </p:clrMapOvr>
   <p:timing>
     <p:tnLst>
       <p:par>
-        <p:cTn id="13" dur="indefinite" restart="never" nodeType="tmRoot">
-          <p:childTnLst>
-            <p:seq>
-              <p:cTn id="14" dur="indefinite" nodeType="mainSeq"/>
-              <p:prevCondLst>
-                <p:cond delay="0" evt="onPrev">
-                  <p:tgtEl>
-                    <p:sldTgt/>
-                  </p:tgtEl>
-                </p:cond>
-              </p:prevCondLst>
-              <p:nextCondLst>
-                <p:cond delay="0" evt="onNext">
-                  <p:tgtEl>
-                    <p:sldTgt/>
-                  </p:tgtEl>
-                </p:cond>
-              </p:nextCondLst>
-            </p:seq>
-          </p:childTnLst>
-        </p:cTn>
+        <p:cTn id="1" dur="indefinite" restart="never" nodeType="tmRoot"/>
       </p:par>
     </p:tnLst>
   </p:timing>
@@ -6248,13 +6418,14 @@
 </file>
 
 <file path=ppt/slides/slide8.xml><?xml version="1.0" encoding="utf-8"?>
-<p:sld xmlns:a="http://schemas.openxmlformats.org/drawingml/2006/main" xmlns:p="http://schemas.openxmlformats.org/presentationml/2006/main" xmlns:r="http://schemas.openxmlformats.org/officeDocument/2006/relationships" xmlns:p14="http://schemas.microsoft.com/office/powerpoint/2010/main" xmlns:p15="http://schemas.microsoft.com/office/powerpoint/2012/main" xmlns:mc="http://schemas.openxmlformats.org/markup-compatibility/2006">
+<p:sld xmlns:a="http://schemas.openxmlformats.org/drawingml/2006/main" xmlns:r="http://schemas.openxmlformats.org/officeDocument/2006/relationships" xmlns:p="http://schemas.openxmlformats.org/presentationml/2006/main">
   <p:cSld>
     <p:bg>
       <p:bgPr>
         <a:solidFill>
-          <a:srgbClr val="f2f2f2"/>
+          <a:srgbClr val="F2F2F2"/>
         </a:solidFill>
+        <a:effectLst/>
       </p:bgPr>
     </p:bg>
     <p:spTree>
@@ -6309,13 +6480,15 @@
       </p:sp>
       <p:pic>
         <p:nvPicPr>
-          <p:cNvPr id="130" name="Imagem 5" descr=""/>
+          <p:cNvPr id="130" name="Imagem 5"/>
           <p:cNvPicPr/>
           <p:nvPr/>
         </p:nvPicPr>
         <p:blipFill>
           <a:blip r:embed="rId1"/>
-          <a:stretch/>
+          <a:stretch>
+            <a:fillRect/>
+          </a:stretch>
         </p:blipFill>
         <p:spPr>
           <a:xfrm>
@@ -6332,13 +6505,15 @@
       </p:pic>
       <p:pic>
         <p:nvPicPr>
-          <p:cNvPr id="131" name="Imagem 9" descr=""/>
+          <p:cNvPr id="131" name="Imagem 9"/>
           <p:cNvPicPr/>
           <p:nvPr/>
         </p:nvPicPr>
         <p:blipFill>
-          <a:blip r:embed="rId2"/>
-          <a:stretch/>
+          <a:blip r:embed="rId1"/>
+          <a:stretch>
+            <a:fillRect/>
+          </a:stretch>
         </p:blipFill>
         <p:spPr>
           <a:xfrm>
@@ -6355,14 +6530,16 @@
       </p:pic>
       <p:pic>
         <p:nvPicPr>
-          <p:cNvPr id="132" name="Imagem 10" descr=""/>
+          <p:cNvPr id="132" name="Imagem 10"/>
           <p:cNvPicPr/>
           <p:nvPr/>
         </p:nvPicPr>
         <p:blipFill>
-          <a:blip r:embed="rId3"/>
-          <a:srcRect l="0" t="0" r="88435" b="0"/>
-          <a:stretch/>
+          <a:blip r:embed="rId1"/>
+          <a:srcRect r="88435"/>
+          <a:stretch>
+            <a:fillRect/>
+          </a:stretch>
         </p:blipFill>
         <p:spPr>
           <a:xfrm>
@@ -6397,13 +6574,19 @@
           </a:ln>
         </p:spPr>
         <p:style>
-          <a:lnRef idx="0"/>
-          <a:fillRef idx="0"/>
-          <a:effectRef idx="0"/>
+          <a:lnRef idx="0">
+            <a:srgbClr val="FFFFFF"/>
+          </a:lnRef>
+          <a:fillRef idx="0">
+            <a:srgbClr val="FFFFFF"/>
+          </a:fillRef>
+          <a:effectRef idx="0">
+            <a:srgbClr val="FFFFFF"/>
+          </a:effectRef>
           <a:fontRef idx="minor"/>
         </p:style>
         <p:txBody>
-          <a:bodyPr wrap="none" lIns="90000" rIns="90000" tIns="45000" bIns="45000"/>
+          <a:bodyPr wrap="none" lIns="90000" tIns="45000" rIns="90000" bIns="45000"/>
           <a:p>
             <a:pPr>
               <a:lnSpc>
@@ -6411,17 +6594,17 @@
               </a:lnSpc>
             </a:pPr>
             <a:r>
-              <a:rPr b="1" lang="pt-BR" sz="4000" spc="-1" strike="noStrike">
+              <a:rPr lang="pt-BR" sz="4000" b="1" strike="noStrike" spc="-1">
                 <a:solidFill>
                   <a:srgbClr val="203864"/>
                 </a:solidFill>
-                <a:latin typeface="Lato Black"/>
-                <a:ea typeface="Lato Black"/>
+                <a:latin typeface="Lato Black" panose="020F0A02020204030203"/>
+                <a:ea typeface="Lato Black" panose="020F0A02020204030203"/>
               </a:rPr>
               <a:t>Proposta de Solução (To Be)</a:t>
             </a:r>
-            <a:endParaRPr b="0" lang="pt-BR" sz="4000" spc="-1" strike="noStrike">
-              <a:latin typeface="Arial"/>
+            <a:endParaRPr lang="pt-BR" sz="4000" b="0" strike="noStrike" spc="-1">
+              <a:latin typeface="Arial" panose="020B0604020202020204"/>
             </a:endParaRPr>
           </a:p>
         </p:txBody>
@@ -6441,7 +6624,7 @@
             <a:avLst/>
           </a:prstGeom>
           <a:solidFill>
-            <a:srgbClr val="333c3c">
+            <a:srgbClr val="333C3C">
               <a:alpha val="62000"/>
             </a:srgbClr>
           </a:solidFill>
@@ -6484,107 +6667,113 @@
           </a:ln>
         </p:spPr>
         <p:style>
-          <a:lnRef idx="0"/>
-          <a:fillRef idx="0"/>
-          <a:effectRef idx="0"/>
+          <a:lnRef idx="0">
+            <a:srgbClr val="FFFFFF"/>
+          </a:lnRef>
+          <a:fillRef idx="0">
+            <a:srgbClr val="FFFFFF"/>
+          </a:fillRef>
+          <a:effectRef idx="0">
+            <a:srgbClr val="FFFFFF"/>
+          </a:effectRef>
           <a:fontRef idx="minor"/>
         </p:style>
         <p:txBody>
-          <a:bodyPr lIns="90000" rIns="90000" tIns="45000" bIns="45000"/>
-          <a:p>
-            <a:pPr marL="343080" indent="-342720">
+          <a:bodyPr lIns="90000" tIns="45000" rIns="90000" bIns="45000"/>
+          <a:p>
+            <a:pPr marL="342900" indent="-342900">
               <a:lnSpc>
                 <a:spcPct val="150000"/>
               </a:lnSpc>
               <a:buClr>
                 <a:srgbClr val="000000"/>
               </a:buClr>
-              <a:buFont typeface="Arial"/>
+              <a:buFont typeface="Arial" panose="020B0604020202020204"/>
               <a:buChar char="•"/>
             </a:pPr>
             <a:r>
-              <a:rPr b="0" lang="pt-BR" sz="2400" spc="-1" strike="noStrike">
+              <a:rPr lang="pt-BR" sz="2400" b="0" strike="noStrike" spc="-1">
                 <a:solidFill>
                   <a:srgbClr val="000000"/>
                 </a:solidFill>
-                <a:latin typeface="Lato"/>
+                <a:latin typeface="Lato" panose="020F0602020204030203"/>
               </a:rPr>
               <a:t>Pontualidade</a:t>
             </a:r>
-            <a:endParaRPr b="0" lang="pt-BR" sz="2400" spc="-1" strike="noStrike">
-              <a:latin typeface="Arial"/>
-            </a:endParaRPr>
-          </a:p>
-          <a:p>
-            <a:pPr marL="343080" indent="-342720">
+            <a:endParaRPr lang="pt-BR" sz="2400" b="0" strike="noStrike" spc="-1">
+              <a:latin typeface="Arial" panose="020B0604020202020204"/>
+            </a:endParaRPr>
+          </a:p>
+          <a:p>
+            <a:pPr marL="342900" indent="-342900">
               <a:lnSpc>
                 <a:spcPct val="150000"/>
               </a:lnSpc>
               <a:buClr>
                 <a:srgbClr val="000000"/>
               </a:buClr>
-              <a:buFont typeface="Arial"/>
+              <a:buFont typeface="Arial" panose="020B0604020202020204"/>
               <a:buChar char="•"/>
             </a:pPr>
             <a:r>
-              <a:rPr b="0" lang="pt-BR" sz="2400" spc="-1" strike="noStrike">
+              <a:rPr lang="pt-BR" sz="2400" b="0" strike="noStrike" spc="-1">
                 <a:solidFill>
                   <a:srgbClr val="000000"/>
                 </a:solidFill>
-                <a:latin typeface="Lato"/>
+                <a:latin typeface="Lato" panose="020F0602020204030203"/>
               </a:rPr>
               <a:t>Confiabilidade</a:t>
             </a:r>
-            <a:endParaRPr b="0" lang="pt-BR" sz="2400" spc="-1" strike="noStrike">
-              <a:latin typeface="Arial"/>
-            </a:endParaRPr>
-          </a:p>
-          <a:p>
-            <a:pPr marL="343080" indent="-342720">
+            <a:endParaRPr lang="pt-BR" sz="2400" b="0" strike="noStrike" spc="-1">
+              <a:latin typeface="Arial" panose="020B0604020202020204"/>
+            </a:endParaRPr>
+          </a:p>
+          <a:p>
+            <a:pPr marL="342900" indent="-342900">
               <a:lnSpc>
                 <a:spcPct val="150000"/>
               </a:lnSpc>
               <a:buClr>
                 <a:srgbClr val="000000"/>
               </a:buClr>
-              <a:buFont typeface="Arial"/>
+              <a:buFont typeface="Arial" panose="020B0604020202020204"/>
               <a:buChar char="•"/>
             </a:pPr>
             <a:r>
-              <a:rPr b="0" lang="pt-BR" sz="2400" spc="-1" strike="noStrike">
+              <a:rPr lang="pt-BR" sz="2400" b="0" strike="noStrike" spc="-1">
                 <a:solidFill>
                   <a:srgbClr val="000000"/>
                 </a:solidFill>
-                <a:latin typeface="Lato"/>
+                <a:latin typeface="Lato" panose="020F0602020204030203"/>
               </a:rPr>
               <a:t>Conforto</a:t>
             </a:r>
-            <a:endParaRPr b="0" lang="pt-BR" sz="2400" spc="-1" strike="noStrike">
-              <a:latin typeface="Arial"/>
-            </a:endParaRPr>
-          </a:p>
-          <a:p>
-            <a:pPr marL="343080" indent="-342720">
+            <a:endParaRPr lang="pt-BR" sz="2400" b="0" strike="noStrike" spc="-1">
+              <a:latin typeface="Arial" panose="020B0604020202020204"/>
+            </a:endParaRPr>
+          </a:p>
+          <a:p>
+            <a:pPr marL="342900" indent="-342900">
               <a:lnSpc>
                 <a:spcPct val="150000"/>
               </a:lnSpc>
               <a:buClr>
                 <a:srgbClr val="000000"/>
               </a:buClr>
-              <a:buFont typeface="Arial"/>
+              <a:buFont typeface="Arial" panose="020B0604020202020204"/>
               <a:buChar char="•"/>
             </a:pPr>
             <a:r>
-              <a:rPr b="0" lang="pt-BR" sz="2400" spc="-1" strike="noStrike">
+              <a:rPr lang="pt-BR" sz="2400" b="0" strike="noStrike" spc="-1">
                 <a:solidFill>
                   <a:srgbClr val="000000"/>
                 </a:solidFill>
-                <a:latin typeface="Lato"/>
+                <a:latin typeface="Lato" panose="020F0602020204030203"/>
               </a:rPr>
               <a:t>Segurança</a:t>
             </a:r>
-            <a:endParaRPr b="0" lang="pt-BR" sz="2400" spc="-1" strike="noStrike">
-              <a:latin typeface="Arial"/>
+            <a:endParaRPr lang="pt-BR" sz="2400" b="0" strike="noStrike" spc="-1">
+              <a:latin typeface="Arial" panose="020B0604020202020204"/>
             </a:endParaRPr>
           </a:p>
           <a:p>
@@ -6593,8 +6782,8 @@
                 <a:spcPct val="100000"/>
               </a:lnSpc>
             </a:pPr>
-            <a:endParaRPr b="0" lang="pt-BR" sz="2400" spc="-1" strike="noStrike">
-              <a:latin typeface="Arial"/>
+            <a:endParaRPr lang="pt-BR" sz="2400" b="0" strike="noStrike" spc="-1">
+              <a:latin typeface="Arial" panose="020B0604020202020204"/>
             </a:endParaRPr>
           </a:p>
         </p:txBody>
@@ -6619,38 +6808,27 @@
           </a:ln>
         </p:spPr>
         <p:style>
-          <a:lnRef idx="0"/>
-          <a:fillRef idx="0"/>
-          <a:effectRef idx="0"/>
+          <a:lnRef idx="0">
+            <a:srgbClr val="FFFFFF"/>
+          </a:lnRef>
+          <a:fillRef idx="0">
+            <a:srgbClr val="FFFFFF"/>
+          </a:fillRef>
+          <a:effectRef idx="0">
+            <a:srgbClr val="FFFFFF"/>
+          </a:effectRef>
           <a:fontRef idx="minor"/>
         </p:style>
       </p:sp>
     </p:spTree>
   </p:cSld>
+  <p:clrMapOvr>
+    <a:masterClrMapping/>
+  </p:clrMapOvr>
   <p:timing>
     <p:tnLst>
       <p:par>
-        <p:cTn id="15" dur="indefinite" restart="never" nodeType="tmRoot">
-          <p:childTnLst>
-            <p:seq>
-              <p:cTn id="16" dur="indefinite" nodeType="mainSeq"/>
-              <p:prevCondLst>
-                <p:cond delay="0" evt="onPrev">
-                  <p:tgtEl>
-                    <p:sldTgt/>
-                  </p:tgtEl>
-                </p:cond>
-              </p:prevCondLst>
-              <p:nextCondLst>
-                <p:cond delay="0" evt="onNext">
-                  <p:tgtEl>
-                    <p:sldTgt/>
-                  </p:tgtEl>
-                </p:cond>
-              </p:nextCondLst>
-            </p:seq>
-          </p:childTnLst>
-        </p:cTn>
+        <p:cTn id="1" dur="indefinite" restart="never" nodeType="tmRoot"/>
       </p:par>
     </p:tnLst>
   </p:timing>
@@ -6668,34 +6846,34 @@
         <a:sysClr val="window" lastClr="FFFFFF"/>
       </a:lt1>
       <a:dk2>
-        <a:srgbClr val="44546a"/>
+        <a:srgbClr val="44546A"/>
       </a:dk2>
       <a:lt2>
-        <a:srgbClr val="e7e6e6"/>
+        <a:srgbClr val="E7E6E6"/>
       </a:lt2>
       <a:accent1>
-        <a:srgbClr val="4472c4"/>
+        <a:srgbClr val="4472C4"/>
       </a:accent1>
       <a:accent2>
-        <a:srgbClr val="ed7d31"/>
+        <a:srgbClr val="ED7D31"/>
       </a:accent2>
       <a:accent3>
-        <a:srgbClr val="a5a5a5"/>
+        <a:srgbClr val="A5A5A5"/>
       </a:accent3>
       <a:accent4>
-        <a:srgbClr val="ffc000"/>
+        <a:srgbClr val="FFC000"/>
       </a:accent4>
       <a:accent5>
-        <a:srgbClr val="5b9bd5"/>
+        <a:srgbClr val="5B9BD5"/>
       </a:accent5>
       <a:accent6>
-        <a:srgbClr val="70ad47"/>
+        <a:srgbClr val="70AD47"/>
       </a:accent6>
       <a:hlink>
-        <a:srgbClr val="0563c1"/>
+        <a:srgbClr val="0563C1"/>
       </a:hlink>
       <a:folHlink>
-        <a:srgbClr val="954f72"/>
+        <a:srgbClr val="954F72"/>
       </a:folHlink>
     </a:clrScheme>
     <a:fontScheme name="Office">
@@ -6877,6 +7055,11 @@
       </a:bgFillStyleLst>
     </a:fmtScheme>
   </a:themeElements>
+  <a:extLst>
+    <a:ext uri="{05A4C25C-085E-4340-85A3-A5531E510DB2}">
+      <thm15:themeFamily xmlns:thm15="http://schemas.microsoft.com/office/thememl/2012/main" name="Office Theme" id="{62F939B6-93AF-4DB8-9C6B-D6C7DFDC589F}" vid="{4A3C46E8-61CC-4603-A589-7422A47A8E4A}"/>
+    </a:ext>
+  </a:extLst>
 </a:theme>
 </file>
 
@@ -6891,34 +7074,34 @@
         <a:sysClr val="window" lastClr="FFFFFF"/>
       </a:lt1>
       <a:dk2>
-        <a:srgbClr val="44546a"/>
+        <a:srgbClr val="44546A"/>
       </a:dk2>
       <a:lt2>
-        <a:srgbClr val="e7e6e6"/>
+        <a:srgbClr val="E7E6E6"/>
       </a:lt2>
       <a:accent1>
-        <a:srgbClr val="4472c4"/>
+        <a:srgbClr val="4472C4"/>
       </a:accent1>
       <a:accent2>
-        <a:srgbClr val="ed7d31"/>
+        <a:srgbClr val="ED7D31"/>
       </a:accent2>
       <a:accent3>
-        <a:srgbClr val="a5a5a5"/>
+        <a:srgbClr val="A5A5A5"/>
       </a:accent3>
       <a:accent4>
-        <a:srgbClr val="ffc000"/>
+        <a:srgbClr val="FFC000"/>
       </a:accent4>
       <a:accent5>
-        <a:srgbClr val="5b9bd5"/>
+        <a:srgbClr val="5B9BD5"/>
       </a:accent5>
       <a:accent6>
-        <a:srgbClr val="70ad47"/>
+        <a:srgbClr val="70AD47"/>
       </a:accent6>
       <a:hlink>
-        <a:srgbClr val="0563c1"/>
+        <a:srgbClr val="0563C1"/>
       </a:hlink>
       <a:folHlink>
-        <a:srgbClr val="954f72"/>
+        <a:srgbClr val="954F72"/>
       </a:folHlink>
     </a:clrScheme>
     <a:fontScheme name="Office">
@@ -7100,5 +7283,10 @@
       </a:bgFillStyleLst>
     </a:fmtScheme>
   </a:themeElements>
+  <a:extLst>
+    <a:ext uri="{05A4C25C-085E-4340-85A3-A5531E510DB2}">
+      <thm15:themeFamily xmlns:thm15="http://schemas.microsoft.com/office/thememl/2012/main" name="Office Theme" id="{62F939B6-93AF-4DB8-9C6B-D6C7DFDC589F}" vid="{4A3C46E8-61CC-4603-A589-7422A47A8E4A}"/>
+    </a:ext>
+  </a:extLst>
 </a:theme>
 </file>
--- a/Sprint1/Apresentacoes/PI_Contexto.pptx
+++ b/Sprint1/Apresentacoes/PI_Contexto.pptx
@@ -3,20 +3,20 @@
 <p:presentation xmlns:a="http://schemas.openxmlformats.org/drawingml/2006/main" xmlns:r="http://schemas.openxmlformats.org/officeDocument/2006/relationships" xmlns:p="http://schemas.openxmlformats.org/presentationml/2006/main">
   <p:sldMasterIdLst>
     <p:sldMasterId id="2147483648" r:id="rId1"/>
-    <p:sldMasterId id="2147483661" r:id="rId3"/>
+    <p:sldMasterId id="2147483661" r:id="rId2"/>
   </p:sldMasterIdLst>
   <p:sldIdLst>
-    <p:sldId id="256" r:id="rId4"/>
-    <p:sldId id="257" r:id="rId5"/>
-    <p:sldId id="258" r:id="rId6"/>
-    <p:sldId id="259" r:id="rId7"/>
-    <p:sldId id="260" r:id="rId8"/>
-    <p:sldId id="261" r:id="rId9"/>
-    <p:sldId id="262" r:id="rId10"/>
-    <p:sldId id="263" r:id="rId11"/>
+    <p:sldId id="256" r:id="rId3"/>
+    <p:sldId id="257" r:id="rId4"/>
+    <p:sldId id="258" r:id="rId5"/>
+    <p:sldId id="259" r:id="rId6"/>
+    <p:sldId id="260" r:id="rId7"/>
+    <p:sldId id="261" r:id="rId8"/>
+    <p:sldId id="262" r:id="rId9"/>
+    <p:sldId id="263" r:id="rId10"/>
   </p:sldIdLst>
   <p:sldSz cx="12192000" cy="6858000"/>
-  <p:notesSz cx="7559675" cy="10691495"/>
+  <p:notesSz cx="7559675" cy="10691813"/>
   <p:defaultTextStyle>
     <a:lvl1pPr marL="0" algn="l" defTabSz="914400" rtl="0" eaLnBrk="1" latinLnBrk="0" hangingPunct="1">
       <a:defRPr sz="1800" kern="1200">
@@ -175,6 +175,7 @@
         </p:spPr>
         <p:txBody>
           <a:bodyPr lIns="0" tIns="0" rIns="0" bIns="0" anchor="ctr"/>
+          <a:lstStyle/>
           <a:p>
             <a:endParaRPr lang="pt-BR" sz="1800" b="0" strike="noStrike" spc="-1">
               <a:solidFill>
@@ -208,6 +209,7 @@
           <a:bodyPr lIns="0" tIns="0" rIns="0" bIns="0">
             <a:normAutofit/>
           </a:bodyPr>
+          <a:lstStyle/>
           <a:p>
             <a:endParaRPr lang="pt-BR" sz="2800" b="0" strike="noStrike" spc="-1">
               <a:solidFill>
@@ -241,6 +243,7 @@
           <a:bodyPr lIns="0" tIns="0" rIns="0" bIns="0">
             <a:normAutofit/>
           </a:bodyPr>
+          <a:lstStyle/>
           <a:p>
             <a:endParaRPr lang="pt-BR" sz="2800" b="0" strike="noStrike" spc="-1">
               <a:solidFill>
@@ -297,6 +300,7 @@
         </p:spPr>
         <p:txBody>
           <a:bodyPr lIns="0" tIns="0" rIns="0" bIns="0" anchor="ctr"/>
+          <a:lstStyle/>
           <a:p>
             <a:endParaRPr lang="pt-BR" sz="1800" b="0" strike="noStrike" spc="-1">
               <a:solidFill>
@@ -330,6 +334,7 @@
           <a:bodyPr lIns="0" tIns="0" rIns="0" bIns="0">
             <a:normAutofit/>
           </a:bodyPr>
+          <a:lstStyle/>
           <a:p>
             <a:endParaRPr lang="pt-BR" sz="2800" b="0" strike="noStrike" spc="-1">
               <a:solidFill>
@@ -363,6 +368,7 @@
           <a:bodyPr lIns="0" tIns="0" rIns="0" bIns="0">
             <a:normAutofit/>
           </a:bodyPr>
+          <a:lstStyle/>
           <a:p>
             <a:endParaRPr lang="pt-BR" sz="2800" b="0" strike="noStrike" spc="-1">
               <a:solidFill>
@@ -396,6 +402,7 @@
           <a:bodyPr lIns="0" tIns="0" rIns="0" bIns="0">
             <a:normAutofit/>
           </a:bodyPr>
+          <a:lstStyle/>
           <a:p>
             <a:endParaRPr lang="pt-BR" sz="2800" b="0" strike="noStrike" spc="-1">
               <a:solidFill>
@@ -429,6 +436,7 @@
           <a:bodyPr lIns="0" tIns="0" rIns="0" bIns="0">
             <a:normAutofit/>
           </a:bodyPr>
+          <a:lstStyle/>
           <a:p>
             <a:endParaRPr lang="pt-BR" sz="2800" b="0" strike="noStrike" spc="-1">
               <a:solidFill>
@@ -485,6 +493,7 @@
         </p:spPr>
         <p:txBody>
           <a:bodyPr lIns="0" tIns="0" rIns="0" bIns="0" anchor="ctr"/>
+          <a:lstStyle/>
           <a:p>
             <a:endParaRPr lang="pt-BR" sz="1800" b="0" strike="noStrike" spc="-1">
               <a:solidFill>
@@ -518,6 +527,7 @@
           <a:bodyPr lIns="0" tIns="0" rIns="0" bIns="0">
             <a:normAutofit/>
           </a:bodyPr>
+          <a:lstStyle/>
           <a:p>
             <a:endParaRPr lang="pt-BR" sz="2800" b="0" strike="noStrike" spc="-1">
               <a:solidFill>
@@ -551,6 +561,7 @@
           <a:bodyPr lIns="0" tIns="0" rIns="0" bIns="0">
             <a:normAutofit/>
           </a:bodyPr>
+          <a:lstStyle/>
           <a:p>
             <a:endParaRPr lang="pt-BR" sz="2800" b="0" strike="noStrike" spc="-1">
               <a:solidFill>
@@ -584,6 +595,7 @@
           <a:bodyPr lIns="0" tIns="0" rIns="0" bIns="0">
             <a:normAutofit/>
           </a:bodyPr>
+          <a:lstStyle/>
           <a:p>
             <a:endParaRPr lang="pt-BR" sz="2800" b="0" strike="noStrike" spc="-1">
               <a:solidFill>
@@ -617,6 +629,7 @@
           <a:bodyPr lIns="0" tIns="0" rIns="0" bIns="0">
             <a:normAutofit/>
           </a:bodyPr>
+          <a:lstStyle/>
           <a:p>
             <a:endParaRPr lang="pt-BR" sz="2800" b="0" strike="noStrike" spc="-1">
               <a:solidFill>
@@ -650,6 +663,7 @@
           <a:bodyPr lIns="0" tIns="0" rIns="0" bIns="0">
             <a:normAutofit/>
           </a:bodyPr>
+          <a:lstStyle/>
           <a:p>
             <a:endParaRPr lang="pt-BR" sz="2800" b="0" strike="noStrike" spc="-1">
               <a:solidFill>
@@ -683,6 +697,7 @@
           <a:bodyPr lIns="0" tIns="0" rIns="0" bIns="0">
             <a:normAutofit/>
           </a:bodyPr>
+          <a:lstStyle/>
           <a:p>
             <a:endParaRPr lang="pt-BR" sz="2800" b="0" strike="noStrike" spc="-1">
               <a:solidFill>
@@ -764,6 +779,7 @@
         </p:spPr>
         <p:txBody>
           <a:bodyPr lIns="0" tIns="0" rIns="0" bIns="0" anchor="ctr"/>
+          <a:lstStyle/>
           <a:p>
             <a:endParaRPr lang="pt-BR" sz="1800" b="0" strike="noStrike" spc="-1">
               <a:solidFill>
@@ -795,6 +811,7 @@
         </p:spPr>
         <p:txBody>
           <a:bodyPr lIns="0" tIns="0" rIns="0" bIns="0" anchor="ctr"/>
+          <a:lstStyle/>
           <a:p>
             <a:pPr algn="ctr"/>
             <a:endParaRPr lang="pt-BR" sz="3200" b="0" strike="noStrike" spc="-1">
@@ -849,6 +866,7 @@
         </p:spPr>
         <p:txBody>
           <a:bodyPr lIns="0" tIns="0" rIns="0" bIns="0" anchor="ctr"/>
+          <a:lstStyle/>
           <a:p>
             <a:endParaRPr lang="pt-BR" sz="1800" b="0" strike="noStrike" spc="-1">
               <a:solidFill>
@@ -882,6 +900,7 @@
           <a:bodyPr lIns="0" tIns="0" rIns="0" bIns="0">
             <a:normAutofit/>
           </a:bodyPr>
+          <a:lstStyle/>
           <a:p>
             <a:endParaRPr lang="pt-BR" sz="2800" b="0" strike="noStrike" spc="-1">
               <a:solidFill>
@@ -938,6 +957,7 @@
         </p:spPr>
         <p:txBody>
           <a:bodyPr lIns="0" tIns="0" rIns="0" bIns="0" anchor="ctr"/>
+          <a:lstStyle/>
           <a:p>
             <a:endParaRPr lang="pt-BR" sz="1800" b="0" strike="noStrike" spc="-1">
               <a:solidFill>
@@ -971,6 +991,7 @@
           <a:bodyPr lIns="0" tIns="0" rIns="0" bIns="0">
             <a:normAutofit/>
           </a:bodyPr>
+          <a:lstStyle/>
           <a:p>
             <a:endParaRPr lang="pt-BR" sz="2800" b="0" strike="noStrike" spc="-1">
               <a:solidFill>
@@ -1004,6 +1025,7 @@
           <a:bodyPr lIns="0" tIns="0" rIns="0" bIns="0">
             <a:normAutofit/>
           </a:bodyPr>
+          <a:lstStyle/>
           <a:p>
             <a:endParaRPr lang="pt-BR" sz="2800" b="0" strike="noStrike" spc="-1">
               <a:solidFill>
@@ -1060,6 +1082,7 @@
         </p:spPr>
         <p:txBody>
           <a:bodyPr lIns="0" tIns="0" rIns="0" bIns="0" anchor="ctr"/>
+          <a:lstStyle/>
           <a:p>
             <a:endParaRPr lang="pt-BR" sz="1800" b="0" strike="noStrike" spc="-1">
               <a:solidFill>
@@ -1116,6 +1139,7 @@
         </p:spPr>
         <p:txBody>
           <a:bodyPr lIns="0" tIns="0" rIns="0" bIns="0" anchor="ctr"/>
+          <a:lstStyle/>
           <a:p>
             <a:pPr algn="ctr"/>
             <a:endParaRPr lang="pt-BR" sz="3200" b="0" strike="noStrike" spc="-1">
@@ -1170,6 +1194,7 @@
         </p:spPr>
         <p:txBody>
           <a:bodyPr lIns="0" tIns="0" rIns="0" bIns="0" anchor="ctr"/>
+          <a:lstStyle/>
           <a:p>
             <a:endParaRPr lang="pt-BR" sz="1800" b="0" strike="noStrike" spc="-1">
               <a:solidFill>
@@ -1203,6 +1228,7 @@
           <a:bodyPr lIns="0" tIns="0" rIns="0" bIns="0">
             <a:normAutofit/>
           </a:bodyPr>
+          <a:lstStyle/>
           <a:p>
             <a:endParaRPr lang="pt-BR" sz="2800" b="0" strike="noStrike" spc="-1">
               <a:solidFill>
@@ -1236,6 +1262,7 @@
           <a:bodyPr lIns="0" tIns="0" rIns="0" bIns="0">
             <a:normAutofit/>
           </a:bodyPr>
+          <a:lstStyle/>
           <a:p>
             <a:endParaRPr lang="pt-BR" sz="2800" b="0" strike="noStrike" spc="-1">
               <a:solidFill>
@@ -1269,6 +1296,7 @@
           <a:bodyPr lIns="0" tIns="0" rIns="0" bIns="0">
             <a:normAutofit/>
           </a:bodyPr>
+          <a:lstStyle/>
           <a:p>
             <a:endParaRPr lang="pt-BR" sz="2800" b="0" strike="noStrike" spc="-1">
               <a:solidFill>
@@ -1325,6 +1353,7 @@
         </p:spPr>
         <p:txBody>
           <a:bodyPr lIns="0" tIns="0" rIns="0" bIns="0" anchor="ctr"/>
+          <a:lstStyle/>
           <a:p>
             <a:endParaRPr lang="pt-BR" sz="1800" b="0" strike="noStrike" spc="-1">
               <a:solidFill>
@@ -1356,6 +1385,7 @@
         </p:spPr>
         <p:txBody>
           <a:bodyPr lIns="0" tIns="0" rIns="0" bIns="0" anchor="ctr"/>
+          <a:lstStyle/>
           <a:p>
             <a:pPr algn="ctr"/>
             <a:endParaRPr lang="pt-BR" sz="3200" b="0" strike="noStrike" spc="-1">
@@ -1410,6 +1440,7 @@
         </p:spPr>
         <p:txBody>
           <a:bodyPr lIns="0" tIns="0" rIns="0" bIns="0" anchor="ctr"/>
+          <a:lstStyle/>
           <a:p>
             <a:endParaRPr lang="pt-BR" sz="1800" b="0" strike="noStrike" spc="-1">
               <a:solidFill>
@@ -1443,6 +1474,7 @@
           <a:bodyPr lIns="0" tIns="0" rIns="0" bIns="0">
             <a:normAutofit/>
           </a:bodyPr>
+          <a:lstStyle/>
           <a:p>
             <a:endParaRPr lang="pt-BR" sz="2800" b="0" strike="noStrike" spc="-1">
               <a:solidFill>
@@ -1476,6 +1508,7 @@
           <a:bodyPr lIns="0" tIns="0" rIns="0" bIns="0">
             <a:normAutofit/>
           </a:bodyPr>
+          <a:lstStyle/>
           <a:p>
             <a:endParaRPr lang="pt-BR" sz="2800" b="0" strike="noStrike" spc="-1">
               <a:solidFill>
@@ -1509,6 +1542,7 @@
           <a:bodyPr lIns="0" tIns="0" rIns="0" bIns="0">
             <a:normAutofit/>
           </a:bodyPr>
+          <a:lstStyle/>
           <a:p>
             <a:endParaRPr lang="pt-BR" sz="2800" b="0" strike="noStrike" spc="-1">
               <a:solidFill>
@@ -1565,6 +1599,7 @@
         </p:spPr>
         <p:txBody>
           <a:bodyPr lIns="0" tIns="0" rIns="0" bIns="0" anchor="ctr"/>
+          <a:lstStyle/>
           <a:p>
             <a:endParaRPr lang="pt-BR" sz="1800" b="0" strike="noStrike" spc="-1">
               <a:solidFill>
@@ -1598,6 +1633,7 @@
           <a:bodyPr lIns="0" tIns="0" rIns="0" bIns="0">
             <a:normAutofit/>
           </a:bodyPr>
+          <a:lstStyle/>
           <a:p>
             <a:endParaRPr lang="pt-BR" sz="2800" b="0" strike="noStrike" spc="-1">
               <a:solidFill>
@@ -1631,6 +1667,7 @@
           <a:bodyPr lIns="0" tIns="0" rIns="0" bIns="0">
             <a:normAutofit/>
           </a:bodyPr>
+          <a:lstStyle/>
           <a:p>
             <a:endParaRPr lang="pt-BR" sz="2800" b="0" strike="noStrike" spc="-1">
               <a:solidFill>
@@ -1664,6 +1701,7 @@
           <a:bodyPr lIns="0" tIns="0" rIns="0" bIns="0">
             <a:normAutofit/>
           </a:bodyPr>
+          <a:lstStyle/>
           <a:p>
             <a:endParaRPr lang="pt-BR" sz="2800" b="0" strike="noStrike" spc="-1">
               <a:solidFill>
@@ -1720,6 +1758,7 @@
         </p:spPr>
         <p:txBody>
           <a:bodyPr lIns="0" tIns="0" rIns="0" bIns="0" anchor="ctr"/>
+          <a:lstStyle/>
           <a:p>
             <a:endParaRPr lang="pt-BR" sz="1800" b="0" strike="noStrike" spc="-1">
               <a:solidFill>
@@ -1753,6 +1792,7 @@
           <a:bodyPr lIns="0" tIns="0" rIns="0" bIns="0">
             <a:normAutofit/>
           </a:bodyPr>
+          <a:lstStyle/>
           <a:p>
             <a:endParaRPr lang="pt-BR" sz="2800" b="0" strike="noStrike" spc="-1">
               <a:solidFill>
@@ -1786,6 +1826,7 @@
           <a:bodyPr lIns="0" tIns="0" rIns="0" bIns="0">
             <a:normAutofit/>
           </a:bodyPr>
+          <a:lstStyle/>
           <a:p>
             <a:endParaRPr lang="pt-BR" sz="2800" b="0" strike="noStrike" spc="-1">
               <a:solidFill>
@@ -1842,6 +1883,7 @@
         </p:spPr>
         <p:txBody>
           <a:bodyPr lIns="0" tIns="0" rIns="0" bIns="0" anchor="ctr"/>
+          <a:lstStyle/>
           <a:p>
             <a:endParaRPr lang="pt-BR" sz="1800" b="0" strike="noStrike" spc="-1">
               <a:solidFill>
@@ -1875,6 +1917,7 @@
           <a:bodyPr lIns="0" tIns="0" rIns="0" bIns="0">
             <a:normAutofit/>
           </a:bodyPr>
+          <a:lstStyle/>
           <a:p>
             <a:endParaRPr lang="pt-BR" sz="2800" b="0" strike="noStrike" spc="-1">
               <a:solidFill>
@@ -1908,6 +1951,7 @@
           <a:bodyPr lIns="0" tIns="0" rIns="0" bIns="0">
             <a:normAutofit/>
           </a:bodyPr>
+          <a:lstStyle/>
           <a:p>
             <a:endParaRPr lang="pt-BR" sz="2800" b="0" strike="noStrike" spc="-1">
               <a:solidFill>
@@ -1941,6 +1985,7 @@
           <a:bodyPr lIns="0" tIns="0" rIns="0" bIns="0">
             <a:normAutofit/>
           </a:bodyPr>
+          <a:lstStyle/>
           <a:p>
             <a:endParaRPr lang="pt-BR" sz="2800" b="0" strike="noStrike" spc="-1">
               <a:solidFill>
@@ -1974,6 +2019,7 @@
           <a:bodyPr lIns="0" tIns="0" rIns="0" bIns="0">
             <a:normAutofit/>
           </a:bodyPr>
+          <a:lstStyle/>
           <a:p>
             <a:endParaRPr lang="pt-BR" sz="2800" b="0" strike="noStrike" spc="-1">
               <a:solidFill>
@@ -2030,6 +2076,7 @@
         </p:spPr>
         <p:txBody>
           <a:bodyPr lIns="0" tIns="0" rIns="0" bIns="0" anchor="ctr"/>
+          <a:lstStyle/>
           <a:p>
             <a:endParaRPr lang="pt-BR" sz="1800" b="0" strike="noStrike" spc="-1">
               <a:solidFill>
@@ -2063,6 +2110,7 @@
           <a:bodyPr lIns="0" tIns="0" rIns="0" bIns="0">
             <a:normAutofit/>
           </a:bodyPr>
+          <a:lstStyle/>
           <a:p>
             <a:endParaRPr lang="pt-BR" sz="2800" b="0" strike="noStrike" spc="-1">
               <a:solidFill>
@@ -2096,6 +2144,7 @@
           <a:bodyPr lIns="0" tIns="0" rIns="0" bIns="0">
             <a:normAutofit/>
           </a:bodyPr>
+          <a:lstStyle/>
           <a:p>
             <a:endParaRPr lang="pt-BR" sz="2800" b="0" strike="noStrike" spc="-1">
               <a:solidFill>
@@ -2129,6 +2178,7 @@
           <a:bodyPr lIns="0" tIns="0" rIns="0" bIns="0">
             <a:normAutofit/>
           </a:bodyPr>
+          <a:lstStyle/>
           <a:p>
             <a:endParaRPr lang="pt-BR" sz="2800" b="0" strike="noStrike" spc="-1">
               <a:solidFill>
@@ -2162,6 +2212,7 @@
           <a:bodyPr lIns="0" tIns="0" rIns="0" bIns="0">
             <a:normAutofit/>
           </a:bodyPr>
+          <a:lstStyle/>
           <a:p>
             <a:endParaRPr lang="pt-BR" sz="2800" b="0" strike="noStrike" spc="-1">
               <a:solidFill>
@@ -2195,6 +2246,7 @@
           <a:bodyPr lIns="0" tIns="0" rIns="0" bIns="0">
             <a:normAutofit/>
           </a:bodyPr>
+          <a:lstStyle/>
           <a:p>
             <a:endParaRPr lang="pt-BR" sz="2800" b="0" strike="noStrike" spc="-1">
               <a:solidFill>
@@ -2228,6 +2280,7 @@
           <a:bodyPr lIns="0" tIns="0" rIns="0" bIns="0">
             <a:normAutofit/>
           </a:bodyPr>
+          <a:lstStyle/>
           <a:p>
             <a:endParaRPr lang="pt-BR" sz="2800" b="0" strike="noStrike" spc="-1">
               <a:solidFill>
@@ -2284,6 +2337,7 @@
         </p:spPr>
         <p:txBody>
           <a:bodyPr lIns="0" tIns="0" rIns="0" bIns="0" anchor="ctr"/>
+          <a:lstStyle/>
           <a:p>
             <a:endParaRPr lang="pt-BR" sz="1800" b="0" strike="noStrike" spc="-1">
               <a:solidFill>
@@ -2317,6 +2371,7 @@
           <a:bodyPr lIns="0" tIns="0" rIns="0" bIns="0">
             <a:normAutofit/>
           </a:bodyPr>
+          <a:lstStyle/>
           <a:p>
             <a:endParaRPr lang="pt-BR" sz="2800" b="0" strike="noStrike" spc="-1">
               <a:solidFill>
@@ -2373,6 +2428,7 @@
         </p:spPr>
         <p:txBody>
           <a:bodyPr lIns="0" tIns="0" rIns="0" bIns="0" anchor="ctr"/>
+          <a:lstStyle/>
           <a:p>
             <a:endParaRPr lang="pt-BR" sz="1800" b="0" strike="noStrike" spc="-1">
               <a:solidFill>
@@ -2406,6 +2462,7 @@
           <a:bodyPr lIns="0" tIns="0" rIns="0" bIns="0">
             <a:normAutofit/>
           </a:bodyPr>
+          <a:lstStyle/>
           <a:p>
             <a:endParaRPr lang="pt-BR" sz="2800" b="0" strike="noStrike" spc="-1">
               <a:solidFill>
@@ -2439,6 +2496,7 @@
           <a:bodyPr lIns="0" tIns="0" rIns="0" bIns="0">
             <a:normAutofit/>
           </a:bodyPr>
+          <a:lstStyle/>
           <a:p>
             <a:endParaRPr lang="pt-BR" sz="2800" b="0" strike="noStrike" spc="-1">
               <a:solidFill>
@@ -2495,6 +2553,7 @@
         </p:spPr>
         <p:txBody>
           <a:bodyPr lIns="0" tIns="0" rIns="0" bIns="0" anchor="ctr"/>
+          <a:lstStyle/>
           <a:p>
             <a:endParaRPr lang="pt-BR" sz="1800" b="0" strike="noStrike" spc="-1">
               <a:solidFill>
@@ -2551,6 +2610,7 @@
         </p:spPr>
         <p:txBody>
           <a:bodyPr lIns="0" tIns="0" rIns="0" bIns="0" anchor="ctr"/>
+          <a:lstStyle/>
           <a:p>
             <a:pPr algn="ctr"/>
             <a:endParaRPr lang="pt-BR" sz="3200" b="0" strike="noStrike" spc="-1">
@@ -2605,6 +2665,7 @@
         </p:spPr>
         <p:txBody>
           <a:bodyPr lIns="0" tIns="0" rIns="0" bIns="0" anchor="ctr"/>
+          <a:lstStyle/>
           <a:p>
             <a:endParaRPr lang="pt-BR" sz="1800" b="0" strike="noStrike" spc="-1">
               <a:solidFill>
@@ -2638,6 +2699,7 @@
           <a:bodyPr lIns="0" tIns="0" rIns="0" bIns="0">
             <a:normAutofit/>
           </a:bodyPr>
+          <a:lstStyle/>
           <a:p>
             <a:endParaRPr lang="pt-BR" sz="2800" b="0" strike="noStrike" spc="-1">
               <a:solidFill>
@@ -2671,6 +2733,7 @@
           <a:bodyPr lIns="0" tIns="0" rIns="0" bIns="0">
             <a:normAutofit/>
           </a:bodyPr>
+          <a:lstStyle/>
           <a:p>
             <a:endParaRPr lang="pt-BR" sz="2800" b="0" strike="noStrike" spc="-1">
               <a:solidFill>
@@ -2704,6 +2767,7 @@
           <a:bodyPr lIns="0" tIns="0" rIns="0" bIns="0">
             <a:normAutofit/>
           </a:bodyPr>
+          <a:lstStyle/>
           <a:p>
             <a:endParaRPr lang="pt-BR" sz="2800" b="0" strike="noStrike" spc="-1">
               <a:solidFill>
@@ -2760,6 +2824,7 @@
         </p:spPr>
         <p:txBody>
           <a:bodyPr lIns="0" tIns="0" rIns="0" bIns="0" anchor="ctr"/>
+          <a:lstStyle/>
           <a:p>
             <a:endParaRPr lang="pt-BR" sz="1800" b="0" strike="noStrike" spc="-1">
               <a:solidFill>
@@ -2793,6 +2858,7 @@
           <a:bodyPr lIns="0" tIns="0" rIns="0" bIns="0">
             <a:normAutofit/>
           </a:bodyPr>
+          <a:lstStyle/>
           <a:p>
             <a:endParaRPr lang="pt-BR" sz="2800" b="0" strike="noStrike" spc="-1">
               <a:solidFill>
@@ -2826,6 +2892,7 @@
           <a:bodyPr lIns="0" tIns="0" rIns="0" bIns="0">
             <a:normAutofit/>
           </a:bodyPr>
+          <a:lstStyle/>
           <a:p>
             <a:endParaRPr lang="pt-BR" sz="2800" b="0" strike="noStrike" spc="-1">
               <a:solidFill>
@@ -2859,6 +2926,7 @@
           <a:bodyPr lIns="0" tIns="0" rIns="0" bIns="0">
             <a:normAutofit/>
           </a:bodyPr>
+          <a:lstStyle/>
           <a:p>
             <a:endParaRPr lang="pt-BR" sz="2800" b="0" strike="noStrike" spc="-1">
               <a:solidFill>
@@ -2915,6 +2983,7 @@
         </p:spPr>
         <p:txBody>
           <a:bodyPr lIns="0" tIns="0" rIns="0" bIns="0" anchor="ctr"/>
+          <a:lstStyle/>
           <a:p>
             <a:endParaRPr lang="pt-BR" sz="1800" b="0" strike="noStrike" spc="-1">
               <a:solidFill>
@@ -2948,6 +3017,7 @@
           <a:bodyPr lIns="0" tIns="0" rIns="0" bIns="0">
             <a:normAutofit/>
           </a:bodyPr>
+          <a:lstStyle/>
           <a:p>
             <a:endParaRPr lang="pt-BR" sz="2800" b="0" strike="noStrike" spc="-1">
               <a:solidFill>
@@ -2981,6 +3051,7 @@
           <a:bodyPr lIns="0" tIns="0" rIns="0" bIns="0">
             <a:normAutofit/>
           </a:bodyPr>
+          <a:lstStyle/>
           <a:p>
             <a:endParaRPr lang="pt-BR" sz="2800" b="0" strike="noStrike" spc="-1">
               <a:solidFill>
@@ -3014,6 +3085,7 @@
           <a:bodyPr lIns="0" tIns="0" rIns="0" bIns="0">
             <a:normAutofit/>
           </a:bodyPr>
+          <a:lstStyle/>
           <a:p>
             <a:endParaRPr lang="pt-BR" sz="2800" b="0" strike="noStrike" spc="-1">
               <a:solidFill>
@@ -3059,7 +3131,7 @@
       </p:grpSpPr>
       <p:sp>
         <p:nvSpPr>
-          <p:cNvPr id="0" name="PlaceHolder 1"/>
+          <p:cNvPr id="6" name="PlaceHolder 1"/>
           <p:cNvSpPr>
             <a:spLocks noGrp="1"/>
           </p:cNvSpPr>
@@ -3078,6 +3150,7 @@
         </p:spPr>
         <p:txBody>
           <a:bodyPr anchor="b"/>
+          <a:lstStyle/>
           <a:p>
             <a:pPr algn="ctr">
               <a:lnSpc>
@@ -3123,6 +3196,7 @@
         </p:spPr>
         <p:txBody>
           <a:bodyPr anchor="ctr"/>
+          <a:lstStyle/>
           <a:p>
             <a:endParaRPr lang="pt-BR" sz="2400" b="0" strike="noStrike" spc="-1">
               <a:latin typeface="Times New Roman" panose="02020603050405020304"/>
@@ -3151,6 +3225,7 @@
         </p:spPr>
         <p:txBody>
           <a:bodyPr anchor="ctr"/>
+          <a:lstStyle/>
           <a:p>
             <a:endParaRPr lang="pt-BR" sz="2400" b="0" strike="noStrike" spc="-1">
               <a:latin typeface="Times New Roman" panose="02020603050405020304"/>
@@ -3179,6 +3254,7 @@
         </p:spPr>
         <p:txBody>
           <a:bodyPr anchor="ctr"/>
+          <a:lstStyle/>
           <a:p>
             <a:endParaRPr lang="pt-BR" sz="2400" b="0" strike="noStrike" spc="-1">
               <a:latin typeface="Times New Roman" panose="02020603050405020304"/>
@@ -3209,6 +3285,7 @@
           <a:bodyPr lIns="0" tIns="0" rIns="0" bIns="0">
             <a:normAutofit/>
           </a:bodyPr>
+          <a:lstStyle/>
           <a:p>
             <a:pPr marL="431800" indent="-323850">
               <a:spcBef>
@@ -3230,12 +3307,6 @@
               </a:rPr>
               <a:t>Clique para editar o formato do texto da estrutura de tópicos</a:t>
             </a:r>
-            <a:endParaRPr lang="pt-BR" sz="2800" b="0" strike="noStrike" spc="-1">
-              <a:solidFill>
-                <a:srgbClr val="000000"/>
-              </a:solidFill>
-              <a:latin typeface="Calibri"/>
-            </a:endParaRPr>
           </a:p>
           <a:p>
             <a:pPr marL="864235" lvl="1" indent="-323850">
@@ -3258,12 +3329,6 @@
               </a:rPr>
               <a:t>2.º nível da estrutura de tópicos</a:t>
             </a:r>
-            <a:endParaRPr lang="pt-BR" sz="2000" b="0" strike="noStrike" spc="-1">
-              <a:solidFill>
-                <a:srgbClr val="000000"/>
-              </a:solidFill>
-              <a:latin typeface="Calibri"/>
-            </a:endParaRPr>
           </a:p>
           <a:p>
             <a:pPr marL="1296035" lvl="2" indent="-288290">
@@ -3286,12 +3351,6 @@
               </a:rPr>
               <a:t>3.º nível da estrutura de tópicos</a:t>
             </a:r>
-            <a:endParaRPr lang="pt-BR" sz="1800" b="0" strike="noStrike" spc="-1">
-              <a:solidFill>
-                <a:srgbClr val="000000"/>
-              </a:solidFill>
-              <a:latin typeface="Calibri"/>
-            </a:endParaRPr>
           </a:p>
           <a:p>
             <a:pPr marL="1727835" lvl="3" indent="-215900">
@@ -3314,12 +3373,6 @@
               </a:rPr>
               <a:t>4.º nível da estrutura de tópicos</a:t>
             </a:r>
-            <a:endParaRPr lang="pt-BR" sz="1800" b="0" strike="noStrike" spc="-1">
-              <a:solidFill>
-                <a:srgbClr val="000000"/>
-              </a:solidFill>
-              <a:latin typeface="Calibri"/>
-            </a:endParaRPr>
           </a:p>
           <a:p>
             <a:pPr marL="2160270" lvl="4" indent="-215900">
@@ -3342,12 +3395,6 @@
               </a:rPr>
               <a:t>5.º nível da estrutura de tópicos</a:t>
             </a:r>
-            <a:endParaRPr lang="pt-BR" sz="2000" b="0" strike="noStrike" spc="-1">
-              <a:solidFill>
-                <a:srgbClr val="000000"/>
-              </a:solidFill>
-              <a:latin typeface="Calibri"/>
-            </a:endParaRPr>
           </a:p>
           <a:p>
             <a:pPr marL="2592070" lvl="5" indent="-215900">
@@ -3370,12 +3417,6 @@
               </a:rPr>
               <a:t>6.º nível da estrutura de tópicos</a:t>
             </a:r>
-            <a:endParaRPr lang="pt-BR" sz="2000" b="0" strike="noStrike" spc="-1">
-              <a:solidFill>
-                <a:srgbClr val="000000"/>
-              </a:solidFill>
-              <a:latin typeface="Calibri"/>
-            </a:endParaRPr>
           </a:p>
           <a:p>
             <a:pPr marL="3023870" lvl="6" indent="-215900">
@@ -3398,12 +3439,6 @@
               </a:rPr>
               <a:t>7.º nível da estrutura de tópicos</a:t>
             </a:r>
-            <a:endParaRPr lang="pt-BR" sz="2000" b="0" strike="noStrike" spc="-1">
-              <a:solidFill>
-                <a:srgbClr val="000000"/>
-              </a:solidFill>
-              <a:latin typeface="Calibri"/>
-            </a:endParaRPr>
           </a:p>
         </p:txBody>
       </p:sp>
@@ -3478,6 +3513,7 @@
         </p:spPr>
         <p:txBody>
           <a:bodyPr anchor="b"/>
+          <a:lstStyle/>
           <a:p>
             <a:pPr algn="ctr">
               <a:lnSpc>
@@ -3523,6 +3559,7 @@
         </p:spPr>
         <p:txBody>
           <a:bodyPr anchor="ctr"/>
+          <a:lstStyle/>
           <a:p>
             <a:endParaRPr lang="pt-BR" sz="2400" b="0" strike="noStrike" spc="-1">
               <a:latin typeface="Times New Roman" panose="02020603050405020304"/>
@@ -3551,6 +3588,7 @@
         </p:spPr>
         <p:txBody>
           <a:bodyPr anchor="ctr"/>
+          <a:lstStyle/>
           <a:p>
             <a:endParaRPr lang="pt-BR" sz="2400" b="0" strike="noStrike" spc="-1">
               <a:latin typeface="Times New Roman" panose="02020603050405020304"/>
@@ -3579,6 +3617,7 @@
         </p:spPr>
         <p:txBody>
           <a:bodyPr anchor="ctr"/>
+          <a:lstStyle/>
           <a:p>
             <a:endParaRPr lang="pt-BR" sz="2400" b="0" strike="noStrike" spc="-1">
               <a:latin typeface="Times New Roman" panose="02020603050405020304"/>
@@ -3609,6 +3648,7 @@
           <a:bodyPr lIns="0" tIns="0" rIns="0" bIns="0">
             <a:normAutofit/>
           </a:bodyPr>
+          <a:lstStyle/>
           <a:p>
             <a:pPr marL="431800" indent="-323850">
               <a:spcBef>
@@ -3630,12 +3670,6 @@
               </a:rPr>
               <a:t>Clique para editar o formato do texto da estrutura de tópicos</a:t>
             </a:r>
-            <a:endParaRPr lang="pt-BR" sz="2800" b="0" strike="noStrike" spc="-1">
-              <a:solidFill>
-                <a:srgbClr val="000000"/>
-              </a:solidFill>
-              <a:latin typeface="Calibri"/>
-            </a:endParaRPr>
           </a:p>
           <a:p>
             <a:pPr marL="864235" lvl="1" indent="-323850">
@@ -3658,12 +3692,6 @@
               </a:rPr>
               <a:t>2.º nível da estrutura de tópicos</a:t>
             </a:r>
-            <a:endParaRPr lang="pt-BR" sz="2000" b="0" strike="noStrike" spc="-1">
-              <a:solidFill>
-                <a:srgbClr val="000000"/>
-              </a:solidFill>
-              <a:latin typeface="Calibri"/>
-            </a:endParaRPr>
           </a:p>
           <a:p>
             <a:pPr marL="1296035" lvl="2" indent="-288290">
@@ -3686,12 +3714,6 @@
               </a:rPr>
               <a:t>3.º nível da estrutura de tópicos</a:t>
             </a:r>
-            <a:endParaRPr lang="pt-BR" sz="1800" b="0" strike="noStrike" spc="-1">
-              <a:solidFill>
-                <a:srgbClr val="000000"/>
-              </a:solidFill>
-              <a:latin typeface="Calibri"/>
-            </a:endParaRPr>
           </a:p>
           <a:p>
             <a:pPr marL="1727835" lvl="3" indent="-215900">
@@ -3714,12 +3736,6 @@
               </a:rPr>
               <a:t>4.º nível da estrutura de tópicos</a:t>
             </a:r>
-            <a:endParaRPr lang="pt-BR" sz="1800" b="0" strike="noStrike" spc="-1">
-              <a:solidFill>
-                <a:srgbClr val="000000"/>
-              </a:solidFill>
-              <a:latin typeface="Calibri"/>
-            </a:endParaRPr>
           </a:p>
           <a:p>
             <a:pPr marL="2160270" lvl="4" indent="-215900">
@@ -3742,12 +3758,6 @@
               </a:rPr>
               <a:t>5.º nível da estrutura de tópicos</a:t>
             </a:r>
-            <a:endParaRPr lang="pt-BR" sz="2000" b="0" strike="noStrike" spc="-1">
-              <a:solidFill>
-                <a:srgbClr val="000000"/>
-              </a:solidFill>
-              <a:latin typeface="Calibri"/>
-            </a:endParaRPr>
           </a:p>
           <a:p>
             <a:pPr marL="2592070" lvl="5" indent="-215900">
@@ -3770,12 +3780,6 @@
               </a:rPr>
               <a:t>6.º nível da estrutura de tópicos</a:t>
             </a:r>
-            <a:endParaRPr lang="pt-BR" sz="2000" b="0" strike="noStrike" spc="-1">
-              <a:solidFill>
-                <a:srgbClr val="000000"/>
-              </a:solidFill>
-              <a:latin typeface="Calibri"/>
-            </a:endParaRPr>
           </a:p>
           <a:p>
             <a:pPr marL="3023870" lvl="6" indent="-215900">
@@ -3798,12 +3802,6 @@
               </a:rPr>
               <a:t>7.º nível da estrutura de tópicos</a:t>
             </a:r>
-            <a:endParaRPr lang="pt-BR" sz="2000" b="0" strike="noStrike" spc="-1">
-              <a:solidFill>
-                <a:srgbClr val="000000"/>
-              </a:solidFill>
-              <a:latin typeface="Calibri"/>
-            </a:endParaRPr>
           </a:p>
         </p:txBody>
       </p:sp>
@@ -3864,7 +3862,7 @@
           <p:nvPr/>
         </p:nvPicPr>
         <p:blipFill>
-          <a:blip r:embed="rId1"/>
+          <a:blip r:embed="rId2"/>
           <a:stretch>
             <a:fillRect/>
           </a:stretch>
@@ -3943,6 +3941,7 @@
           <a:bodyPr anchor="b">
             <a:normAutofit/>
           </a:bodyPr>
+          <a:lstStyle/>
           <a:p>
             <a:pPr algn="ctr">
               <a:lnSpc>
@@ -4008,13 +4007,6 @@
   <p:clrMapOvr>
     <a:masterClrMapping/>
   </p:clrMapOvr>
-  <p:timing>
-    <p:tnLst>
-      <p:par>
-        <p:cTn id="1" dur="indefinite" restart="never" nodeType="tmRoot"/>
-      </p:par>
-    </p:tnLst>
-  </p:timing>
 </p:sld>
 </file>
 
@@ -4086,7 +4078,7 @@
           <p:nvPr/>
         </p:nvPicPr>
         <p:blipFill>
-          <a:blip r:embed="rId1"/>
+          <a:blip r:embed="rId2"/>
           <a:stretch>
             <a:fillRect/>
           </a:stretch>
@@ -4111,7 +4103,7 @@
           <p:nvPr/>
         </p:nvPicPr>
         <p:blipFill>
-          <a:blip r:embed="rId1"/>
+          <a:blip r:embed="rId2"/>
           <a:stretch>
             <a:fillRect/>
           </a:stretch>
@@ -4136,7 +4128,7 @@
           <p:nvPr/>
         </p:nvPicPr>
         <p:blipFill>
-          <a:blip r:embed="rId1"/>
+          <a:blip r:embed="rId2"/>
           <a:srcRect r="88435"/>
           <a:stretch>
             <a:fillRect/>
@@ -4188,6 +4180,7 @@
         </p:style>
         <p:txBody>
           <a:bodyPr wrap="none" lIns="90000" tIns="45000" rIns="90000" bIns="45000"/>
+          <a:lstStyle/>
           <a:p>
             <a:pPr>
               <a:lnSpc>
@@ -4243,6 +4236,7 @@
         </p:style>
         <p:txBody>
           <a:bodyPr wrap="none" lIns="90000" tIns="45000" rIns="90000" bIns="45000"/>
+          <a:lstStyle/>
           <a:p>
             <a:pPr>
               <a:lnSpc>
@@ -4348,6 +4342,7 @@
         </p:style>
         <p:txBody>
           <a:bodyPr wrap="none" lIns="90000" tIns="45000" rIns="90000" bIns="45000"/>
+          <a:lstStyle/>
           <a:p>
             <a:pPr>
               <a:lnSpc>
@@ -4443,6 +4438,7 @@
         </p:style>
         <p:txBody>
           <a:bodyPr wrap="none" lIns="90000" tIns="45000" rIns="90000" bIns="45000"/>
+          <a:lstStyle/>
           <a:p>
             <a:pPr>
               <a:lnSpc>
@@ -4538,6 +4534,7 @@
         </p:style>
         <p:txBody>
           <a:bodyPr wrap="none" lIns="90000" tIns="45000" rIns="90000" bIns="45000"/>
+          <a:lstStyle/>
           <a:p>
             <a:pPr>
               <a:lnSpc>
@@ -4643,6 +4640,7 @@
         </p:style>
         <p:txBody>
           <a:bodyPr wrap="none" lIns="90000" tIns="45000" rIns="90000" bIns="45000"/>
+          <a:lstStyle/>
           <a:p>
             <a:pPr>
               <a:lnSpc>
@@ -4738,6 +4736,7 @@
         </p:style>
         <p:txBody>
           <a:bodyPr wrap="none" lIns="90000" tIns="45000" rIns="90000" bIns="45000"/>
+          <a:lstStyle/>
           <a:p>
             <a:pPr>
               <a:lnSpc>
@@ -4805,13 +4804,6 @@
   <p:clrMapOvr>
     <a:masterClrMapping/>
   </p:clrMapOvr>
-  <p:timing>
-    <p:tnLst>
-      <p:par>
-        <p:cTn id="1" dur="indefinite" restart="never" nodeType="tmRoot"/>
-      </p:par>
-    </p:tnLst>
-  </p:timing>
 </p:sld>
 </file>
 
@@ -4847,7 +4839,7 @@
           <p:nvPr/>
         </p:nvPicPr>
         <p:blipFill>
-          <a:blip r:embed="rId1"/>
+          <a:blip r:embed="rId2"/>
           <a:stretch>
             <a:fillRect/>
           </a:stretch>
@@ -4872,7 +4864,7 @@
           <p:nvPr/>
         </p:nvPicPr>
         <p:blipFill>
-          <a:blip r:embed="rId1"/>
+          <a:blip r:embed="rId2"/>
           <a:stretch>
             <a:fillRect/>
           </a:stretch>
@@ -4897,7 +4889,7 @@
           <p:nvPr/>
         </p:nvPicPr>
         <p:blipFill>
-          <a:blip r:embed="rId1"/>
+          <a:blip r:embed="rId2"/>
           <a:srcRect r="88435"/>
           <a:stretch>
             <a:fillRect/>
@@ -4949,6 +4941,7 @@
         </p:style>
         <p:txBody>
           <a:bodyPr wrap="none" lIns="90000" tIns="45000" rIns="90000" bIns="45000"/>
+          <a:lstStyle/>
           <a:p>
             <a:pPr>
               <a:lnSpc>
@@ -5004,6 +4997,7 @@
         </p:style>
         <p:txBody>
           <a:bodyPr lIns="90000" tIns="45000" rIns="90000" bIns="45000"/>
+          <a:lstStyle/>
           <a:p>
             <a:pPr marL="342900" indent="-342900">
               <a:lnSpc>
@@ -5147,13 +5141,6 @@
   <p:clrMapOvr>
     <a:masterClrMapping/>
   </p:clrMapOvr>
-  <p:timing>
-    <p:tnLst>
-      <p:par>
-        <p:cTn id="1" dur="indefinite" restart="never" nodeType="tmRoot"/>
-      </p:par>
-    </p:tnLst>
-  </p:timing>
 </p:sld>
 </file>
 
@@ -5189,7 +5176,7 @@
           <p:nvPr/>
         </p:nvPicPr>
         <p:blipFill>
-          <a:blip r:embed="rId1"/>
+          <a:blip r:embed="rId2"/>
           <a:stretch>
             <a:fillRect/>
           </a:stretch>
@@ -5214,7 +5201,7 @@
           <p:nvPr/>
         </p:nvPicPr>
         <p:blipFill>
-          <a:blip r:embed="rId1"/>
+          <a:blip r:embed="rId2"/>
           <a:stretch>
             <a:fillRect/>
           </a:stretch>
@@ -5239,7 +5226,7 @@
           <p:nvPr/>
         </p:nvPicPr>
         <p:blipFill>
-          <a:blip r:embed="rId1"/>
+          <a:blip r:embed="rId2"/>
           <a:srcRect r="88435"/>
           <a:stretch>
             <a:fillRect/>
@@ -5291,6 +5278,7 @@
         </p:style>
         <p:txBody>
           <a:bodyPr wrap="none" lIns="90000" tIns="45000" rIns="90000" bIns="45000"/>
+          <a:lstStyle/>
           <a:p>
             <a:pPr>
               <a:lnSpc>
@@ -5358,7 +5346,7 @@
           <p:nvPr/>
         </p:nvPicPr>
         <p:blipFill>
-          <a:blip r:embed="rId2"/>
+          <a:blip r:embed="rId3"/>
           <a:stretch>
             <a:fillRect/>
           </a:stretch>
@@ -5381,13 +5369,6 @@
   <p:clrMapOvr>
     <a:masterClrMapping/>
   </p:clrMapOvr>
-  <p:timing>
-    <p:tnLst>
-      <p:par>
-        <p:cTn id="1" dur="indefinite" restart="never" nodeType="tmRoot"/>
-      </p:par>
-    </p:tnLst>
-  </p:timing>
 </p:sld>
 </file>
 
@@ -5459,7 +5440,7 @@
           <p:nvPr/>
         </p:nvPicPr>
         <p:blipFill>
-          <a:blip r:embed="rId1"/>
+          <a:blip r:embed="rId2"/>
           <a:stretch>
             <a:fillRect/>
           </a:stretch>
@@ -5484,7 +5465,7 @@
           <p:nvPr/>
         </p:nvPicPr>
         <p:blipFill>
-          <a:blip r:embed="rId1"/>
+          <a:blip r:embed="rId2"/>
           <a:stretch>
             <a:fillRect/>
           </a:stretch>
@@ -5509,7 +5490,7 @@
           <p:nvPr/>
         </p:nvPicPr>
         <p:blipFill>
-          <a:blip r:embed="rId1"/>
+          <a:blip r:embed="rId2"/>
           <a:srcRect r="88435"/>
           <a:stretch>
             <a:fillRect/>
@@ -5561,6 +5542,7 @@
         </p:style>
         <p:txBody>
           <a:bodyPr wrap="none" lIns="90000" tIns="45000" rIns="90000" bIns="45000"/>
+          <a:lstStyle/>
           <a:p>
             <a:pPr>
               <a:lnSpc>
@@ -5616,6 +5598,7 @@
         </p:style>
         <p:txBody>
           <a:bodyPr lIns="90000" tIns="45000" rIns="90000" bIns="45000"/>
+          <a:lstStyle/>
           <a:p>
             <a:pPr marL="342900" indent="-342900">
               <a:lnSpc>
@@ -5793,13 +5776,6 @@
   <p:clrMapOvr>
     <a:masterClrMapping/>
   </p:clrMapOvr>
-  <p:timing>
-    <p:tnLst>
-      <p:par>
-        <p:cTn id="1" dur="indefinite" restart="never" nodeType="tmRoot"/>
-      </p:par>
-    </p:tnLst>
-  </p:timing>
 </p:sld>
 </file>
 
@@ -5871,7 +5847,7 @@
           <p:nvPr/>
         </p:nvPicPr>
         <p:blipFill>
-          <a:blip r:embed="rId1"/>
+          <a:blip r:embed="rId2"/>
           <a:stretch>
             <a:fillRect/>
           </a:stretch>
@@ -5896,7 +5872,7 @@
           <p:nvPr/>
         </p:nvPicPr>
         <p:blipFill>
-          <a:blip r:embed="rId1"/>
+          <a:blip r:embed="rId2"/>
           <a:stretch>
             <a:fillRect/>
           </a:stretch>
@@ -5921,7 +5897,7 @@
           <p:nvPr/>
         </p:nvPicPr>
         <p:blipFill>
-          <a:blip r:embed="rId1"/>
+          <a:blip r:embed="rId2"/>
           <a:srcRect r="88435"/>
           <a:stretch>
             <a:fillRect/>
@@ -5973,6 +5949,7 @@
         </p:style>
         <p:txBody>
           <a:bodyPr wrap="none" lIns="90000" tIns="45000" rIns="90000" bIns="45000"/>
+          <a:lstStyle/>
           <a:p>
             <a:pPr>
               <a:lnSpc>
@@ -5995,44 +5972,6 @@
           </a:p>
         </p:txBody>
       </p:sp>
-      <p:sp>
-        <p:nvSpPr>
-          <p:cNvPr id="119" name="CustomShape 3"/>
-          <p:cNvSpPr/>
-          <p:nvPr/>
-        </p:nvSpPr>
-        <p:spPr>
-          <a:xfrm>
-            <a:off x="0" y="4896000"/>
-            <a:ext cx="12191760" cy="1961640"/>
-          </a:xfrm>
-          <a:prstGeom prst="rect">
-            <a:avLst/>
-          </a:prstGeom>
-          <a:solidFill>
-            <a:srgbClr val="333C3C">
-              <a:alpha val="62000"/>
-            </a:srgbClr>
-          </a:solidFill>
-          <a:ln>
-            <a:noFill/>
-          </a:ln>
-        </p:spPr>
-        <p:style>
-          <a:lnRef idx="2">
-            <a:schemeClr val="accent1">
-              <a:shade val="50000"/>
-            </a:schemeClr>
-          </a:lnRef>
-          <a:fillRef idx="1">
-            <a:schemeClr val="accent1"/>
-          </a:fillRef>
-          <a:effectRef idx="0">
-            <a:schemeClr val="accent1"/>
-          </a:effectRef>
-          <a:fontRef idx="minor"/>
-        </p:style>
-      </p:sp>
       <p:pic>
         <p:nvPicPr>
           <p:cNvPr id="2" name="Picture 1" descr="Desenho_Solucao"/>
@@ -6042,7 +5981,7 @@
           <p:nvPr/>
         </p:nvPicPr>
         <p:blipFill>
-          <a:blip r:embed="rId2"/>
+          <a:blip r:embed="rId3"/>
           <a:stretch>
             <a:fillRect/>
           </a:stretch>
@@ -6062,13 +6001,6 @@
   <p:clrMapOvr>
     <a:masterClrMapping/>
   </p:clrMapOvr>
-  <p:timing>
-    <p:tnLst>
-      <p:par>
-        <p:cTn id="1" dur="indefinite" restart="never" nodeType="tmRoot"/>
-      </p:par>
-    </p:tnLst>
-  </p:timing>
 </p:sld>
 </file>
 
@@ -6140,7 +6072,7 @@
           <p:nvPr/>
         </p:nvPicPr>
         <p:blipFill>
-          <a:blip r:embed="rId1"/>
+          <a:blip r:embed="rId2"/>
           <a:stretch>
             <a:fillRect/>
           </a:stretch>
@@ -6165,7 +6097,7 @@
           <p:nvPr/>
         </p:nvPicPr>
         <p:blipFill>
-          <a:blip r:embed="rId1"/>
+          <a:blip r:embed="rId2"/>
           <a:stretch>
             <a:fillRect/>
           </a:stretch>
@@ -6190,7 +6122,7 @@
           <p:nvPr/>
         </p:nvPicPr>
         <p:blipFill>
-          <a:blip r:embed="rId1"/>
+          <a:blip r:embed="rId2"/>
           <a:srcRect r="88435"/>
           <a:stretch>
             <a:fillRect/>
@@ -6242,6 +6174,7 @@
         </p:style>
         <p:txBody>
           <a:bodyPr wrap="none" lIns="90000" tIns="45000" rIns="90000" bIns="45000"/>
+          <a:lstStyle/>
           <a:p>
             <a:pPr>
               <a:lnSpc>
@@ -6335,6 +6268,7 @@
         </p:style>
         <p:txBody>
           <a:bodyPr lIns="90000" tIns="45000" rIns="90000" bIns="45000"/>
+          <a:lstStyle/>
           <a:p>
             <a:pPr>
               <a:lnSpc>
@@ -6383,7 +6317,7 @@
           <p:nvPr/>
         </p:nvPicPr>
         <p:blipFill>
-          <a:blip r:embed="rId2"/>
+          <a:blip r:embed="rId3"/>
           <a:srcRect b="3985"/>
           <a:stretch>
             <a:fillRect/>
@@ -6407,13 +6341,6 @@
   <p:clrMapOvr>
     <a:masterClrMapping/>
   </p:clrMapOvr>
-  <p:timing>
-    <p:tnLst>
-      <p:par>
-        <p:cTn id="1" dur="indefinite" restart="never" nodeType="tmRoot"/>
-      </p:par>
-    </p:tnLst>
-  </p:timing>
 </p:sld>
 </file>
 
@@ -6485,7 +6412,7 @@
           <p:nvPr/>
         </p:nvPicPr>
         <p:blipFill>
-          <a:blip r:embed="rId1"/>
+          <a:blip r:embed="rId2"/>
           <a:stretch>
             <a:fillRect/>
           </a:stretch>
@@ -6510,7 +6437,7 @@
           <p:nvPr/>
         </p:nvPicPr>
         <p:blipFill>
-          <a:blip r:embed="rId1"/>
+          <a:blip r:embed="rId2"/>
           <a:stretch>
             <a:fillRect/>
           </a:stretch>
@@ -6535,7 +6462,7 @@
           <p:nvPr/>
         </p:nvPicPr>
         <p:blipFill>
-          <a:blip r:embed="rId1"/>
+          <a:blip r:embed="rId2"/>
           <a:srcRect r="88435"/>
           <a:stretch>
             <a:fillRect/>
@@ -6587,6 +6514,7 @@
         </p:style>
         <p:txBody>
           <a:bodyPr wrap="none" lIns="90000" tIns="45000" rIns="90000" bIns="45000"/>
+          <a:lstStyle/>
           <a:p>
             <a:pPr>
               <a:lnSpc>
@@ -6611,44 +6539,6 @@
       </p:sp>
       <p:sp>
         <p:nvSpPr>
-          <p:cNvPr id="134" name="CustomShape 3"/>
-          <p:cNvSpPr/>
-          <p:nvPr/>
-        </p:nvSpPr>
-        <p:spPr>
-          <a:xfrm>
-            <a:off x="0" y="4896000"/>
-            <a:ext cx="12191760" cy="1961640"/>
-          </a:xfrm>
-          <a:prstGeom prst="rect">
-            <a:avLst/>
-          </a:prstGeom>
-          <a:solidFill>
-            <a:srgbClr val="333C3C">
-              <a:alpha val="62000"/>
-            </a:srgbClr>
-          </a:solidFill>
-          <a:ln>
-            <a:noFill/>
-          </a:ln>
-        </p:spPr>
-        <p:style>
-          <a:lnRef idx="2">
-            <a:schemeClr val="accent1">
-              <a:shade val="50000"/>
-            </a:schemeClr>
-          </a:lnRef>
-          <a:fillRef idx="1">
-            <a:schemeClr val="accent1"/>
-          </a:fillRef>
-          <a:effectRef idx="0">
-            <a:schemeClr val="accent1"/>
-          </a:effectRef>
-          <a:fontRef idx="minor"/>
-        </p:style>
-      </p:sp>
-      <p:sp>
-        <p:nvSpPr>
           <p:cNvPr id="135" name="CustomShape 4"/>
           <p:cNvSpPr/>
           <p:nvPr/>
@@ -6680,6 +6570,7 @@
         </p:style>
         <p:txBody>
           <a:bodyPr lIns="90000" tIns="45000" rIns="90000" bIns="45000"/>
+          <a:lstStyle/>
           <a:p>
             <a:pPr marL="342900" indent="-342900">
               <a:lnSpc>
@@ -6825,13 +6716,6 @@
   <p:clrMapOvr>
     <a:masterClrMapping/>
   </p:clrMapOvr>
-  <p:timing>
-    <p:tnLst>
-      <p:par>
-        <p:cTn id="1" dur="indefinite" restart="never" nodeType="tmRoot"/>
-      </p:par>
-    </p:tnLst>
-  </p:timing>
 </p:sld>
 </file>
 
@@ -7055,6 +6939,8 @@
       </a:bgFillStyleLst>
     </a:fmtScheme>
   </a:themeElements>
+  <a:objectDefaults/>
+  <a:extraClrSchemeLst/>
   <a:extLst>
     <a:ext uri="{05A4C25C-085E-4340-85A3-A5531E510DB2}">
       <thm15:themeFamily xmlns:thm15="http://schemas.microsoft.com/office/thememl/2012/main" name="Office Theme" id="{62F939B6-93AF-4DB8-9C6B-D6C7DFDC589F}" vid="{4A3C46E8-61CC-4603-A589-7422A47A8E4A}"/>
@@ -7283,6 +7169,8 @@
       </a:bgFillStyleLst>
     </a:fmtScheme>
   </a:themeElements>
+  <a:objectDefaults/>
+  <a:extraClrSchemeLst/>
   <a:extLst>
     <a:ext uri="{05A4C25C-085E-4340-85A3-A5531E510DB2}">
       <thm15:themeFamily xmlns:thm15="http://schemas.microsoft.com/office/thememl/2012/main" name="Office Theme" id="{62F939B6-93AF-4DB8-9C6B-D6C7DFDC589F}" vid="{4A3C46E8-61CC-4603-A589-7422A47A8E4A}"/>

--- a/Sprint1/Apresentacoes/PI_Contexto.pptx
+++ b/Sprint1/Apresentacoes/PI_Contexto.pptx
@@ -109,6 +109,11 @@
       </a:defRPr>
     </a:lvl9pPr>
   </p:defaultTextStyle>
+  <p:extLst>
+    <p:ext uri="{EFAFB233-063F-42B5-8137-9DF3F51BA10A}">
+      <p15:sldGuideLst xmlns:p15="http://schemas.microsoft.com/office/powerpoint/2012/main"/>
+    </p:ext>
+  </p:extLst>
 </p:presentation>
 </file>
 
@@ -6235,105 +6240,40 @@
           <a:fontRef idx="minor"/>
         </p:style>
       </p:sp>
-      <p:sp>
-        <p:nvSpPr>
-          <p:cNvPr id="127" name="CustomShape 4"/>
-          <p:cNvSpPr/>
-          <p:nvPr/>
-        </p:nvSpPr>
-        <p:spPr>
-          <a:xfrm>
-            <a:off x="1112040" y="1569600"/>
-            <a:ext cx="10024200" cy="1187640"/>
-          </a:xfrm>
-          <a:prstGeom prst="rect">
-            <a:avLst/>
-          </a:prstGeom>
-          <a:noFill/>
-          <a:ln>
-            <a:noFill/>
-          </a:ln>
-        </p:spPr>
-        <p:style>
-          <a:lnRef idx="0">
-            <a:srgbClr val="FFFFFF"/>
-          </a:lnRef>
-          <a:fillRef idx="0">
-            <a:srgbClr val="FFFFFF"/>
-          </a:fillRef>
-          <a:effectRef idx="0">
-            <a:srgbClr val="FFFFFF"/>
-          </a:effectRef>
-          <a:fontRef idx="minor"/>
-        </p:style>
-        <p:txBody>
-          <a:bodyPr lIns="90000" tIns="45000" rIns="90000" bIns="45000"/>
-          <a:lstStyle/>
-          <a:p>
-            <a:pPr>
-              <a:lnSpc>
-                <a:spcPct val="100000"/>
-              </a:lnSpc>
-            </a:pPr>
-            <a:r>
-              <a:rPr lang="pt-BR" sz="2400" b="0" strike="noStrike" spc="-1">
-                <a:solidFill>
-                  <a:srgbClr val="000000"/>
-                </a:solidFill>
-                <a:latin typeface="Lato" panose="020F0602020204030203"/>
-              </a:rPr>
-              <a:t>Aqui vai o BPMN OU HLD;</a:t>
-            </a:r>
-            <a:endParaRPr lang="pt-BR" sz="2400" b="0" strike="noStrike" spc="-1">
-              <a:latin typeface="Arial" panose="020B0604020202020204"/>
-            </a:endParaRPr>
-          </a:p>
-          <a:p>
-            <a:pPr>
-              <a:lnSpc>
-                <a:spcPct val="100000"/>
-              </a:lnSpc>
-            </a:pPr>
-            <a:endParaRPr lang="pt-BR" sz="2400" b="0" strike="noStrike" spc="-1">
-              <a:latin typeface="Arial" panose="020B0604020202020204"/>
-            </a:endParaRPr>
-          </a:p>
-          <a:p>
-            <a:pPr>
-              <a:lnSpc>
-                <a:spcPct val="100000"/>
-              </a:lnSpc>
-            </a:pPr>
-            <a:endParaRPr lang="pt-BR" sz="2400" b="0" strike="noStrike" spc="-1">
-              <a:latin typeface="Arial" panose="020B0604020202020204"/>
-            </a:endParaRPr>
-          </a:p>
-        </p:txBody>
-      </p:sp>
       <p:pic>
         <p:nvPicPr>
-          <p:cNvPr id="128" name="Imagem 2"/>
-          <p:cNvPicPr/>
+          <p:cNvPr id="3" name="Imagem 2" descr="Mapa com linhas pretas em fundo branco&#10;&#10;Descrição gerada automaticamente">
+            <a:extLst>
+              <a:ext uri="{FF2B5EF4-FFF2-40B4-BE49-F238E27FC236}">
+                <a16:creationId xmlns:a16="http://schemas.microsoft.com/office/drawing/2014/main" id="{64BAC94A-77D8-4D3F-8E22-5E1B48A866E2}"/>
+              </a:ext>
+            </a:extLst>
+          </p:cNvPr>
+          <p:cNvPicPr>
+            <a:picLocks noChangeAspect="1"/>
+          </p:cNvPicPr>
           <p:nvPr/>
         </p:nvPicPr>
         <p:blipFill>
-          <a:blip r:embed="rId3"/>
-          <a:srcRect b="3985"/>
+          <a:blip r:embed="rId3">
+            <a:extLst>
+              <a:ext uri="{28A0092B-C50C-407E-A947-70E740481C1C}">
+                <a14:useLocalDpi xmlns:a14="http://schemas.microsoft.com/office/drawing/2010/main" val="0"/>
+              </a:ext>
+            </a:extLst>
+          </a:blip>
           <a:stretch>
             <a:fillRect/>
           </a:stretch>
         </p:blipFill>
         <p:spPr>
           <a:xfrm>
-            <a:off x="1112040" y="1448280"/>
-            <a:ext cx="10068840" cy="4856400"/>
-          </a:xfrm>
-          <a:prstGeom prst="rect">
-            <a:avLst/>
-          </a:prstGeom>
-          <a:ln>
-            <a:noFill/>
-          </a:ln>
+            <a:off x="1060855" y="1447560"/>
+            <a:ext cx="10069330" cy="5058481"/>
+          </a:xfrm>
+          <a:prstGeom prst="rect">
+            <a:avLst/>
+          </a:prstGeom>
         </p:spPr>
       </p:pic>
     </p:spTree>
